--- a/trendmicro template.pptx
+++ b/trendmicro template.pptx
@@ -5,26 +5,14 @@
     <p:sldMasterId id="2147483649" r:id="rId4"/>
   </p:sldMasterIdLst>
   <p:notesMasterIdLst>
-    <p:notesMasterId r:id="rId19"/>
+    <p:notesMasterId r:id="rId7"/>
   </p:notesMasterIdLst>
   <p:handoutMasterIdLst>
-    <p:handoutMasterId r:id="rId20"/>
+    <p:handoutMasterId r:id="rId8"/>
   </p:handoutMasterIdLst>
   <p:sldIdLst>
     <p:sldId id="266" r:id="rId5"/>
-    <p:sldId id="331" r:id="rId6"/>
-    <p:sldId id="350" r:id="rId7"/>
-    <p:sldId id="345" r:id="rId8"/>
-    <p:sldId id="346" r:id="rId9"/>
-    <p:sldId id="341" r:id="rId10"/>
-    <p:sldId id="338" r:id="rId11"/>
-    <p:sldId id="347" r:id="rId12"/>
-    <p:sldId id="351" r:id="rId13"/>
-    <p:sldId id="339" r:id="rId14"/>
-    <p:sldId id="343" r:id="rId15"/>
-    <p:sldId id="344" r:id="rId16"/>
-    <p:sldId id="349" r:id="rId17"/>
-    <p:sldId id="348" r:id="rId18"/>
+    <p:sldId id="344" r:id="rId6"/>
   </p:sldIdLst>
   <p:sldSz cx="9144000" cy="6858000" type="screen4x3"/>
   <p:notesSz cx="6807200" cy="9939338"/>
@@ -159,19 +147,7 @@
         <p14:section name="Default Section" id="{9BEF24F2-5D59-46CA-B938-D46BBC426BAC}">
           <p14:sldIdLst>
             <p14:sldId id="266"/>
-            <p14:sldId id="331"/>
-            <p14:sldId id="350"/>
-            <p14:sldId id="345"/>
-            <p14:sldId id="346"/>
-            <p14:sldId id="341"/>
-            <p14:sldId id="338"/>
-            <p14:sldId id="347"/>
-            <p14:sldId id="351"/>
-            <p14:sldId id="339"/>
-            <p14:sldId id="343"/>
             <p14:sldId id="344"/>
-            <p14:sldId id="349"/>
-            <p14:sldId id="348"/>
           </p14:sldIdLst>
         </p14:section>
       </p14:sectionLst>
@@ -330,7 +306,7 @@
               <a:pPr>
                 <a:defRPr/>
               </a:pPr>
-              <a:t>5/27/2016</a:t>
+              <a:t>8/3/2016</a:t>
             </a:fld>
             <a:endParaRPr lang="en-US" dirty="0"/>
           </a:p>
@@ -576,7 +552,7 @@
               <a:pPr>
                 <a:defRPr/>
               </a:pPr>
-              <a:t>5/27/2016</a:t>
+              <a:t>8/3/2016</a:t>
             </a:fld>
             <a:endParaRPr lang="en-US" dirty="0"/>
           </a:p>
@@ -1046,7 +1022,7 @@
             <a:fld id="{5C8FD179-FCC0-409B-BF0B-B98312203495}" type="datetime1">
               <a:rPr lang="en-US" altLang="zh-TW"/>
               <a:pPr/>
-              <a:t>5/27/2016</a:t>
+              <a:t>8/3/2016</a:t>
             </a:fld>
             <a:endParaRPr lang="en-US" altLang="zh-TW" dirty="0"/>
           </a:p>
@@ -1221,7 +1197,7 @@
               <a:pPr>
                 <a:defRPr/>
               </a:pPr>
-              <a:t>5/27/2016</a:t>
+              <a:t>8/3/2016</a:t>
             </a:fld>
             <a:endParaRPr lang="en-US" dirty="0"/>
           </a:p>
@@ -1441,7 +1417,7 @@
               <a:pPr>
                 <a:defRPr/>
               </a:pPr>
-              <a:t>5/27/2016</a:t>
+              <a:t>8/3/2016</a:t>
             </a:fld>
             <a:endParaRPr lang="en-US" dirty="0"/>
           </a:p>
@@ -1675,7 +1651,7 @@
               <a:pPr>
                 <a:defRPr/>
               </a:pPr>
-              <a:t>5/27/2016</a:t>
+              <a:t>8/3/2016</a:t>
             </a:fld>
             <a:endParaRPr lang="en-US" dirty="0"/>
           </a:p>
@@ -1933,7 +1909,7 @@
               <a:pPr>
                 <a:defRPr/>
               </a:pPr>
-              <a:t>5/27/2016</a:t>
+              <a:t>8/3/2016</a:t>
             </a:fld>
             <a:endParaRPr lang="en-US" dirty="0"/>
           </a:p>
@@ -2256,7 +2232,7 @@
               <a:pPr>
                 <a:defRPr/>
               </a:pPr>
-              <a:t>5/27/2016</a:t>
+              <a:t>8/3/2016</a:t>
             </a:fld>
             <a:endParaRPr lang="en-US" dirty="0"/>
           </a:p>
@@ -2486,7 +2462,7 @@
               <a:pPr>
                 <a:defRPr/>
               </a:pPr>
-              <a:t>5/27/2016</a:t>
+              <a:t>8/3/2016</a:t>
             </a:fld>
             <a:endParaRPr lang="en-US" dirty="0"/>
           </a:p>
@@ -2819,7 +2795,7 @@
               <a:pPr>
                 <a:defRPr/>
               </a:pPr>
-              <a:t>5/27/2016</a:t>
+              <a:t>8/3/2016</a:t>
             </a:fld>
             <a:endParaRPr lang="en-US" dirty="0"/>
           </a:p>
@@ -2965,7 +2941,7 @@
               <a:pPr>
                 <a:defRPr/>
               </a:pPr>
-              <a:t>5/27/2016</a:t>
+              <a:t>8/3/2016</a:t>
             </a:fld>
             <a:endParaRPr lang="en-US" dirty="0"/>
           </a:p>
@@ -3088,7 +3064,7 @@
               <a:pPr>
                 <a:defRPr/>
               </a:pPr>
-              <a:t>5/27/2016</a:t>
+              <a:t>8/3/2016</a:t>
             </a:fld>
             <a:endParaRPr lang="en-US" dirty="0"/>
           </a:p>
@@ -3376,7 +3352,7 @@
               <a:pPr>
                 <a:defRPr/>
               </a:pPr>
-              <a:t>5/27/2016</a:t>
+              <a:t>8/3/2016</a:t>
             </a:fld>
             <a:endParaRPr lang="en-US" dirty="0"/>
           </a:p>
@@ -4007,31 +3983,31 @@
           <a:lstStyle/>
           <a:p>
             <a:r>
-              <a:rPr lang="en-US" altLang="zh-TW" dirty="0" err="1" smtClean="0">
-                <a:ea typeface="新細明體" charset="-120"/>
-              </a:rPr>
-              <a:t>Yamei</a:t>
-            </a:r>
-            <a:r>
               <a:rPr lang="en-US" altLang="zh-TW" dirty="0" smtClean="0">
                 <a:ea typeface="新細明體" charset="-120"/>
               </a:rPr>
-              <a:t> Zhou</a:t>
-            </a:r>
+              <a:t>Tianhe Gong</a:t>
+            </a:r>
+            <a:endParaRPr lang="en-US" altLang="zh-TW" dirty="0" smtClean="0">
+              <a:ea typeface="新細明體" charset="-120"/>
+            </a:endParaRPr>
           </a:p>
           <a:p>
             <a:r>
               <a:rPr lang="en-US" altLang="zh-TW" dirty="0" smtClean="0">
                 <a:ea typeface="新細明體" charset="-120"/>
               </a:rPr>
-              <a:t>04/25/2016</a:t>
-            </a:r>
-          </a:p>
-          <a:p>
+              <a:t>08/10/2016</a:t>
+            </a:r>
             <a:endParaRPr lang="en-US" altLang="zh-TW" dirty="0" smtClean="0">
               <a:ea typeface="新細明體" charset="-120"/>
             </a:endParaRPr>
           </a:p>
+          <a:p>
+            <a:endParaRPr lang="en-US" altLang="zh-TW" dirty="0" smtClean="0">
+              <a:ea typeface="新細明體" charset="-120"/>
+            </a:endParaRPr>
+          </a:p>
         </p:txBody>
       </p:sp>
       <p:sp>
@@ -4046,7 +4022,7 @@
         </p:nvSpPr>
         <p:spPr>
           <a:xfrm>
-            <a:off x="1110343" y="2405063"/>
+            <a:off x="639826" y="2405063"/>
             <a:ext cx="7757432" cy="1095783"/>
           </a:xfrm>
         </p:spPr>
@@ -4058,8 +4034,11 @@
               <a:rPr lang="en-US" altLang="zh-TW" sz="3600" b="1" dirty="0" smtClean="0">
                 <a:ea typeface="新細明體" charset="-120"/>
               </a:rPr>
-              <a:t>FMC v1.0 Introduction</a:t>
-            </a:r>
+              <a:t>Algorithms and its applications</a:t>
+            </a:r>
+            <a:endParaRPr lang="en-US" altLang="zh-TW" sz="3600" b="1" dirty="0" smtClean="0">
+              <a:ea typeface="新細明體" charset="-120"/>
+            </a:endParaRPr>
           </a:p>
         </p:txBody>
       </p:sp>
@@ -4176,1507 +4155,6 @@
         </p:txBody>
       </p:sp>
     </p:spTree>
-  </p:cSld>
-  <p:clrMapOvr>
-    <a:masterClrMapping/>
-  </p:clrMapOvr>
-  <p:transition>
-    <p:fade thruBlk="1"/>
-  </p:transition>
-  <p:timing>
-    <p:tnLst>
-      <p:par>
-        <p:cTn id="1" dur="indefinite" restart="never" nodeType="tmRoot"/>
-      </p:par>
-    </p:tnLst>
-  </p:timing>
-</p:sld>
-</file>
-
-<file path=ppt/slides/slide10.xml><?xml version="1.0" encoding="utf-8"?>
-<p:sld xmlns:a="http://schemas.openxmlformats.org/drawingml/2006/main" xmlns:r="http://schemas.openxmlformats.org/officeDocument/2006/relationships" xmlns:p="http://schemas.openxmlformats.org/presentationml/2006/main">
-  <p:cSld>
-    <p:spTree>
-      <p:nvGrpSpPr>
-        <p:cNvPr id="1" name=""/>
-        <p:cNvGrpSpPr/>
-        <p:nvPr/>
-      </p:nvGrpSpPr>
-      <p:grpSpPr>
-        <a:xfrm>
-          <a:off x="0" y="0"/>
-          <a:ext cx="0" cy="0"/>
-          <a:chOff x="0" y="0"/>
-          <a:chExt cx="0" cy="0"/>
-        </a:xfrm>
-      </p:grpSpPr>
-      <p:sp>
-        <p:nvSpPr>
-          <p:cNvPr id="4" name="Date Placeholder 3"/>
-          <p:cNvSpPr>
-            <a:spLocks noGrp="1"/>
-          </p:cNvSpPr>
-          <p:nvPr>
-            <p:ph type="dt" sz="quarter" idx="10"/>
-          </p:nvPr>
-        </p:nvSpPr>
-        <p:spPr/>
-        <p:txBody>
-          <a:bodyPr/>
-          <a:lstStyle/>
-          <a:p>
-            <a:pPr>
-              <a:defRPr/>
-            </a:pPr>
-            <a:r>
-              <a:rPr lang="en-US" altLang="zh-TW" dirty="0" smtClean="0">
-                <a:ea typeface="新細明體" charset="-120"/>
-              </a:rPr>
-              <a:t>04/25/2016</a:t>
-            </a:r>
-            <a:endParaRPr lang="en-US" altLang="zh-TW" dirty="0">
-              <a:ea typeface="新細明體" charset="-120"/>
-            </a:endParaRPr>
-          </a:p>
-          <a:p>
-            <a:pPr>
-              <a:defRPr/>
-            </a:pPr>
-            <a:endParaRPr lang="en-US" dirty="0"/>
-          </a:p>
-        </p:txBody>
-      </p:sp>
-      <p:sp>
-        <p:nvSpPr>
-          <p:cNvPr id="5" name="Slide Number Placeholder 4"/>
-          <p:cNvSpPr>
-            <a:spLocks noGrp="1"/>
-          </p:cNvSpPr>
-          <p:nvPr>
-            <p:ph type="sldNum" sz="quarter" idx="11"/>
-          </p:nvPr>
-        </p:nvSpPr>
-        <p:spPr/>
-        <p:txBody>
-          <a:bodyPr/>
-          <a:lstStyle/>
-          <a:p>
-            <a:pPr>
-              <a:defRPr/>
-            </a:pPr>
-            <a:fld id="{726AADE6-A9C6-4725-BB39-BE6AFE81664D}" type="slidenum">
-              <a:rPr lang="en-US" smtClean="0"/>
-              <a:pPr>
-                <a:defRPr/>
-              </a:pPr>
-              <a:t>10</a:t>
-            </a:fld>
-            <a:endParaRPr lang="en-US" dirty="0"/>
-          </a:p>
-        </p:txBody>
-      </p:sp>
-      <p:sp>
-        <p:nvSpPr>
-          <p:cNvPr id="6" name="Footer Placeholder 5"/>
-          <p:cNvSpPr>
-            <a:spLocks noGrp="1"/>
-          </p:cNvSpPr>
-          <p:nvPr>
-            <p:ph type="ftr" sz="quarter" idx="12"/>
-          </p:nvPr>
-        </p:nvSpPr>
-        <p:spPr/>
-        <p:txBody>
-          <a:bodyPr/>
-          <a:lstStyle/>
-          <a:p>
-            <a:pPr>
-              <a:defRPr/>
-            </a:pPr>
-            <a:r>
-              <a:rPr lang="en-US" dirty="0" smtClean="0"/>
-              <a:t>Confidential | Copyright 2012 Trend Micro Inc.</a:t>
-            </a:r>
-            <a:endParaRPr lang="en-US" dirty="0"/>
-          </a:p>
-        </p:txBody>
-      </p:sp>
-      <p:sp>
-        <p:nvSpPr>
-          <p:cNvPr id="7" name="Rectangle 2"/>
-          <p:cNvSpPr txBox="1">
-            <a:spLocks noChangeArrowheads="1"/>
-          </p:cNvSpPr>
-          <p:nvPr/>
-        </p:nvSpPr>
-        <p:spPr bwMode="auto">
-          <a:xfrm>
-            <a:off x="384175" y="200452"/>
-            <a:ext cx="8375650" cy="646113"/>
-          </a:xfrm>
-          <a:prstGeom prst="rect">
-            <a:avLst/>
-          </a:prstGeom>
-          <a:noFill/>
-          <a:ln w="9525" algn="ctr">
-            <a:noFill/>
-            <a:miter lim="800000"/>
-            <a:headEnd/>
-            <a:tailEnd/>
-          </a:ln>
-        </p:spPr>
-        <p:txBody>
-          <a:bodyPr vert="horz" wrap="square" lIns="91440" tIns="45720" rIns="91440" bIns="45720" numCol="1" anchor="t" anchorCtr="0" compatLnSpc="1">
-            <a:prstTxWarp prst="textNoShape">
-              <a:avLst/>
-            </a:prstTxWarp>
-          </a:bodyPr>
-          <a:lstStyle>
-            <a:lvl1pPr algn="l" rtl="0" fontAlgn="base">
-              <a:lnSpc>
-                <a:spcPct val="90000"/>
-              </a:lnSpc>
-              <a:spcBef>
-                <a:spcPct val="0"/>
-              </a:spcBef>
-              <a:spcAft>
-                <a:spcPct val="0"/>
-              </a:spcAft>
-              <a:defRPr sz="3200">
-                <a:solidFill>
-                  <a:schemeClr val="tx2"/>
-                </a:solidFill>
-                <a:latin typeface="+mj-lt"/>
-                <a:ea typeface="+mj-ea"/>
-                <a:cs typeface="+mj-cs"/>
-              </a:defRPr>
-            </a:lvl1pPr>
-            <a:lvl2pPr algn="l" rtl="0" fontAlgn="base">
-              <a:lnSpc>
-                <a:spcPct val="90000"/>
-              </a:lnSpc>
-              <a:spcBef>
-                <a:spcPct val="0"/>
-              </a:spcBef>
-              <a:spcAft>
-                <a:spcPct val="0"/>
-              </a:spcAft>
-              <a:defRPr sz="3200">
-                <a:solidFill>
-                  <a:schemeClr val="tx2"/>
-                </a:solidFill>
-                <a:latin typeface="Arial" charset="0"/>
-                <a:cs typeface="Arial" charset="0"/>
-              </a:defRPr>
-            </a:lvl2pPr>
-            <a:lvl3pPr algn="l" rtl="0" fontAlgn="base">
-              <a:lnSpc>
-                <a:spcPct val="90000"/>
-              </a:lnSpc>
-              <a:spcBef>
-                <a:spcPct val="0"/>
-              </a:spcBef>
-              <a:spcAft>
-                <a:spcPct val="0"/>
-              </a:spcAft>
-              <a:defRPr sz="3200">
-                <a:solidFill>
-                  <a:schemeClr val="tx2"/>
-                </a:solidFill>
-                <a:latin typeface="Arial" charset="0"/>
-                <a:cs typeface="Arial" charset="0"/>
-              </a:defRPr>
-            </a:lvl3pPr>
-            <a:lvl4pPr algn="l" rtl="0" fontAlgn="base">
-              <a:lnSpc>
-                <a:spcPct val="90000"/>
-              </a:lnSpc>
-              <a:spcBef>
-                <a:spcPct val="0"/>
-              </a:spcBef>
-              <a:spcAft>
-                <a:spcPct val="0"/>
-              </a:spcAft>
-              <a:defRPr sz="3200">
-                <a:solidFill>
-                  <a:schemeClr val="tx2"/>
-                </a:solidFill>
-                <a:latin typeface="Arial" charset="0"/>
-                <a:cs typeface="Arial" charset="0"/>
-              </a:defRPr>
-            </a:lvl4pPr>
-            <a:lvl5pPr algn="l" rtl="0" fontAlgn="base">
-              <a:lnSpc>
-                <a:spcPct val="90000"/>
-              </a:lnSpc>
-              <a:spcBef>
-                <a:spcPct val="0"/>
-              </a:spcBef>
-              <a:spcAft>
-                <a:spcPct val="0"/>
-              </a:spcAft>
-              <a:defRPr sz="3200">
-                <a:solidFill>
-                  <a:schemeClr val="tx2"/>
-                </a:solidFill>
-                <a:latin typeface="Arial" charset="0"/>
-                <a:cs typeface="Arial" charset="0"/>
-              </a:defRPr>
-            </a:lvl5pPr>
-            <a:lvl6pPr marL="457200" algn="l" rtl="0" eaLnBrk="1" fontAlgn="base" hangingPunct="1">
-              <a:lnSpc>
-                <a:spcPct val="90000"/>
-              </a:lnSpc>
-              <a:spcBef>
-                <a:spcPct val="0"/>
-              </a:spcBef>
-              <a:spcAft>
-                <a:spcPct val="0"/>
-              </a:spcAft>
-              <a:defRPr sz="2800" b="1">
-                <a:solidFill>
-                  <a:schemeClr val="tx2"/>
-                </a:solidFill>
-                <a:latin typeface="Arial" charset="0"/>
-                <a:cs typeface="Arial" charset="0"/>
-              </a:defRPr>
-            </a:lvl6pPr>
-            <a:lvl7pPr marL="914400" algn="l" rtl="0" eaLnBrk="1" fontAlgn="base" hangingPunct="1">
-              <a:lnSpc>
-                <a:spcPct val="90000"/>
-              </a:lnSpc>
-              <a:spcBef>
-                <a:spcPct val="0"/>
-              </a:spcBef>
-              <a:spcAft>
-                <a:spcPct val="0"/>
-              </a:spcAft>
-              <a:defRPr sz="2800" b="1">
-                <a:solidFill>
-                  <a:schemeClr val="tx2"/>
-                </a:solidFill>
-                <a:latin typeface="Arial" charset="0"/>
-                <a:cs typeface="Arial" charset="0"/>
-              </a:defRPr>
-            </a:lvl7pPr>
-            <a:lvl8pPr marL="1371600" algn="l" rtl="0" eaLnBrk="1" fontAlgn="base" hangingPunct="1">
-              <a:lnSpc>
-                <a:spcPct val="90000"/>
-              </a:lnSpc>
-              <a:spcBef>
-                <a:spcPct val="0"/>
-              </a:spcBef>
-              <a:spcAft>
-                <a:spcPct val="0"/>
-              </a:spcAft>
-              <a:defRPr sz="2800" b="1">
-                <a:solidFill>
-                  <a:schemeClr val="tx2"/>
-                </a:solidFill>
-                <a:latin typeface="Arial" charset="0"/>
-                <a:cs typeface="Arial" charset="0"/>
-              </a:defRPr>
-            </a:lvl8pPr>
-            <a:lvl9pPr marL="1828800" algn="l" rtl="0" eaLnBrk="1" fontAlgn="base" hangingPunct="1">
-              <a:lnSpc>
-                <a:spcPct val="90000"/>
-              </a:lnSpc>
-              <a:spcBef>
-                <a:spcPct val="0"/>
-              </a:spcBef>
-              <a:spcAft>
-                <a:spcPct val="0"/>
-              </a:spcAft>
-              <a:defRPr sz="2800" b="1">
-                <a:solidFill>
-                  <a:schemeClr val="tx2"/>
-                </a:solidFill>
-                <a:latin typeface="Arial" charset="0"/>
-                <a:cs typeface="Arial" charset="0"/>
-              </a:defRPr>
-            </a:lvl9pPr>
-          </a:lstStyle>
-          <a:p>
-            <a:pPr algn="ctr"/>
-            <a:r>
-              <a:rPr lang="en-US" altLang="zh-TW" b="1" dirty="0" smtClean="0">
-                <a:solidFill>
-                  <a:srgbClr val="C00000"/>
-                </a:solidFill>
-                <a:latin typeface="Arial" panose="020B0604020202020204" pitchFamily="34" charset="0"/>
-                <a:ea typeface="新細明體" pitchFamily="18" charset="-120"/>
-                <a:cs typeface="Arial" panose="020B0604020202020204" pitchFamily="34" charset="0"/>
-              </a:rPr>
-              <a:t>Modify</a:t>
-            </a:r>
-          </a:p>
-        </p:txBody>
-      </p:sp>
-      <p:pic>
-        <p:nvPicPr>
-          <p:cNvPr id="8" name="Picture 7"/>
-          <p:cNvPicPr/>
-          <p:nvPr/>
-        </p:nvPicPr>
-        <p:blipFill>
-          <a:blip r:embed="rId2"/>
-          <a:stretch>
-            <a:fillRect/>
-          </a:stretch>
-        </p:blipFill>
-        <p:spPr>
-          <a:xfrm>
-            <a:off x="1148150" y="846565"/>
-            <a:ext cx="6949864" cy="3733800"/>
-          </a:xfrm>
-          <a:prstGeom prst="rect">
-            <a:avLst/>
-          </a:prstGeom>
-        </p:spPr>
-      </p:pic>
-      <p:sp>
-        <p:nvSpPr>
-          <p:cNvPr id="3" name="TextBox 2"/>
-          <p:cNvSpPr txBox="1"/>
-          <p:nvPr/>
-        </p:nvSpPr>
-        <p:spPr>
-          <a:xfrm>
-            <a:off x="1184681" y="4876225"/>
-            <a:ext cx="6109365" cy="584775"/>
-          </a:xfrm>
-          <a:prstGeom prst="rect">
-            <a:avLst/>
-          </a:prstGeom>
-          <a:noFill/>
-        </p:spPr>
-        <p:txBody>
-          <a:bodyPr wrap="none" rtlCol="0">
-            <a:spAutoFit/>
-          </a:bodyPr>
-          <a:lstStyle/>
-          <a:p>
-            <a:r>
-              <a:rPr lang="en-US" altLang="zh-CN" dirty="0"/>
-              <a:t>Most business logic is the same as submit function. </a:t>
-            </a:r>
-            <a:endParaRPr lang="en-US" altLang="zh-CN" dirty="0" smtClean="0"/>
-          </a:p>
-          <a:p>
-            <a:r>
-              <a:rPr lang="en-US" altLang="zh-CN" dirty="0" smtClean="0"/>
-              <a:t>Add/remove </a:t>
-            </a:r>
-            <a:r>
-              <a:rPr lang="en-US" altLang="zh-CN" dirty="0"/>
-              <a:t>the case mapping info to relational table directly</a:t>
-            </a:r>
-            <a:endParaRPr lang="zh-CN" altLang="en-US" dirty="0"/>
-          </a:p>
-        </p:txBody>
-      </p:sp>
-    </p:spTree>
-    <p:extLst>
-      <p:ext uri="{BB962C8B-B14F-4D97-AF65-F5344CB8AC3E}">
-        <p14:creationId xmlns:p14="http://schemas.microsoft.com/office/powerpoint/2010/main" val="1713104327"/>
-      </p:ext>
-    </p:extLst>
-  </p:cSld>
-  <p:clrMapOvr>
-    <a:masterClrMapping/>
-  </p:clrMapOvr>
-  <p:transition>
-    <p:fade thruBlk="1"/>
-  </p:transition>
-  <p:timing>
-    <p:tnLst>
-      <p:par>
-        <p:cTn id="1" dur="indefinite" restart="never" nodeType="tmRoot"/>
-      </p:par>
-    </p:tnLst>
-  </p:timing>
-</p:sld>
-</file>
-
-<file path=ppt/slides/slide11.xml><?xml version="1.0" encoding="utf-8"?>
-<p:sld xmlns:a="http://schemas.openxmlformats.org/drawingml/2006/main" xmlns:r="http://schemas.openxmlformats.org/officeDocument/2006/relationships" xmlns:p="http://schemas.openxmlformats.org/presentationml/2006/main">
-  <p:cSld>
-    <p:spTree>
-      <p:nvGrpSpPr>
-        <p:cNvPr id="1" name=""/>
-        <p:cNvGrpSpPr/>
-        <p:nvPr/>
-      </p:nvGrpSpPr>
-      <p:grpSpPr>
-        <a:xfrm>
-          <a:off x="0" y="0"/>
-          <a:ext cx="0" cy="0"/>
-          <a:chOff x="0" y="0"/>
-          <a:chExt cx="0" cy="0"/>
-        </a:xfrm>
-      </p:grpSpPr>
-      <p:sp>
-        <p:nvSpPr>
-          <p:cNvPr id="2" name="Title 1"/>
-          <p:cNvSpPr>
-            <a:spLocks noGrp="1"/>
-          </p:cNvSpPr>
-          <p:nvPr>
-            <p:ph type="title"/>
-          </p:nvPr>
-        </p:nvSpPr>
-        <p:spPr/>
-        <p:txBody>
-          <a:bodyPr/>
-          <a:lstStyle/>
-          <a:p>
-            <a:pPr algn="ctr"/>
-            <a:r>
-              <a:rPr lang="en-US" altLang="zh-TW" b="1" dirty="0" smtClean="0"/>
-              <a:t>Project Status</a:t>
-            </a:r>
-            <a:endParaRPr lang="zh-TW" altLang="en-US" b="1" dirty="0"/>
-          </a:p>
-        </p:txBody>
-      </p:sp>
-      <p:sp>
-        <p:nvSpPr>
-          <p:cNvPr id="4" name="Date Placeholder 3"/>
-          <p:cNvSpPr>
-            <a:spLocks noGrp="1"/>
-          </p:cNvSpPr>
-          <p:nvPr>
-            <p:ph type="dt" sz="quarter" idx="10"/>
-          </p:nvPr>
-        </p:nvSpPr>
-        <p:spPr/>
-        <p:txBody>
-          <a:bodyPr/>
-          <a:lstStyle/>
-          <a:p>
-            <a:pPr>
-              <a:defRPr/>
-            </a:pPr>
-            <a:r>
-              <a:rPr lang="en-US" altLang="zh-TW" dirty="0" smtClean="0">
-                <a:ea typeface="新細明體" charset="-120"/>
-              </a:rPr>
-              <a:t>04/25/2016</a:t>
-            </a:r>
-            <a:endParaRPr lang="en-US" altLang="zh-TW" dirty="0">
-              <a:ea typeface="新細明體" charset="-120"/>
-            </a:endParaRPr>
-          </a:p>
-          <a:p>
-            <a:pPr>
-              <a:defRPr/>
-            </a:pPr>
-            <a:endParaRPr lang="en-US" dirty="0"/>
-          </a:p>
-        </p:txBody>
-      </p:sp>
-      <p:sp>
-        <p:nvSpPr>
-          <p:cNvPr id="5" name="Slide Number Placeholder 4"/>
-          <p:cNvSpPr>
-            <a:spLocks noGrp="1"/>
-          </p:cNvSpPr>
-          <p:nvPr>
-            <p:ph type="sldNum" sz="quarter" idx="11"/>
-          </p:nvPr>
-        </p:nvSpPr>
-        <p:spPr/>
-        <p:txBody>
-          <a:bodyPr/>
-          <a:lstStyle/>
-          <a:p>
-            <a:pPr>
-              <a:defRPr/>
-            </a:pPr>
-            <a:fld id="{726AADE6-A9C6-4725-BB39-BE6AFE81664D}" type="slidenum">
-              <a:rPr lang="en-US" smtClean="0"/>
-              <a:pPr>
-                <a:defRPr/>
-              </a:pPr>
-              <a:t>11</a:t>
-            </a:fld>
-            <a:endParaRPr lang="en-US" dirty="0"/>
-          </a:p>
-        </p:txBody>
-      </p:sp>
-      <p:sp>
-        <p:nvSpPr>
-          <p:cNvPr id="6" name="Footer Placeholder 5"/>
-          <p:cNvSpPr>
-            <a:spLocks noGrp="1"/>
-          </p:cNvSpPr>
-          <p:nvPr>
-            <p:ph type="ftr" sz="quarter" idx="12"/>
-          </p:nvPr>
-        </p:nvSpPr>
-        <p:spPr/>
-        <p:txBody>
-          <a:bodyPr/>
-          <a:lstStyle/>
-          <a:p>
-            <a:pPr>
-              <a:defRPr/>
-            </a:pPr>
-            <a:r>
-              <a:rPr lang="en-US" dirty="0" smtClean="0"/>
-              <a:t>Confidential | Copyright 2012 Trend Micro Inc.</a:t>
-            </a:r>
-            <a:endParaRPr lang="en-US" dirty="0"/>
-          </a:p>
-        </p:txBody>
-      </p:sp>
-      <p:pic>
-        <p:nvPicPr>
-          <p:cNvPr id="3074" name="Picture 2"/>
-          <p:cNvPicPr>
-            <a:picLocks noChangeAspect="1" noChangeArrowheads="1"/>
-          </p:cNvPicPr>
-          <p:nvPr/>
-        </p:nvPicPr>
-        <p:blipFill>
-          <a:blip r:embed="rId2">
-            <a:extLst>
-              <a:ext uri="{28A0092B-C50C-407E-A947-70E740481C1C}">
-                <a14:useLocalDpi xmlns:a14="http://schemas.microsoft.com/office/drawing/2010/main" val="0"/>
-              </a:ext>
-            </a:extLst>
-          </a:blip>
-          <a:srcRect/>
-          <a:stretch>
-            <a:fillRect/>
-          </a:stretch>
-        </p:blipFill>
-        <p:spPr bwMode="auto">
-          <a:xfrm>
-            <a:off x="908731" y="1008289"/>
-            <a:ext cx="7439024" cy="1865540"/>
-          </a:xfrm>
-          <a:prstGeom prst="rect">
-            <a:avLst/>
-          </a:prstGeom>
-          <a:noFill/>
-          <a:ln>
-            <a:noFill/>
-          </a:ln>
-          <a:effectLst/>
-          <a:extLst>
-            <a:ext uri="{909E8E84-426E-40DD-AFC4-6F175D3DCCD1}">
-              <a14:hiddenFill xmlns:a14="http://schemas.microsoft.com/office/drawing/2010/main">
-                <a:solidFill>
-                  <a:schemeClr val="accent1"/>
-                </a:solidFill>
-              </a14:hiddenFill>
-            </a:ext>
-            <a:ext uri="{91240B29-F687-4F45-9708-019B960494DF}">
-              <a14:hiddenLine xmlns:a14="http://schemas.microsoft.com/office/drawing/2010/main" w="9525">
-                <a:solidFill>
-                  <a:schemeClr val="tx1"/>
-                </a:solidFill>
-                <a:miter lim="800000"/>
-                <a:headEnd/>
-                <a:tailEnd/>
-              </a14:hiddenLine>
-            </a:ext>
-            <a:ext uri="{AF507438-7753-43E0-B8FC-AC1667EBCBE1}">
-              <a14:hiddenEffects xmlns:a14="http://schemas.microsoft.com/office/drawing/2010/main">
-                <a:effectLst>
-                  <a:outerShdw dist="35921" dir="2700000" algn="ctr" rotWithShape="0">
-                    <a:schemeClr val="bg2"/>
-                  </a:outerShdw>
-                </a:effectLst>
-              </a14:hiddenEffects>
-            </a:ext>
-          </a:extLst>
-        </p:spPr>
-      </p:pic>
-      <p:pic>
-        <p:nvPicPr>
-          <p:cNvPr id="9" name="Picture 8"/>
-          <p:cNvPicPr/>
-          <p:nvPr/>
-        </p:nvPicPr>
-        <p:blipFill>
-          <a:blip r:embed="rId3"/>
-          <a:stretch>
-            <a:fillRect/>
-          </a:stretch>
-        </p:blipFill>
-        <p:spPr>
-          <a:xfrm>
-            <a:off x="908730" y="2873829"/>
-            <a:ext cx="7439025" cy="3665764"/>
-          </a:xfrm>
-          <a:prstGeom prst="rect">
-            <a:avLst/>
-          </a:prstGeom>
-        </p:spPr>
-      </p:pic>
-    </p:spTree>
-    <p:extLst>
-      <p:ext uri="{BB962C8B-B14F-4D97-AF65-F5344CB8AC3E}">
-        <p14:creationId xmlns:p14="http://schemas.microsoft.com/office/powerpoint/2010/main" val="200305435"/>
-      </p:ext>
-    </p:extLst>
-  </p:cSld>
-  <p:clrMapOvr>
-    <a:masterClrMapping/>
-  </p:clrMapOvr>
-  <p:transition>
-    <p:fade thruBlk="1"/>
-  </p:transition>
-  <p:timing>
-    <p:tnLst>
-      <p:par>
-        <p:cTn id="1" dur="indefinite" restart="never" nodeType="tmRoot"/>
-      </p:par>
-    </p:tnLst>
-  </p:timing>
-</p:sld>
-</file>
-
-<file path=ppt/slides/slide12.xml><?xml version="1.0" encoding="utf-8"?>
-<p:sld xmlns:a="http://schemas.openxmlformats.org/drawingml/2006/main" xmlns:r="http://schemas.openxmlformats.org/officeDocument/2006/relationships" xmlns:p="http://schemas.openxmlformats.org/presentationml/2006/main">
-  <p:cSld>
-    <p:spTree>
-      <p:nvGrpSpPr>
-        <p:cNvPr id="1" name=""/>
-        <p:cNvGrpSpPr/>
-        <p:nvPr/>
-      </p:nvGrpSpPr>
-      <p:grpSpPr>
-        <a:xfrm>
-          <a:off x="0" y="0"/>
-          <a:ext cx="0" cy="0"/>
-          <a:chOff x="0" y="0"/>
-          <a:chExt cx="0" cy="0"/>
-        </a:xfrm>
-      </p:grpSpPr>
-      <p:sp>
-        <p:nvSpPr>
-          <p:cNvPr id="2" name="Title 1"/>
-          <p:cNvSpPr>
-            <a:spLocks noGrp="1"/>
-          </p:cNvSpPr>
-          <p:nvPr>
-            <p:ph type="title"/>
-          </p:nvPr>
-        </p:nvSpPr>
-        <p:spPr>
-          <a:xfrm>
-            <a:off x="396875" y="439693"/>
-            <a:ext cx="8101013" cy="703307"/>
-          </a:xfrm>
-        </p:spPr>
-        <p:txBody>
-          <a:bodyPr/>
-          <a:lstStyle/>
-          <a:p>
-            <a:r>
-              <a:rPr lang="en-US" altLang="zh-TW" b="1" dirty="0" smtClean="0"/>
-              <a:t>Search</a:t>
-            </a:r>
-            <a:endParaRPr lang="zh-TW" altLang="en-US" b="1" dirty="0"/>
-          </a:p>
-        </p:txBody>
-      </p:sp>
-      <p:sp>
-        <p:nvSpPr>
-          <p:cNvPr id="3" name="Content Placeholder 2"/>
-          <p:cNvSpPr>
-            <a:spLocks noGrp="1"/>
-          </p:cNvSpPr>
-          <p:nvPr>
-            <p:ph idx="1"/>
-          </p:nvPr>
-        </p:nvSpPr>
-        <p:spPr>
-          <a:xfrm>
-            <a:off x="512717" y="981347"/>
-            <a:ext cx="8347166" cy="1541417"/>
-          </a:xfrm>
-        </p:spPr>
-        <p:txBody>
-          <a:bodyPr/>
-          <a:lstStyle/>
-          <a:p>
-            <a:pPr marL="0" indent="0">
-              <a:lnSpc>
-                <a:spcPct val="100000"/>
-              </a:lnSpc>
-              <a:spcBef>
-                <a:spcPts val="0"/>
-              </a:spcBef>
-              <a:buNone/>
-            </a:pPr>
-            <a:r>
-              <a:rPr lang="en-US" altLang="zh-CN" dirty="0" smtClean="0">
-                <a:solidFill>
-                  <a:schemeClr val="tx1">
-                    <a:lumMod val="50000"/>
-                  </a:schemeClr>
-                </a:solidFill>
-              </a:rPr>
-              <a:t>—</a:t>
-            </a:r>
-            <a:r>
-              <a:rPr lang="en-US" altLang="zh-TW" dirty="0" smtClean="0">
-                <a:solidFill>
-                  <a:schemeClr val="tx1">
-                    <a:lumMod val="50000"/>
-                  </a:schemeClr>
-                </a:solidFill>
-              </a:rPr>
-              <a:t>Project Time</a:t>
-            </a:r>
-          </a:p>
-          <a:p>
-            <a:pPr marL="0" indent="0">
-              <a:lnSpc>
-                <a:spcPct val="100000"/>
-              </a:lnSpc>
-              <a:spcBef>
-                <a:spcPts val="0"/>
-              </a:spcBef>
-              <a:buNone/>
-            </a:pPr>
-            <a:r>
-              <a:rPr lang="en-US" altLang="zh-CN" dirty="0" smtClean="0">
-                <a:solidFill>
-                  <a:schemeClr val="tx1">
-                    <a:lumMod val="50000"/>
-                  </a:schemeClr>
-                </a:solidFill>
-              </a:rPr>
-              <a:t>—Project Name</a:t>
-            </a:r>
-          </a:p>
-          <a:p>
-            <a:pPr marL="0" indent="0">
-              <a:lnSpc>
-                <a:spcPct val="100000"/>
-              </a:lnSpc>
-              <a:spcBef>
-                <a:spcPts val="0"/>
-              </a:spcBef>
-              <a:buNone/>
-            </a:pPr>
-            <a:r>
-              <a:rPr lang="en-US" altLang="zh-CN" dirty="0" smtClean="0">
-                <a:solidFill>
-                  <a:schemeClr val="tx1">
-                    <a:lumMod val="50000"/>
-                  </a:schemeClr>
-                </a:solidFill>
-              </a:rPr>
-              <a:t>—Hot Fix Name</a:t>
-            </a:r>
-          </a:p>
-          <a:p>
-            <a:pPr marL="0" indent="0">
-              <a:lnSpc>
-                <a:spcPct val="100000"/>
-              </a:lnSpc>
-              <a:spcBef>
-                <a:spcPts val="0"/>
-              </a:spcBef>
-              <a:buNone/>
-            </a:pPr>
-            <a:r>
-              <a:rPr lang="en-US" altLang="zh-CN" dirty="0" smtClean="0">
-                <a:solidFill>
-                  <a:schemeClr val="tx1">
-                    <a:lumMod val="50000"/>
-                  </a:schemeClr>
-                </a:solidFill>
-              </a:rPr>
-              <a:t>—Change History Query</a:t>
-            </a:r>
-            <a:endParaRPr lang="en-US" altLang="zh-TW" dirty="0" smtClean="0">
-              <a:solidFill>
-                <a:schemeClr val="tx1">
-                  <a:lumMod val="50000"/>
-                </a:schemeClr>
-              </a:solidFill>
-            </a:endParaRPr>
-          </a:p>
-        </p:txBody>
-      </p:sp>
-      <p:sp>
-        <p:nvSpPr>
-          <p:cNvPr id="4" name="Date Placeholder 3"/>
-          <p:cNvSpPr>
-            <a:spLocks noGrp="1"/>
-          </p:cNvSpPr>
-          <p:nvPr>
-            <p:ph type="dt" sz="quarter" idx="10"/>
-          </p:nvPr>
-        </p:nvSpPr>
-        <p:spPr/>
-        <p:txBody>
-          <a:bodyPr/>
-          <a:lstStyle/>
-          <a:p>
-            <a:pPr>
-              <a:defRPr/>
-            </a:pPr>
-            <a:r>
-              <a:rPr lang="en-US" altLang="zh-TW" dirty="0" smtClean="0">
-                <a:ea typeface="新細明體" charset="-120"/>
-              </a:rPr>
-              <a:t>04/25/2016</a:t>
-            </a:r>
-            <a:endParaRPr lang="en-US" altLang="zh-TW" dirty="0">
-              <a:ea typeface="新細明體" charset="-120"/>
-            </a:endParaRPr>
-          </a:p>
-          <a:p>
-            <a:pPr>
-              <a:defRPr/>
-            </a:pPr>
-            <a:endParaRPr lang="en-US" dirty="0"/>
-          </a:p>
-        </p:txBody>
-      </p:sp>
-      <p:sp>
-        <p:nvSpPr>
-          <p:cNvPr id="5" name="Slide Number Placeholder 4"/>
-          <p:cNvSpPr>
-            <a:spLocks noGrp="1"/>
-          </p:cNvSpPr>
-          <p:nvPr>
-            <p:ph type="sldNum" sz="quarter" idx="11"/>
-          </p:nvPr>
-        </p:nvSpPr>
-        <p:spPr/>
-        <p:txBody>
-          <a:bodyPr/>
-          <a:lstStyle/>
-          <a:p>
-            <a:pPr>
-              <a:defRPr/>
-            </a:pPr>
-            <a:fld id="{726AADE6-A9C6-4725-BB39-BE6AFE81664D}" type="slidenum">
-              <a:rPr lang="en-US" smtClean="0"/>
-              <a:pPr>
-                <a:defRPr/>
-              </a:pPr>
-              <a:t>12</a:t>
-            </a:fld>
-            <a:endParaRPr lang="en-US" dirty="0"/>
-          </a:p>
-        </p:txBody>
-      </p:sp>
-      <p:sp>
-        <p:nvSpPr>
-          <p:cNvPr id="6" name="Footer Placeholder 5"/>
-          <p:cNvSpPr>
-            <a:spLocks noGrp="1"/>
-          </p:cNvSpPr>
-          <p:nvPr>
-            <p:ph type="ftr" sz="quarter" idx="12"/>
-          </p:nvPr>
-        </p:nvSpPr>
-        <p:spPr/>
-        <p:txBody>
-          <a:bodyPr/>
-          <a:lstStyle/>
-          <a:p>
-            <a:pPr>
-              <a:defRPr/>
-            </a:pPr>
-            <a:r>
-              <a:rPr lang="en-US" dirty="0" smtClean="0"/>
-              <a:t>Confidential | Copyright 2012 Trend Micro Inc.</a:t>
-            </a:r>
-            <a:endParaRPr lang="en-US" dirty="0"/>
-          </a:p>
-        </p:txBody>
-      </p:sp>
-      <p:pic>
-        <p:nvPicPr>
-          <p:cNvPr id="7" name="Picture 6"/>
-          <p:cNvPicPr>
-            <a:picLocks noChangeAspect="1"/>
-          </p:cNvPicPr>
-          <p:nvPr/>
-        </p:nvPicPr>
-        <p:blipFill>
-          <a:blip r:embed="rId2"/>
-          <a:stretch>
-            <a:fillRect/>
-          </a:stretch>
-        </p:blipFill>
-        <p:spPr>
-          <a:xfrm>
-            <a:off x="396876" y="2511010"/>
-            <a:ext cx="8463008" cy="3901545"/>
-          </a:xfrm>
-          <a:prstGeom prst="rect">
-            <a:avLst/>
-          </a:prstGeom>
-        </p:spPr>
-      </p:pic>
-    </p:spTree>
-    <p:extLst>
-      <p:ext uri="{BB962C8B-B14F-4D97-AF65-F5344CB8AC3E}">
-        <p14:creationId xmlns:p14="http://schemas.microsoft.com/office/powerpoint/2010/main" val="3427554102"/>
-      </p:ext>
-    </p:extLst>
-  </p:cSld>
-  <p:clrMapOvr>
-    <a:masterClrMapping/>
-  </p:clrMapOvr>
-  <p:transition>
-    <p:fade thruBlk="1"/>
-  </p:transition>
-  <p:timing>
-    <p:tnLst>
-      <p:par>
-        <p:cTn id="1" dur="indefinite" restart="never" nodeType="tmRoot"/>
-      </p:par>
-    </p:tnLst>
-  </p:timing>
-</p:sld>
-</file>
-
-<file path=ppt/slides/slide13.xml><?xml version="1.0" encoding="utf-8"?>
-<p:sld xmlns:a="http://schemas.openxmlformats.org/drawingml/2006/main" xmlns:r="http://schemas.openxmlformats.org/officeDocument/2006/relationships" xmlns:p="http://schemas.openxmlformats.org/presentationml/2006/main">
-  <p:cSld>
-    <p:spTree>
-      <p:nvGrpSpPr>
-        <p:cNvPr id="1" name=""/>
-        <p:cNvGrpSpPr/>
-        <p:nvPr/>
-      </p:nvGrpSpPr>
-      <p:grpSpPr>
-        <a:xfrm>
-          <a:off x="0" y="0"/>
-          <a:ext cx="0" cy="0"/>
-          <a:chOff x="0" y="0"/>
-          <a:chExt cx="0" cy="0"/>
-        </a:xfrm>
-      </p:grpSpPr>
-      <p:sp>
-        <p:nvSpPr>
-          <p:cNvPr id="2" name="Title 1"/>
-          <p:cNvSpPr>
-            <a:spLocks noGrp="1"/>
-          </p:cNvSpPr>
-          <p:nvPr>
-            <p:ph type="title"/>
-          </p:nvPr>
-        </p:nvSpPr>
-        <p:spPr>
-          <a:xfrm>
-            <a:off x="396875" y="269875"/>
-            <a:ext cx="8101013" cy="914852"/>
-          </a:xfrm>
-        </p:spPr>
-        <p:txBody>
-          <a:bodyPr/>
-          <a:lstStyle/>
-          <a:p>
-            <a:r>
-              <a:rPr lang="en-US" altLang="zh-CN" sz="2000" dirty="0">
-                <a:solidFill>
-                  <a:schemeClr val="tx1">
-                    <a:lumMod val="50000"/>
-                  </a:schemeClr>
-                </a:solidFill>
-                <a:latin typeface="黑体" panose="02010609060101010101" pitchFamily="49" charset="-122"/>
-                <a:ea typeface="黑体" panose="02010609060101010101" pitchFamily="49" charset="-122"/>
-              </a:rPr>
-              <a:t>When users click “Hot Fix Name</a:t>
-            </a:r>
-            <a:r>
-              <a:rPr lang="en-US" altLang="zh-CN" sz="2000" dirty="0" smtClean="0">
-                <a:solidFill>
-                  <a:schemeClr val="tx1">
-                    <a:lumMod val="50000"/>
-                  </a:schemeClr>
-                </a:solidFill>
-                <a:latin typeface="黑体" panose="02010609060101010101" pitchFamily="49" charset="-122"/>
-                <a:ea typeface="黑体" panose="02010609060101010101" pitchFamily="49" charset="-122"/>
-              </a:rPr>
-              <a:t>”, </a:t>
-            </a:r>
-            <a:r>
-              <a:rPr lang="en-US" altLang="zh-CN" sz="2000" dirty="0">
-                <a:solidFill>
-                  <a:schemeClr val="tx1">
-                    <a:lumMod val="50000"/>
-                  </a:schemeClr>
-                </a:solidFill>
-                <a:latin typeface="黑体" panose="02010609060101010101" pitchFamily="49" charset="-122"/>
-                <a:ea typeface="黑体" panose="02010609060101010101" pitchFamily="49" charset="-122"/>
-              </a:rPr>
-              <a:t>it will automatically connect to SEG </a:t>
-            </a:r>
-            <a:r>
-              <a:rPr lang="en-US" altLang="zh-CN" sz="2000" dirty="0" err="1">
-                <a:solidFill>
-                  <a:schemeClr val="tx1">
-                    <a:lumMod val="50000"/>
-                  </a:schemeClr>
-                </a:solidFill>
-                <a:latin typeface="黑体" panose="02010609060101010101" pitchFamily="49" charset="-122"/>
-                <a:ea typeface="黑体" panose="02010609060101010101" pitchFamily="49" charset="-122"/>
-              </a:rPr>
-              <a:t>iShare</a:t>
-            </a:r>
-            <a:r>
-              <a:rPr lang="en-US" altLang="zh-CN" sz="2000" dirty="0">
-                <a:solidFill>
-                  <a:schemeClr val="tx1">
-                    <a:lumMod val="50000"/>
-                  </a:schemeClr>
-                </a:solidFill>
-                <a:latin typeface="黑体" panose="02010609060101010101" pitchFamily="49" charset="-122"/>
-                <a:ea typeface="黑体" panose="02010609060101010101" pitchFamily="49" charset="-122"/>
-              </a:rPr>
-              <a:t> Hot Fix Download folder for users to download the Hot Fix package from there</a:t>
-            </a:r>
-            <a:r>
-              <a:rPr lang="en-US" altLang="zh-CN" sz="2000" dirty="0" smtClean="0">
-                <a:solidFill>
-                  <a:schemeClr val="tx1">
-                    <a:lumMod val="50000"/>
-                  </a:schemeClr>
-                </a:solidFill>
-                <a:latin typeface="黑体" panose="02010609060101010101" pitchFamily="49" charset="-122"/>
-                <a:ea typeface="黑体" panose="02010609060101010101" pitchFamily="49" charset="-122"/>
-              </a:rPr>
-              <a:t>.(not done)</a:t>
-            </a:r>
-            <a:endParaRPr lang="zh-CN" altLang="en-US" sz="2000" dirty="0">
-              <a:solidFill>
-                <a:schemeClr val="tx1">
-                  <a:lumMod val="50000"/>
-                </a:schemeClr>
-              </a:solidFill>
-              <a:latin typeface="黑体" panose="02010609060101010101" pitchFamily="49" charset="-122"/>
-              <a:ea typeface="黑体" panose="02010609060101010101" pitchFamily="49" charset="-122"/>
-            </a:endParaRPr>
-          </a:p>
-        </p:txBody>
-      </p:sp>
-      <p:sp>
-        <p:nvSpPr>
-          <p:cNvPr id="4" name="Date Placeholder 3"/>
-          <p:cNvSpPr>
-            <a:spLocks noGrp="1"/>
-          </p:cNvSpPr>
-          <p:nvPr>
-            <p:ph type="dt" sz="quarter" idx="10"/>
-          </p:nvPr>
-        </p:nvSpPr>
-        <p:spPr/>
-        <p:txBody>
-          <a:bodyPr/>
-          <a:lstStyle/>
-          <a:p>
-            <a:pPr>
-              <a:defRPr/>
-            </a:pPr>
-            <a:fld id="{1C5FE74D-D62C-47C4-B3FF-8CB5392AACD5}" type="datetime1">
-              <a:rPr lang="en-US" smtClean="0"/>
-              <a:pPr>
-                <a:defRPr/>
-              </a:pPr>
-              <a:t>5/27/2016</a:t>
-            </a:fld>
-            <a:endParaRPr lang="en-US" dirty="0"/>
-          </a:p>
-        </p:txBody>
-      </p:sp>
-      <p:sp>
-        <p:nvSpPr>
-          <p:cNvPr id="5" name="Slide Number Placeholder 4"/>
-          <p:cNvSpPr>
-            <a:spLocks noGrp="1"/>
-          </p:cNvSpPr>
-          <p:nvPr>
-            <p:ph type="sldNum" sz="quarter" idx="11"/>
-          </p:nvPr>
-        </p:nvSpPr>
-        <p:spPr/>
-        <p:txBody>
-          <a:bodyPr/>
-          <a:lstStyle/>
-          <a:p>
-            <a:pPr>
-              <a:defRPr/>
-            </a:pPr>
-            <a:fld id="{726AADE6-A9C6-4725-BB39-BE6AFE81664D}" type="slidenum">
-              <a:rPr lang="en-US" smtClean="0"/>
-              <a:pPr>
-                <a:defRPr/>
-              </a:pPr>
-              <a:t>13</a:t>
-            </a:fld>
-            <a:endParaRPr lang="en-US" dirty="0"/>
-          </a:p>
-        </p:txBody>
-      </p:sp>
-      <p:sp>
-        <p:nvSpPr>
-          <p:cNvPr id="6" name="Footer Placeholder 5"/>
-          <p:cNvSpPr>
-            <a:spLocks noGrp="1"/>
-          </p:cNvSpPr>
-          <p:nvPr>
-            <p:ph type="ftr" sz="quarter" idx="12"/>
-          </p:nvPr>
-        </p:nvSpPr>
-        <p:spPr/>
-        <p:txBody>
-          <a:bodyPr/>
-          <a:lstStyle/>
-          <a:p>
-            <a:pPr>
-              <a:defRPr/>
-            </a:pPr>
-            <a:r>
-              <a:rPr lang="en-US" smtClean="0"/>
-              <a:t>Confidential | Copyright 2012 Trend Micro Inc.</a:t>
-            </a:r>
-            <a:endParaRPr lang="en-US" dirty="0"/>
-          </a:p>
-        </p:txBody>
-      </p:sp>
-      <p:sp>
-        <p:nvSpPr>
-          <p:cNvPr id="9" name="Rectangle 4"/>
-          <p:cNvSpPr>
-            <a:spLocks noChangeArrowheads="1"/>
-          </p:cNvSpPr>
-          <p:nvPr/>
-        </p:nvSpPr>
-        <p:spPr bwMode="auto">
-          <a:xfrm>
-            <a:off x="396875" y="1632856"/>
-            <a:ext cx="10822338" cy="45719"/>
-          </a:xfrm>
-          <a:prstGeom prst="rect">
-            <a:avLst/>
-          </a:prstGeom>
-          <a:noFill/>
-          <a:ln>
-            <a:noFill/>
-          </a:ln>
-          <a:effectLst/>
-          <a:extLst>
-            <a:ext uri="{909E8E84-426E-40DD-AFC4-6F175D3DCCD1}">
-              <a14:hiddenFill xmlns:a14="http://schemas.microsoft.com/office/drawing/2010/main">
-                <a:solidFill>
-                  <a:schemeClr val="accent1"/>
-                </a:solidFill>
-              </a14:hiddenFill>
-            </a:ext>
-            <a:ext uri="{91240B29-F687-4F45-9708-019B960494DF}">
-              <a14:hiddenLine xmlns:a14="http://schemas.microsoft.com/office/drawing/2010/main" w="9525">
-                <a:solidFill>
-                  <a:schemeClr val="tx1"/>
-                </a:solidFill>
-                <a:miter lim="800000"/>
-                <a:headEnd/>
-                <a:tailEnd/>
-              </a14:hiddenLine>
-            </a:ext>
-            <a:ext uri="{AF507438-7753-43E0-B8FC-AC1667EBCBE1}">
-              <a14:hiddenEffects xmlns:a14="http://schemas.microsoft.com/office/drawing/2010/main">
-                <a:effectLst>
-                  <a:outerShdw dist="35921" dir="2700000" algn="ctr" rotWithShape="0">
-                    <a:schemeClr val="bg2"/>
-                  </a:outerShdw>
-                </a:effectLst>
-              </a14:hiddenEffects>
-            </a:ext>
-          </a:extLst>
-        </p:spPr>
-        <p:txBody>
-          <a:bodyPr vert="horz" wrap="square" lIns="91440" tIns="45720" rIns="91440" bIns="45720" numCol="1" anchor="ctr" anchorCtr="0" compatLnSpc="1">
-            <a:prstTxWarp prst="textNoShape">
-              <a:avLst/>
-            </a:prstTxWarp>
-            <a:spAutoFit/>
-          </a:bodyPr>
-          <a:lstStyle/>
-          <a:p>
-            <a:endParaRPr lang="zh-CN" altLang="en-US"/>
-          </a:p>
-        </p:txBody>
-      </p:sp>
-      <p:pic>
-        <p:nvPicPr>
-          <p:cNvPr id="8" name="Picture 7"/>
-          <p:cNvPicPr>
-            <a:picLocks noChangeAspect="1"/>
-          </p:cNvPicPr>
-          <p:nvPr/>
-        </p:nvPicPr>
-        <p:blipFill>
-          <a:blip r:embed="rId2"/>
-          <a:stretch>
-            <a:fillRect/>
-          </a:stretch>
-        </p:blipFill>
-        <p:spPr>
-          <a:xfrm>
-            <a:off x="418529" y="1184727"/>
-            <a:ext cx="8463164" cy="2115651"/>
-          </a:xfrm>
-          <a:prstGeom prst="rect">
-            <a:avLst/>
-          </a:prstGeom>
-        </p:spPr>
-      </p:pic>
-      <p:pic>
-        <p:nvPicPr>
-          <p:cNvPr id="11" name="Picture 10"/>
-          <p:cNvPicPr>
-            <a:picLocks noChangeAspect="1"/>
-          </p:cNvPicPr>
-          <p:nvPr/>
-        </p:nvPicPr>
-        <p:blipFill>
-          <a:blip r:embed="rId3"/>
-          <a:stretch>
-            <a:fillRect/>
-          </a:stretch>
-        </p:blipFill>
-        <p:spPr>
-          <a:xfrm>
-            <a:off x="396875" y="3669629"/>
-            <a:ext cx="8593013" cy="1712757"/>
-          </a:xfrm>
-          <a:prstGeom prst="rect">
-            <a:avLst/>
-          </a:prstGeom>
-        </p:spPr>
-      </p:pic>
-    </p:spTree>
-    <p:extLst>
-      <p:ext uri="{BB962C8B-B14F-4D97-AF65-F5344CB8AC3E}">
-        <p14:creationId xmlns:p14="http://schemas.microsoft.com/office/powerpoint/2010/main" val="1832725301"/>
-      </p:ext>
-    </p:extLst>
-  </p:cSld>
-  <p:clrMapOvr>
-    <a:masterClrMapping/>
-  </p:clrMapOvr>
-  <p:transition>
-    <p:fade thruBlk="1"/>
-  </p:transition>
-  <p:timing>
-    <p:tnLst>
-      <p:par>
-        <p:cTn id="1" dur="indefinite" restart="never" nodeType="tmRoot"/>
-      </p:par>
-    </p:tnLst>
-  </p:timing>
-</p:sld>
-</file>
-
-<file path=ppt/slides/slide14.xml><?xml version="1.0" encoding="utf-8"?>
-<p:sld xmlns:a="http://schemas.openxmlformats.org/drawingml/2006/main" xmlns:r="http://schemas.openxmlformats.org/officeDocument/2006/relationships" xmlns:p="http://schemas.openxmlformats.org/presentationml/2006/main">
-  <p:cSld>
-    <p:spTree>
-      <p:nvGrpSpPr>
-        <p:cNvPr id="1" name=""/>
-        <p:cNvGrpSpPr/>
-        <p:nvPr/>
-      </p:nvGrpSpPr>
-      <p:grpSpPr>
-        <a:xfrm>
-          <a:off x="0" y="0"/>
-          <a:ext cx="0" cy="0"/>
-          <a:chOff x="0" y="0"/>
-          <a:chExt cx="0" cy="0"/>
-        </a:xfrm>
-      </p:grpSpPr>
-      <p:sp>
-        <p:nvSpPr>
-          <p:cNvPr id="2" name="Title 1"/>
-          <p:cNvSpPr>
-            <a:spLocks noGrp="1"/>
-          </p:cNvSpPr>
-          <p:nvPr>
-            <p:ph type="title"/>
-          </p:nvPr>
-        </p:nvSpPr>
-        <p:spPr/>
-        <p:txBody>
-          <a:bodyPr/>
-          <a:lstStyle/>
-          <a:p>
-            <a:r>
-              <a:rPr lang="en-US" altLang="zh-CN" dirty="0" smtClean="0"/>
-              <a:t>Admin</a:t>
-            </a:r>
-            <a:endParaRPr lang="zh-CN" altLang="en-US" dirty="0"/>
-          </a:p>
-        </p:txBody>
-      </p:sp>
-      <p:sp>
-        <p:nvSpPr>
-          <p:cNvPr id="4" name="Date Placeholder 3"/>
-          <p:cNvSpPr>
-            <a:spLocks noGrp="1"/>
-          </p:cNvSpPr>
-          <p:nvPr>
-            <p:ph type="dt" sz="quarter" idx="10"/>
-          </p:nvPr>
-        </p:nvSpPr>
-        <p:spPr/>
-        <p:txBody>
-          <a:bodyPr/>
-          <a:lstStyle/>
-          <a:p>
-            <a:pPr>
-              <a:defRPr/>
-            </a:pPr>
-            <a:fld id="{1C5FE74D-D62C-47C4-B3FF-8CB5392AACD5}" type="datetime1">
-              <a:rPr lang="en-US" smtClean="0"/>
-              <a:pPr>
-                <a:defRPr/>
-              </a:pPr>
-              <a:t>5/27/2016</a:t>
-            </a:fld>
-            <a:endParaRPr lang="en-US" dirty="0"/>
-          </a:p>
-        </p:txBody>
-      </p:sp>
-      <p:sp>
-        <p:nvSpPr>
-          <p:cNvPr id="5" name="Slide Number Placeholder 4"/>
-          <p:cNvSpPr>
-            <a:spLocks noGrp="1"/>
-          </p:cNvSpPr>
-          <p:nvPr>
-            <p:ph type="sldNum" sz="quarter" idx="11"/>
-          </p:nvPr>
-        </p:nvSpPr>
-        <p:spPr/>
-        <p:txBody>
-          <a:bodyPr/>
-          <a:lstStyle/>
-          <a:p>
-            <a:pPr>
-              <a:defRPr/>
-            </a:pPr>
-            <a:fld id="{726AADE6-A9C6-4725-BB39-BE6AFE81664D}" type="slidenum">
-              <a:rPr lang="en-US" smtClean="0"/>
-              <a:pPr>
-                <a:defRPr/>
-              </a:pPr>
-              <a:t>14</a:t>
-            </a:fld>
-            <a:endParaRPr lang="en-US" dirty="0"/>
-          </a:p>
-        </p:txBody>
-      </p:sp>
-      <p:sp>
-        <p:nvSpPr>
-          <p:cNvPr id="6" name="Footer Placeholder 5"/>
-          <p:cNvSpPr>
-            <a:spLocks noGrp="1"/>
-          </p:cNvSpPr>
-          <p:nvPr>
-            <p:ph type="ftr" sz="quarter" idx="12"/>
-          </p:nvPr>
-        </p:nvSpPr>
-        <p:spPr/>
-        <p:txBody>
-          <a:bodyPr/>
-          <a:lstStyle/>
-          <a:p>
-            <a:pPr>
-              <a:defRPr/>
-            </a:pPr>
-            <a:r>
-              <a:rPr lang="en-US" smtClean="0"/>
-              <a:t>Confidential | Copyright 2012 Trend Micro Inc.</a:t>
-            </a:r>
-            <a:endParaRPr lang="en-US" dirty="0"/>
-          </a:p>
-        </p:txBody>
-      </p:sp>
-      <p:pic>
-        <p:nvPicPr>
-          <p:cNvPr id="4098" name="Picture 2"/>
-          <p:cNvPicPr>
-            <a:picLocks noChangeAspect="1" noChangeArrowheads="1"/>
-          </p:cNvPicPr>
-          <p:nvPr/>
-        </p:nvPicPr>
-        <p:blipFill>
-          <a:blip r:embed="rId2">
-            <a:extLst>
-              <a:ext uri="{28A0092B-C50C-407E-A947-70E740481C1C}">
-                <a14:useLocalDpi xmlns:a14="http://schemas.microsoft.com/office/drawing/2010/main" val="0"/>
-              </a:ext>
-            </a:extLst>
-          </a:blip>
-          <a:srcRect/>
-          <a:stretch>
-            <a:fillRect/>
-          </a:stretch>
-        </p:blipFill>
-        <p:spPr bwMode="auto">
-          <a:xfrm>
-            <a:off x="0" y="928688"/>
-            <a:ext cx="9019309" cy="4827133"/>
-          </a:xfrm>
-          <a:prstGeom prst="rect">
-            <a:avLst/>
-          </a:prstGeom>
-          <a:noFill/>
-          <a:ln>
-            <a:noFill/>
-          </a:ln>
-          <a:effectLst/>
-          <a:extLst>
-            <a:ext uri="{909E8E84-426E-40DD-AFC4-6F175D3DCCD1}">
-              <a14:hiddenFill xmlns:a14="http://schemas.microsoft.com/office/drawing/2010/main">
-                <a:solidFill>
-                  <a:schemeClr val="accent1"/>
-                </a:solidFill>
-              </a14:hiddenFill>
-            </a:ext>
-            <a:ext uri="{91240B29-F687-4F45-9708-019B960494DF}">
-              <a14:hiddenLine xmlns:a14="http://schemas.microsoft.com/office/drawing/2010/main" w="9525">
-                <a:solidFill>
-                  <a:schemeClr val="tx1"/>
-                </a:solidFill>
-                <a:miter lim="800000"/>
-                <a:headEnd/>
-                <a:tailEnd/>
-              </a14:hiddenLine>
-            </a:ext>
-            <a:ext uri="{AF507438-7753-43E0-B8FC-AC1667EBCBE1}">
-              <a14:hiddenEffects xmlns:a14="http://schemas.microsoft.com/office/drawing/2010/main">
-                <a:effectLst>
-                  <a:outerShdw dist="35921" dir="2700000" algn="ctr" rotWithShape="0">
-                    <a:schemeClr val="bg2"/>
-                  </a:outerShdw>
-                </a:effectLst>
-              </a14:hiddenEffects>
-            </a:ext>
-          </a:extLst>
-        </p:spPr>
-      </p:pic>
-    </p:spTree>
-    <p:extLst>
-      <p:ext uri="{BB962C8B-B14F-4D97-AF65-F5344CB8AC3E}">
-        <p14:creationId xmlns:p14="http://schemas.microsoft.com/office/powerpoint/2010/main" val="1772226210"/>
-      </p:ext>
-    </p:extLst>
   </p:cSld>
   <p:clrMapOvr>
     <a:masterClrMapping/>
@@ -5713,9 +4191,9 @@
       </p:grpSpPr>
       <p:sp>
         <p:nvSpPr>
-          <p:cNvPr id="15361" name="Rectangle 6"/>
-          <p:cNvSpPr>
-            <a:spLocks noGrp="1" noChangeArrowheads="1"/>
+          <p:cNvPr id="2" name="Title 1"/>
+          <p:cNvSpPr>
+            <a:spLocks noGrp="1"/>
           </p:cNvSpPr>
           <p:nvPr>
             <p:ph type="title"/>
@@ -5723,8 +4201,8 @@
         </p:nvSpPr>
         <p:spPr>
           <a:xfrm>
-            <a:off x="809897" y="363283"/>
-            <a:ext cx="7814325" cy="714375"/>
+            <a:off x="396875" y="439693"/>
+            <a:ext cx="8101013" cy="703307"/>
           </a:xfrm>
         </p:spPr>
         <p:txBody>
@@ -5732,19 +4210,18 @@
           <a:lstStyle/>
           <a:p>
             <a:r>
-              <a:rPr lang="en-US" altLang="zh-TW" b="1" dirty="0" smtClean="0">
-                <a:ea typeface="新細明體" charset="-120"/>
-              </a:rPr>
-              <a:t>FMC 1.0</a:t>
-            </a:r>
-          </a:p>
-        </p:txBody>
-      </p:sp>
-      <p:sp>
-        <p:nvSpPr>
-          <p:cNvPr id="114695" name="Rectangle 7"/>
-          <p:cNvSpPr>
-            <a:spLocks noGrp="1" noChangeArrowheads="1"/>
+              <a:rPr lang="en-US" altLang="zh-TW" b="1" dirty="0" smtClean="0"/>
+              <a:t>Search</a:t>
+            </a:r>
+            <a:endParaRPr lang="zh-TW" altLang="en-US" b="1" dirty="0"/>
+          </a:p>
+        </p:txBody>
+      </p:sp>
+      <p:sp>
+        <p:nvSpPr>
+          <p:cNvPr id="3" name="Content Placeholder 2"/>
+          <p:cNvSpPr>
+            <a:spLocks noGrp="1"/>
           </p:cNvSpPr>
           <p:nvPr>
             <p:ph idx="1"/>
@@ -5752,23 +4229,32 @@
         </p:nvSpPr>
         <p:spPr>
           <a:xfrm>
-            <a:off x="718457" y="953589"/>
-            <a:ext cx="8085909" cy="5333019"/>
+            <a:off x="512717" y="981347"/>
+            <a:ext cx="8347166" cy="1541417"/>
           </a:xfrm>
         </p:spPr>
         <p:txBody>
           <a:bodyPr/>
           <a:lstStyle/>
           <a:p>
-            <a:r>
-              <a:rPr lang="en-US" altLang="zh-TW" dirty="0">
+            <a:pPr marL="0" indent="0">
+              <a:lnSpc>
+                <a:spcPct val="100000"/>
+              </a:lnSpc>
+              <a:spcBef>
+                <a:spcPts val="0"/>
+              </a:spcBef>
+              <a:buNone/>
+            </a:pPr>
+            <a:r>
+              <a:rPr lang="en-US" altLang="zh-CN" dirty="0" smtClean="0">
                 <a:solidFill>
                   <a:schemeClr val="tx1">
                     <a:lumMod val="50000"/>
                   </a:schemeClr>
                 </a:solidFill>
               </a:rPr>
-              <a:t>FMC stands for “Fix Management Center”. It’s a system designed to centrally and systematically manage SEG fixes/releases (Hot Fix/ Patch/ Service Pack) which can help to reduce the human errors on merge list </a:t>
+              <a:t>—</a:t>
             </a:r>
             <a:r>
               <a:rPr lang="en-US" altLang="zh-TW" dirty="0" smtClean="0">
@@ -5778,68 +4264,71 @@
                   </a:schemeClr>
                 </a:solidFill>
               </a:rPr>
-              <a:t>maintenance. This </a:t>
-            </a:r>
-            <a:r>
-              <a:rPr lang="en-US" altLang="zh-TW" dirty="0">
+              <a:t>Project Time</a:t>
+            </a:r>
+          </a:p>
+          <a:p>
+            <a:pPr marL="0" indent="0">
+              <a:lnSpc>
+                <a:spcPct val="100000"/>
+              </a:lnSpc>
+              <a:spcBef>
+                <a:spcPts val="0"/>
+              </a:spcBef>
+              <a:buNone/>
+            </a:pPr>
+            <a:r>
+              <a:rPr lang="en-US" altLang="zh-CN" dirty="0" smtClean="0">
                 <a:solidFill>
                   <a:schemeClr val="tx1">
                     <a:lumMod val="50000"/>
                   </a:schemeClr>
                 </a:solidFill>
               </a:rPr>
-              <a:t>system will help Support/Core team </a:t>
-            </a:r>
-            <a:r>
-              <a:rPr lang="en-US" altLang="zh-TW" dirty="0" smtClean="0">
+              <a:t>—Project Name</a:t>
+            </a:r>
+          </a:p>
+          <a:p>
+            <a:pPr marL="0" indent="0">
+              <a:lnSpc>
+                <a:spcPct val="100000"/>
+              </a:lnSpc>
+              <a:spcBef>
+                <a:spcPts val="0"/>
+              </a:spcBef>
+              <a:buNone/>
+            </a:pPr>
+            <a:r>
+              <a:rPr lang="en-US" altLang="zh-CN" dirty="0" smtClean="0">
                 <a:solidFill>
                   <a:schemeClr val="tx1">
                     <a:lumMod val="50000"/>
                   </a:schemeClr>
                 </a:solidFill>
               </a:rPr>
-              <a:t>easily </a:t>
-            </a:r>
-            <a:r>
-              <a:rPr lang="en-US" altLang="zh-TW" dirty="0">
+              <a:t>—Hot Fix Name</a:t>
+            </a:r>
+          </a:p>
+          <a:p>
+            <a:pPr marL="0" indent="0">
+              <a:lnSpc>
+                <a:spcPct val="100000"/>
+              </a:lnSpc>
+              <a:spcBef>
+                <a:spcPts val="0"/>
+              </a:spcBef>
+              <a:buNone/>
+            </a:pPr>
+            <a:r>
+              <a:rPr lang="en-US" altLang="zh-CN" dirty="0" smtClean="0">
                 <a:solidFill>
                   <a:schemeClr val="tx1">
                     <a:lumMod val="50000"/>
                   </a:schemeClr>
                 </a:solidFill>
               </a:rPr>
-              <a:t>search/trace the specific release history/status for internal or external inquiries</a:t>
-            </a:r>
-            <a:r>
-              <a:rPr lang="en-US" altLang="zh-TW" dirty="0" smtClean="0">
-                <a:solidFill>
-                  <a:schemeClr val="tx1">
-                    <a:lumMod val="50000"/>
-                  </a:schemeClr>
-                </a:solidFill>
-              </a:rPr>
-              <a:t>.</a:t>
-            </a:r>
-            <a:endParaRPr lang="zh-TW" altLang="en-US" dirty="0">
-              <a:solidFill>
-                <a:schemeClr val="tx1">
-                  <a:lumMod val="50000"/>
-                </a:schemeClr>
-              </a:solidFill>
-            </a:endParaRPr>
-          </a:p>
-          <a:p>
-            <a:pPr lvl="1"/>
-            <a:endParaRPr lang="en-US" altLang="zh-TW" dirty="0">
-              <a:solidFill>
-                <a:schemeClr val="tx1">
-                  <a:lumMod val="50000"/>
-                </a:schemeClr>
-              </a:solidFill>
-            </a:endParaRPr>
-          </a:p>
-          <a:p>
-            <a:pPr lvl="1"/>
+              <a:t>—Change History Query</a:t>
+            </a:r>
             <a:endParaRPr lang="en-US" altLang="zh-TW" dirty="0" smtClean="0">
               <a:solidFill>
                 <a:schemeClr val="tx1">
@@ -5848,62 +4337,26 @@
               </a:solidFill>
             </a:endParaRPr>
           </a:p>
+        </p:txBody>
+      </p:sp>
+      <p:sp>
+        <p:nvSpPr>
+          <p:cNvPr id="4" name="Date Placeholder 3"/>
+          <p:cNvSpPr>
+            <a:spLocks noGrp="1"/>
+          </p:cNvSpPr>
+          <p:nvPr>
+            <p:ph type="dt" sz="quarter" idx="10"/>
+          </p:nvPr>
+        </p:nvSpPr>
+        <p:spPr/>
+        <p:txBody>
+          <a:bodyPr/>
+          <a:lstStyle/>
           <a:p>
             <a:pPr>
-              <a:buNone/>
+              <a:defRPr/>
             </a:pPr>
-            <a:endParaRPr lang="zh-TW" altLang="en-US" dirty="0" smtClean="0">
-              <a:solidFill>
-                <a:schemeClr val="bg2">
-                  <a:lumMod val="50000"/>
-                </a:schemeClr>
-              </a:solidFill>
-            </a:endParaRPr>
-          </a:p>
-          <a:p>
-            <a:endParaRPr lang="zh-TW" altLang="zh-TW" dirty="0" smtClean="0">
-              <a:solidFill>
-                <a:srgbClr val="313233"/>
-              </a:solidFill>
-              <a:ea typeface="新細明體" charset="-120"/>
-            </a:endParaRPr>
-          </a:p>
-          <a:p>
-            <a:endParaRPr lang="zh-TW" altLang="zh-TW" dirty="0" smtClean="0">
-              <a:solidFill>
-                <a:srgbClr val="313233"/>
-              </a:solidFill>
-              <a:ea typeface="新細明體" charset="-120"/>
-            </a:endParaRPr>
-          </a:p>
-        </p:txBody>
-      </p:sp>
-      <p:sp>
-        <p:nvSpPr>
-          <p:cNvPr id="15364" name="Date Placeholder 8"/>
-          <p:cNvSpPr>
-            <a:spLocks noGrp="1"/>
-          </p:cNvSpPr>
-          <p:nvPr>
-            <p:ph type="dt" sz="quarter" idx="10"/>
-          </p:nvPr>
-        </p:nvSpPr>
-        <p:spPr bwMode="auto">
-          <a:noFill/>
-          <a:ln>
-            <a:miter lim="800000"/>
-            <a:headEnd/>
-            <a:tailEnd/>
-          </a:ln>
-        </p:spPr>
-        <p:txBody>
-          <a:bodyPr vert="horz" wrap="square" lIns="91440" tIns="45720" rIns="91440" bIns="45720" numCol="1" anchor="t" anchorCtr="0" compatLnSpc="1">
-            <a:prstTxWarp prst="textNoShape">
-              <a:avLst/>
-            </a:prstTxWarp>
-          </a:bodyPr>
-          <a:lstStyle/>
-          <a:p>
             <a:r>
               <a:rPr lang="en-US" altLang="zh-TW" dirty="0" smtClean="0">
                 <a:ea typeface="新細明體" charset="-120"/>
@@ -5914,232 +4367,22 @@
               <a:ea typeface="新細明體" charset="-120"/>
             </a:endParaRPr>
           </a:p>
-        </p:txBody>
-      </p:sp>
-      <p:sp>
-        <p:nvSpPr>
-          <p:cNvPr id="15363" name="Slide Number Placeholder 4"/>
-          <p:cNvSpPr>
-            <a:spLocks noGrp="1"/>
-          </p:cNvSpPr>
-          <p:nvPr>
-            <p:ph type="sldNum" sz="quarter" idx="11"/>
-          </p:nvPr>
-        </p:nvSpPr>
-        <p:spPr bwMode="auto">
-          <a:noFill/>
-          <a:ln>
-            <a:miter lim="800000"/>
-            <a:headEnd/>
-            <a:tailEnd/>
-          </a:ln>
-        </p:spPr>
-        <p:txBody>
-          <a:bodyPr vert="horz" wrap="square" lIns="91440" tIns="45720" rIns="91440" bIns="45720" numCol="1" anchor="t" anchorCtr="0" compatLnSpc="1">
-            <a:prstTxWarp prst="textNoShape">
-              <a:avLst/>
-            </a:prstTxWarp>
-          </a:bodyPr>
-          <a:lstStyle/>
-          <a:p>
-            <a:fld id="{167A38DD-B957-4657-860F-AB73D0A90D5F}" type="slidenum">
-              <a:rPr lang="en-US" altLang="zh-TW">
-                <a:ea typeface="新細明體" charset="-120"/>
-              </a:rPr>
-              <a:pPr/>
-              <a:t>2</a:t>
-            </a:fld>
-            <a:endParaRPr lang="en-US" altLang="zh-TW" dirty="0">
-              <a:ea typeface="新細明體" charset="-120"/>
-            </a:endParaRPr>
-          </a:p>
-        </p:txBody>
-      </p:sp>
-      <p:sp>
-        <p:nvSpPr>
-          <p:cNvPr id="15365" name="Footer Placeholder 5"/>
-          <p:cNvSpPr>
-            <a:spLocks noGrp="1"/>
-          </p:cNvSpPr>
-          <p:nvPr>
-            <p:ph type="ftr" sz="quarter" idx="12"/>
-          </p:nvPr>
-        </p:nvSpPr>
-        <p:spPr bwMode="auto">
-          <a:noFill/>
-          <a:ln>
-            <a:miter lim="800000"/>
-            <a:headEnd/>
-            <a:tailEnd/>
-          </a:ln>
-        </p:spPr>
-        <p:txBody>
-          <a:bodyPr vert="horz" wrap="square" lIns="91440" tIns="45720" rIns="91440" bIns="45720" numCol="1" anchor="t" anchorCtr="0" compatLnSpc="1">
-            <a:prstTxWarp prst="textNoShape">
-              <a:avLst/>
-            </a:prstTxWarp>
-          </a:bodyPr>
-          <a:lstStyle/>
-          <a:p>
-            <a:r>
-              <a:rPr altLang="zh-TW" dirty="0">
-                <a:ea typeface="新細明體" charset="-120"/>
-              </a:rPr>
-              <a:t>Confidential | Copyright 2012 Trend Micro Inc.</a:t>
-            </a:r>
-          </a:p>
-        </p:txBody>
-      </p:sp>
-    </p:spTree>
-  </p:cSld>
-  <p:clrMapOvr>
-    <a:masterClrMapping/>
-  </p:clrMapOvr>
-  <p:transition>
-    <p:fade thruBlk="1"/>
-  </p:transition>
-  <p:timing>
-    <p:tnLst>
-      <p:par>
-        <p:cTn id="1" dur="indefinite" restart="never" nodeType="tmRoot"/>
-      </p:par>
-    </p:tnLst>
-  </p:timing>
-</p:sld>
-</file>
-
-<file path=ppt/slides/slide3.xml><?xml version="1.0" encoding="utf-8"?>
-<p:sld xmlns:a="http://schemas.openxmlformats.org/drawingml/2006/main" xmlns:r="http://schemas.openxmlformats.org/officeDocument/2006/relationships" xmlns:p="http://schemas.openxmlformats.org/presentationml/2006/main">
-  <p:cSld>
-    <p:spTree>
-      <p:nvGrpSpPr>
-        <p:cNvPr id="1" name=""/>
-        <p:cNvGrpSpPr/>
-        <p:nvPr/>
-      </p:nvGrpSpPr>
-      <p:grpSpPr>
-        <a:xfrm>
-          <a:off x="0" y="0"/>
-          <a:ext cx="0" cy="0"/>
-          <a:chOff x="0" y="0"/>
-          <a:chExt cx="0" cy="0"/>
-        </a:xfrm>
-      </p:grpSpPr>
-      <p:sp>
-        <p:nvSpPr>
-          <p:cNvPr id="2" name="Title 1"/>
-          <p:cNvSpPr>
-            <a:spLocks noGrp="1"/>
-          </p:cNvSpPr>
-          <p:nvPr>
-            <p:ph type="title"/>
-          </p:nvPr>
-        </p:nvSpPr>
-        <p:spPr/>
-        <p:txBody>
-          <a:bodyPr/>
-          <a:lstStyle/>
-          <a:p>
-            <a:r>
-              <a:rPr lang="en-US" altLang="zh-CN" dirty="0" smtClean="0"/>
-              <a:t>Functions</a:t>
-            </a:r>
-            <a:endParaRPr lang="zh-CN" altLang="en-US" dirty="0"/>
-          </a:p>
-        </p:txBody>
-      </p:sp>
-      <p:sp>
-        <p:nvSpPr>
-          <p:cNvPr id="3" name="Content Placeholder 2"/>
-          <p:cNvSpPr>
-            <a:spLocks noGrp="1"/>
-          </p:cNvSpPr>
-          <p:nvPr>
-            <p:ph idx="1"/>
-          </p:nvPr>
-        </p:nvSpPr>
-        <p:spPr/>
-        <p:txBody>
-          <a:bodyPr/>
-          <a:lstStyle/>
-          <a:p>
-            <a:r>
-              <a:rPr lang="en-US" altLang="zh-CN" dirty="0" smtClean="0"/>
-              <a:t>Submit(only available to SEG Manager)</a:t>
-            </a:r>
-          </a:p>
-          <a:p>
-            <a:r>
-              <a:rPr lang="en-US" altLang="zh-CN" dirty="0" smtClean="0"/>
-              <a:t>Modification</a:t>
-            </a:r>
-            <a:r>
-              <a:rPr lang="en-US" altLang="zh-CN" dirty="0"/>
-              <a:t>(only available to RD </a:t>
-            </a:r>
-            <a:r>
-              <a:rPr lang="en-US" altLang="zh-CN" dirty="0" smtClean="0"/>
-              <a:t>team-SEG manager/Team Leader)</a:t>
-            </a:r>
-          </a:p>
-          <a:p>
-            <a:r>
-              <a:rPr lang="en-US" altLang="zh-CN" dirty="0" smtClean="0"/>
-              <a:t>Project Statues(only available to RD team)</a:t>
-            </a:r>
-          </a:p>
-          <a:p>
-            <a:r>
-              <a:rPr lang="en-US" altLang="zh-CN" dirty="0" smtClean="0"/>
-              <a:t>Search</a:t>
-            </a:r>
-          </a:p>
-          <a:p>
-            <a:r>
-              <a:rPr lang="en-US" altLang="zh-CN" dirty="0" smtClean="0"/>
-              <a:t>Admin</a:t>
-            </a:r>
-            <a:endParaRPr lang="zh-CN" altLang="en-US" dirty="0"/>
-          </a:p>
-        </p:txBody>
-      </p:sp>
-      <p:sp>
-        <p:nvSpPr>
-          <p:cNvPr id="4" name="Date Placeholder 3"/>
-          <p:cNvSpPr>
-            <a:spLocks noGrp="1"/>
-          </p:cNvSpPr>
-          <p:nvPr>
-            <p:ph type="dt" sz="quarter" idx="10"/>
-          </p:nvPr>
-        </p:nvSpPr>
-        <p:spPr/>
-        <p:txBody>
-          <a:bodyPr/>
-          <a:lstStyle/>
           <a:p>
             <a:pPr>
               <a:defRPr/>
             </a:pPr>
-            <a:fld id="{1C5FE74D-D62C-47C4-B3FF-8CB5392AACD5}" type="datetime1">
-              <a:rPr lang="en-US" smtClean="0"/>
-              <a:pPr>
-                <a:defRPr/>
-              </a:pPr>
-              <a:t>5/27/2016</a:t>
-            </a:fld>
             <a:endParaRPr lang="en-US" dirty="0"/>
           </a:p>
         </p:txBody>
       </p:sp>
       <p:sp>
         <p:nvSpPr>
-          <p:cNvPr id="5" name="Slide Number Placeholder 4"/>
+          <p:cNvPr id="6" name="Footer Placeholder 5"/>
           <p:cNvSpPr>
             <a:spLocks noGrp="1"/>
           </p:cNvSpPr>
           <p:nvPr>
-            <p:ph type="sldNum" sz="quarter" idx="11"/>
+            <p:ph type="ftr" sz="quarter" idx="12"/>
           </p:nvPr>
         </p:nvSpPr>
         <p:spPr/>
@@ -6150,37 +4393,8 @@
             <a:pPr>
               <a:defRPr/>
             </a:pPr>
-            <a:fld id="{726AADE6-A9C6-4725-BB39-BE6AFE81664D}" type="slidenum">
-              <a:rPr lang="en-US" smtClean="0"/>
-              <a:pPr>
-                <a:defRPr/>
-              </a:pPr>
-              <a:t>3</a:t>
-            </a:fld>
-            <a:endParaRPr lang="en-US" dirty="0"/>
-          </a:p>
-        </p:txBody>
-      </p:sp>
-      <p:sp>
-        <p:nvSpPr>
-          <p:cNvPr id="6" name="Footer Placeholder 5"/>
-          <p:cNvSpPr>
-            <a:spLocks noGrp="1"/>
-          </p:cNvSpPr>
-          <p:nvPr>
-            <p:ph type="ftr" sz="quarter" idx="12"/>
-          </p:nvPr>
-        </p:nvSpPr>
-        <p:spPr/>
-        <p:txBody>
-          <a:bodyPr/>
-          <a:lstStyle/>
-          <a:p>
-            <a:pPr>
-              <a:defRPr/>
-            </a:pPr>
-            <a:r>
-              <a:rPr lang="en-US" smtClean="0"/>
+            <a:r>
+              <a:rPr lang="en-US" dirty="0" smtClean="0"/>
               <a:t>Confidential | Copyright 2012 Trend Micro Inc.</a:t>
             </a:r>
             <a:endParaRPr lang="en-US" dirty="0"/>
@@ -6190,7 +4404,7 @@
     </p:spTree>
     <p:extLst>
       <p:ext uri="{BB962C8B-B14F-4D97-AF65-F5344CB8AC3E}">
-        <p14:creationId xmlns:p14="http://schemas.microsoft.com/office/powerpoint/2010/main" val="2854996884"/>
+        <p14:creationId xmlns:p14="http://schemas.microsoft.com/office/powerpoint/2010/main" val="3427554102"/>
       </p:ext>
     </p:extLst>
   </p:cSld>
@@ -6207,1687 +4421,6 @@
       </p:par>
     </p:tnLst>
   </p:timing>
-</p:sld>
-</file>
-
-<file path=ppt/slides/slide4.xml><?xml version="1.0" encoding="utf-8"?>
-<p:sld xmlns:a="http://schemas.openxmlformats.org/drawingml/2006/main" xmlns:r="http://schemas.openxmlformats.org/officeDocument/2006/relationships" xmlns:p="http://schemas.openxmlformats.org/presentationml/2006/main">
-  <p:cSld>
-    <p:spTree>
-      <p:nvGrpSpPr>
-        <p:cNvPr id="1" name=""/>
-        <p:cNvGrpSpPr/>
-        <p:nvPr/>
-      </p:nvGrpSpPr>
-      <p:grpSpPr>
-        <a:xfrm>
-          <a:off x="0" y="0"/>
-          <a:ext cx="0" cy="0"/>
-          <a:chOff x="0" y="0"/>
-          <a:chExt cx="0" cy="0"/>
-        </a:xfrm>
-      </p:grpSpPr>
-      <p:sp>
-        <p:nvSpPr>
-          <p:cNvPr id="2" name="Title 1"/>
-          <p:cNvSpPr>
-            <a:spLocks noGrp="1"/>
-          </p:cNvSpPr>
-          <p:nvPr>
-            <p:ph type="title"/>
-          </p:nvPr>
-        </p:nvSpPr>
-        <p:spPr/>
-        <p:txBody>
-          <a:bodyPr/>
-          <a:lstStyle/>
-          <a:p>
-            <a:r>
-              <a:rPr lang="en-US" altLang="zh-CN" b="1" dirty="0" smtClean="0"/>
-              <a:t>System </a:t>
-            </a:r>
-            <a:r>
-              <a:rPr lang="en-US" altLang="zh-CN" b="1" dirty="0"/>
-              <a:t>Diagram</a:t>
-            </a:r>
-            <a:endParaRPr lang="zh-CN" altLang="en-US" b="1" dirty="0"/>
-          </a:p>
-        </p:txBody>
-      </p:sp>
-      <p:sp>
-        <p:nvSpPr>
-          <p:cNvPr id="4" name="Date Placeholder 3"/>
-          <p:cNvSpPr>
-            <a:spLocks noGrp="1"/>
-          </p:cNvSpPr>
-          <p:nvPr>
-            <p:ph type="dt" sz="quarter" idx="10"/>
-          </p:nvPr>
-        </p:nvSpPr>
-        <p:spPr/>
-        <p:txBody>
-          <a:bodyPr/>
-          <a:lstStyle/>
-          <a:p>
-            <a:pPr>
-              <a:defRPr/>
-            </a:pPr>
-            <a:fld id="{1C5FE74D-D62C-47C4-B3FF-8CB5392AACD5}" type="datetime1">
-              <a:rPr lang="en-US" smtClean="0"/>
-              <a:pPr>
-                <a:defRPr/>
-              </a:pPr>
-              <a:t>5/27/2016</a:t>
-            </a:fld>
-            <a:endParaRPr lang="en-US" dirty="0"/>
-          </a:p>
-        </p:txBody>
-      </p:sp>
-      <p:sp>
-        <p:nvSpPr>
-          <p:cNvPr id="5" name="Slide Number Placeholder 4"/>
-          <p:cNvSpPr>
-            <a:spLocks noGrp="1"/>
-          </p:cNvSpPr>
-          <p:nvPr>
-            <p:ph type="sldNum" sz="quarter" idx="11"/>
-          </p:nvPr>
-        </p:nvSpPr>
-        <p:spPr/>
-        <p:txBody>
-          <a:bodyPr/>
-          <a:lstStyle/>
-          <a:p>
-            <a:pPr>
-              <a:defRPr/>
-            </a:pPr>
-            <a:fld id="{726AADE6-A9C6-4725-BB39-BE6AFE81664D}" type="slidenum">
-              <a:rPr lang="en-US" smtClean="0"/>
-              <a:pPr>
-                <a:defRPr/>
-              </a:pPr>
-              <a:t>4</a:t>
-            </a:fld>
-            <a:endParaRPr lang="en-US" dirty="0"/>
-          </a:p>
-        </p:txBody>
-      </p:sp>
-      <p:sp>
-        <p:nvSpPr>
-          <p:cNvPr id="6" name="Footer Placeholder 5"/>
-          <p:cNvSpPr>
-            <a:spLocks noGrp="1"/>
-          </p:cNvSpPr>
-          <p:nvPr>
-            <p:ph type="ftr" sz="quarter" idx="12"/>
-          </p:nvPr>
-        </p:nvSpPr>
-        <p:spPr/>
-        <p:txBody>
-          <a:bodyPr/>
-          <a:lstStyle/>
-          <a:p>
-            <a:pPr>
-              <a:defRPr/>
-            </a:pPr>
-            <a:r>
-              <a:rPr lang="en-US" smtClean="0"/>
-              <a:t>Confidential | Copyright 2012 Trend Micro Inc.</a:t>
-            </a:r>
-            <a:endParaRPr lang="en-US" dirty="0"/>
-          </a:p>
-        </p:txBody>
-      </p:sp>
-      <p:pic>
-        <p:nvPicPr>
-          <p:cNvPr id="1026" name="Picture 2"/>
-          <p:cNvPicPr>
-            <a:picLocks noChangeAspect="1" noChangeArrowheads="1"/>
-          </p:cNvPicPr>
-          <p:nvPr/>
-        </p:nvPicPr>
-        <p:blipFill>
-          <a:blip r:embed="rId2">
-            <a:extLst>
-              <a:ext uri="{28A0092B-C50C-407E-A947-70E740481C1C}">
-                <a14:useLocalDpi xmlns:a14="http://schemas.microsoft.com/office/drawing/2010/main" val="0"/>
-              </a:ext>
-            </a:extLst>
-          </a:blip>
-          <a:srcRect/>
-          <a:stretch>
-            <a:fillRect/>
-          </a:stretch>
-        </p:blipFill>
-        <p:spPr bwMode="auto">
-          <a:xfrm>
-            <a:off x="420235" y="1154566"/>
-            <a:ext cx="7126287" cy="5381625"/>
-          </a:xfrm>
-          <a:prstGeom prst="rect">
-            <a:avLst/>
-          </a:prstGeom>
-          <a:noFill/>
-          <a:ln>
-            <a:noFill/>
-          </a:ln>
-          <a:effectLst/>
-          <a:extLst>
-            <a:ext uri="{909E8E84-426E-40DD-AFC4-6F175D3DCCD1}">
-              <a14:hiddenFill xmlns:a14="http://schemas.microsoft.com/office/drawing/2010/main">
-                <a:solidFill>
-                  <a:schemeClr val="accent1"/>
-                </a:solidFill>
-              </a14:hiddenFill>
-            </a:ext>
-            <a:ext uri="{91240B29-F687-4F45-9708-019B960494DF}">
-              <a14:hiddenLine xmlns:a14="http://schemas.microsoft.com/office/drawing/2010/main" w="9525">
-                <a:solidFill>
-                  <a:schemeClr val="tx1"/>
-                </a:solidFill>
-                <a:miter lim="800000"/>
-                <a:headEnd/>
-                <a:tailEnd/>
-              </a14:hiddenLine>
-            </a:ext>
-            <a:ext uri="{AF507438-7753-43E0-B8FC-AC1667EBCBE1}">
-              <a14:hiddenEffects xmlns:a14="http://schemas.microsoft.com/office/drawing/2010/main">
-                <a:effectLst>
-                  <a:outerShdw dist="35921" dir="2700000" algn="ctr" rotWithShape="0">
-                    <a:schemeClr val="bg2"/>
-                  </a:outerShdw>
-                </a:effectLst>
-              </a14:hiddenEffects>
-            </a:ext>
-          </a:extLst>
-        </p:spPr>
-      </p:pic>
-    </p:spTree>
-    <p:extLst>
-      <p:ext uri="{BB962C8B-B14F-4D97-AF65-F5344CB8AC3E}">
-        <p14:creationId xmlns:p14="http://schemas.microsoft.com/office/powerpoint/2010/main" val="29672927"/>
-      </p:ext>
-    </p:extLst>
-  </p:cSld>
-  <p:clrMapOvr>
-    <a:masterClrMapping/>
-  </p:clrMapOvr>
-  <p:transition>
-    <p:fade thruBlk="1"/>
-  </p:transition>
-  <p:timing>
-    <p:tnLst>
-      <p:par>
-        <p:cTn id="1" dur="indefinite" restart="never" nodeType="tmRoot"/>
-      </p:par>
-    </p:tnLst>
-  </p:timing>
-</p:sld>
-</file>
-
-<file path=ppt/slides/slide5.xml><?xml version="1.0" encoding="utf-8"?>
-<p:sld xmlns:a="http://schemas.openxmlformats.org/drawingml/2006/main" xmlns:r="http://schemas.openxmlformats.org/officeDocument/2006/relationships" xmlns:p="http://schemas.openxmlformats.org/presentationml/2006/main">
-  <p:cSld>
-    <p:spTree>
-      <p:nvGrpSpPr>
-        <p:cNvPr id="1" name=""/>
-        <p:cNvGrpSpPr/>
-        <p:nvPr/>
-      </p:nvGrpSpPr>
-      <p:grpSpPr>
-        <a:xfrm>
-          <a:off x="0" y="0"/>
-          <a:ext cx="0" cy="0"/>
-          <a:chOff x="0" y="0"/>
-          <a:chExt cx="0" cy="0"/>
-        </a:xfrm>
-      </p:grpSpPr>
-      <p:sp>
-        <p:nvSpPr>
-          <p:cNvPr id="2" name="Title 1"/>
-          <p:cNvSpPr>
-            <a:spLocks noGrp="1"/>
-          </p:cNvSpPr>
-          <p:nvPr>
-            <p:ph type="title"/>
-          </p:nvPr>
-        </p:nvSpPr>
-        <p:spPr/>
-        <p:txBody>
-          <a:bodyPr/>
-          <a:lstStyle/>
-          <a:p>
-            <a:r>
-              <a:rPr lang="en-US" altLang="zh-TW" b="1" dirty="0">
-                <a:solidFill>
-                  <a:srgbClr val="C00000"/>
-                </a:solidFill>
-                <a:latin typeface="Arial" panose="020B0604020202020204" pitchFamily="34" charset="0"/>
-                <a:ea typeface="新細明體" pitchFamily="18" charset="-120"/>
-                <a:cs typeface="Arial" panose="020B0604020202020204" pitchFamily="34" charset="0"/>
-              </a:rPr>
-              <a:t>Home</a:t>
-            </a:r>
-          </a:p>
-        </p:txBody>
-      </p:sp>
-      <p:sp>
-        <p:nvSpPr>
-          <p:cNvPr id="4" name="Date Placeholder 3"/>
-          <p:cNvSpPr>
-            <a:spLocks noGrp="1"/>
-          </p:cNvSpPr>
-          <p:nvPr>
-            <p:ph type="dt" sz="quarter" idx="10"/>
-          </p:nvPr>
-        </p:nvSpPr>
-        <p:spPr/>
-        <p:txBody>
-          <a:bodyPr/>
-          <a:lstStyle/>
-          <a:p>
-            <a:pPr>
-              <a:defRPr/>
-            </a:pPr>
-            <a:fld id="{1C5FE74D-D62C-47C4-B3FF-8CB5392AACD5}" type="datetime1">
-              <a:rPr lang="en-US" smtClean="0"/>
-              <a:pPr>
-                <a:defRPr/>
-              </a:pPr>
-              <a:t>5/27/2016</a:t>
-            </a:fld>
-            <a:endParaRPr lang="en-US" dirty="0"/>
-          </a:p>
-        </p:txBody>
-      </p:sp>
-      <p:sp>
-        <p:nvSpPr>
-          <p:cNvPr id="5" name="Slide Number Placeholder 4"/>
-          <p:cNvSpPr>
-            <a:spLocks noGrp="1"/>
-          </p:cNvSpPr>
-          <p:nvPr>
-            <p:ph type="sldNum" sz="quarter" idx="11"/>
-          </p:nvPr>
-        </p:nvSpPr>
-        <p:spPr/>
-        <p:txBody>
-          <a:bodyPr/>
-          <a:lstStyle/>
-          <a:p>
-            <a:pPr>
-              <a:defRPr/>
-            </a:pPr>
-            <a:fld id="{726AADE6-A9C6-4725-BB39-BE6AFE81664D}" type="slidenum">
-              <a:rPr lang="en-US" smtClean="0"/>
-              <a:pPr>
-                <a:defRPr/>
-              </a:pPr>
-              <a:t>5</a:t>
-            </a:fld>
-            <a:endParaRPr lang="en-US" dirty="0"/>
-          </a:p>
-        </p:txBody>
-      </p:sp>
-      <p:sp>
-        <p:nvSpPr>
-          <p:cNvPr id="6" name="Footer Placeholder 5"/>
-          <p:cNvSpPr>
-            <a:spLocks noGrp="1"/>
-          </p:cNvSpPr>
-          <p:nvPr>
-            <p:ph type="ftr" sz="quarter" idx="12"/>
-          </p:nvPr>
-        </p:nvSpPr>
-        <p:spPr/>
-        <p:txBody>
-          <a:bodyPr/>
-          <a:lstStyle/>
-          <a:p>
-            <a:pPr>
-              <a:defRPr/>
-            </a:pPr>
-            <a:r>
-              <a:rPr lang="en-US" smtClean="0"/>
-              <a:t>Confidential | Copyright 2012 Trend Micro Inc.</a:t>
-            </a:r>
-            <a:endParaRPr lang="en-US" dirty="0"/>
-          </a:p>
-        </p:txBody>
-      </p:sp>
-      <p:pic>
-        <p:nvPicPr>
-          <p:cNvPr id="8" name="Picture 7"/>
-          <p:cNvPicPr/>
-          <p:nvPr/>
-        </p:nvPicPr>
-        <p:blipFill>
-          <a:blip r:embed="rId2"/>
-          <a:stretch>
-            <a:fillRect/>
-          </a:stretch>
-        </p:blipFill>
-        <p:spPr>
-          <a:xfrm>
-            <a:off x="542744" y="2098221"/>
-            <a:ext cx="7621542" cy="4106635"/>
-          </a:xfrm>
-          <a:prstGeom prst="rect">
-            <a:avLst/>
-          </a:prstGeom>
-        </p:spPr>
-      </p:pic>
-      <p:sp>
-        <p:nvSpPr>
-          <p:cNvPr id="7" name="TextBox 6"/>
-          <p:cNvSpPr txBox="1"/>
-          <p:nvPr/>
-        </p:nvSpPr>
-        <p:spPr>
-          <a:xfrm>
-            <a:off x="542744" y="1118507"/>
-            <a:ext cx="7082699" cy="830997"/>
-          </a:xfrm>
-          <a:prstGeom prst="rect">
-            <a:avLst/>
-          </a:prstGeom>
-          <a:noFill/>
-        </p:spPr>
-        <p:txBody>
-          <a:bodyPr wrap="square" rtlCol="0">
-            <a:spAutoFit/>
-          </a:bodyPr>
-          <a:lstStyle/>
-          <a:p>
-            <a:r>
-              <a:rPr lang="en-US" altLang="zh-CN" dirty="0" smtClean="0"/>
-              <a:t>- </a:t>
-            </a:r>
-            <a:r>
-              <a:rPr lang="en-US" altLang="zh-CN" sz="2400" b="0" dirty="0">
-                <a:solidFill>
-                  <a:schemeClr val="tx1">
-                    <a:lumMod val="50000"/>
-                  </a:schemeClr>
-                </a:solidFill>
-              </a:rPr>
-              <a:t>System </a:t>
-            </a:r>
-            <a:r>
-              <a:rPr lang="en-US" altLang="zh-CN" sz="2400" b="0" dirty="0" smtClean="0">
-                <a:solidFill>
-                  <a:schemeClr val="tx1">
-                    <a:lumMod val="50000"/>
-                  </a:schemeClr>
-                </a:solidFill>
-              </a:rPr>
-              <a:t>Introduction:</a:t>
-            </a:r>
-            <a:endParaRPr lang="en-US" altLang="zh-CN" sz="2400" b="0" dirty="0">
-              <a:solidFill>
-                <a:schemeClr val="tx1">
-                  <a:lumMod val="50000"/>
-                </a:schemeClr>
-              </a:solidFill>
-            </a:endParaRPr>
-          </a:p>
-          <a:p>
-            <a:r>
-              <a:rPr lang="en-US" altLang="zh-CN" sz="2400" b="0" dirty="0">
-                <a:solidFill>
-                  <a:schemeClr val="tx1">
-                    <a:lumMod val="50000"/>
-                  </a:schemeClr>
-                </a:solidFill>
-              </a:rPr>
-              <a:t>      This is introduction for FMC system panel</a:t>
-            </a:r>
-            <a:endParaRPr lang="zh-CN" altLang="en-US" sz="2400" b="0" dirty="0">
-              <a:solidFill>
-                <a:schemeClr val="tx1">
-                  <a:lumMod val="50000"/>
-                </a:schemeClr>
-              </a:solidFill>
-            </a:endParaRPr>
-          </a:p>
-        </p:txBody>
-      </p:sp>
-    </p:spTree>
-    <p:extLst>
-      <p:ext uri="{BB962C8B-B14F-4D97-AF65-F5344CB8AC3E}">
-        <p14:creationId xmlns:p14="http://schemas.microsoft.com/office/powerpoint/2010/main" val="152732175"/>
-      </p:ext>
-    </p:extLst>
-  </p:cSld>
-  <p:clrMapOvr>
-    <a:masterClrMapping/>
-  </p:clrMapOvr>
-  <p:transition>
-    <p:fade thruBlk="1"/>
-  </p:transition>
-  <p:timing>
-    <p:tnLst>
-      <p:par>
-        <p:cTn id="1" dur="indefinite" restart="never" nodeType="tmRoot"/>
-      </p:par>
-    </p:tnLst>
-  </p:timing>
-</p:sld>
-</file>
-
-<file path=ppt/slides/slide6.xml><?xml version="1.0" encoding="utf-8"?>
-<p:sld xmlns:a="http://schemas.openxmlformats.org/drawingml/2006/main" xmlns:r="http://schemas.openxmlformats.org/officeDocument/2006/relationships" xmlns:p="http://schemas.openxmlformats.org/presentationml/2006/main">
-  <p:cSld>
-    <p:spTree>
-      <p:nvGrpSpPr>
-        <p:cNvPr id="1" name=""/>
-        <p:cNvGrpSpPr/>
-        <p:nvPr/>
-      </p:nvGrpSpPr>
-      <p:grpSpPr>
-        <a:xfrm>
-          <a:off x="0" y="0"/>
-          <a:ext cx="0" cy="0"/>
-          <a:chOff x="0" y="0"/>
-          <a:chExt cx="0" cy="0"/>
-        </a:xfrm>
-      </p:grpSpPr>
-      <p:sp>
-        <p:nvSpPr>
-          <p:cNvPr id="4" name="Date Placeholder 3"/>
-          <p:cNvSpPr>
-            <a:spLocks noGrp="1"/>
-          </p:cNvSpPr>
-          <p:nvPr>
-            <p:ph type="dt" sz="quarter" idx="10"/>
-          </p:nvPr>
-        </p:nvSpPr>
-        <p:spPr/>
-        <p:txBody>
-          <a:bodyPr/>
-          <a:lstStyle/>
-          <a:p>
-            <a:pPr>
-              <a:defRPr/>
-            </a:pPr>
-            <a:r>
-              <a:rPr lang="en-US" altLang="zh-TW" dirty="0" smtClean="0">
-                <a:ea typeface="新細明體" charset="-120"/>
-              </a:rPr>
-              <a:t>04/25/2016</a:t>
-            </a:r>
-            <a:endParaRPr lang="en-US" altLang="zh-TW" dirty="0">
-              <a:ea typeface="新細明體" charset="-120"/>
-            </a:endParaRPr>
-          </a:p>
-          <a:p>
-            <a:pPr>
-              <a:defRPr/>
-            </a:pPr>
-            <a:endParaRPr lang="en-US" dirty="0"/>
-          </a:p>
-        </p:txBody>
-      </p:sp>
-      <p:sp>
-        <p:nvSpPr>
-          <p:cNvPr id="5" name="Slide Number Placeholder 4"/>
-          <p:cNvSpPr>
-            <a:spLocks noGrp="1"/>
-          </p:cNvSpPr>
-          <p:nvPr>
-            <p:ph type="sldNum" sz="quarter" idx="11"/>
-          </p:nvPr>
-        </p:nvSpPr>
-        <p:spPr/>
-        <p:txBody>
-          <a:bodyPr/>
-          <a:lstStyle/>
-          <a:p>
-            <a:pPr>
-              <a:defRPr/>
-            </a:pPr>
-            <a:fld id="{726AADE6-A9C6-4725-BB39-BE6AFE81664D}" type="slidenum">
-              <a:rPr lang="en-US" smtClean="0"/>
-              <a:pPr>
-                <a:defRPr/>
-              </a:pPr>
-              <a:t>6</a:t>
-            </a:fld>
-            <a:endParaRPr lang="en-US" dirty="0"/>
-          </a:p>
-        </p:txBody>
-      </p:sp>
-      <p:sp>
-        <p:nvSpPr>
-          <p:cNvPr id="6" name="Footer Placeholder 5"/>
-          <p:cNvSpPr>
-            <a:spLocks noGrp="1"/>
-          </p:cNvSpPr>
-          <p:nvPr>
-            <p:ph type="ftr" sz="quarter" idx="12"/>
-          </p:nvPr>
-        </p:nvSpPr>
-        <p:spPr/>
-        <p:txBody>
-          <a:bodyPr/>
-          <a:lstStyle/>
-          <a:p>
-            <a:pPr>
-              <a:defRPr/>
-            </a:pPr>
-            <a:r>
-              <a:rPr lang="en-US" dirty="0" smtClean="0"/>
-              <a:t>Confidential | Copyright 2012 Trend Micro Inc.</a:t>
-            </a:r>
-            <a:endParaRPr lang="en-US" dirty="0"/>
-          </a:p>
-        </p:txBody>
-      </p:sp>
-      <p:sp>
-        <p:nvSpPr>
-          <p:cNvPr id="2" name="TextBox 1"/>
-          <p:cNvSpPr txBox="1"/>
-          <p:nvPr/>
-        </p:nvSpPr>
-        <p:spPr>
-          <a:xfrm>
-            <a:off x="571498" y="772341"/>
-            <a:ext cx="7867108" cy="1569660"/>
-          </a:xfrm>
-          <a:prstGeom prst="rect">
-            <a:avLst/>
-          </a:prstGeom>
-          <a:noFill/>
-        </p:spPr>
-        <p:txBody>
-          <a:bodyPr wrap="square" rtlCol="0">
-            <a:spAutoFit/>
-          </a:bodyPr>
-          <a:lstStyle/>
-          <a:p>
-            <a:r>
-              <a:rPr lang="en-US" altLang="zh-TW" sz="2400" b="0" dirty="0" smtClean="0">
-                <a:solidFill>
-                  <a:schemeClr val="tx1">
-                    <a:lumMod val="50000"/>
-                  </a:schemeClr>
-                </a:solidFill>
-              </a:rPr>
-              <a:t>- In Progress: list </a:t>
-            </a:r>
-            <a:r>
-              <a:rPr lang="en-US" altLang="zh-TW" sz="2400" b="0" dirty="0">
-                <a:solidFill>
-                  <a:schemeClr val="tx1">
-                    <a:lumMod val="50000"/>
-                  </a:schemeClr>
-                </a:solidFill>
-              </a:rPr>
-              <a:t>all projects that haven’t finish the whole process (Only see his own process). </a:t>
-            </a:r>
-            <a:r>
-              <a:rPr lang="en-US" altLang="zh-TW" sz="2400" b="0" dirty="0" smtClean="0">
-                <a:solidFill>
-                  <a:schemeClr val="tx1">
-                    <a:lumMod val="50000"/>
-                  </a:schemeClr>
-                </a:solidFill>
-              </a:rPr>
-              <a:t>End </a:t>
-            </a:r>
-            <a:r>
-              <a:rPr lang="en-US" altLang="zh-TW" sz="2400" b="0" dirty="0">
-                <a:solidFill>
-                  <a:schemeClr val="tx1">
-                    <a:lumMod val="50000"/>
-                  </a:schemeClr>
-                </a:solidFill>
-              </a:rPr>
-              <a:t>user can click the link to continue to finish the process. </a:t>
-            </a:r>
-            <a:r>
-              <a:rPr lang="en-US" altLang="zh-TW" sz="2400" b="0" dirty="0" smtClean="0">
-                <a:solidFill>
-                  <a:schemeClr val="tx1">
-                    <a:lumMod val="50000"/>
-                  </a:schemeClr>
-                </a:solidFill>
-              </a:rPr>
-              <a:t>(not done)</a:t>
-            </a:r>
-            <a:endParaRPr lang="en-US" altLang="zh-TW" sz="2400" b="0" dirty="0">
-              <a:solidFill>
-                <a:schemeClr val="tx1">
-                  <a:lumMod val="50000"/>
-                </a:schemeClr>
-              </a:solidFill>
-            </a:endParaRPr>
-          </a:p>
-          <a:p>
-            <a:endParaRPr lang="zh-TW" altLang="en-US" sz="2400" b="0" dirty="0">
-              <a:solidFill>
-                <a:schemeClr val="tx1">
-                  <a:lumMod val="50000"/>
-                </a:schemeClr>
-              </a:solidFill>
-            </a:endParaRPr>
-          </a:p>
-        </p:txBody>
-      </p:sp>
-      <p:pic>
-        <p:nvPicPr>
-          <p:cNvPr id="8" name="Picture 7"/>
-          <p:cNvPicPr/>
-          <p:nvPr/>
-        </p:nvPicPr>
-        <p:blipFill>
-          <a:blip r:embed="rId2"/>
-          <a:stretch>
-            <a:fillRect/>
-          </a:stretch>
-        </p:blipFill>
-        <p:spPr>
-          <a:xfrm>
-            <a:off x="571498" y="2696207"/>
-            <a:ext cx="7429423" cy="3150049"/>
-          </a:xfrm>
-          <a:prstGeom prst="rect">
-            <a:avLst/>
-          </a:prstGeom>
-        </p:spPr>
-      </p:pic>
-    </p:spTree>
-    <p:extLst>
-      <p:ext uri="{BB962C8B-B14F-4D97-AF65-F5344CB8AC3E}">
-        <p14:creationId xmlns:p14="http://schemas.microsoft.com/office/powerpoint/2010/main" val="422710267"/>
-      </p:ext>
-    </p:extLst>
-  </p:cSld>
-  <p:clrMapOvr>
-    <a:masterClrMapping/>
-  </p:clrMapOvr>
-  <p:transition>
-    <p:fade thruBlk="1"/>
-  </p:transition>
-  <p:timing>
-    <p:tnLst>
-      <p:par>
-        <p:cTn id="1" dur="indefinite" restart="never" nodeType="tmRoot"/>
-      </p:par>
-    </p:tnLst>
-  </p:timing>
-</p:sld>
-</file>
-
-<file path=ppt/slides/slide7.xml><?xml version="1.0" encoding="utf-8"?>
-<p:sld xmlns:a="http://schemas.openxmlformats.org/drawingml/2006/main" xmlns:r="http://schemas.openxmlformats.org/officeDocument/2006/relationships" xmlns:p="http://schemas.openxmlformats.org/presentationml/2006/main">
-  <p:cSld>
-    <p:spTree>
-      <p:nvGrpSpPr>
-        <p:cNvPr id="1" name=""/>
-        <p:cNvGrpSpPr/>
-        <p:nvPr/>
-      </p:nvGrpSpPr>
-      <p:grpSpPr>
-        <a:xfrm>
-          <a:off x="0" y="0"/>
-          <a:ext cx="0" cy="0"/>
-          <a:chOff x="0" y="0"/>
-          <a:chExt cx="0" cy="0"/>
-        </a:xfrm>
-      </p:grpSpPr>
-      <p:sp>
-        <p:nvSpPr>
-          <p:cNvPr id="2" name="Title 1"/>
-          <p:cNvSpPr>
-            <a:spLocks noGrp="1"/>
-          </p:cNvSpPr>
-          <p:nvPr>
-            <p:ph type="title"/>
-          </p:nvPr>
-        </p:nvSpPr>
-        <p:spPr>
-          <a:xfrm>
-            <a:off x="342146" y="290900"/>
-            <a:ext cx="6760530" cy="482823"/>
-          </a:xfrm>
-        </p:spPr>
-        <p:txBody>
-          <a:bodyPr/>
-          <a:lstStyle/>
-          <a:p>
-            <a:r>
-              <a:rPr lang="en-US" altLang="zh-TW" b="1" dirty="0" smtClean="0"/>
-              <a:t>Submit</a:t>
-            </a:r>
-            <a:endParaRPr lang="zh-TW" altLang="en-US" b="1" dirty="0"/>
-          </a:p>
-        </p:txBody>
-      </p:sp>
-      <p:sp>
-        <p:nvSpPr>
-          <p:cNvPr id="4" name="Date Placeholder 3"/>
-          <p:cNvSpPr>
-            <a:spLocks noGrp="1"/>
-          </p:cNvSpPr>
-          <p:nvPr>
-            <p:ph type="dt" sz="quarter" idx="10"/>
-          </p:nvPr>
-        </p:nvSpPr>
-        <p:spPr/>
-        <p:txBody>
-          <a:bodyPr/>
-          <a:lstStyle/>
-          <a:p>
-            <a:pPr>
-              <a:defRPr/>
-            </a:pPr>
-            <a:r>
-              <a:rPr lang="en-US" altLang="zh-TW" dirty="0" smtClean="0">
-                <a:ea typeface="新細明體" charset="-120"/>
-              </a:rPr>
-              <a:t>04/25/2016</a:t>
-            </a:r>
-            <a:endParaRPr lang="en-US" altLang="zh-TW" dirty="0">
-              <a:ea typeface="新細明體" charset="-120"/>
-            </a:endParaRPr>
-          </a:p>
-          <a:p>
-            <a:pPr>
-              <a:defRPr/>
-            </a:pPr>
-            <a:endParaRPr lang="en-US" dirty="0"/>
-          </a:p>
-        </p:txBody>
-      </p:sp>
-      <p:sp>
-        <p:nvSpPr>
-          <p:cNvPr id="5" name="Slide Number Placeholder 4"/>
-          <p:cNvSpPr>
-            <a:spLocks noGrp="1"/>
-          </p:cNvSpPr>
-          <p:nvPr>
-            <p:ph type="sldNum" sz="quarter" idx="11"/>
-          </p:nvPr>
-        </p:nvSpPr>
-        <p:spPr/>
-        <p:txBody>
-          <a:bodyPr/>
-          <a:lstStyle/>
-          <a:p>
-            <a:pPr>
-              <a:defRPr/>
-            </a:pPr>
-            <a:fld id="{726AADE6-A9C6-4725-BB39-BE6AFE81664D}" type="slidenum">
-              <a:rPr lang="en-US" smtClean="0"/>
-              <a:pPr>
-                <a:defRPr/>
-              </a:pPr>
-              <a:t>7</a:t>
-            </a:fld>
-            <a:endParaRPr lang="en-US" dirty="0"/>
-          </a:p>
-        </p:txBody>
-      </p:sp>
-      <p:sp>
-        <p:nvSpPr>
-          <p:cNvPr id="6" name="Footer Placeholder 5"/>
-          <p:cNvSpPr>
-            <a:spLocks noGrp="1"/>
-          </p:cNvSpPr>
-          <p:nvPr>
-            <p:ph type="ftr" sz="quarter" idx="12"/>
-          </p:nvPr>
-        </p:nvSpPr>
-        <p:spPr/>
-        <p:txBody>
-          <a:bodyPr/>
-          <a:lstStyle/>
-          <a:p>
-            <a:pPr>
-              <a:defRPr/>
-            </a:pPr>
-            <a:r>
-              <a:rPr lang="en-US" dirty="0" smtClean="0"/>
-              <a:t>Confidential | Copyright 2012 Trend Micro Inc.</a:t>
-            </a:r>
-            <a:endParaRPr lang="en-US" dirty="0"/>
-          </a:p>
-        </p:txBody>
-      </p:sp>
-      <p:sp>
-        <p:nvSpPr>
-          <p:cNvPr id="10" name="TextBox 9"/>
-          <p:cNvSpPr txBox="1"/>
-          <p:nvPr/>
-        </p:nvSpPr>
-        <p:spPr>
-          <a:xfrm>
-            <a:off x="334108" y="762670"/>
-            <a:ext cx="7772400" cy="1569660"/>
-          </a:xfrm>
-          <a:prstGeom prst="rect">
-            <a:avLst/>
-          </a:prstGeom>
-          <a:noFill/>
-        </p:spPr>
-        <p:txBody>
-          <a:bodyPr wrap="square" rtlCol="0">
-            <a:spAutoFit/>
-          </a:bodyPr>
-          <a:lstStyle/>
-          <a:p>
-            <a:r>
-              <a:rPr lang="en-US" altLang="zh-CN" dirty="0" smtClean="0"/>
-              <a:t>1. Create Project:</a:t>
-            </a:r>
-          </a:p>
-          <a:p>
-            <a:r>
-              <a:rPr lang="en-US" altLang="zh-CN" dirty="0" smtClean="0"/>
-              <a:t>-Patch : Generate </a:t>
-            </a:r>
-            <a:r>
-              <a:rPr lang="en-US" altLang="zh-CN" dirty="0"/>
-              <a:t>the Project Name according to language and Patch value</a:t>
-            </a:r>
-            <a:endParaRPr lang="en-US" altLang="zh-CN" dirty="0" smtClean="0"/>
-          </a:p>
-          <a:p>
-            <a:r>
-              <a:rPr lang="en-US" altLang="zh-CN" dirty="0" smtClean="0"/>
-              <a:t>-Service Pack: Only Product Version Field is different to Patch Function</a:t>
-            </a:r>
-          </a:p>
-          <a:p>
-            <a:r>
-              <a:rPr lang="en-US" altLang="zh-CN" dirty="0" smtClean="0"/>
-              <a:t>-GM</a:t>
-            </a:r>
-          </a:p>
-          <a:p>
-            <a:r>
-              <a:rPr lang="en-US" altLang="zh-CN" dirty="0" smtClean="0"/>
-              <a:t>“Input New Feature” filed is required/mandatory in “SP” and “GM” release type</a:t>
-            </a:r>
-          </a:p>
-        </p:txBody>
-      </p:sp>
-      <p:pic>
-        <p:nvPicPr>
-          <p:cNvPr id="3074" name="Picture 2"/>
-          <p:cNvPicPr>
-            <a:picLocks noGrp="1" noChangeAspect="1" noChangeArrowheads="1"/>
-          </p:cNvPicPr>
-          <p:nvPr>
-            <p:ph idx="1"/>
-          </p:nvPr>
-        </p:nvPicPr>
-        <p:blipFill>
-          <a:blip r:embed="rId2">
-            <a:extLst>
-              <a:ext uri="{BEBA8EAE-BF5A-486C-A8C5-ECC9F3942E4B}">
-                <a14:imgProps xmlns:a14="http://schemas.microsoft.com/office/drawing/2010/main">
-                  <a14:imgLayer r:embed="rId3">
-                    <a14:imgEffect>
-                      <a14:sharpenSoften amount="25000"/>
-                    </a14:imgEffect>
-                  </a14:imgLayer>
-                </a14:imgProps>
-              </a:ext>
-              <a:ext uri="{28A0092B-C50C-407E-A947-70E740481C1C}">
-                <a14:useLocalDpi xmlns:a14="http://schemas.microsoft.com/office/drawing/2010/main" val="0"/>
-              </a:ext>
-            </a:extLst>
-          </a:blip>
-          <a:srcRect/>
-          <a:stretch>
-            <a:fillRect/>
-          </a:stretch>
-        </p:blipFill>
-        <p:spPr bwMode="auto">
-          <a:xfrm>
-            <a:off x="476009" y="2332330"/>
-            <a:ext cx="6492803" cy="4066384"/>
-          </a:xfrm>
-          <a:prstGeom prst="rect">
-            <a:avLst/>
-          </a:prstGeom>
-          <a:noFill/>
-          <a:ln>
-            <a:noFill/>
-          </a:ln>
-          <a:effectLst/>
-          <a:extLst>
-            <a:ext uri="{909E8E84-426E-40DD-AFC4-6F175D3DCCD1}">
-              <a14:hiddenFill xmlns:a14="http://schemas.microsoft.com/office/drawing/2010/main">
-                <a:solidFill>
-                  <a:schemeClr val="accent1"/>
-                </a:solidFill>
-              </a14:hiddenFill>
-            </a:ext>
-            <a:ext uri="{91240B29-F687-4F45-9708-019B960494DF}">
-              <a14:hiddenLine xmlns:a14="http://schemas.microsoft.com/office/drawing/2010/main" w="9525">
-                <a:solidFill>
-                  <a:schemeClr val="tx1"/>
-                </a:solidFill>
-                <a:miter lim="800000"/>
-                <a:headEnd/>
-                <a:tailEnd/>
-              </a14:hiddenLine>
-            </a:ext>
-          </a:extLst>
-        </p:spPr>
-      </p:pic>
-    </p:spTree>
-    <p:extLst>
-      <p:ext uri="{BB962C8B-B14F-4D97-AF65-F5344CB8AC3E}">
-        <p14:creationId xmlns:p14="http://schemas.microsoft.com/office/powerpoint/2010/main" val="536141932"/>
-      </p:ext>
-    </p:extLst>
-  </p:cSld>
-  <p:clrMapOvr>
-    <a:masterClrMapping/>
-  </p:clrMapOvr>
-  <p:transition>
-    <p:fade thruBlk="1"/>
-  </p:transition>
-  <p:timing>
-    <p:tnLst>
-      <p:par>
-        <p:cTn id="1" dur="indefinite" restart="never" nodeType="tmRoot">
-          <p:childTnLst>
-            <p:seq concurrent="1" nextAc="seek">
-              <p:cTn id="2" dur="indefinite" nodeType="mainSeq">
-                <p:childTnLst>
-                  <p:par>
-                    <p:cTn id="3" fill="hold">
-                      <p:stCondLst>
-                        <p:cond delay="indefinite"/>
-                      </p:stCondLst>
-                      <p:childTnLst>
-                        <p:par>
-                          <p:cTn id="4" fill="hold">
-                            <p:stCondLst>
-                              <p:cond delay="0"/>
-                            </p:stCondLst>
-                            <p:childTnLst>
-                              <p:par>
-                                <p:cTn id="5" presetID="1" presetClass="entr" presetSubtype="0" fill="hold" nodeType="clickEffect">
-                                  <p:stCondLst>
-                                    <p:cond delay="0"/>
-                                  </p:stCondLst>
-                                  <p:childTnLst>
-                                    <p:set>
-                                      <p:cBhvr>
-                                        <p:cTn id="6" dur="1" fill="hold">
-                                          <p:stCondLst>
-                                            <p:cond delay="0"/>
-                                          </p:stCondLst>
-                                        </p:cTn>
-                                        <p:tgtEl>
-                                          <p:spTgt spid="3074"/>
-                                        </p:tgtEl>
-                                        <p:attrNameLst>
-                                          <p:attrName>style.visibility</p:attrName>
-                                        </p:attrNameLst>
-                                      </p:cBhvr>
-                                      <p:to>
-                                        <p:strVal val="visible"/>
-                                      </p:to>
-                                    </p:set>
-                                  </p:childTnLst>
-                                </p:cTn>
-                              </p:par>
-                            </p:childTnLst>
-                          </p:cTn>
-                        </p:par>
-                      </p:childTnLst>
-                    </p:cTn>
-                  </p:par>
-                </p:childTnLst>
-              </p:cTn>
-              <p:prevCondLst>
-                <p:cond evt="onPrev" delay="0">
-                  <p:tgtEl>
-                    <p:sldTgt/>
-                  </p:tgtEl>
-                </p:cond>
-              </p:prevCondLst>
-              <p:nextCondLst>
-                <p:cond evt="onNext" delay="0">
-                  <p:tgtEl>
-                    <p:sldTgt/>
-                  </p:tgtEl>
-                </p:cond>
-              </p:nextCondLst>
-            </p:seq>
-          </p:childTnLst>
-        </p:cTn>
-      </p:par>
-    </p:tnLst>
-  </p:timing>
-</p:sld>
-</file>
-
-<file path=ppt/slides/slide8.xml><?xml version="1.0" encoding="utf-8"?>
-<p:sld xmlns:a="http://schemas.openxmlformats.org/drawingml/2006/main" xmlns:r="http://schemas.openxmlformats.org/officeDocument/2006/relationships" xmlns:p="http://schemas.openxmlformats.org/presentationml/2006/main">
-  <p:cSld>
-    <p:spTree>
-      <p:nvGrpSpPr>
-        <p:cNvPr id="1" name=""/>
-        <p:cNvGrpSpPr/>
-        <p:nvPr/>
-      </p:nvGrpSpPr>
-      <p:grpSpPr>
-        <a:xfrm>
-          <a:off x="0" y="0"/>
-          <a:ext cx="0" cy="0"/>
-          <a:chOff x="0" y="0"/>
-          <a:chExt cx="0" cy="0"/>
-        </a:xfrm>
-      </p:grpSpPr>
-      <p:sp>
-        <p:nvSpPr>
-          <p:cNvPr id="3" name="Content Placeholder 2"/>
-          <p:cNvSpPr>
-            <a:spLocks noGrp="1"/>
-          </p:cNvSpPr>
-          <p:nvPr>
-            <p:ph idx="1"/>
-          </p:nvPr>
-        </p:nvSpPr>
-        <p:spPr>
-          <a:xfrm>
-            <a:off x="340178" y="246740"/>
-            <a:ext cx="8346621" cy="6105073"/>
-          </a:xfrm>
-        </p:spPr>
-        <p:txBody>
-          <a:bodyPr/>
-          <a:lstStyle/>
-          <a:p>
-            <a:pPr marL="0" indent="0">
-              <a:buNone/>
-            </a:pPr>
-            <a:r>
-              <a:rPr lang="en-US" altLang="zh-CN" sz="1800" dirty="0" smtClean="0"/>
-              <a:t>2. Merge list modification</a:t>
-            </a:r>
-            <a:endParaRPr lang="en-US" altLang="zh-CN" dirty="0" smtClean="0"/>
-          </a:p>
-          <a:p>
-            <a:pPr marL="0" indent="0">
-              <a:buNone/>
-            </a:pPr>
-            <a:endParaRPr lang="en-US" altLang="zh-CN" dirty="0"/>
-          </a:p>
-          <a:p>
-            <a:pPr marL="0" indent="0">
-              <a:buNone/>
-            </a:pPr>
-            <a:endParaRPr lang="en-US" altLang="zh-CN" dirty="0" smtClean="0"/>
-          </a:p>
-          <a:p>
-            <a:pPr marL="0" indent="0">
-              <a:buNone/>
-            </a:pPr>
-            <a:endParaRPr lang="en-US" altLang="zh-CN" dirty="0"/>
-          </a:p>
-          <a:p>
-            <a:pPr marL="0" indent="0">
-              <a:buNone/>
-            </a:pPr>
-            <a:endParaRPr lang="en-US" altLang="zh-CN" dirty="0" smtClean="0"/>
-          </a:p>
-          <a:p>
-            <a:pPr marL="0" indent="0">
-              <a:buNone/>
-            </a:pPr>
-            <a:endParaRPr lang="en-US" altLang="zh-CN" dirty="0"/>
-          </a:p>
-          <a:p>
-            <a:pPr lvl="0">
-              <a:spcBef>
-                <a:spcPct val="0"/>
-              </a:spcBef>
-            </a:pPr>
-            <a:endParaRPr lang="en-US" altLang="zh-CN" sz="1600" b="1" kern="1200" dirty="0" smtClean="0">
-              <a:latin typeface="Arial" charset="0"/>
-              <a:ea typeface="新細明體" charset="-120"/>
-              <a:cs typeface="Arial" charset="0"/>
-            </a:endParaRPr>
-          </a:p>
-          <a:p>
-            <a:pPr lvl="0">
-              <a:spcBef>
-                <a:spcPct val="0"/>
-              </a:spcBef>
-            </a:pPr>
-            <a:endParaRPr lang="en-US" altLang="zh-CN" sz="1600" b="1" kern="1200" dirty="0" smtClean="0">
-              <a:latin typeface="Arial" charset="0"/>
-              <a:ea typeface="新細明體" charset="-120"/>
-              <a:cs typeface="Arial" charset="0"/>
-            </a:endParaRPr>
-          </a:p>
-          <a:p>
-            <a:pPr marL="0" lvl="0" indent="0">
-              <a:spcBef>
-                <a:spcPct val="0"/>
-              </a:spcBef>
-              <a:buNone/>
-            </a:pPr>
-            <a:endParaRPr lang="en-US" altLang="zh-CN" sz="1600" b="1" kern="1200" dirty="0" smtClean="0">
-              <a:latin typeface="Arial" charset="0"/>
-              <a:ea typeface="新細明體" charset="-120"/>
-              <a:cs typeface="Arial" charset="0"/>
-            </a:endParaRPr>
-          </a:p>
-          <a:p>
-            <a:pPr marL="0" lvl="0" indent="0">
-              <a:spcBef>
-                <a:spcPct val="0"/>
-              </a:spcBef>
-              <a:buNone/>
-            </a:pPr>
-            <a:endParaRPr lang="en-US" altLang="zh-CN" sz="1600" b="1" kern="1200" dirty="0">
-              <a:latin typeface="Arial" charset="0"/>
-              <a:ea typeface="新細明體" charset="-120"/>
-              <a:cs typeface="Arial" charset="0"/>
-            </a:endParaRPr>
-          </a:p>
-          <a:p>
-            <a:pPr marL="0" lvl="0" indent="0">
-              <a:spcBef>
-                <a:spcPct val="0"/>
-              </a:spcBef>
-              <a:buNone/>
-            </a:pPr>
-            <a:endParaRPr lang="en-US" altLang="zh-CN" sz="1600" b="1" kern="1200" dirty="0" smtClean="0">
-              <a:latin typeface="Arial" charset="0"/>
-              <a:ea typeface="新細明體" charset="-120"/>
-              <a:cs typeface="Arial" charset="0"/>
-            </a:endParaRPr>
-          </a:p>
-          <a:p>
-            <a:pPr marL="0" lvl="0" indent="0">
-              <a:spcBef>
-                <a:spcPct val="0"/>
-              </a:spcBef>
-              <a:buNone/>
-            </a:pPr>
-            <a:endParaRPr lang="en-US" altLang="zh-CN" sz="1600" b="1" kern="1200" dirty="0">
-              <a:latin typeface="Arial" charset="0"/>
-              <a:ea typeface="新細明體" charset="-120"/>
-              <a:cs typeface="Arial" charset="0"/>
-            </a:endParaRPr>
-          </a:p>
-          <a:p>
-            <a:pPr lvl="0">
-              <a:spcBef>
-                <a:spcPct val="0"/>
-              </a:spcBef>
-            </a:pPr>
-            <a:r>
-              <a:rPr lang="en-US" altLang="zh-CN" sz="1600" b="1" kern="1200" dirty="0" smtClean="0">
-                <a:solidFill>
-                  <a:schemeClr val="tx1">
-                    <a:lumMod val="50000"/>
-                  </a:schemeClr>
-                </a:solidFill>
-                <a:latin typeface="Arial" charset="0"/>
-                <a:ea typeface="新細明體" charset="-120"/>
-                <a:cs typeface="Arial" charset="0"/>
-              </a:rPr>
-              <a:t>select </a:t>
-            </a:r>
-            <a:r>
-              <a:rPr lang="en-US" altLang="zh-CN" sz="1600" b="1" kern="1200" dirty="0">
-                <a:solidFill>
-                  <a:schemeClr val="tx1">
-                    <a:lumMod val="50000"/>
-                  </a:schemeClr>
-                </a:solidFill>
-                <a:latin typeface="Arial" charset="0"/>
-                <a:ea typeface="新細明體" charset="-120"/>
-                <a:cs typeface="Arial" charset="0"/>
-              </a:rPr>
-              <a:t>all checkbox by default. User can remove the selection if they want, but they need to input the Not merge reason for these</a:t>
-            </a:r>
-            <a:r>
-              <a:rPr lang="en-US" altLang="zh-CN" sz="1600" b="1" kern="1200" dirty="0" smtClean="0">
-                <a:solidFill>
-                  <a:schemeClr val="tx1">
-                    <a:lumMod val="50000"/>
-                  </a:schemeClr>
-                </a:solidFill>
-                <a:latin typeface="Arial" charset="0"/>
-                <a:ea typeface="新細明體" charset="-120"/>
-                <a:cs typeface="Arial" charset="0"/>
-              </a:rPr>
-              <a:t>.</a:t>
-            </a:r>
-          </a:p>
-          <a:p>
-            <a:pPr marL="0" lvl="0" indent="0">
-              <a:spcBef>
-                <a:spcPct val="0"/>
-              </a:spcBef>
-              <a:buNone/>
-            </a:pPr>
-            <a:endParaRPr lang="zh-CN" altLang="zh-CN" sz="1600" b="1" kern="1200" dirty="0">
-              <a:solidFill>
-                <a:schemeClr val="tx1">
-                  <a:lumMod val="50000"/>
-                </a:schemeClr>
-              </a:solidFill>
-              <a:latin typeface="Arial" charset="0"/>
-              <a:ea typeface="新細明體" charset="-120"/>
-              <a:cs typeface="Arial" charset="0"/>
-            </a:endParaRPr>
-          </a:p>
-          <a:p>
-            <a:pPr lvl="0">
-              <a:spcBef>
-                <a:spcPct val="0"/>
-              </a:spcBef>
-            </a:pPr>
-            <a:r>
-              <a:rPr lang="en-US" altLang="zh-CN" sz="1600" b="1" kern="1200" dirty="0">
-                <a:solidFill>
-                  <a:schemeClr val="tx1">
-                    <a:lumMod val="50000"/>
-                  </a:schemeClr>
-                </a:solidFill>
-                <a:latin typeface="Arial" charset="0"/>
-                <a:ea typeface="新細明體" charset="-120"/>
-                <a:cs typeface="Arial" charset="0"/>
-              </a:rPr>
-              <a:t>Case list need to remove all cases that have been included in other Patch</a:t>
-            </a:r>
-            <a:r>
-              <a:rPr lang="en-US" altLang="zh-CN" sz="1600" b="1" kern="1200" dirty="0" smtClean="0">
-                <a:solidFill>
-                  <a:schemeClr val="tx1">
-                    <a:lumMod val="50000"/>
-                  </a:schemeClr>
-                </a:solidFill>
-                <a:latin typeface="Arial" charset="0"/>
-                <a:ea typeface="新細明體" charset="-120"/>
-                <a:cs typeface="Arial" charset="0"/>
-              </a:rPr>
-              <a:t>.</a:t>
-            </a:r>
-          </a:p>
-          <a:p>
-            <a:pPr marL="0" lvl="0" indent="0">
-              <a:spcBef>
-                <a:spcPct val="0"/>
-              </a:spcBef>
-              <a:buNone/>
-            </a:pPr>
-            <a:endParaRPr lang="zh-CN" altLang="zh-CN" sz="1600" b="1" kern="1200" dirty="0">
-              <a:solidFill>
-                <a:schemeClr val="tx1">
-                  <a:lumMod val="50000"/>
-                </a:schemeClr>
-              </a:solidFill>
-              <a:latin typeface="Arial" charset="0"/>
-              <a:ea typeface="新細明體" charset="-120"/>
-              <a:cs typeface="Arial" charset="0"/>
-            </a:endParaRPr>
-          </a:p>
-          <a:p>
-            <a:pPr lvl="0">
-              <a:spcBef>
-                <a:spcPct val="0"/>
-              </a:spcBef>
-            </a:pPr>
-            <a:r>
-              <a:rPr lang="en-US" altLang="zh-CN" sz="1600" b="1" kern="1200" dirty="0">
-                <a:solidFill>
-                  <a:schemeClr val="tx1">
-                    <a:lumMod val="50000"/>
-                  </a:schemeClr>
-                </a:solidFill>
-                <a:latin typeface="Arial" charset="0"/>
-                <a:ea typeface="新細明體" charset="-120"/>
-                <a:cs typeface="Arial" charset="0"/>
-              </a:rPr>
-              <a:t>User also can add more case in table via [Add Hotfix] button.</a:t>
-            </a:r>
-            <a:endParaRPr lang="zh-CN" altLang="zh-CN" sz="1600" b="1" kern="1200" dirty="0">
-              <a:solidFill>
-                <a:schemeClr val="tx1">
-                  <a:lumMod val="50000"/>
-                </a:schemeClr>
-              </a:solidFill>
-              <a:latin typeface="Arial" charset="0"/>
-              <a:ea typeface="新細明體" charset="-120"/>
-              <a:cs typeface="Arial" charset="0"/>
-            </a:endParaRPr>
-          </a:p>
-          <a:p>
-            <a:pPr marL="0" indent="0">
-              <a:buNone/>
-            </a:pPr>
-            <a:endParaRPr lang="zh-CN" altLang="en-US" dirty="0"/>
-          </a:p>
-        </p:txBody>
-      </p:sp>
-      <p:sp>
-        <p:nvSpPr>
-          <p:cNvPr id="4" name="Date Placeholder 3"/>
-          <p:cNvSpPr>
-            <a:spLocks noGrp="1"/>
-          </p:cNvSpPr>
-          <p:nvPr>
-            <p:ph type="dt" sz="quarter" idx="10"/>
-          </p:nvPr>
-        </p:nvSpPr>
-        <p:spPr/>
-        <p:txBody>
-          <a:bodyPr/>
-          <a:lstStyle/>
-          <a:p>
-            <a:pPr>
-              <a:defRPr/>
-            </a:pPr>
-            <a:fld id="{1C5FE74D-D62C-47C4-B3FF-8CB5392AACD5}" type="datetime1">
-              <a:rPr lang="en-US" smtClean="0"/>
-              <a:pPr>
-                <a:defRPr/>
-              </a:pPr>
-              <a:t>5/27/2016</a:t>
-            </a:fld>
-            <a:endParaRPr lang="en-US" dirty="0"/>
-          </a:p>
-        </p:txBody>
-      </p:sp>
-      <p:sp>
-        <p:nvSpPr>
-          <p:cNvPr id="5" name="Slide Number Placeholder 4"/>
-          <p:cNvSpPr>
-            <a:spLocks noGrp="1"/>
-          </p:cNvSpPr>
-          <p:nvPr>
-            <p:ph type="sldNum" sz="quarter" idx="11"/>
-          </p:nvPr>
-        </p:nvSpPr>
-        <p:spPr/>
-        <p:txBody>
-          <a:bodyPr/>
-          <a:lstStyle/>
-          <a:p>
-            <a:pPr>
-              <a:defRPr/>
-            </a:pPr>
-            <a:fld id="{726AADE6-A9C6-4725-BB39-BE6AFE81664D}" type="slidenum">
-              <a:rPr lang="en-US" smtClean="0"/>
-              <a:pPr>
-                <a:defRPr/>
-              </a:pPr>
-              <a:t>8</a:t>
-            </a:fld>
-            <a:endParaRPr lang="en-US" dirty="0"/>
-          </a:p>
-        </p:txBody>
-      </p:sp>
-      <p:sp>
-        <p:nvSpPr>
-          <p:cNvPr id="6" name="Footer Placeholder 5"/>
-          <p:cNvSpPr>
-            <a:spLocks noGrp="1"/>
-          </p:cNvSpPr>
-          <p:nvPr>
-            <p:ph type="ftr" sz="quarter" idx="12"/>
-          </p:nvPr>
-        </p:nvSpPr>
-        <p:spPr/>
-        <p:txBody>
-          <a:bodyPr/>
-          <a:lstStyle/>
-          <a:p>
-            <a:pPr>
-              <a:defRPr/>
-            </a:pPr>
-            <a:r>
-              <a:rPr lang="en-US" smtClean="0"/>
-              <a:t>Confidential | Copyright 2012 Trend Micro Inc.</a:t>
-            </a:r>
-            <a:endParaRPr lang="en-US" dirty="0"/>
-          </a:p>
-        </p:txBody>
-      </p:sp>
-      <p:pic>
-        <p:nvPicPr>
-          <p:cNvPr id="2" name="Picture 1"/>
-          <p:cNvPicPr>
-            <a:picLocks noChangeAspect="1"/>
-          </p:cNvPicPr>
-          <p:nvPr/>
-        </p:nvPicPr>
-        <p:blipFill>
-          <a:blip r:embed="rId2"/>
-          <a:stretch>
-            <a:fillRect/>
-          </a:stretch>
-        </p:blipFill>
-        <p:spPr>
-          <a:xfrm>
-            <a:off x="340178" y="604157"/>
-            <a:ext cx="8667636" cy="4286250"/>
-          </a:xfrm>
-          <a:prstGeom prst="rect">
-            <a:avLst/>
-          </a:prstGeom>
-        </p:spPr>
-      </p:pic>
-    </p:spTree>
-    <p:extLst>
-      <p:ext uri="{BB962C8B-B14F-4D97-AF65-F5344CB8AC3E}">
-        <p14:creationId xmlns:p14="http://schemas.microsoft.com/office/powerpoint/2010/main" val="3875275229"/>
-      </p:ext>
-    </p:extLst>
-  </p:cSld>
-  <p:clrMapOvr>
-    <a:masterClrMapping/>
-  </p:clrMapOvr>
-  <p:transition>
-    <p:fade thruBlk="1"/>
-  </p:transition>
-  <p:timing>
-    <p:tnLst>
-      <p:par>
-        <p:cTn id="1" dur="indefinite" restart="never" nodeType="tmRoot"/>
-      </p:par>
-    </p:tnLst>
-  </p:timing>
-</p:sld>
-</file>
-
-<file path=ppt/slides/slide9.xml><?xml version="1.0" encoding="utf-8"?>
-<p:sld xmlns:a="http://schemas.openxmlformats.org/drawingml/2006/main" xmlns:r="http://schemas.openxmlformats.org/officeDocument/2006/relationships" xmlns:p="http://schemas.openxmlformats.org/presentationml/2006/main">
-  <p:cSld>
-    <p:spTree>
-      <p:nvGrpSpPr>
-        <p:cNvPr id="1" name=""/>
-        <p:cNvGrpSpPr/>
-        <p:nvPr/>
-      </p:nvGrpSpPr>
-      <p:grpSpPr>
-        <a:xfrm>
-          <a:off x="0" y="0"/>
-          <a:ext cx="0" cy="0"/>
-          <a:chOff x="0" y="0"/>
-          <a:chExt cx="0" cy="0"/>
-        </a:xfrm>
-      </p:grpSpPr>
-      <p:sp>
-        <p:nvSpPr>
-          <p:cNvPr id="2" name="Title 1"/>
-          <p:cNvSpPr>
-            <a:spLocks noGrp="1"/>
-          </p:cNvSpPr>
-          <p:nvPr>
-            <p:ph type="title"/>
-          </p:nvPr>
-        </p:nvSpPr>
-        <p:spPr>
-          <a:xfrm>
-            <a:off x="396875" y="269875"/>
-            <a:ext cx="8101013" cy="424089"/>
-          </a:xfrm>
-        </p:spPr>
-        <p:txBody>
-          <a:bodyPr/>
-          <a:lstStyle/>
-          <a:p>
-            <a:r>
-              <a:rPr lang="en-US" altLang="zh-CN" sz="1800" dirty="0">
-                <a:solidFill>
-                  <a:schemeClr val="tx1"/>
-                </a:solidFill>
-                <a:latin typeface="+mn-lt"/>
-                <a:ea typeface="+mn-ea"/>
-                <a:cs typeface="+mn-cs"/>
-              </a:rPr>
-              <a:t>3. Add Email Notification List</a:t>
-            </a:r>
-            <a:r>
-              <a:rPr lang="en-US" altLang="zh-CN" dirty="0"/>
-              <a:t/>
-            </a:r>
-            <a:br>
-              <a:rPr lang="en-US" altLang="zh-CN" dirty="0"/>
-            </a:br>
-            <a:endParaRPr lang="zh-CN" altLang="en-US" dirty="0"/>
-          </a:p>
-        </p:txBody>
-      </p:sp>
-      <p:pic>
-        <p:nvPicPr>
-          <p:cNvPr id="7" name="Content Placeholder 6"/>
-          <p:cNvPicPr>
-            <a:picLocks noGrp="1" noChangeAspect="1"/>
-          </p:cNvPicPr>
-          <p:nvPr>
-            <p:ph idx="1"/>
-          </p:nvPr>
-        </p:nvPicPr>
-        <p:blipFill>
-          <a:blip r:embed="rId2"/>
-          <a:stretch>
-            <a:fillRect/>
-          </a:stretch>
-        </p:blipFill>
-        <p:spPr>
-          <a:xfrm>
-            <a:off x="396875" y="1274014"/>
-            <a:ext cx="8027988" cy="4009254"/>
-          </a:xfrm>
-          <a:prstGeom prst="rect">
-            <a:avLst/>
-          </a:prstGeom>
-        </p:spPr>
-      </p:pic>
-      <p:sp>
-        <p:nvSpPr>
-          <p:cNvPr id="4" name="Date Placeholder 3"/>
-          <p:cNvSpPr>
-            <a:spLocks noGrp="1"/>
-          </p:cNvSpPr>
-          <p:nvPr>
-            <p:ph type="dt" sz="quarter" idx="10"/>
-          </p:nvPr>
-        </p:nvSpPr>
-        <p:spPr/>
-        <p:txBody>
-          <a:bodyPr/>
-          <a:lstStyle/>
-          <a:p>
-            <a:pPr>
-              <a:defRPr/>
-            </a:pPr>
-            <a:fld id="{1C5FE74D-D62C-47C4-B3FF-8CB5392AACD5}" type="datetime1">
-              <a:rPr lang="en-US" smtClean="0"/>
-              <a:pPr>
-                <a:defRPr/>
-              </a:pPr>
-              <a:t>5/27/2016</a:t>
-            </a:fld>
-            <a:endParaRPr lang="en-US" dirty="0"/>
-          </a:p>
-        </p:txBody>
-      </p:sp>
-      <p:sp>
-        <p:nvSpPr>
-          <p:cNvPr id="5" name="Slide Number Placeholder 4"/>
-          <p:cNvSpPr>
-            <a:spLocks noGrp="1"/>
-          </p:cNvSpPr>
-          <p:nvPr>
-            <p:ph type="sldNum" sz="quarter" idx="11"/>
-          </p:nvPr>
-        </p:nvSpPr>
-        <p:spPr/>
-        <p:txBody>
-          <a:bodyPr/>
-          <a:lstStyle/>
-          <a:p>
-            <a:pPr>
-              <a:defRPr/>
-            </a:pPr>
-            <a:fld id="{726AADE6-A9C6-4725-BB39-BE6AFE81664D}" type="slidenum">
-              <a:rPr lang="en-US" smtClean="0"/>
-              <a:pPr>
-                <a:defRPr/>
-              </a:pPr>
-              <a:t>9</a:t>
-            </a:fld>
-            <a:endParaRPr lang="en-US" dirty="0"/>
-          </a:p>
-        </p:txBody>
-      </p:sp>
-      <p:sp>
-        <p:nvSpPr>
-          <p:cNvPr id="6" name="Footer Placeholder 5"/>
-          <p:cNvSpPr>
-            <a:spLocks noGrp="1"/>
-          </p:cNvSpPr>
-          <p:nvPr>
-            <p:ph type="ftr" sz="quarter" idx="12"/>
-          </p:nvPr>
-        </p:nvSpPr>
-        <p:spPr/>
-        <p:txBody>
-          <a:bodyPr/>
-          <a:lstStyle/>
-          <a:p>
-            <a:pPr>
-              <a:defRPr/>
-            </a:pPr>
-            <a:r>
-              <a:rPr lang="en-US" smtClean="0"/>
-              <a:t>Confidential | Copyright 2012 Trend Micro Inc.</a:t>
-            </a:r>
-            <a:endParaRPr lang="en-US" dirty="0"/>
-          </a:p>
-        </p:txBody>
-      </p:sp>
-    </p:spTree>
-    <p:extLst>
-      <p:ext uri="{BB962C8B-B14F-4D97-AF65-F5344CB8AC3E}">
-        <p14:creationId xmlns:p14="http://schemas.microsoft.com/office/powerpoint/2010/main" val="3008871764"/>
-      </p:ext>
-    </p:extLst>
-  </p:cSld>
-  <p:clrMapOvr>
-    <a:masterClrMapping/>
-  </p:clrMapOvr>
-  <p:transition>
-    <p:fade thruBlk="1"/>
-  </p:transition>
 </p:sld>
 </file>
 
@@ -8858,15 +5391,6 @@
 </file>
 
 <file path=customXml/item2.xml><?xml version="1.0" encoding="utf-8"?>
-<?mso-contentType ?>
-<FormTemplates xmlns="http://schemas.microsoft.com/sharepoint/v3/contenttype/forms">
-  <Display>DocumentLibraryForm</Display>
-  <Edit>DocumentLibraryForm</Edit>
-  <New>DocumentLibraryForm</New>
-</FormTemplates>
-</file>
-
-<file path=customXml/item3.xml><?xml version="1.0" encoding="utf-8"?>
 <ct:contentTypeSchema xmlns:ct="http://schemas.microsoft.com/office/2006/metadata/contentType" xmlns:ma="http://schemas.microsoft.com/office/2006/metadata/properties/metaAttributes" ct:_="" ma:_="" ma:contentTypeName="Document" ma:contentTypeID="0x010100236A1409D70A004289B1A306A506FE0F" ma:contentTypeVersion="0" ma:contentTypeDescription="Create a new document." ma:contentTypeScope="" ma:versionID="44b6095126b1c04117fd76932e6f6d9e">
   <xsd:schema xmlns:xsd="http://www.w3.org/2001/XMLSchema" xmlns:xs="http://www.w3.org/2001/XMLSchema" xmlns:p="http://schemas.microsoft.com/office/2006/metadata/properties" targetNamespace="http://schemas.microsoft.com/office/2006/metadata/properties" ma:root="true" ma:fieldsID="c64490b4aec6201516c3a874156f37b2">
     <xsd:element name="properties">
@@ -8980,6 +5504,15 @@
 </ct:contentTypeSchema>
 </file>
 
+<file path=customXml/item3.xml><?xml version="1.0" encoding="utf-8"?>
+<?mso-contentType ?>
+<FormTemplates xmlns="http://schemas.microsoft.com/sharepoint/v3/contenttype/forms">
+  <Display>DocumentLibraryForm</Display>
+  <Edit>DocumentLibraryForm</Edit>
+  <New>DocumentLibraryForm</New>
+</FormTemplates>
+</file>
+
 <file path=customXml/itemProps1.xml><?xml version="1.0" encoding="utf-8"?>
 <ds:datastoreItem xmlns:ds="http://schemas.openxmlformats.org/officeDocument/2006/customXml" ds:itemID="{9FC4B2BE-E23F-4A12-A9DC-64F9DB2716B3}">
   <ds:schemaRefs>
@@ -8990,14 +5523,6 @@
 </file>
 
 <file path=customXml/itemProps2.xml><?xml version="1.0" encoding="utf-8"?>
-<ds:datastoreItem xmlns:ds="http://schemas.openxmlformats.org/officeDocument/2006/customXml" ds:itemID="{B1238A3D-0C9C-45D5-A323-9473BCA055B8}">
-  <ds:schemaRefs>
-    <ds:schemaRef ds:uri="http://schemas.microsoft.com/sharepoint/v3/contenttype/forms"/>
-  </ds:schemaRefs>
-</ds:datastoreItem>
-</file>
-
-<file path=customXml/itemProps3.xml><?xml version="1.0" encoding="utf-8"?>
 <ds:datastoreItem xmlns:ds="http://schemas.openxmlformats.org/officeDocument/2006/customXml" ds:itemID="{B2441312-3F36-47C5-9306-1628FB80F79F}">
   <ds:schemaRefs>
     <ds:schemaRef ds:uri="http://schemas.microsoft.com/office/2006/metadata/contentType"/>
@@ -9011,4 +5536,12 @@
     <ds:schemaRef ds:uri="http://schemas.microsoft.com/office/infopath/2007/PartnerControls"/>
   </ds:schemaRefs>
 </ds:datastoreItem>
+</file>
+
+<file path=customXml/itemProps3.xml><?xml version="1.0" encoding="utf-8"?>
+<ds:datastoreItem xmlns:ds="http://schemas.openxmlformats.org/officeDocument/2006/customXml" ds:itemID="{B1238A3D-0C9C-45D5-A323-9473BCA055B8}">
+  <ds:schemaRefs>
+    <ds:schemaRef ds:uri="http://schemas.microsoft.com/sharepoint/v3/contenttype/forms"/>
+  </ds:schemaRefs>
+</ds:datastoreItem>
 </file>
--- a/trendmicro template.pptx
+++ b/trendmicro template.pptx
@@ -5,10 +5,10 @@
     <p:sldMasterId id="2147483649" r:id="rId4"/>
   </p:sldMasterIdLst>
   <p:notesMasterIdLst>
-    <p:notesMasterId r:id="rId41"/>
+    <p:notesMasterId r:id="rId51"/>
   </p:notesMasterIdLst>
   <p:handoutMasterIdLst>
-    <p:handoutMasterId r:id="rId42"/>
+    <p:handoutMasterId r:id="rId52"/>
   </p:handoutMasterIdLst>
   <p:sldIdLst>
     <p:sldId id="266" r:id="rId5"/>
@@ -47,6 +47,16 @@
     <p:sldId id="377" r:id="rId38"/>
     <p:sldId id="378" r:id="rId39"/>
     <p:sldId id="379" r:id="rId40"/>
+    <p:sldId id="380" r:id="rId41"/>
+    <p:sldId id="381" r:id="rId42"/>
+    <p:sldId id="382" r:id="rId43"/>
+    <p:sldId id="383" r:id="rId44"/>
+    <p:sldId id="384" r:id="rId45"/>
+    <p:sldId id="385" r:id="rId46"/>
+    <p:sldId id="386" r:id="rId47"/>
+    <p:sldId id="387" r:id="rId48"/>
+    <p:sldId id="388" r:id="rId49"/>
+    <p:sldId id="389" r:id="rId50"/>
   </p:sldIdLst>
   <p:sldSz cx="9144000" cy="6858000" type="screen4x3"/>
   <p:notesSz cx="6807200" cy="9939338"/>
@@ -216,12 +226,22 @@
             <p14:sldId id="377"/>
             <p14:sldId id="378"/>
             <p14:sldId id="379"/>
+            <p14:sldId id="380"/>
+            <p14:sldId id="381"/>
+            <p14:sldId id="382"/>
+            <p14:sldId id="383"/>
+            <p14:sldId id="384"/>
+            <p14:sldId id="385"/>
+            <p14:sldId id="386"/>
+            <p14:sldId id="387"/>
+            <p14:sldId id="388"/>
+            <p14:sldId id="389"/>
           </p14:sldIdLst>
         </p14:section>
       </p14:sectionLst>
     </p:ext>
     <p:ext uri="{EFAFB233-063F-42B5-8137-9DF3F51BA10A}">
-      <p15:sldGuideLst xmlns="" xmlns:p15="http://schemas.microsoft.com/office/powerpoint/2012/main">
+      <p15:sldGuideLst xmlns:p15="http://schemas.microsoft.com/office/powerpoint/2012/main">
         <p15:guide id="1" orient="horz" pos="2160">
           <p15:clr>
             <a:srgbClr val="A4A3A4"/>
@@ -235,7 +255,7 @@
       </p15:sldGuideLst>
     </p:ext>
     <p:ext uri="{2D200454-40CA-4A62-9FC3-DE9A4176ACB9}">
-      <p15:notesGuideLst xmlns="" xmlns:p15="http://schemas.microsoft.com/office/powerpoint/2012/main">
+      <p15:notesGuideLst xmlns:p15="http://schemas.microsoft.com/office/powerpoint/2012/main">
         <p15:guide id="1" orient="horz" pos="3131">
           <p15:clr>
             <a:srgbClr val="A4A3A4"/>
@@ -1000,6 +1020,753 @@
 </file>
 
 <file path=ppt/diagrams/colors2.xml><?xml version="1.0" encoding="utf-8"?>
+<dgm:colorsDef xmlns:dgm="http://schemas.openxmlformats.org/drawingml/2006/diagram" xmlns:a="http://schemas.openxmlformats.org/drawingml/2006/main" uniqueId="urn:microsoft.com/office/officeart/2005/8/colors/accent1_2">
+  <dgm:title val=""/>
+  <dgm:desc val=""/>
+  <dgm:catLst>
+    <dgm:cat type="accent1" pri="11200"/>
+  </dgm:catLst>
+  <dgm:styleLbl name="node0">
+    <dgm:fillClrLst meth="repeat">
+      <a:schemeClr val="accent1"/>
+    </dgm:fillClrLst>
+    <dgm:linClrLst meth="repeat">
+      <a:schemeClr val="lt1"/>
+    </dgm:linClrLst>
+    <dgm:effectClrLst/>
+    <dgm:txLinClrLst/>
+    <dgm:txFillClrLst/>
+    <dgm:txEffectClrLst/>
+  </dgm:styleLbl>
+  <dgm:styleLbl name="alignNode1">
+    <dgm:fillClrLst meth="repeat">
+      <a:schemeClr val="accent1"/>
+    </dgm:fillClrLst>
+    <dgm:linClrLst meth="repeat">
+      <a:schemeClr val="accent1"/>
+    </dgm:linClrLst>
+    <dgm:effectClrLst/>
+    <dgm:txLinClrLst/>
+    <dgm:txFillClrLst/>
+    <dgm:txEffectClrLst/>
+  </dgm:styleLbl>
+  <dgm:styleLbl name="node1">
+    <dgm:fillClrLst meth="repeat">
+      <a:schemeClr val="accent1"/>
+    </dgm:fillClrLst>
+    <dgm:linClrLst meth="repeat">
+      <a:schemeClr val="lt1"/>
+    </dgm:linClrLst>
+    <dgm:effectClrLst/>
+    <dgm:txLinClrLst/>
+    <dgm:txFillClrLst/>
+    <dgm:txEffectClrLst/>
+  </dgm:styleLbl>
+  <dgm:styleLbl name="lnNode1">
+    <dgm:fillClrLst meth="repeat">
+      <a:schemeClr val="accent1"/>
+    </dgm:fillClrLst>
+    <dgm:linClrLst meth="repeat">
+      <a:schemeClr val="lt1"/>
+    </dgm:linClrLst>
+    <dgm:effectClrLst/>
+    <dgm:txLinClrLst/>
+    <dgm:txFillClrLst/>
+    <dgm:txEffectClrLst/>
+  </dgm:styleLbl>
+  <dgm:styleLbl name="vennNode1">
+    <dgm:fillClrLst meth="repeat">
+      <a:schemeClr val="accent1">
+        <a:alpha val="50000"/>
+      </a:schemeClr>
+    </dgm:fillClrLst>
+    <dgm:linClrLst meth="repeat">
+      <a:schemeClr val="lt1"/>
+    </dgm:linClrLst>
+    <dgm:effectClrLst/>
+    <dgm:txLinClrLst/>
+    <dgm:txFillClrLst/>
+    <dgm:txEffectClrLst/>
+  </dgm:styleLbl>
+  <dgm:styleLbl name="node2">
+    <dgm:fillClrLst meth="repeat">
+      <a:schemeClr val="accent1"/>
+    </dgm:fillClrLst>
+    <dgm:linClrLst meth="repeat">
+      <a:schemeClr val="lt1"/>
+    </dgm:linClrLst>
+    <dgm:effectClrLst/>
+    <dgm:txLinClrLst/>
+    <dgm:txFillClrLst/>
+    <dgm:txEffectClrLst/>
+  </dgm:styleLbl>
+  <dgm:styleLbl name="node3">
+    <dgm:fillClrLst meth="repeat">
+      <a:schemeClr val="accent1"/>
+    </dgm:fillClrLst>
+    <dgm:linClrLst meth="repeat">
+      <a:schemeClr val="lt1"/>
+    </dgm:linClrLst>
+    <dgm:effectClrLst/>
+    <dgm:txLinClrLst/>
+    <dgm:txFillClrLst/>
+    <dgm:txEffectClrLst/>
+  </dgm:styleLbl>
+  <dgm:styleLbl name="node4">
+    <dgm:fillClrLst meth="repeat">
+      <a:schemeClr val="accent1"/>
+    </dgm:fillClrLst>
+    <dgm:linClrLst meth="repeat">
+      <a:schemeClr val="lt1"/>
+    </dgm:linClrLst>
+    <dgm:effectClrLst/>
+    <dgm:txLinClrLst/>
+    <dgm:txFillClrLst/>
+    <dgm:txEffectClrLst/>
+  </dgm:styleLbl>
+  <dgm:styleLbl name="fgImgPlace1">
+    <dgm:fillClrLst meth="repeat">
+      <a:schemeClr val="accent1">
+        <a:tint val="50000"/>
+      </a:schemeClr>
+    </dgm:fillClrLst>
+    <dgm:linClrLst meth="repeat">
+      <a:schemeClr val="lt1"/>
+    </dgm:linClrLst>
+    <dgm:effectClrLst/>
+    <dgm:txLinClrLst/>
+    <dgm:txFillClrLst meth="repeat">
+      <a:schemeClr val="lt1"/>
+    </dgm:txFillClrLst>
+    <dgm:txEffectClrLst/>
+  </dgm:styleLbl>
+  <dgm:styleLbl name="alignImgPlace1">
+    <dgm:fillClrLst meth="repeat">
+      <a:schemeClr val="accent1">
+        <a:tint val="50000"/>
+      </a:schemeClr>
+    </dgm:fillClrLst>
+    <dgm:linClrLst meth="repeat">
+      <a:schemeClr val="lt1"/>
+    </dgm:linClrLst>
+    <dgm:effectClrLst/>
+    <dgm:txLinClrLst/>
+    <dgm:txFillClrLst meth="repeat">
+      <a:schemeClr val="lt1"/>
+    </dgm:txFillClrLst>
+    <dgm:txEffectClrLst/>
+  </dgm:styleLbl>
+  <dgm:styleLbl name="bgImgPlace1">
+    <dgm:fillClrLst meth="repeat">
+      <a:schemeClr val="accent1">
+        <a:tint val="50000"/>
+      </a:schemeClr>
+    </dgm:fillClrLst>
+    <dgm:linClrLst meth="repeat">
+      <a:schemeClr val="lt1"/>
+    </dgm:linClrLst>
+    <dgm:effectClrLst/>
+    <dgm:txLinClrLst/>
+    <dgm:txFillClrLst meth="repeat">
+      <a:schemeClr val="lt1"/>
+    </dgm:txFillClrLst>
+    <dgm:txEffectClrLst/>
+  </dgm:styleLbl>
+  <dgm:styleLbl name="sibTrans2D1">
+    <dgm:fillClrLst meth="repeat">
+      <a:schemeClr val="accent1">
+        <a:tint val="60000"/>
+      </a:schemeClr>
+    </dgm:fillClrLst>
+    <dgm:linClrLst meth="repeat">
+      <a:schemeClr val="accent1">
+        <a:tint val="60000"/>
+      </a:schemeClr>
+    </dgm:linClrLst>
+    <dgm:effectClrLst/>
+    <dgm:txLinClrLst/>
+    <dgm:txFillClrLst/>
+    <dgm:txEffectClrLst/>
+  </dgm:styleLbl>
+  <dgm:styleLbl name="fgSibTrans2D1">
+    <dgm:fillClrLst meth="repeat">
+      <a:schemeClr val="accent1">
+        <a:tint val="60000"/>
+      </a:schemeClr>
+    </dgm:fillClrLst>
+    <dgm:linClrLst meth="repeat">
+      <a:schemeClr val="accent1">
+        <a:tint val="60000"/>
+      </a:schemeClr>
+    </dgm:linClrLst>
+    <dgm:effectClrLst/>
+    <dgm:txLinClrLst/>
+    <dgm:txFillClrLst/>
+    <dgm:txEffectClrLst/>
+  </dgm:styleLbl>
+  <dgm:styleLbl name="bgSibTrans2D1">
+    <dgm:fillClrLst meth="repeat">
+      <a:schemeClr val="accent1">
+        <a:tint val="60000"/>
+      </a:schemeClr>
+    </dgm:fillClrLst>
+    <dgm:linClrLst meth="repeat">
+      <a:schemeClr val="accent1">
+        <a:tint val="60000"/>
+      </a:schemeClr>
+    </dgm:linClrLst>
+    <dgm:effectClrLst/>
+    <dgm:txLinClrLst/>
+    <dgm:txFillClrLst/>
+    <dgm:txEffectClrLst/>
+  </dgm:styleLbl>
+  <dgm:styleLbl name="sibTrans1D1">
+    <dgm:fillClrLst meth="repeat">
+      <a:schemeClr val="accent1"/>
+    </dgm:fillClrLst>
+    <dgm:linClrLst meth="repeat">
+      <a:schemeClr val="accent1"/>
+    </dgm:linClrLst>
+    <dgm:effectClrLst/>
+    <dgm:txLinClrLst/>
+    <dgm:txFillClrLst meth="repeat">
+      <a:schemeClr val="tx1"/>
+    </dgm:txFillClrLst>
+    <dgm:txEffectClrLst/>
+  </dgm:styleLbl>
+  <dgm:styleLbl name="callout">
+    <dgm:fillClrLst meth="repeat">
+      <a:schemeClr val="accent1"/>
+    </dgm:fillClrLst>
+    <dgm:linClrLst meth="repeat">
+      <a:schemeClr val="accent1">
+        <a:tint val="50000"/>
+      </a:schemeClr>
+    </dgm:linClrLst>
+    <dgm:effectClrLst/>
+    <dgm:txLinClrLst/>
+    <dgm:txFillClrLst meth="repeat">
+      <a:schemeClr val="tx1"/>
+    </dgm:txFillClrLst>
+    <dgm:txEffectClrLst/>
+  </dgm:styleLbl>
+  <dgm:styleLbl name="asst0">
+    <dgm:fillClrLst meth="repeat">
+      <a:schemeClr val="accent1"/>
+    </dgm:fillClrLst>
+    <dgm:linClrLst meth="repeat">
+      <a:schemeClr val="lt1"/>
+    </dgm:linClrLst>
+    <dgm:effectClrLst/>
+    <dgm:txLinClrLst/>
+    <dgm:txFillClrLst/>
+    <dgm:txEffectClrLst/>
+  </dgm:styleLbl>
+  <dgm:styleLbl name="asst1">
+    <dgm:fillClrLst meth="repeat">
+      <a:schemeClr val="accent1"/>
+    </dgm:fillClrLst>
+    <dgm:linClrLst meth="repeat">
+      <a:schemeClr val="lt1"/>
+    </dgm:linClrLst>
+    <dgm:effectClrLst/>
+    <dgm:txLinClrLst/>
+    <dgm:txFillClrLst/>
+    <dgm:txEffectClrLst/>
+  </dgm:styleLbl>
+  <dgm:styleLbl name="asst2">
+    <dgm:fillClrLst meth="repeat">
+      <a:schemeClr val="accent1"/>
+    </dgm:fillClrLst>
+    <dgm:linClrLst meth="repeat">
+      <a:schemeClr val="lt1"/>
+    </dgm:linClrLst>
+    <dgm:effectClrLst/>
+    <dgm:txLinClrLst/>
+    <dgm:txFillClrLst/>
+    <dgm:txEffectClrLst/>
+  </dgm:styleLbl>
+  <dgm:styleLbl name="asst3">
+    <dgm:fillClrLst meth="repeat">
+      <a:schemeClr val="accent1"/>
+    </dgm:fillClrLst>
+    <dgm:linClrLst meth="repeat">
+      <a:schemeClr val="lt1"/>
+    </dgm:linClrLst>
+    <dgm:effectClrLst/>
+    <dgm:txLinClrLst/>
+    <dgm:txFillClrLst/>
+    <dgm:txEffectClrLst/>
+  </dgm:styleLbl>
+  <dgm:styleLbl name="asst4">
+    <dgm:fillClrLst meth="repeat">
+      <a:schemeClr val="accent1"/>
+    </dgm:fillClrLst>
+    <dgm:linClrLst meth="repeat">
+      <a:schemeClr val="lt1"/>
+    </dgm:linClrLst>
+    <dgm:effectClrLst/>
+    <dgm:txLinClrLst/>
+    <dgm:txFillClrLst/>
+    <dgm:txEffectClrLst/>
+  </dgm:styleLbl>
+  <dgm:styleLbl name="parChTrans2D1">
+    <dgm:fillClrLst meth="repeat">
+      <a:schemeClr val="accent1">
+        <a:tint val="60000"/>
+      </a:schemeClr>
+    </dgm:fillClrLst>
+    <dgm:linClrLst meth="repeat">
+      <a:schemeClr val="accent1">
+        <a:tint val="60000"/>
+      </a:schemeClr>
+    </dgm:linClrLst>
+    <dgm:effectClrLst/>
+    <dgm:txLinClrLst/>
+    <dgm:txFillClrLst meth="repeat">
+      <a:schemeClr val="lt1"/>
+    </dgm:txFillClrLst>
+    <dgm:txEffectClrLst/>
+  </dgm:styleLbl>
+  <dgm:styleLbl name="parChTrans2D2">
+    <dgm:fillClrLst meth="repeat">
+      <a:schemeClr val="accent1"/>
+    </dgm:fillClrLst>
+    <dgm:linClrLst meth="repeat">
+      <a:schemeClr val="accent1"/>
+    </dgm:linClrLst>
+    <dgm:effectClrLst/>
+    <dgm:txLinClrLst/>
+    <dgm:txFillClrLst meth="repeat">
+      <a:schemeClr val="lt1"/>
+    </dgm:txFillClrLst>
+    <dgm:txEffectClrLst/>
+  </dgm:styleLbl>
+  <dgm:styleLbl name="parChTrans2D3">
+    <dgm:fillClrLst meth="repeat">
+      <a:schemeClr val="accent1"/>
+    </dgm:fillClrLst>
+    <dgm:linClrLst meth="repeat">
+      <a:schemeClr val="accent1"/>
+    </dgm:linClrLst>
+    <dgm:effectClrLst/>
+    <dgm:txLinClrLst/>
+    <dgm:txFillClrLst meth="repeat">
+      <a:schemeClr val="lt1"/>
+    </dgm:txFillClrLst>
+    <dgm:txEffectClrLst/>
+  </dgm:styleLbl>
+  <dgm:styleLbl name="parChTrans2D4">
+    <dgm:fillClrLst meth="repeat">
+      <a:schemeClr val="accent1"/>
+    </dgm:fillClrLst>
+    <dgm:linClrLst meth="repeat">
+      <a:schemeClr val="accent1"/>
+    </dgm:linClrLst>
+    <dgm:effectClrLst/>
+    <dgm:txLinClrLst/>
+    <dgm:txFillClrLst meth="repeat">
+      <a:schemeClr val="lt1"/>
+    </dgm:txFillClrLst>
+    <dgm:txEffectClrLst/>
+  </dgm:styleLbl>
+  <dgm:styleLbl name="parChTrans1D1">
+    <dgm:fillClrLst meth="repeat">
+      <a:schemeClr val="accent1"/>
+    </dgm:fillClrLst>
+    <dgm:linClrLst meth="repeat">
+      <a:schemeClr val="accent1">
+        <a:shade val="60000"/>
+      </a:schemeClr>
+    </dgm:linClrLst>
+    <dgm:effectClrLst/>
+    <dgm:txLinClrLst/>
+    <dgm:txFillClrLst meth="repeat">
+      <a:schemeClr val="tx1"/>
+    </dgm:txFillClrLst>
+    <dgm:txEffectClrLst/>
+  </dgm:styleLbl>
+  <dgm:styleLbl name="parChTrans1D2">
+    <dgm:fillClrLst meth="repeat">
+      <a:schemeClr val="accent1"/>
+    </dgm:fillClrLst>
+    <dgm:linClrLst meth="repeat">
+      <a:schemeClr val="accent1">
+        <a:shade val="60000"/>
+      </a:schemeClr>
+    </dgm:linClrLst>
+    <dgm:effectClrLst/>
+    <dgm:txLinClrLst/>
+    <dgm:txFillClrLst meth="repeat">
+      <a:schemeClr val="tx1"/>
+    </dgm:txFillClrLst>
+    <dgm:txEffectClrLst/>
+  </dgm:styleLbl>
+  <dgm:styleLbl name="parChTrans1D3">
+    <dgm:fillClrLst meth="repeat">
+      <a:schemeClr val="accent1"/>
+    </dgm:fillClrLst>
+    <dgm:linClrLst meth="repeat">
+      <a:schemeClr val="accent1">
+        <a:shade val="80000"/>
+      </a:schemeClr>
+    </dgm:linClrLst>
+    <dgm:effectClrLst/>
+    <dgm:txLinClrLst/>
+    <dgm:txFillClrLst meth="repeat">
+      <a:schemeClr val="tx1"/>
+    </dgm:txFillClrLst>
+    <dgm:txEffectClrLst/>
+  </dgm:styleLbl>
+  <dgm:styleLbl name="parChTrans1D4">
+    <dgm:fillClrLst meth="repeat">
+      <a:schemeClr val="accent1"/>
+    </dgm:fillClrLst>
+    <dgm:linClrLst meth="repeat">
+      <a:schemeClr val="accent1">
+        <a:shade val="80000"/>
+      </a:schemeClr>
+    </dgm:linClrLst>
+    <dgm:effectClrLst/>
+    <dgm:txLinClrLst/>
+    <dgm:txFillClrLst meth="repeat">
+      <a:schemeClr val="tx1"/>
+    </dgm:txFillClrLst>
+    <dgm:txEffectClrLst/>
+  </dgm:styleLbl>
+  <dgm:styleLbl name="fgAcc1">
+    <dgm:fillClrLst meth="repeat">
+      <a:schemeClr val="lt1">
+        <a:alpha val="90000"/>
+      </a:schemeClr>
+    </dgm:fillClrLst>
+    <dgm:linClrLst meth="repeat">
+      <a:schemeClr val="accent1"/>
+    </dgm:linClrLst>
+    <dgm:effectClrLst/>
+    <dgm:txLinClrLst/>
+    <dgm:txFillClrLst meth="repeat">
+      <a:schemeClr val="dk1"/>
+    </dgm:txFillClrLst>
+    <dgm:txEffectClrLst/>
+  </dgm:styleLbl>
+  <dgm:styleLbl name="conFgAcc1">
+    <dgm:fillClrLst meth="repeat">
+      <a:schemeClr val="lt1">
+        <a:alpha val="90000"/>
+      </a:schemeClr>
+    </dgm:fillClrLst>
+    <dgm:linClrLst meth="repeat">
+      <a:schemeClr val="accent1"/>
+    </dgm:linClrLst>
+    <dgm:effectClrLst/>
+    <dgm:txLinClrLst/>
+    <dgm:txFillClrLst meth="repeat">
+      <a:schemeClr val="dk1"/>
+    </dgm:txFillClrLst>
+    <dgm:txEffectClrLst/>
+  </dgm:styleLbl>
+  <dgm:styleLbl name="alignAcc1">
+    <dgm:fillClrLst meth="repeat">
+      <a:schemeClr val="lt1">
+        <a:alpha val="90000"/>
+      </a:schemeClr>
+    </dgm:fillClrLst>
+    <dgm:linClrLst meth="repeat">
+      <a:schemeClr val="accent1"/>
+    </dgm:linClrLst>
+    <dgm:effectClrLst/>
+    <dgm:txLinClrLst/>
+    <dgm:txFillClrLst meth="repeat">
+      <a:schemeClr val="dk1"/>
+    </dgm:txFillClrLst>
+    <dgm:txEffectClrLst/>
+  </dgm:styleLbl>
+  <dgm:styleLbl name="trAlignAcc1">
+    <dgm:fillClrLst meth="repeat">
+      <a:schemeClr val="lt1">
+        <a:alpha val="40000"/>
+      </a:schemeClr>
+    </dgm:fillClrLst>
+    <dgm:linClrLst meth="repeat">
+      <a:schemeClr val="accent1"/>
+    </dgm:linClrLst>
+    <dgm:effectClrLst/>
+    <dgm:txLinClrLst/>
+    <dgm:txFillClrLst meth="repeat">
+      <a:schemeClr val="dk1"/>
+    </dgm:txFillClrLst>
+    <dgm:txEffectClrLst/>
+  </dgm:styleLbl>
+  <dgm:styleLbl name="bgAcc1">
+    <dgm:fillClrLst meth="repeat">
+      <a:schemeClr val="lt1">
+        <a:alpha val="90000"/>
+      </a:schemeClr>
+    </dgm:fillClrLst>
+    <dgm:linClrLst meth="repeat">
+      <a:schemeClr val="accent1"/>
+    </dgm:linClrLst>
+    <dgm:effectClrLst/>
+    <dgm:txLinClrLst/>
+    <dgm:txFillClrLst meth="repeat">
+      <a:schemeClr val="dk1"/>
+    </dgm:txFillClrLst>
+    <dgm:txEffectClrLst/>
+  </dgm:styleLbl>
+  <dgm:styleLbl name="solidFgAcc1">
+    <dgm:fillClrLst meth="repeat">
+      <a:schemeClr val="lt1"/>
+    </dgm:fillClrLst>
+    <dgm:linClrLst meth="repeat">
+      <a:schemeClr val="accent1"/>
+    </dgm:linClrLst>
+    <dgm:effectClrLst/>
+    <dgm:txLinClrLst/>
+    <dgm:txFillClrLst meth="repeat">
+      <a:schemeClr val="dk1"/>
+    </dgm:txFillClrLst>
+    <dgm:txEffectClrLst/>
+  </dgm:styleLbl>
+  <dgm:styleLbl name="solidAlignAcc1">
+    <dgm:fillClrLst meth="repeat">
+      <a:schemeClr val="lt1"/>
+    </dgm:fillClrLst>
+    <dgm:linClrLst meth="repeat">
+      <a:schemeClr val="accent1"/>
+    </dgm:linClrLst>
+    <dgm:effectClrLst/>
+    <dgm:txLinClrLst/>
+    <dgm:txFillClrLst meth="repeat">
+      <a:schemeClr val="dk1"/>
+    </dgm:txFillClrLst>
+    <dgm:txEffectClrLst/>
+  </dgm:styleLbl>
+  <dgm:styleLbl name="solidBgAcc1">
+    <dgm:fillClrLst meth="repeat">
+      <a:schemeClr val="lt1"/>
+    </dgm:fillClrLst>
+    <dgm:linClrLst meth="repeat">
+      <a:schemeClr val="accent1"/>
+    </dgm:linClrLst>
+    <dgm:effectClrLst/>
+    <dgm:txLinClrLst/>
+    <dgm:txFillClrLst meth="repeat">
+      <a:schemeClr val="dk1"/>
+    </dgm:txFillClrLst>
+    <dgm:txEffectClrLst/>
+  </dgm:styleLbl>
+  <dgm:styleLbl name="fgAccFollowNode1">
+    <dgm:fillClrLst meth="repeat">
+      <a:schemeClr val="accent1">
+        <a:alpha val="90000"/>
+        <a:tint val="40000"/>
+      </a:schemeClr>
+    </dgm:fillClrLst>
+    <dgm:linClrLst meth="repeat">
+      <a:schemeClr val="accent1">
+        <a:alpha val="90000"/>
+        <a:tint val="40000"/>
+      </a:schemeClr>
+    </dgm:linClrLst>
+    <dgm:effectClrLst/>
+    <dgm:txLinClrLst/>
+    <dgm:txFillClrLst meth="repeat">
+      <a:schemeClr val="dk1"/>
+    </dgm:txFillClrLst>
+    <dgm:txEffectClrLst/>
+  </dgm:styleLbl>
+  <dgm:styleLbl name="alignAccFollowNode1">
+    <dgm:fillClrLst meth="repeat">
+      <a:schemeClr val="accent1">
+        <a:alpha val="90000"/>
+        <a:tint val="40000"/>
+      </a:schemeClr>
+    </dgm:fillClrLst>
+    <dgm:linClrLst meth="repeat">
+      <a:schemeClr val="accent1">
+        <a:alpha val="90000"/>
+        <a:tint val="40000"/>
+      </a:schemeClr>
+    </dgm:linClrLst>
+    <dgm:effectClrLst/>
+    <dgm:txLinClrLst/>
+    <dgm:txFillClrLst meth="repeat">
+      <a:schemeClr val="dk1"/>
+    </dgm:txFillClrLst>
+    <dgm:txEffectClrLst/>
+  </dgm:styleLbl>
+  <dgm:styleLbl name="bgAccFollowNode1">
+    <dgm:fillClrLst meth="repeat">
+      <a:schemeClr val="accent1">
+        <a:alpha val="90000"/>
+        <a:tint val="40000"/>
+      </a:schemeClr>
+    </dgm:fillClrLst>
+    <dgm:linClrLst meth="repeat">
+      <a:schemeClr val="accent1">
+        <a:alpha val="90000"/>
+        <a:tint val="40000"/>
+      </a:schemeClr>
+    </dgm:linClrLst>
+    <dgm:effectClrLst/>
+    <dgm:txLinClrLst/>
+    <dgm:txFillClrLst meth="repeat">
+      <a:schemeClr val="dk1"/>
+    </dgm:txFillClrLst>
+    <dgm:txEffectClrLst/>
+  </dgm:styleLbl>
+  <dgm:styleLbl name="fgAcc0">
+    <dgm:fillClrLst meth="repeat">
+      <a:schemeClr val="lt1">
+        <a:alpha val="90000"/>
+      </a:schemeClr>
+    </dgm:fillClrLst>
+    <dgm:linClrLst meth="repeat">
+      <a:schemeClr val="accent1"/>
+    </dgm:linClrLst>
+    <dgm:effectClrLst/>
+    <dgm:txLinClrLst/>
+    <dgm:txFillClrLst meth="repeat">
+      <a:schemeClr val="dk1"/>
+    </dgm:txFillClrLst>
+    <dgm:txEffectClrLst/>
+  </dgm:styleLbl>
+  <dgm:styleLbl name="fgAcc2">
+    <dgm:fillClrLst meth="repeat">
+      <a:schemeClr val="lt1">
+        <a:alpha val="90000"/>
+      </a:schemeClr>
+    </dgm:fillClrLst>
+    <dgm:linClrLst meth="repeat">
+      <a:schemeClr val="accent1"/>
+    </dgm:linClrLst>
+    <dgm:effectClrLst/>
+    <dgm:txLinClrLst/>
+    <dgm:txFillClrLst meth="repeat">
+      <a:schemeClr val="dk1"/>
+    </dgm:txFillClrLst>
+    <dgm:txEffectClrLst/>
+  </dgm:styleLbl>
+  <dgm:styleLbl name="fgAcc3">
+    <dgm:fillClrLst meth="repeat">
+      <a:schemeClr val="lt1">
+        <a:alpha val="90000"/>
+      </a:schemeClr>
+    </dgm:fillClrLst>
+    <dgm:linClrLst meth="repeat">
+      <a:schemeClr val="accent1"/>
+    </dgm:linClrLst>
+    <dgm:effectClrLst/>
+    <dgm:txLinClrLst/>
+    <dgm:txFillClrLst meth="repeat">
+      <a:schemeClr val="dk1"/>
+    </dgm:txFillClrLst>
+    <dgm:txEffectClrLst/>
+  </dgm:styleLbl>
+  <dgm:styleLbl name="fgAcc4">
+    <dgm:fillClrLst meth="repeat">
+      <a:schemeClr val="lt1">
+        <a:alpha val="90000"/>
+      </a:schemeClr>
+    </dgm:fillClrLst>
+    <dgm:linClrLst meth="repeat">
+      <a:schemeClr val="accent1"/>
+    </dgm:linClrLst>
+    <dgm:effectClrLst/>
+    <dgm:txLinClrLst/>
+    <dgm:txFillClrLst meth="repeat">
+      <a:schemeClr val="dk1"/>
+    </dgm:txFillClrLst>
+    <dgm:txEffectClrLst/>
+  </dgm:styleLbl>
+  <dgm:styleLbl name="bgShp">
+    <dgm:fillClrLst meth="repeat">
+      <a:schemeClr val="accent1">
+        <a:tint val="40000"/>
+      </a:schemeClr>
+    </dgm:fillClrLst>
+    <dgm:linClrLst meth="repeat">
+      <a:schemeClr val="accent1"/>
+    </dgm:linClrLst>
+    <dgm:effectClrLst/>
+    <dgm:txLinClrLst/>
+    <dgm:txFillClrLst meth="repeat">
+      <a:schemeClr val="dk1"/>
+    </dgm:txFillClrLst>
+    <dgm:txEffectClrLst/>
+  </dgm:styleLbl>
+  <dgm:styleLbl name="dkBgShp">
+    <dgm:fillClrLst meth="repeat">
+      <a:schemeClr val="accent1">
+        <a:shade val="80000"/>
+      </a:schemeClr>
+    </dgm:fillClrLst>
+    <dgm:linClrLst meth="repeat">
+      <a:schemeClr val="accent1"/>
+    </dgm:linClrLst>
+    <dgm:effectClrLst/>
+    <dgm:txLinClrLst/>
+    <dgm:txFillClrLst meth="repeat">
+      <a:schemeClr val="lt1"/>
+    </dgm:txFillClrLst>
+    <dgm:txEffectClrLst/>
+  </dgm:styleLbl>
+  <dgm:styleLbl name="trBgShp">
+    <dgm:fillClrLst meth="repeat">
+      <a:schemeClr val="accent1">
+        <a:tint val="50000"/>
+        <a:alpha val="40000"/>
+      </a:schemeClr>
+    </dgm:fillClrLst>
+    <dgm:linClrLst meth="repeat">
+      <a:schemeClr val="accent1"/>
+    </dgm:linClrLst>
+    <dgm:effectClrLst/>
+    <dgm:txLinClrLst/>
+    <dgm:txFillClrLst meth="repeat">
+      <a:schemeClr val="lt1"/>
+    </dgm:txFillClrLst>
+    <dgm:txEffectClrLst/>
+  </dgm:styleLbl>
+  <dgm:styleLbl name="fgShp">
+    <dgm:fillClrLst meth="repeat">
+      <a:schemeClr val="accent1">
+        <a:tint val="60000"/>
+      </a:schemeClr>
+    </dgm:fillClrLst>
+    <dgm:linClrLst meth="repeat">
+      <a:schemeClr val="lt1"/>
+    </dgm:linClrLst>
+    <dgm:effectClrLst/>
+    <dgm:txLinClrLst/>
+    <dgm:txFillClrLst meth="repeat">
+      <a:schemeClr val="dk1"/>
+    </dgm:txFillClrLst>
+    <dgm:txEffectClrLst/>
+  </dgm:styleLbl>
+  <dgm:styleLbl name="revTx">
+    <dgm:fillClrLst meth="repeat">
+      <a:schemeClr val="lt1">
+        <a:alpha val="0"/>
+      </a:schemeClr>
+    </dgm:fillClrLst>
+    <dgm:linClrLst meth="repeat">
+      <a:schemeClr val="dk1">
+        <a:alpha val="0"/>
+      </a:schemeClr>
+    </dgm:linClrLst>
+    <dgm:effectClrLst/>
+    <dgm:txLinClrLst/>
+    <dgm:txFillClrLst meth="repeat">
+      <a:schemeClr val="tx1"/>
+    </dgm:txFillClrLst>
+    <dgm:txEffectClrLst/>
+  </dgm:styleLbl>
+</dgm:colorsDef>
+</file>
+
+<file path=ppt/diagrams/colors3.xml><?xml version="1.0" encoding="utf-8"?>
 <dgm:colorsDef xmlns:dgm="http://schemas.openxmlformats.org/drawingml/2006/diagram" xmlns:a="http://schemas.openxmlformats.org/drawingml/2006/main" uniqueId="urn:microsoft.com/office/officeart/2005/8/colors/accent1_2">
   <dgm:title val=""/>
   <dgm:desc val=""/>
@@ -4091,6 +4858,708 @@
     <dgm:cxn modelId="{E75C205D-727A-45F1-A2A7-41BC6020CEA2}" type="presParOf" srcId="{C9A19E74-FF7C-4A89-BFD6-84BE82F9C9ED}" destId="{7C5249E4-8839-4B2D-9BDE-EEA1D8093A83}" srcOrd="0" destOrd="0" presId="urn:microsoft.com/office/officeart/2005/8/layout/hierarchy1"/>
     <dgm:cxn modelId="{6D39C64D-E1EB-4621-8FC2-974E61692CFA}" type="presParOf" srcId="{C9A19E74-FF7C-4A89-BFD6-84BE82F9C9ED}" destId="{780A52D6-B908-45E5-B321-2482455CCFDA}" srcOrd="1" destOrd="0" presId="urn:microsoft.com/office/officeart/2005/8/layout/hierarchy1"/>
     <dgm:cxn modelId="{E97DB0DB-E033-45BF-B4CD-4A9744A23BD7}" type="presParOf" srcId="{22CBBFC7-5682-4566-AC4A-B380E148E02A}" destId="{B0DB060D-17CE-40AC-8EC1-D80DE88F8C94}" srcOrd="1" destOrd="0" presId="urn:microsoft.com/office/officeart/2005/8/layout/hierarchy1"/>
+  </dgm:cxnLst>
+  <dgm:bg/>
+  <dgm:whole/>
+  <dgm:extLst>
+    <a:ext uri="http://schemas.microsoft.com/office/drawing/2008/diagram">
+      <dsp:dataModelExt xmlns:dsp="http://schemas.microsoft.com/office/drawing/2008/diagram" relId="rId6" minVer="http://schemas.openxmlformats.org/drawingml/2006/diagram"/>
+    </a:ext>
+  </dgm:extLst>
+</dgm:dataModel>
+</file>
+
+<file path=ppt/diagrams/data3.xml><?xml version="1.0" encoding="utf-8"?>
+<dgm:dataModel xmlns:dgm="http://schemas.openxmlformats.org/drawingml/2006/diagram" xmlns:a="http://schemas.openxmlformats.org/drawingml/2006/main">
+  <dgm:ptLst>
+    <dgm:pt modelId="{79737DD1-36F9-4B7C-8DDC-760617763CAF}" type="doc">
+      <dgm:prSet loTypeId="urn:microsoft.com/office/officeart/2005/8/layout/hierarchy1" loCatId="hierarchy" qsTypeId="urn:microsoft.com/office/officeart/2005/8/quickstyle/simple1" qsCatId="simple" csTypeId="urn:microsoft.com/office/officeart/2005/8/colors/accent1_2" csCatId="accent1" phldr="1"/>
+      <dgm:spPr/>
+      <dgm:t>
+        <a:bodyPr/>
+        <a:lstStyle/>
+        <a:p>
+          <a:endParaRPr lang="zh-CN" altLang="en-US"/>
+        </a:p>
+      </dgm:t>
+    </dgm:pt>
+    <dgm:pt modelId="{0450AEB8-E918-4C12-9DF4-905E134C96CF}">
+      <dgm:prSet phldrT="[文本]"/>
+      <dgm:spPr/>
+      <dgm:t>
+        <a:bodyPr/>
+        <a:lstStyle/>
+        <a:p>
+          <a:r>
+            <a:rPr lang="en-US" altLang="zh-CN" dirty="0" err="1" smtClean="0"/>
+            <a:t>lcs</a:t>
+          </a:r>
+          <a:r>
+            <a:rPr lang="en-US" altLang="zh-CN" dirty="0" smtClean="0"/>
+            <a:t>(0,0)</a:t>
+          </a:r>
+          <a:endParaRPr lang="zh-CN" altLang="en-US" dirty="0"/>
+        </a:p>
+      </dgm:t>
+    </dgm:pt>
+    <dgm:pt modelId="{03DDBB74-081D-42D3-961E-0F3F05746A72}" type="parTrans" cxnId="{7276A1A4-B4F6-4B05-82F3-6B4E2C18BACA}">
+      <dgm:prSet/>
+      <dgm:spPr/>
+      <dgm:t>
+        <a:bodyPr/>
+        <a:lstStyle/>
+        <a:p>
+          <a:endParaRPr lang="zh-CN" altLang="en-US"/>
+        </a:p>
+      </dgm:t>
+    </dgm:pt>
+    <dgm:pt modelId="{D06ECDE2-C80C-4C87-9540-A7C44A8F8036}" type="sibTrans" cxnId="{7276A1A4-B4F6-4B05-82F3-6B4E2C18BACA}">
+      <dgm:prSet/>
+      <dgm:spPr/>
+      <dgm:t>
+        <a:bodyPr/>
+        <a:lstStyle/>
+        <a:p>
+          <a:endParaRPr lang="zh-CN" altLang="en-US"/>
+        </a:p>
+      </dgm:t>
+    </dgm:pt>
+    <dgm:pt modelId="{40C3799C-18AB-49EE-9327-BC4703996447}">
+      <dgm:prSet phldrT="[文本]"/>
+      <dgm:spPr/>
+      <dgm:t>
+        <a:bodyPr/>
+        <a:lstStyle/>
+        <a:p>
+          <a:r>
+            <a:rPr lang="en-US" altLang="zh-CN" dirty="0" err="1" smtClean="0"/>
+            <a:t>lcs</a:t>
+          </a:r>
+          <a:r>
+            <a:rPr lang="en-US" altLang="zh-CN" dirty="0" smtClean="0"/>
+            <a:t>(0,1)</a:t>
+          </a:r>
+          <a:endParaRPr lang="zh-CN" altLang="en-US" dirty="0"/>
+        </a:p>
+      </dgm:t>
+    </dgm:pt>
+    <dgm:pt modelId="{43FA7832-42FB-456C-A4B6-DC8C0DE4545A}" type="parTrans" cxnId="{83063966-CC71-4BEA-B7E3-D738770B38BE}">
+      <dgm:prSet/>
+      <dgm:spPr/>
+      <dgm:t>
+        <a:bodyPr/>
+        <a:lstStyle/>
+        <a:p>
+          <a:endParaRPr lang="zh-CN" altLang="en-US"/>
+        </a:p>
+      </dgm:t>
+    </dgm:pt>
+    <dgm:pt modelId="{403D4DAD-1B1A-4BE8-B454-B23F5E2E11EA}" type="sibTrans" cxnId="{83063966-CC71-4BEA-B7E3-D738770B38BE}">
+      <dgm:prSet/>
+      <dgm:spPr/>
+      <dgm:t>
+        <a:bodyPr/>
+        <a:lstStyle/>
+        <a:p>
+          <a:endParaRPr lang="zh-CN" altLang="en-US"/>
+        </a:p>
+      </dgm:t>
+    </dgm:pt>
+    <dgm:pt modelId="{1D2564A2-477F-48C0-B80F-3DBE5AF446AA}">
+      <dgm:prSet phldrT="[文本]"/>
+      <dgm:spPr/>
+      <dgm:t>
+        <a:bodyPr/>
+        <a:lstStyle/>
+        <a:p>
+          <a:r>
+            <a:rPr lang="en-US" altLang="zh-CN" dirty="0" err="1" smtClean="0"/>
+            <a:t>lcs</a:t>
+          </a:r>
+          <a:r>
+            <a:rPr lang="en-US" altLang="zh-CN" dirty="0" smtClean="0"/>
+            <a:t>(0,2)</a:t>
+          </a:r>
+          <a:endParaRPr lang="zh-CN" altLang="en-US" dirty="0"/>
+        </a:p>
+      </dgm:t>
+    </dgm:pt>
+    <dgm:pt modelId="{0C127789-B07C-471C-A6AE-FB81C0352520}" type="parTrans" cxnId="{26981175-9454-4E2D-AB79-35FD038B461A}">
+      <dgm:prSet/>
+      <dgm:spPr/>
+      <dgm:t>
+        <a:bodyPr/>
+        <a:lstStyle/>
+        <a:p>
+          <a:endParaRPr lang="zh-CN" altLang="en-US"/>
+        </a:p>
+      </dgm:t>
+    </dgm:pt>
+    <dgm:pt modelId="{7BFF6320-B4E9-4F76-9283-488FA1958819}" type="sibTrans" cxnId="{26981175-9454-4E2D-AB79-35FD038B461A}">
+      <dgm:prSet/>
+      <dgm:spPr/>
+      <dgm:t>
+        <a:bodyPr/>
+        <a:lstStyle/>
+        <a:p>
+          <a:endParaRPr lang="zh-CN" altLang="en-US"/>
+        </a:p>
+      </dgm:t>
+    </dgm:pt>
+    <dgm:pt modelId="{BA229817-54D1-4A12-9454-EB63E09B0ED7}">
+      <dgm:prSet phldrT="[文本]"/>
+      <dgm:spPr/>
+      <dgm:t>
+        <a:bodyPr/>
+        <a:lstStyle/>
+        <a:p>
+          <a:r>
+            <a:rPr lang="en-US" altLang="zh-CN" dirty="0" err="1" smtClean="0">
+              <a:solidFill>
+                <a:srgbClr val="FF0000"/>
+              </a:solidFill>
+            </a:rPr>
+            <a:t>lcs</a:t>
+          </a:r>
+          <a:r>
+            <a:rPr lang="en-US" altLang="zh-CN" dirty="0" smtClean="0">
+              <a:solidFill>
+                <a:srgbClr val="FF0000"/>
+              </a:solidFill>
+            </a:rPr>
+            <a:t>(1,1)</a:t>
+          </a:r>
+          <a:endParaRPr lang="zh-CN" altLang="en-US" dirty="0">
+            <a:solidFill>
+              <a:srgbClr val="FF0000"/>
+            </a:solidFill>
+          </a:endParaRPr>
+        </a:p>
+      </dgm:t>
+    </dgm:pt>
+    <dgm:pt modelId="{58CF4D96-5BF7-450E-99B1-629BA2C5BEB1}" type="parTrans" cxnId="{CD3A603E-2962-4EB3-A715-F33E9033E477}">
+      <dgm:prSet/>
+      <dgm:spPr/>
+      <dgm:t>
+        <a:bodyPr/>
+        <a:lstStyle/>
+        <a:p>
+          <a:endParaRPr lang="zh-CN" altLang="en-US"/>
+        </a:p>
+      </dgm:t>
+    </dgm:pt>
+    <dgm:pt modelId="{CBAB88BC-98AD-4866-8E38-408C5E5C24C0}" type="sibTrans" cxnId="{CD3A603E-2962-4EB3-A715-F33E9033E477}">
+      <dgm:prSet/>
+      <dgm:spPr/>
+      <dgm:t>
+        <a:bodyPr/>
+        <a:lstStyle/>
+        <a:p>
+          <a:endParaRPr lang="zh-CN" altLang="en-US"/>
+        </a:p>
+      </dgm:t>
+    </dgm:pt>
+    <dgm:pt modelId="{8CDFAFE1-45F0-481D-B922-648EEB526658}">
+      <dgm:prSet phldrT="[文本]"/>
+      <dgm:spPr/>
+      <dgm:t>
+        <a:bodyPr/>
+        <a:lstStyle/>
+        <a:p>
+          <a:r>
+            <a:rPr lang="en-US" altLang="zh-CN" dirty="0" err="1" smtClean="0"/>
+            <a:t>lcs</a:t>
+          </a:r>
+          <a:r>
+            <a:rPr lang="en-US" altLang="zh-CN" dirty="0" smtClean="0"/>
+            <a:t>(1,0)</a:t>
+          </a:r>
+          <a:endParaRPr lang="zh-CN" altLang="en-US" dirty="0"/>
+        </a:p>
+      </dgm:t>
+    </dgm:pt>
+    <dgm:pt modelId="{676F7774-DD02-4A8A-86EE-B4FCC12BEAB9}" type="parTrans" cxnId="{3151AFA1-40C1-4FDC-A535-75F2F3E74113}">
+      <dgm:prSet/>
+      <dgm:spPr/>
+      <dgm:t>
+        <a:bodyPr/>
+        <a:lstStyle/>
+        <a:p>
+          <a:endParaRPr lang="zh-CN" altLang="en-US"/>
+        </a:p>
+      </dgm:t>
+    </dgm:pt>
+    <dgm:pt modelId="{283512A4-4DA5-4108-B9B9-ADD593566EEE}" type="sibTrans" cxnId="{3151AFA1-40C1-4FDC-A535-75F2F3E74113}">
+      <dgm:prSet/>
+      <dgm:spPr/>
+      <dgm:t>
+        <a:bodyPr/>
+        <a:lstStyle/>
+        <a:p>
+          <a:endParaRPr lang="zh-CN" altLang="en-US"/>
+        </a:p>
+      </dgm:t>
+    </dgm:pt>
+    <dgm:pt modelId="{0C1A14E5-69D7-4588-A212-87A49DE49640}">
+      <dgm:prSet phldrT="[文本]"/>
+      <dgm:spPr/>
+      <dgm:t>
+        <a:bodyPr/>
+        <a:lstStyle/>
+        <a:p>
+          <a:r>
+            <a:rPr lang="en-US" altLang="zh-CN" dirty="0" err="1" smtClean="0">
+              <a:solidFill>
+                <a:srgbClr val="FF0000"/>
+              </a:solidFill>
+            </a:rPr>
+            <a:t>lcs</a:t>
+          </a:r>
+          <a:r>
+            <a:rPr lang="en-US" altLang="zh-CN" dirty="0" smtClean="0">
+              <a:solidFill>
+                <a:srgbClr val="FF0000"/>
+              </a:solidFill>
+            </a:rPr>
+            <a:t>(1,1)</a:t>
+          </a:r>
+          <a:endParaRPr lang="zh-CN" altLang="en-US" dirty="0">
+            <a:solidFill>
+              <a:srgbClr val="FF0000"/>
+            </a:solidFill>
+          </a:endParaRPr>
+        </a:p>
+      </dgm:t>
+    </dgm:pt>
+    <dgm:pt modelId="{4ABA78DE-C6AA-48AF-930E-2CA12D1E84EA}" type="parTrans" cxnId="{B73A58E7-C98C-484D-8219-14050F54AC87}">
+      <dgm:prSet/>
+      <dgm:spPr/>
+      <dgm:t>
+        <a:bodyPr/>
+        <a:lstStyle/>
+        <a:p>
+          <a:endParaRPr lang="zh-CN" altLang="en-US"/>
+        </a:p>
+      </dgm:t>
+    </dgm:pt>
+    <dgm:pt modelId="{6AAF4451-95E8-4883-AA95-E2E0091BD410}" type="sibTrans" cxnId="{B73A58E7-C98C-484D-8219-14050F54AC87}">
+      <dgm:prSet/>
+      <dgm:spPr/>
+      <dgm:t>
+        <a:bodyPr/>
+        <a:lstStyle/>
+        <a:p>
+          <a:endParaRPr lang="zh-CN" altLang="en-US"/>
+        </a:p>
+      </dgm:t>
+    </dgm:pt>
+    <dgm:pt modelId="{0991308C-6BA1-436A-B1C8-61467F7AAA79}">
+      <dgm:prSet/>
+      <dgm:spPr/>
+      <dgm:t>
+        <a:bodyPr/>
+        <a:lstStyle/>
+        <a:p>
+          <a:r>
+            <a:rPr lang="en-US" altLang="zh-CN" dirty="0" err="1" smtClean="0"/>
+            <a:t>lcs</a:t>
+          </a:r>
+          <a:r>
+            <a:rPr lang="en-US" altLang="zh-CN" dirty="0" smtClean="0"/>
+            <a:t>(2,0)</a:t>
+          </a:r>
+          <a:endParaRPr lang="zh-CN" altLang="en-US" dirty="0"/>
+        </a:p>
+      </dgm:t>
+    </dgm:pt>
+    <dgm:pt modelId="{F0D6B39A-6B9F-42E6-88B3-DB885B0B332B}" type="parTrans" cxnId="{05761AB3-8058-47FE-B3D4-BE7B355E7D98}">
+      <dgm:prSet/>
+      <dgm:spPr/>
+      <dgm:t>
+        <a:bodyPr/>
+        <a:lstStyle/>
+        <a:p>
+          <a:endParaRPr lang="zh-CN" altLang="en-US"/>
+        </a:p>
+      </dgm:t>
+    </dgm:pt>
+    <dgm:pt modelId="{5E65E8B8-0F3D-4B08-9897-BB0149DAFD01}" type="sibTrans" cxnId="{05761AB3-8058-47FE-B3D4-BE7B355E7D98}">
+      <dgm:prSet/>
+      <dgm:spPr/>
+      <dgm:t>
+        <a:bodyPr/>
+        <a:lstStyle/>
+        <a:p>
+          <a:endParaRPr lang="zh-CN" altLang="en-US"/>
+        </a:p>
+      </dgm:t>
+    </dgm:pt>
+    <dgm:pt modelId="{1DB075BF-3350-4573-BE53-A03AE642500E}" type="pres">
+      <dgm:prSet presAssocID="{79737DD1-36F9-4B7C-8DDC-760617763CAF}" presName="hierChild1" presStyleCnt="0">
+        <dgm:presLayoutVars>
+          <dgm:chPref val="1"/>
+          <dgm:dir/>
+          <dgm:animOne val="branch"/>
+          <dgm:animLvl val="lvl"/>
+          <dgm:resizeHandles/>
+        </dgm:presLayoutVars>
+      </dgm:prSet>
+      <dgm:spPr/>
+      <dgm:t>
+        <a:bodyPr/>
+        <a:lstStyle/>
+        <a:p>
+          <a:endParaRPr lang="zh-CN" altLang="en-US"/>
+        </a:p>
+      </dgm:t>
+    </dgm:pt>
+    <dgm:pt modelId="{1AD35AFB-5434-4031-B522-1F58C3BF80CC}" type="pres">
+      <dgm:prSet presAssocID="{0450AEB8-E918-4C12-9DF4-905E134C96CF}" presName="hierRoot1" presStyleCnt="0"/>
+      <dgm:spPr/>
+    </dgm:pt>
+    <dgm:pt modelId="{019B0EAA-3630-4BE9-8CA5-BAE102B2752C}" type="pres">
+      <dgm:prSet presAssocID="{0450AEB8-E918-4C12-9DF4-905E134C96CF}" presName="composite" presStyleCnt="0"/>
+      <dgm:spPr/>
+    </dgm:pt>
+    <dgm:pt modelId="{1D437AAB-E957-409E-956D-C428237AD8A6}" type="pres">
+      <dgm:prSet presAssocID="{0450AEB8-E918-4C12-9DF4-905E134C96CF}" presName="background" presStyleLbl="node0" presStyleIdx="0" presStyleCnt="1"/>
+      <dgm:spPr/>
+    </dgm:pt>
+    <dgm:pt modelId="{963A86C0-CE31-41A8-B69F-C009B491B3D0}" type="pres">
+      <dgm:prSet presAssocID="{0450AEB8-E918-4C12-9DF4-905E134C96CF}" presName="text" presStyleLbl="fgAcc0" presStyleIdx="0" presStyleCnt="1">
+        <dgm:presLayoutVars>
+          <dgm:chPref val="3"/>
+        </dgm:presLayoutVars>
+      </dgm:prSet>
+      <dgm:spPr/>
+      <dgm:t>
+        <a:bodyPr/>
+        <a:lstStyle/>
+        <a:p>
+          <a:endParaRPr lang="zh-CN" altLang="en-US"/>
+        </a:p>
+      </dgm:t>
+    </dgm:pt>
+    <dgm:pt modelId="{579A0054-A724-4055-9E37-E5BB9D25D584}" type="pres">
+      <dgm:prSet presAssocID="{0450AEB8-E918-4C12-9DF4-905E134C96CF}" presName="hierChild2" presStyleCnt="0"/>
+      <dgm:spPr/>
+    </dgm:pt>
+    <dgm:pt modelId="{9D1A0FF0-401E-4C3F-9D86-AF6E042DBECE}" type="pres">
+      <dgm:prSet presAssocID="{43FA7832-42FB-456C-A4B6-DC8C0DE4545A}" presName="Name10" presStyleLbl="parChTrans1D2" presStyleIdx="0" presStyleCnt="2"/>
+      <dgm:spPr/>
+      <dgm:t>
+        <a:bodyPr/>
+        <a:lstStyle/>
+        <a:p>
+          <a:endParaRPr lang="zh-CN" altLang="en-US"/>
+        </a:p>
+      </dgm:t>
+    </dgm:pt>
+    <dgm:pt modelId="{3173C362-3A94-4ED2-BFF3-1609E1EA101C}" type="pres">
+      <dgm:prSet presAssocID="{40C3799C-18AB-49EE-9327-BC4703996447}" presName="hierRoot2" presStyleCnt="0"/>
+      <dgm:spPr/>
+    </dgm:pt>
+    <dgm:pt modelId="{02089530-EBE2-43F8-B46F-3C24C2D04831}" type="pres">
+      <dgm:prSet presAssocID="{40C3799C-18AB-49EE-9327-BC4703996447}" presName="composite2" presStyleCnt="0"/>
+      <dgm:spPr/>
+    </dgm:pt>
+    <dgm:pt modelId="{7EE7D37D-3280-429A-875D-4C6A1822C95E}" type="pres">
+      <dgm:prSet presAssocID="{40C3799C-18AB-49EE-9327-BC4703996447}" presName="background2" presStyleLbl="node2" presStyleIdx="0" presStyleCnt="2"/>
+      <dgm:spPr/>
+    </dgm:pt>
+    <dgm:pt modelId="{616CAD54-6DF4-4219-80F3-6DC0DBA2152F}" type="pres">
+      <dgm:prSet presAssocID="{40C3799C-18AB-49EE-9327-BC4703996447}" presName="text2" presStyleLbl="fgAcc2" presStyleIdx="0" presStyleCnt="2">
+        <dgm:presLayoutVars>
+          <dgm:chPref val="3"/>
+        </dgm:presLayoutVars>
+      </dgm:prSet>
+      <dgm:spPr/>
+      <dgm:t>
+        <a:bodyPr/>
+        <a:lstStyle/>
+        <a:p>
+          <a:endParaRPr lang="zh-CN" altLang="en-US"/>
+        </a:p>
+      </dgm:t>
+    </dgm:pt>
+    <dgm:pt modelId="{56071A01-FA85-4B7D-8823-B83785E2B91F}" type="pres">
+      <dgm:prSet presAssocID="{40C3799C-18AB-49EE-9327-BC4703996447}" presName="hierChild3" presStyleCnt="0"/>
+      <dgm:spPr/>
+    </dgm:pt>
+    <dgm:pt modelId="{A447644D-FE16-4E11-8AC2-6E4F7F454869}" type="pres">
+      <dgm:prSet presAssocID="{0C127789-B07C-471C-A6AE-FB81C0352520}" presName="Name17" presStyleLbl="parChTrans1D3" presStyleIdx="0" presStyleCnt="4"/>
+      <dgm:spPr/>
+      <dgm:t>
+        <a:bodyPr/>
+        <a:lstStyle/>
+        <a:p>
+          <a:endParaRPr lang="zh-CN" altLang="en-US"/>
+        </a:p>
+      </dgm:t>
+    </dgm:pt>
+    <dgm:pt modelId="{2DD90DA8-45FD-4940-BF4E-288DDCCF2298}" type="pres">
+      <dgm:prSet presAssocID="{1D2564A2-477F-48C0-B80F-3DBE5AF446AA}" presName="hierRoot3" presStyleCnt="0"/>
+      <dgm:spPr/>
+    </dgm:pt>
+    <dgm:pt modelId="{A163DF50-B564-4408-9A07-B1477BADEBBE}" type="pres">
+      <dgm:prSet presAssocID="{1D2564A2-477F-48C0-B80F-3DBE5AF446AA}" presName="composite3" presStyleCnt="0"/>
+      <dgm:spPr/>
+    </dgm:pt>
+    <dgm:pt modelId="{612289E0-E3B3-44BE-A4D4-17A6AC9A2777}" type="pres">
+      <dgm:prSet presAssocID="{1D2564A2-477F-48C0-B80F-3DBE5AF446AA}" presName="background3" presStyleLbl="node3" presStyleIdx="0" presStyleCnt="4"/>
+      <dgm:spPr/>
+    </dgm:pt>
+    <dgm:pt modelId="{F8962D80-7E02-4E86-845E-BAC5718E8787}" type="pres">
+      <dgm:prSet presAssocID="{1D2564A2-477F-48C0-B80F-3DBE5AF446AA}" presName="text3" presStyleLbl="fgAcc3" presStyleIdx="0" presStyleCnt="4">
+        <dgm:presLayoutVars>
+          <dgm:chPref val="3"/>
+        </dgm:presLayoutVars>
+      </dgm:prSet>
+      <dgm:spPr/>
+      <dgm:t>
+        <a:bodyPr/>
+        <a:lstStyle/>
+        <a:p>
+          <a:endParaRPr lang="zh-CN" altLang="en-US"/>
+        </a:p>
+      </dgm:t>
+    </dgm:pt>
+    <dgm:pt modelId="{8AA36900-6960-4FD4-BEE2-26D15125ED97}" type="pres">
+      <dgm:prSet presAssocID="{1D2564A2-477F-48C0-B80F-3DBE5AF446AA}" presName="hierChild4" presStyleCnt="0"/>
+      <dgm:spPr/>
+    </dgm:pt>
+    <dgm:pt modelId="{32731FE1-9F8B-49DA-BE69-6AD3D643088C}" type="pres">
+      <dgm:prSet presAssocID="{58CF4D96-5BF7-450E-99B1-629BA2C5BEB1}" presName="Name17" presStyleLbl="parChTrans1D3" presStyleIdx="1" presStyleCnt="4"/>
+      <dgm:spPr/>
+      <dgm:t>
+        <a:bodyPr/>
+        <a:lstStyle/>
+        <a:p>
+          <a:endParaRPr lang="zh-CN" altLang="en-US"/>
+        </a:p>
+      </dgm:t>
+    </dgm:pt>
+    <dgm:pt modelId="{5CD8D053-5ADB-4F9A-82C2-A9863E2D9840}" type="pres">
+      <dgm:prSet presAssocID="{BA229817-54D1-4A12-9454-EB63E09B0ED7}" presName="hierRoot3" presStyleCnt="0"/>
+      <dgm:spPr/>
+    </dgm:pt>
+    <dgm:pt modelId="{CF3AC93C-1F87-497E-B185-47AA5CD3BD01}" type="pres">
+      <dgm:prSet presAssocID="{BA229817-54D1-4A12-9454-EB63E09B0ED7}" presName="composite3" presStyleCnt="0"/>
+      <dgm:spPr/>
+    </dgm:pt>
+    <dgm:pt modelId="{54BA5735-01FF-40DA-89AE-5773919D670F}" type="pres">
+      <dgm:prSet presAssocID="{BA229817-54D1-4A12-9454-EB63E09B0ED7}" presName="background3" presStyleLbl="node3" presStyleIdx="1" presStyleCnt="4"/>
+      <dgm:spPr/>
+    </dgm:pt>
+    <dgm:pt modelId="{0A84F2BE-DFF8-4A96-9B2D-323A215CE7EE}" type="pres">
+      <dgm:prSet presAssocID="{BA229817-54D1-4A12-9454-EB63E09B0ED7}" presName="text3" presStyleLbl="fgAcc3" presStyleIdx="1" presStyleCnt="4">
+        <dgm:presLayoutVars>
+          <dgm:chPref val="3"/>
+        </dgm:presLayoutVars>
+      </dgm:prSet>
+      <dgm:spPr/>
+      <dgm:t>
+        <a:bodyPr/>
+        <a:lstStyle/>
+        <a:p>
+          <a:endParaRPr lang="zh-CN" altLang="en-US"/>
+        </a:p>
+      </dgm:t>
+    </dgm:pt>
+    <dgm:pt modelId="{C700B8F6-7923-4AEB-BE67-28295D46E99B}" type="pres">
+      <dgm:prSet presAssocID="{BA229817-54D1-4A12-9454-EB63E09B0ED7}" presName="hierChild4" presStyleCnt="0"/>
+      <dgm:spPr/>
+    </dgm:pt>
+    <dgm:pt modelId="{6A7B7406-AA29-417F-A018-4D47D2D3CA89}" type="pres">
+      <dgm:prSet presAssocID="{676F7774-DD02-4A8A-86EE-B4FCC12BEAB9}" presName="Name10" presStyleLbl="parChTrans1D2" presStyleIdx="1" presStyleCnt="2"/>
+      <dgm:spPr/>
+      <dgm:t>
+        <a:bodyPr/>
+        <a:lstStyle/>
+        <a:p>
+          <a:endParaRPr lang="zh-CN" altLang="en-US"/>
+        </a:p>
+      </dgm:t>
+    </dgm:pt>
+    <dgm:pt modelId="{A858E2B8-610E-401A-9DCD-7FE035FF7AAB}" type="pres">
+      <dgm:prSet presAssocID="{8CDFAFE1-45F0-481D-B922-648EEB526658}" presName="hierRoot2" presStyleCnt="0"/>
+      <dgm:spPr/>
+    </dgm:pt>
+    <dgm:pt modelId="{2F50E199-3D28-4A87-A385-4D69318E2EA9}" type="pres">
+      <dgm:prSet presAssocID="{8CDFAFE1-45F0-481D-B922-648EEB526658}" presName="composite2" presStyleCnt="0"/>
+      <dgm:spPr/>
+    </dgm:pt>
+    <dgm:pt modelId="{3229C652-58C2-4637-A44D-FD1ECF710DA6}" type="pres">
+      <dgm:prSet presAssocID="{8CDFAFE1-45F0-481D-B922-648EEB526658}" presName="background2" presStyleLbl="node2" presStyleIdx="1" presStyleCnt="2"/>
+      <dgm:spPr/>
+    </dgm:pt>
+    <dgm:pt modelId="{93303FC2-0717-4E94-B5DB-02EA3A55E9BA}" type="pres">
+      <dgm:prSet presAssocID="{8CDFAFE1-45F0-481D-B922-648EEB526658}" presName="text2" presStyleLbl="fgAcc2" presStyleIdx="1" presStyleCnt="2">
+        <dgm:presLayoutVars>
+          <dgm:chPref val="3"/>
+        </dgm:presLayoutVars>
+      </dgm:prSet>
+      <dgm:spPr/>
+      <dgm:t>
+        <a:bodyPr/>
+        <a:lstStyle/>
+        <a:p>
+          <a:endParaRPr lang="zh-CN" altLang="en-US"/>
+        </a:p>
+      </dgm:t>
+    </dgm:pt>
+    <dgm:pt modelId="{A7D9DE94-2976-47B5-B246-31A6E114D17A}" type="pres">
+      <dgm:prSet presAssocID="{8CDFAFE1-45F0-481D-B922-648EEB526658}" presName="hierChild3" presStyleCnt="0"/>
+      <dgm:spPr/>
+    </dgm:pt>
+    <dgm:pt modelId="{C5D99B17-4F83-48C7-9E03-819BE7ADB2DE}" type="pres">
+      <dgm:prSet presAssocID="{4ABA78DE-C6AA-48AF-930E-2CA12D1E84EA}" presName="Name17" presStyleLbl="parChTrans1D3" presStyleIdx="2" presStyleCnt="4"/>
+      <dgm:spPr/>
+      <dgm:t>
+        <a:bodyPr/>
+        <a:lstStyle/>
+        <a:p>
+          <a:endParaRPr lang="zh-CN" altLang="en-US"/>
+        </a:p>
+      </dgm:t>
+    </dgm:pt>
+    <dgm:pt modelId="{7F08B7D2-5E9A-44B4-8B1B-A76182F95D1A}" type="pres">
+      <dgm:prSet presAssocID="{0C1A14E5-69D7-4588-A212-87A49DE49640}" presName="hierRoot3" presStyleCnt="0"/>
+      <dgm:spPr/>
+    </dgm:pt>
+    <dgm:pt modelId="{A27A0B75-26F0-42CF-A293-EC811DF3E016}" type="pres">
+      <dgm:prSet presAssocID="{0C1A14E5-69D7-4588-A212-87A49DE49640}" presName="composite3" presStyleCnt="0"/>
+      <dgm:spPr/>
+    </dgm:pt>
+    <dgm:pt modelId="{CEBCD760-5569-42E8-802D-EF34C7AF786B}" type="pres">
+      <dgm:prSet presAssocID="{0C1A14E5-69D7-4588-A212-87A49DE49640}" presName="background3" presStyleLbl="node3" presStyleIdx="2" presStyleCnt="4"/>
+      <dgm:spPr/>
+    </dgm:pt>
+    <dgm:pt modelId="{F02B27BF-7883-4FDA-A0E3-542C10E51568}" type="pres">
+      <dgm:prSet presAssocID="{0C1A14E5-69D7-4588-A212-87A49DE49640}" presName="text3" presStyleLbl="fgAcc3" presStyleIdx="2" presStyleCnt="4">
+        <dgm:presLayoutVars>
+          <dgm:chPref val="3"/>
+        </dgm:presLayoutVars>
+      </dgm:prSet>
+      <dgm:spPr/>
+      <dgm:t>
+        <a:bodyPr/>
+        <a:lstStyle/>
+        <a:p>
+          <a:endParaRPr lang="zh-CN" altLang="en-US"/>
+        </a:p>
+      </dgm:t>
+    </dgm:pt>
+    <dgm:pt modelId="{D95528E0-9BA1-45A5-8B22-909DEDDC2572}" type="pres">
+      <dgm:prSet presAssocID="{0C1A14E5-69D7-4588-A212-87A49DE49640}" presName="hierChild4" presStyleCnt="0"/>
+      <dgm:spPr/>
+    </dgm:pt>
+    <dgm:pt modelId="{C7624AA6-63CB-4365-8499-31E42CF42A7F}" type="pres">
+      <dgm:prSet presAssocID="{F0D6B39A-6B9F-42E6-88B3-DB885B0B332B}" presName="Name17" presStyleLbl="parChTrans1D3" presStyleIdx="3" presStyleCnt="4"/>
+      <dgm:spPr/>
+      <dgm:t>
+        <a:bodyPr/>
+        <a:lstStyle/>
+        <a:p>
+          <a:endParaRPr lang="zh-CN" altLang="en-US"/>
+        </a:p>
+      </dgm:t>
+    </dgm:pt>
+    <dgm:pt modelId="{A4D2F0E9-F9C0-4470-B121-97F3CEE6914F}" type="pres">
+      <dgm:prSet presAssocID="{0991308C-6BA1-436A-B1C8-61467F7AAA79}" presName="hierRoot3" presStyleCnt="0"/>
+      <dgm:spPr/>
+    </dgm:pt>
+    <dgm:pt modelId="{CB7E71A8-30AE-4003-A5C4-174BAF3CE0D3}" type="pres">
+      <dgm:prSet presAssocID="{0991308C-6BA1-436A-B1C8-61467F7AAA79}" presName="composite3" presStyleCnt="0"/>
+      <dgm:spPr/>
+    </dgm:pt>
+    <dgm:pt modelId="{A738D372-E123-488F-823D-7CEAFFC69422}" type="pres">
+      <dgm:prSet presAssocID="{0991308C-6BA1-436A-B1C8-61467F7AAA79}" presName="background3" presStyleLbl="node3" presStyleIdx="3" presStyleCnt="4"/>
+      <dgm:spPr/>
+    </dgm:pt>
+    <dgm:pt modelId="{019AD092-BD45-47F8-A5EC-2EDE2C2E6CD2}" type="pres">
+      <dgm:prSet presAssocID="{0991308C-6BA1-436A-B1C8-61467F7AAA79}" presName="text3" presStyleLbl="fgAcc3" presStyleIdx="3" presStyleCnt="4">
+        <dgm:presLayoutVars>
+          <dgm:chPref val="3"/>
+        </dgm:presLayoutVars>
+      </dgm:prSet>
+      <dgm:spPr/>
+      <dgm:t>
+        <a:bodyPr/>
+        <a:lstStyle/>
+        <a:p>
+          <a:endParaRPr lang="zh-CN" altLang="en-US"/>
+        </a:p>
+      </dgm:t>
+    </dgm:pt>
+    <dgm:pt modelId="{CA94CE43-9AA5-4F82-A07E-FEF86A68B3B1}" type="pres">
+      <dgm:prSet presAssocID="{0991308C-6BA1-436A-B1C8-61467F7AAA79}" presName="hierChild4" presStyleCnt="0"/>
+      <dgm:spPr/>
+    </dgm:pt>
+  </dgm:ptLst>
+  <dgm:cxnLst>
+    <dgm:cxn modelId="{8D6F26CF-D093-468F-835A-236810309E7D}" type="presOf" srcId="{0C1A14E5-69D7-4588-A212-87A49DE49640}" destId="{F02B27BF-7883-4FDA-A0E3-542C10E51568}" srcOrd="0" destOrd="0" presId="urn:microsoft.com/office/officeart/2005/8/layout/hierarchy1"/>
+    <dgm:cxn modelId="{99A4B5FF-0687-4033-BF98-BCC63648175E}" type="presOf" srcId="{BA229817-54D1-4A12-9454-EB63E09B0ED7}" destId="{0A84F2BE-DFF8-4A96-9B2D-323A215CE7EE}" srcOrd="0" destOrd="0" presId="urn:microsoft.com/office/officeart/2005/8/layout/hierarchy1"/>
+    <dgm:cxn modelId="{20982025-C883-47E8-BA11-988DA2E97BE4}" type="presOf" srcId="{79737DD1-36F9-4B7C-8DDC-760617763CAF}" destId="{1DB075BF-3350-4573-BE53-A03AE642500E}" srcOrd="0" destOrd="0" presId="urn:microsoft.com/office/officeart/2005/8/layout/hierarchy1"/>
+    <dgm:cxn modelId="{83063966-CC71-4BEA-B7E3-D738770B38BE}" srcId="{0450AEB8-E918-4C12-9DF4-905E134C96CF}" destId="{40C3799C-18AB-49EE-9327-BC4703996447}" srcOrd="0" destOrd="0" parTransId="{43FA7832-42FB-456C-A4B6-DC8C0DE4545A}" sibTransId="{403D4DAD-1B1A-4BE8-B454-B23F5E2E11EA}"/>
+    <dgm:cxn modelId="{436F1A38-38D2-49E0-A139-AD8A925F61B3}" type="presOf" srcId="{F0D6B39A-6B9F-42E6-88B3-DB885B0B332B}" destId="{C7624AA6-63CB-4365-8499-31E42CF42A7F}" srcOrd="0" destOrd="0" presId="urn:microsoft.com/office/officeart/2005/8/layout/hierarchy1"/>
+    <dgm:cxn modelId="{26981175-9454-4E2D-AB79-35FD038B461A}" srcId="{40C3799C-18AB-49EE-9327-BC4703996447}" destId="{1D2564A2-477F-48C0-B80F-3DBE5AF446AA}" srcOrd="0" destOrd="0" parTransId="{0C127789-B07C-471C-A6AE-FB81C0352520}" sibTransId="{7BFF6320-B4E9-4F76-9283-488FA1958819}"/>
+    <dgm:cxn modelId="{A2B26C3D-8B5C-44D9-A898-07E8A4502F18}" type="presOf" srcId="{58CF4D96-5BF7-450E-99B1-629BA2C5BEB1}" destId="{32731FE1-9F8B-49DA-BE69-6AD3D643088C}" srcOrd="0" destOrd="0" presId="urn:microsoft.com/office/officeart/2005/8/layout/hierarchy1"/>
+    <dgm:cxn modelId="{3151AFA1-40C1-4FDC-A535-75F2F3E74113}" srcId="{0450AEB8-E918-4C12-9DF4-905E134C96CF}" destId="{8CDFAFE1-45F0-481D-B922-648EEB526658}" srcOrd="1" destOrd="0" parTransId="{676F7774-DD02-4A8A-86EE-B4FCC12BEAB9}" sibTransId="{283512A4-4DA5-4108-B9B9-ADD593566EEE}"/>
+    <dgm:cxn modelId="{CD3A603E-2962-4EB3-A715-F33E9033E477}" srcId="{40C3799C-18AB-49EE-9327-BC4703996447}" destId="{BA229817-54D1-4A12-9454-EB63E09B0ED7}" srcOrd="1" destOrd="0" parTransId="{58CF4D96-5BF7-450E-99B1-629BA2C5BEB1}" sibTransId="{CBAB88BC-98AD-4866-8E38-408C5E5C24C0}"/>
+    <dgm:cxn modelId="{4B4818A7-B98B-4445-9D82-1F80A97319D4}" type="presOf" srcId="{8CDFAFE1-45F0-481D-B922-648EEB526658}" destId="{93303FC2-0717-4E94-B5DB-02EA3A55E9BA}" srcOrd="0" destOrd="0" presId="urn:microsoft.com/office/officeart/2005/8/layout/hierarchy1"/>
+    <dgm:cxn modelId="{53A7AFF6-AA6B-4F55-95E4-CBC95DC6EAE4}" type="presOf" srcId="{43FA7832-42FB-456C-A4B6-DC8C0DE4545A}" destId="{9D1A0FF0-401E-4C3F-9D86-AF6E042DBECE}" srcOrd="0" destOrd="0" presId="urn:microsoft.com/office/officeart/2005/8/layout/hierarchy1"/>
+    <dgm:cxn modelId="{B73A58E7-C98C-484D-8219-14050F54AC87}" srcId="{8CDFAFE1-45F0-481D-B922-648EEB526658}" destId="{0C1A14E5-69D7-4588-A212-87A49DE49640}" srcOrd="0" destOrd="0" parTransId="{4ABA78DE-C6AA-48AF-930E-2CA12D1E84EA}" sibTransId="{6AAF4451-95E8-4883-AA95-E2E0091BD410}"/>
+    <dgm:cxn modelId="{0D09C34E-671C-4293-AE6B-85A7548A5111}" type="presOf" srcId="{40C3799C-18AB-49EE-9327-BC4703996447}" destId="{616CAD54-6DF4-4219-80F3-6DC0DBA2152F}" srcOrd="0" destOrd="0" presId="urn:microsoft.com/office/officeart/2005/8/layout/hierarchy1"/>
+    <dgm:cxn modelId="{4618CF3B-B918-44FE-B224-157C43C862D3}" type="presOf" srcId="{676F7774-DD02-4A8A-86EE-B4FCC12BEAB9}" destId="{6A7B7406-AA29-417F-A018-4D47D2D3CA89}" srcOrd="0" destOrd="0" presId="urn:microsoft.com/office/officeart/2005/8/layout/hierarchy1"/>
+    <dgm:cxn modelId="{7276A1A4-B4F6-4B05-82F3-6B4E2C18BACA}" srcId="{79737DD1-36F9-4B7C-8DDC-760617763CAF}" destId="{0450AEB8-E918-4C12-9DF4-905E134C96CF}" srcOrd="0" destOrd="0" parTransId="{03DDBB74-081D-42D3-961E-0F3F05746A72}" sibTransId="{D06ECDE2-C80C-4C87-9540-A7C44A8F8036}"/>
+    <dgm:cxn modelId="{05761AB3-8058-47FE-B3D4-BE7B355E7D98}" srcId="{8CDFAFE1-45F0-481D-B922-648EEB526658}" destId="{0991308C-6BA1-436A-B1C8-61467F7AAA79}" srcOrd="1" destOrd="0" parTransId="{F0D6B39A-6B9F-42E6-88B3-DB885B0B332B}" sibTransId="{5E65E8B8-0F3D-4B08-9897-BB0149DAFD01}"/>
+    <dgm:cxn modelId="{361E7E54-75C6-436A-8232-1C6D31F5F1FC}" type="presOf" srcId="{1D2564A2-477F-48C0-B80F-3DBE5AF446AA}" destId="{F8962D80-7E02-4E86-845E-BAC5718E8787}" srcOrd="0" destOrd="0" presId="urn:microsoft.com/office/officeart/2005/8/layout/hierarchy1"/>
+    <dgm:cxn modelId="{AC2A82AC-8BAB-4C9E-BC26-7BA60E72059A}" type="presOf" srcId="{0450AEB8-E918-4C12-9DF4-905E134C96CF}" destId="{963A86C0-CE31-41A8-B69F-C009B491B3D0}" srcOrd="0" destOrd="0" presId="urn:microsoft.com/office/officeart/2005/8/layout/hierarchy1"/>
+    <dgm:cxn modelId="{2BE7704F-12C7-45D4-B7F0-DDF3C6FE58AD}" type="presOf" srcId="{0991308C-6BA1-436A-B1C8-61467F7AAA79}" destId="{019AD092-BD45-47F8-A5EC-2EDE2C2E6CD2}" srcOrd="0" destOrd="0" presId="urn:microsoft.com/office/officeart/2005/8/layout/hierarchy1"/>
+    <dgm:cxn modelId="{45ED3834-E251-4E78-98D5-E4024E04C91D}" type="presOf" srcId="{4ABA78DE-C6AA-48AF-930E-2CA12D1E84EA}" destId="{C5D99B17-4F83-48C7-9E03-819BE7ADB2DE}" srcOrd="0" destOrd="0" presId="urn:microsoft.com/office/officeart/2005/8/layout/hierarchy1"/>
+    <dgm:cxn modelId="{E8F69A92-B27B-4C90-9B9C-13D5877C3193}" type="presOf" srcId="{0C127789-B07C-471C-A6AE-FB81C0352520}" destId="{A447644D-FE16-4E11-8AC2-6E4F7F454869}" srcOrd="0" destOrd="0" presId="urn:microsoft.com/office/officeart/2005/8/layout/hierarchy1"/>
+    <dgm:cxn modelId="{4F31DBF8-780E-403E-A2B3-756D185F2706}" type="presParOf" srcId="{1DB075BF-3350-4573-BE53-A03AE642500E}" destId="{1AD35AFB-5434-4031-B522-1F58C3BF80CC}" srcOrd="0" destOrd="0" presId="urn:microsoft.com/office/officeart/2005/8/layout/hierarchy1"/>
+    <dgm:cxn modelId="{C28E6573-31D2-48AD-84F8-36321B46C231}" type="presParOf" srcId="{1AD35AFB-5434-4031-B522-1F58C3BF80CC}" destId="{019B0EAA-3630-4BE9-8CA5-BAE102B2752C}" srcOrd="0" destOrd="0" presId="urn:microsoft.com/office/officeart/2005/8/layout/hierarchy1"/>
+    <dgm:cxn modelId="{5458CE57-D9C0-4019-BE2A-9DBBC8194B1C}" type="presParOf" srcId="{019B0EAA-3630-4BE9-8CA5-BAE102B2752C}" destId="{1D437AAB-E957-409E-956D-C428237AD8A6}" srcOrd="0" destOrd="0" presId="urn:microsoft.com/office/officeart/2005/8/layout/hierarchy1"/>
+    <dgm:cxn modelId="{1551BB5E-75B6-46B5-AE60-33D0381C9D41}" type="presParOf" srcId="{019B0EAA-3630-4BE9-8CA5-BAE102B2752C}" destId="{963A86C0-CE31-41A8-B69F-C009B491B3D0}" srcOrd="1" destOrd="0" presId="urn:microsoft.com/office/officeart/2005/8/layout/hierarchy1"/>
+    <dgm:cxn modelId="{B7A9EE74-23D2-4FDF-B8D4-2C21D0EA5464}" type="presParOf" srcId="{1AD35AFB-5434-4031-B522-1F58C3BF80CC}" destId="{579A0054-A724-4055-9E37-E5BB9D25D584}" srcOrd="1" destOrd="0" presId="urn:microsoft.com/office/officeart/2005/8/layout/hierarchy1"/>
+    <dgm:cxn modelId="{E981B2DB-94C2-4E4E-8976-D4B6B7BFFF0A}" type="presParOf" srcId="{579A0054-A724-4055-9E37-E5BB9D25D584}" destId="{9D1A0FF0-401E-4C3F-9D86-AF6E042DBECE}" srcOrd="0" destOrd="0" presId="urn:microsoft.com/office/officeart/2005/8/layout/hierarchy1"/>
+    <dgm:cxn modelId="{41D0979E-A0E9-485C-ADA9-01897D1EF07E}" type="presParOf" srcId="{579A0054-A724-4055-9E37-E5BB9D25D584}" destId="{3173C362-3A94-4ED2-BFF3-1609E1EA101C}" srcOrd="1" destOrd="0" presId="urn:microsoft.com/office/officeart/2005/8/layout/hierarchy1"/>
+    <dgm:cxn modelId="{B1503FB9-B290-4814-86B4-F22B59DF1753}" type="presParOf" srcId="{3173C362-3A94-4ED2-BFF3-1609E1EA101C}" destId="{02089530-EBE2-43F8-B46F-3C24C2D04831}" srcOrd="0" destOrd="0" presId="urn:microsoft.com/office/officeart/2005/8/layout/hierarchy1"/>
+    <dgm:cxn modelId="{D91FB5AE-6766-4541-8AFD-8FEEBE88CC28}" type="presParOf" srcId="{02089530-EBE2-43F8-B46F-3C24C2D04831}" destId="{7EE7D37D-3280-429A-875D-4C6A1822C95E}" srcOrd="0" destOrd="0" presId="urn:microsoft.com/office/officeart/2005/8/layout/hierarchy1"/>
+    <dgm:cxn modelId="{2CDD04D7-294D-4559-BD17-5AE6152937F1}" type="presParOf" srcId="{02089530-EBE2-43F8-B46F-3C24C2D04831}" destId="{616CAD54-6DF4-4219-80F3-6DC0DBA2152F}" srcOrd="1" destOrd="0" presId="urn:microsoft.com/office/officeart/2005/8/layout/hierarchy1"/>
+    <dgm:cxn modelId="{E12F99FF-553D-4C33-A515-C2B36D6E3CFC}" type="presParOf" srcId="{3173C362-3A94-4ED2-BFF3-1609E1EA101C}" destId="{56071A01-FA85-4B7D-8823-B83785E2B91F}" srcOrd="1" destOrd="0" presId="urn:microsoft.com/office/officeart/2005/8/layout/hierarchy1"/>
+    <dgm:cxn modelId="{5C0FE2CA-619A-4431-9BB1-76E8C686EFE9}" type="presParOf" srcId="{56071A01-FA85-4B7D-8823-B83785E2B91F}" destId="{A447644D-FE16-4E11-8AC2-6E4F7F454869}" srcOrd="0" destOrd="0" presId="urn:microsoft.com/office/officeart/2005/8/layout/hierarchy1"/>
+    <dgm:cxn modelId="{FE2C932A-1828-49DD-822C-BD5EB8259827}" type="presParOf" srcId="{56071A01-FA85-4B7D-8823-B83785E2B91F}" destId="{2DD90DA8-45FD-4940-BF4E-288DDCCF2298}" srcOrd="1" destOrd="0" presId="urn:microsoft.com/office/officeart/2005/8/layout/hierarchy1"/>
+    <dgm:cxn modelId="{D8C5C1CF-164A-472F-98A3-B644B21DE625}" type="presParOf" srcId="{2DD90DA8-45FD-4940-BF4E-288DDCCF2298}" destId="{A163DF50-B564-4408-9A07-B1477BADEBBE}" srcOrd="0" destOrd="0" presId="urn:microsoft.com/office/officeart/2005/8/layout/hierarchy1"/>
+    <dgm:cxn modelId="{8EBFD8D0-5F3E-408B-AD0E-5DB6D8CCA910}" type="presParOf" srcId="{A163DF50-B564-4408-9A07-B1477BADEBBE}" destId="{612289E0-E3B3-44BE-A4D4-17A6AC9A2777}" srcOrd="0" destOrd="0" presId="urn:microsoft.com/office/officeart/2005/8/layout/hierarchy1"/>
+    <dgm:cxn modelId="{2AAF6B78-C4D4-4927-A80B-CEBBD0F80478}" type="presParOf" srcId="{A163DF50-B564-4408-9A07-B1477BADEBBE}" destId="{F8962D80-7E02-4E86-845E-BAC5718E8787}" srcOrd="1" destOrd="0" presId="urn:microsoft.com/office/officeart/2005/8/layout/hierarchy1"/>
+    <dgm:cxn modelId="{3C07F55F-F834-4BE8-AFFE-A61208D71BEB}" type="presParOf" srcId="{2DD90DA8-45FD-4940-BF4E-288DDCCF2298}" destId="{8AA36900-6960-4FD4-BEE2-26D15125ED97}" srcOrd="1" destOrd="0" presId="urn:microsoft.com/office/officeart/2005/8/layout/hierarchy1"/>
+    <dgm:cxn modelId="{FB8C03C0-8771-4337-81D4-1DF867A0B9E0}" type="presParOf" srcId="{56071A01-FA85-4B7D-8823-B83785E2B91F}" destId="{32731FE1-9F8B-49DA-BE69-6AD3D643088C}" srcOrd="2" destOrd="0" presId="urn:microsoft.com/office/officeart/2005/8/layout/hierarchy1"/>
+    <dgm:cxn modelId="{799A61AC-13BB-4C26-B7F6-35CFC612B993}" type="presParOf" srcId="{56071A01-FA85-4B7D-8823-B83785E2B91F}" destId="{5CD8D053-5ADB-4F9A-82C2-A9863E2D9840}" srcOrd="3" destOrd="0" presId="urn:microsoft.com/office/officeart/2005/8/layout/hierarchy1"/>
+    <dgm:cxn modelId="{E671E5C6-15A7-4AE9-BAB1-89DA25170E88}" type="presParOf" srcId="{5CD8D053-5ADB-4F9A-82C2-A9863E2D9840}" destId="{CF3AC93C-1F87-497E-B185-47AA5CD3BD01}" srcOrd="0" destOrd="0" presId="urn:microsoft.com/office/officeart/2005/8/layout/hierarchy1"/>
+    <dgm:cxn modelId="{15275855-0369-4791-BA6A-383204AB3541}" type="presParOf" srcId="{CF3AC93C-1F87-497E-B185-47AA5CD3BD01}" destId="{54BA5735-01FF-40DA-89AE-5773919D670F}" srcOrd="0" destOrd="0" presId="urn:microsoft.com/office/officeart/2005/8/layout/hierarchy1"/>
+    <dgm:cxn modelId="{1FE6DABE-C5DC-4390-A7AC-60B091042B5F}" type="presParOf" srcId="{CF3AC93C-1F87-497E-B185-47AA5CD3BD01}" destId="{0A84F2BE-DFF8-4A96-9B2D-323A215CE7EE}" srcOrd="1" destOrd="0" presId="urn:microsoft.com/office/officeart/2005/8/layout/hierarchy1"/>
+    <dgm:cxn modelId="{1FCB85F5-8314-4A85-99B1-205BDBECB99F}" type="presParOf" srcId="{5CD8D053-5ADB-4F9A-82C2-A9863E2D9840}" destId="{C700B8F6-7923-4AEB-BE67-28295D46E99B}" srcOrd="1" destOrd="0" presId="urn:microsoft.com/office/officeart/2005/8/layout/hierarchy1"/>
+    <dgm:cxn modelId="{7EF31148-F77F-47F7-9E47-1038C7628148}" type="presParOf" srcId="{579A0054-A724-4055-9E37-E5BB9D25D584}" destId="{6A7B7406-AA29-417F-A018-4D47D2D3CA89}" srcOrd="2" destOrd="0" presId="urn:microsoft.com/office/officeart/2005/8/layout/hierarchy1"/>
+    <dgm:cxn modelId="{8D13AA84-AA0D-45CC-8F4F-1E72568C0DFD}" type="presParOf" srcId="{579A0054-A724-4055-9E37-E5BB9D25D584}" destId="{A858E2B8-610E-401A-9DCD-7FE035FF7AAB}" srcOrd="3" destOrd="0" presId="urn:microsoft.com/office/officeart/2005/8/layout/hierarchy1"/>
+    <dgm:cxn modelId="{2123BB9F-A501-4A26-ADA3-809F03253175}" type="presParOf" srcId="{A858E2B8-610E-401A-9DCD-7FE035FF7AAB}" destId="{2F50E199-3D28-4A87-A385-4D69318E2EA9}" srcOrd="0" destOrd="0" presId="urn:microsoft.com/office/officeart/2005/8/layout/hierarchy1"/>
+    <dgm:cxn modelId="{1916B2A3-F4FC-4B5B-938C-B5B4B14057A1}" type="presParOf" srcId="{2F50E199-3D28-4A87-A385-4D69318E2EA9}" destId="{3229C652-58C2-4637-A44D-FD1ECF710DA6}" srcOrd="0" destOrd="0" presId="urn:microsoft.com/office/officeart/2005/8/layout/hierarchy1"/>
+    <dgm:cxn modelId="{C86F4665-AD4E-4C81-8833-5EDB1748542E}" type="presParOf" srcId="{2F50E199-3D28-4A87-A385-4D69318E2EA9}" destId="{93303FC2-0717-4E94-B5DB-02EA3A55E9BA}" srcOrd="1" destOrd="0" presId="urn:microsoft.com/office/officeart/2005/8/layout/hierarchy1"/>
+    <dgm:cxn modelId="{622CD220-83D2-4EC6-9E36-24A0BC9717FE}" type="presParOf" srcId="{A858E2B8-610E-401A-9DCD-7FE035FF7AAB}" destId="{A7D9DE94-2976-47B5-B246-31A6E114D17A}" srcOrd="1" destOrd="0" presId="urn:microsoft.com/office/officeart/2005/8/layout/hierarchy1"/>
+    <dgm:cxn modelId="{07F77920-B710-4389-9CBE-44C20D2B293E}" type="presParOf" srcId="{A7D9DE94-2976-47B5-B246-31A6E114D17A}" destId="{C5D99B17-4F83-48C7-9E03-819BE7ADB2DE}" srcOrd="0" destOrd="0" presId="urn:microsoft.com/office/officeart/2005/8/layout/hierarchy1"/>
+    <dgm:cxn modelId="{85DE331F-9683-46DF-A647-190201791062}" type="presParOf" srcId="{A7D9DE94-2976-47B5-B246-31A6E114D17A}" destId="{7F08B7D2-5E9A-44B4-8B1B-A76182F95D1A}" srcOrd="1" destOrd="0" presId="urn:microsoft.com/office/officeart/2005/8/layout/hierarchy1"/>
+    <dgm:cxn modelId="{135BE870-D0CF-448E-89B2-9BF032323CFF}" type="presParOf" srcId="{7F08B7D2-5E9A-44B4-8B1B-A76182F95D1A}" destId="{A27A0B75-26F0-42CF-A293-EC811DF3E016}" srcOrd="0" destOrd="0" presId="urn:microsoft.com/office/officeart/2005/8/layout/hierarchy1"/>
+    <dgm:cxn modelId="{6ADEC9A1-D84B-446F-87B4-38910C9F1546}" type="presParOf" srcId="{A27A0B75-26F0-42CF-A293-EC811DF3E016}" destId="{CEBCD760-5569-42E8-802D-EF34C7AF786B}" srcOrd="0" destOrd="0" presId="urn:microsoft.com/office/officeart/2005/8/layout/hierarchy1"/>
+    <dgm:cxn modelId="{21AEC1C2-B5F0-45A7-AF6B-19BD0FA6FFDC}" type="presParOf" srcId="{A27A0B75-26F0-42CF-A293-EC811DF3E016}" destId="{F02B27BF-7883-4FDA-A0E3-542C10E51568}" srcOrd="1" destOrd="0" presId="urn:microsoft.com/office/officeart/2005/8/layout/hierarchy1"/>
+    <dgm:cxn modelId="{4726F151-28BB-46D4-BF56-74B6B8630002}" type="presParOf" srcId="{7F08B7D2-5E9A-44B4-8B1B-A76182F95D1A}" destId="{D95528E0-9BA1-45A5-8B22-909DEDDC2572}" srcOrd="1" destOrd="0" presId="urn:microsoft.com/office/officeart/2005/8/layout/hierarchy1"/>
+    <dgm:cxn modelId="{049C7503-1101-4078-A93E-B659FE2D098C}" type="presParOf" srcId="{A7D9DE94-2976-47B5-B246-31A6E114D17A}" destId="{C7624AA6-63CB-4365-8499-31E42CF42A7F}" srcOrd="2" destOrd="0" presId="urn:microsoft.com/office/officeart/2005/8/layout/hierarchy1"/>
+    <dgm:cxn modelId="{9AE53819-5EB9-4E0A-9399-608A9CE4847D}" type="presParOf" srcId="{A7D9DE94-2976-47B5-B246-31A6E114D17A}" destId="{A4D2F0E9-F9C0-4470-B121-97F3CEE6914F}" srcOrd="3" destOrd="0" presId="urn:microsoft.com/office/officeart/2005/8/layout/hierarchy1"/>
+    <dgm:cxn modelId="{9000222E-2E68-4B59-8DE5-7D6AAABBC1FD}" type="presParOf" srcId="{A4D2F0E9-F9C0-4470-B121-97F3CEE6914F}" destId="{CB7E71A8-30AE-4003-A5C4-174BAF3CE0D3}" srcOrd="0" destOrd="0" presId="urn:microsoft.com/office/officeart/2005/8/layout/hierarchy1"/>
+    <dgm:cxn modelId="{468A536C-61D2-4E97-B5F0-1CB98F21B3BA}" type="presParOf" srcId="{CB7E71A8-30AE-4003-A5C4-174BAF3CE0D3}" destId="{A738D372-E123-488F-823D-7CEAFFC69422}" srcOrd="0" destOrd="0" presId="urn:microsoft.com/office/officeart/2005/8/layout/hierarchy1"/>
+    <dgm:cxn modelId="{05748A41-6033-4654-A007-1F761D5DEB4A}" type="presParOf" srcId="{CB7E71A8-30AE-4003-A5C4-174BAF3CE0D3}" destId="{019AD092-BD45-47F8-A5EC-2EDE2C2E6CD2}" srcOrd="1" destOrd="0" presId="urn:microsoft.com/office/officeart/2005/8/layout/hierarchy1"/>
+    <dgm:cxn modelId="{085244EE-C8E3-48C6-80CB-69343E3C2F4B}" type="presParOf" srcId="{A4D2F0E9-F9C0-4470-B121-97F3CEE6914F}" destId="{CA94CE43-9AA5-4F82-A07E-FEF86A68B3B1}" srcOrd="1" destOrd="0" presId="urn:microsoft.com/office/officeart/2005/8/layout/hierarchy1"/>
   </dgm:cxnLst>
   <dgm:bg/>
   <dgm:whole/>
@@ -8944,6 +10413,1339 @@
 </dsp:drawing>
 </file>
 
+<file path=ppt/diagrams/drawing3.xml><?xml version="1.0" encoding="utf-8"?>
+<dsp:drawing xmlns:dgm="http://schemas.openxmlformats.org/drawingml/2006/diagram" xmlns:dsp="http://schemas.microsoft.com/office/drawing/2008/diagram" xmlns:a="http://schemas.openxmlformats.org/drawingml/2006/main">
+  <dsp:spTree>
+    <dsp:nvGrpSpPr>
+      <dsp:cNvPr id="0" name=""/>
+      <dsp:cNvGrpSpPr/>
+    </dsp:nvGrpSpPr>
+    <dsp:grpSpPr/>
+    <dsp:sp modelId="{C7624AA6-63CB-4365-8499-31E42CF42A7F}">
+      <dsp:nvSpPr>
+        <dsp:cNvPr id="0" name=""/>
+        <dsp:cNvSpPr/>
+      </dsp:nvSpPr>
+      <dsp:spPr>
+        <a:xfrm>
+          <a:off x="3875053" y="1902952"/>
+          <a:ext cx="665762" cy="316842"/>
+        </a:xfrm>
+        <a:custGeom>
+          <a:avLst/>
+          <a:gdLst/>
+          <a:ahLst/>
+          <a:cxnLst/>
+          <a:rect l="0" t="0" r="0" b="0"/>
+          <a:pathLst>
+            <a:path>
+              <a:moveTo>
+                <a:pt x="0" y="0"/>
+              </a:moveTo>
+              <a:lnTo>
+                <a:pt x="0" y="215918"/>
+              </a:lnTo>
+              <a:lnTo>
+                <a:pt x="665762" y="215918"/>
+              </a:lnTo>
+              <a:lnTo>
+                <a:pt x="665762" y="316842"/>
+              </a:lnTo>
+            </a:path>
+          </a:pathLst>
+        </a:custGeom>
+        <a:noFill/>
+        <a:ln w="25400" cap="flat" cmpd="sng" algn="ctr">
+          <a:solidFill>
+            <a:schemeClr val="accent1">
+              <a:shade val="80000"/>
+              <a:hueOff val="0"/>
+              <a:satOff val="0"/>
+              <a:lumOff val="0"/>
+              <a:alphaOff val="0"/>
+            </a:schemeClr>
+          </a:solidFill>
+          <a:prstDash val="solid"/>
+        </a:ln>
+        <a:effectLst/>
+      </dsp:spPr>
+      <dsp:style>
+        <a:lnRef idx="2">
+          <a:scrgbClr r="0" g="0" b="0"/>
+        </a:lnRef>
+        <a:fillRef idx="0">
+          <a:scrgbClr r="0" g="0" b="0"/>
+        </a:fillRef>
+        <a:effectRef idx="0">
+          <a:scrgbClr r="0" g="0" b="0"/>
+        </a:effectRef>
+        <a:fontRef idx="minor"/>
+      </dsp:style>
+    </dsp:sp>
+    <dsp:sp modelId="{C5D99B17-4F83-48C7-9E03-819BE7ADB2DE}">
+      <dsp:nvSpPr>
+        <dsp:cNvPr id="0" name=""/>
+        <dsp:cNvSpPr/>
+      </dsp:nvSpPr>
+      <dsp:spPr>
+        <a:xfrm>
+          <a:off x="3209291" y="1902952"/>
+          <a:ext cx="665762" cy="316842"/>
+        </a:xfrm>
+        <a:custGeom>
+          <a:avLst/>
+          <a:gdLst/>
+          <a:ahLst/>
+          <a:cxnLst/>
+          <a:rect l="0" t="0" r="0" b="0"/>
+          <a:pathLst>
+            <a:path>
+              <a:moveTo>
+                <a:pt x="665762" y="0"/>
+              </a:moveTo>
+              <a:lnTo>
+                <a:pt x="665762" y="215918"/>
+              </a:lnTo>
+              <a:lnTo>
+                <a:pt x="0" y="215918"/>
+              </a:lnTo>
+              <a:lnTo>
+                <a:pt x="0" y="316842"/>
+              </a:lnTo>
+            </a:path>
+          </a:pathLst>
+        </a:custGeom>
+        <a:noFill/>
+        <a:ln w="25400" cap="flat" cmpd="sng" algn="ctr">
+          <a:solidFill>
+            <a:schemeClr val="accent1">
+              <a:shade val="80000"/>
+              <a:hueOff val="0"/>
+              <a:satOff val="0"/>
+              <a:lumOff val="0"/>
+              <a:alphaOff val="0"/>
+            </a:schemeClr>
+          </a:solidFill>
+          <a:prstDash val="solid"/>
+        </a:ln>
+        <a:effectLst/>
+      </dsp:spPr>
+      <dsp:style>
+        <a:lnRef idx="2">
+          <a:scrgbClr r="0" g="0" b="0"/>
+        </a:lnRef>
+        <a:fillRef idx="0">
+          <a:scrgbClr r="0" g="0" b="0"/>
+        </a:fillRef>
+        <a:effectRef idx="0">
+          <a:scrgbClr r="0" g="0" b="0"/>
+        </a:effectRef>
+        <a:fontRef idx="minor"/>
+      </dsp:style>
+    </dsp:sp>
+    <dsp:sp modelId="{6A7B7406-AA29-417F-A018-4D47D2D3CA89}">
+      <dsp:nvSpPr>
+        <dsp:cNvPr id="0" name=""/>
+        <dsp:cNvSpPr/>
+      </dsp:nvSpPr>
+      <dsp:spPr>
+        <a:xfrm>
+          <a:off x="2543528" y="894321"/>
+          <a:ext cx="1331525" cy="316842"/>
+        </a:xfrm>
+        <a:custGeom>
+          <a:avLst/>
+          <a:gdLst/>
+          <a:ahLst/>
+          <a:cxnLst/>
+          <a:rect l="0" t="0" r="0" b="0"/>
+          <a:pathLst>
+            <a:path>
+              <a:moveTo>
+                <a:pt x="0" y="0"/>
+              </a:moveTo>
+              <a:lnTo>
+                <a:pt x="0" y="215918"/>
+              </a:lnTo>
+              <a:lnTo>
+                <a:pt x="1331525" y="215918"/>
+              </a:lnTo>
+              <a:lnTo>
+                <a:pt x="1331525" y="316842"/>
+              </a:lnTo>
+            </a:path>
+          </a:pathLst>
+        </a:custGeom>
+        <a:noFill/>
+        <a:ln w="25400" cap="flat" cmpd="sng" algn="ctr">
+          <a:solidFill>
+            <a:schemeClr val="accent1">
+              <a:shade val="60000"/>
+              <a:hueOff val="0"/>
+              <a:satOff val="0"/>
+              <a:lumOff val="0"/>
+              <a:alphaOff val="0"/>
+            </a:schemeClr>
+          </a:solidFill>
+          <a:prstDash val="solid"/>
+        </a:ln>
+        <a:effectLst/>
+      </dsp:spPr>
+      <dsp:style>
+        <a:lnRef idx="2">
+          <a:scrgbClr r="0" g="0" b="0"/>
+        </a:lnRef>
+        <a:fillRef idx="0">
+          <a:scrgbClr r="0" g="0" b="0"/>
+        </a:fillRef>
+        <a:effectRef idx="0">
+          <a:scrgbClr r="0" g="0" b="0"/>
+        </a:effectRef>
+        <a:fontRef idx="minor"/>
+      </dsp:style>
+    </dsp:sp>
+    <dsp:sp modelId="{32731FE1-9F8B-49DA-BE69-6AD3D643088C}">
+      <dsp:nvSpPr>
+        <dsp:cNvPr id="0" name=""/>
+        <dsp:cNvSpPr/>
+      </dsp:nvSpPr>
+      <dsp:spPr>
+        <a:xfrm>
+          <a:off x="1212003" y="1902952"/>
+          <a:ext cx="665762" cy="316842"/>
+        </a:xfrm>
+        <a:custGeom>
+          <a:avLst/>
+          <a:gdLst/>
+          <a:ahLst/>
+          <a:cxnLst/>
+          <a:rect l="0" t="0" r="0" b="0"/>
+          <a:pathLst>
+            <a:path>
+              <a:moveTo>
+                <a:pt x="0" y="0"/>
+              </a:moveTo>
+              <a:lnTo>
+                <a:pt x="0" y="215918"/>
+              </a:lnTo>
+              <a:lnTo>
+                <a:pt x="665762" y="215918"/>
+              </a:lnTo>
+              <a:lnTo>
+                <a:pt x="665762" y="316842"/>
+              </a:lnTo>
+            </a:path>
+          </a:pathLst>
+        </a:custGeom>
+        <a:noFill/>
+        <a:ln w="25400" cap="flat" cmpd="sng" algn="ctr">
+          <a:solidFill>
+            <a:schemeClr val="accent1">
+              <a:shade val="80000"/>
+              <a:hueOff val="0"/>
+              <a:satOff val="0"/>
+              <a:lumOff val="0"/>
+              <a:alphaOff val="0"/>
+            </a:schemeClr>
+          </a:solidFill>
+          <a:prstDash val="solid"/>
+        </a:ln>
+        <a:effectLst/>
+      </dsp:spPr>
+      <dsp:style>
+        <a:lnRef idx="2">
+          <a:scrgbClr r="0" g="0" b="0"/>
+        </a:lnRef>
+        <a:fillRef idx="0">
+          <a:scrgbClr r="0" g="0" b="0"/>
+        </a:fillRef>
+        <a:effectRef idx="0">
+          <a:scrgbClr r="0" g="0" b="0"/>
+        </a:effectRef>
+        <a:fontRef idx="minor"/>
+      </dsp:style>
+    </dsp:sp>
+    <dsp:sp modelId="{A447644D-FE16-4E11-8AC2-6E4F7F454869}">
+      <dsp:nvSpPr>
+        <dsp:cNvPr id="0" name=""/>
+        <dsp:cNvSpPr/>
+      </dsp:nvSpPr>
+      <dsp:spPr>
+        <a:xfrm>
+          <a:off x="546240" y="1902952"/>
+          <a:ext cx="665762" cy="316842"/>
+        </a:xfrm>
+        <a:custGeom>
+          <a:avLst/>
+          <a:gdLst/>
+          <a:ahLst/>
+          <a:cxnLst/>
+          <a:rect l="0" t="0" r="0" b="0"/>
+          <a:pathLst>
+            <a:path>
+              <a:moveTo>
+                <a:pt x="665762" y="0"/>
+              </a:moveTo>
+              <a:lnTo>
+                <a:pt x="665762" y="215918"/>
+              </a:lnTo>
+              <a:lnTo>
+                <a:pt x="0" y="215918"/>
+              </a:lnTo>
+              <a:lnTo>
+                <a:pt x="0" y="316842"/>
+              </a:lnTo>
+            </a:path>
+          </a:pathLst>
+        </a:custGeom>
+        <a:noFill/>
+        <a:ln w="25400" cap="flat" cmpd="sng" algn="ctr">
+          <a:solidFill>
+            <a:schemeClr val="accent1">
+              <a:shade val="80000"/>
+              <a:hueOff val="0"/>
+              <a:satOff val="0"/>
+              <a:lumOff val="0"/>
+              <a:alphaOff val="0"/>
+            </a:schemeClr>
+          </a:solidFill>
+          <a:prstDash val="solid"/>
+        </a:ln>
+        <a:effectLst/>
+      </dsp:spPr>
+      <dsp:style>
+        <a:lnRef idx="2">
+          <a:scrgbClr r="0" g="0" b="0"/>
+        </a:lnRef>
+        <a:fillRef idx="0">
+          <a:scrgbClr r="0" g="0" b="0"/>
+        </a:fillRef>
+        <a:effectRef idx="0">
+          <a:scrgbClr r="0" g="0" b="0"/>
+        </a:effectRef>
+        <a:fontRef idx="minor"/>
+      </dsp:style>
+    </dsp:sp>
+    <dsp:sp modelId="{9D1A0FF0-401E-4C3F-9D86-AF6E042DBECE}">
+      <dsp:nvSpPr>
+        <dsp:cNvPr id="0" name=""/>
+        <dsp:cNvSpPr/>
+      </dsp:nvSpPr>
+      <dsp:spPr>
+        <a:xfrm>
+          <a:off x="1212003" y="894321"/>
+          <a:ext cx="1331525" cy="316842"/>
+        </a:xfrm>
+        <a:custGeom>
+          <a:avLst/>
+          <a:gdLst/>
+          <a:ahLst/>
+          <a:cxnLst/>
+          <a:rect l="0" t="0" r="0" b="0"/>
+          <a:pathLst>
+            <a:path>
+              <a:moveTo>
+                <a:pt x="1331525" y="0"/>
+              </a:moveTo>
+              <a:lnTo>
+                <a:pt x="1331525" y="215918"/>
+              </a:lnTo>
+              <a:lnTo>
+                <a:pt x="0" y="215918"/>
+              </a:lnTo>
+              <a:lnTo>
+                <a:pt x="0" y="316842"/>
+              </a:lnTo>
+            </a:path>
+          </a:pathLst>
+        </a:custGeom>
+        <a:noFill/>
+        <a:ln w="25400" cap="flat" cmpd="sng" algn="ctr">
+          <a:solidFill>
+            <a:schemeClr val="accent1">
+              <a:shade val="60000"/>
+              <a:hueOff val="0"/>
+              <a:satOff val="0"/>
+              <a:lumOff val="0"/>
+              <a:alphaOff val="0"/>
+            </a:schemeClr>
+          </a:solidFill>
+          <a:prstDash val="solid"/>
+        </a:ln>
+        <a:effectLst/>
+      </dsp:spPr>
+      <dsp:style>
+        <a:lnRef idx="2">
+          <a:scrgbClr r="0" g="0" b="0"/>
+        </a:lnRef>
+        <a:fillRef idx="0">
+          <a:scrgbClr r="0" g="0" b="0"/>
+        </a:fillRef>
+        <a:effectRef idx="0">
+          <a:scrgbClr r="0" g="0" b="0"/>
+        </a:effectRef>
+        <a:fontRef idx="minor"/>
+      </dsp:style>
+    </dsp:sp>
+    <dsp:sp modelId="{1D437AAB-E957-409E-956D-C428237AD8A6}">
+      <dsp:nvSpPr>
+        <dsp:cNvPr id="0" name=""/>
+        <dsp:cNvSpPr/>
+      </dsp:nvSpPr>
+      <dsp:spPr>
+        <a:xfrm>
+          <a:off x="1998813" y="202533"/>
+          <a:ext cx="1089429" cy="691787"/>
+        </a:xfrm>
+        <a:prstGeom prst="roundRect">
+          <a:avLst>
+            <a:gd name="adj" fmla="val 10000"/>
+          </a:avLst>
+        </a:prstGeom>
+        <a:solidFill>
+          <a:schemeClr val="accent1">
+            <a:hueOff val="0"/>
+            <a:satOff val="0"/>
+            <a:lumOff val="0"/>
+            <a:alphaOff val="0"/>
+          </a:schemeClr>
+        </a:solidFill>
+        <a:ln w="25400" cap="flat" cmpd="sng" algn="ctr">
+          <a:solidFill>
+            <a:schemeClr val="lt1">
+              <a:hueOff val="0"/>
+              <a:satOff val="0"/>
+              <a:lumOff val="0"/>
+              <a:alphaOff val="0"/>
+            </a:schemeClr>
+          </a:solidFill>
+          <a:prstDash val="solid"/>
+        </a:ln>
+        <a:effectLst/>
+      </dsp:spPr>
+      <dsp:style>
+        <a:lnRef idx="2">
+          <a:scrgbClr r="0" g="0" b="0"/>
+        </a:lnRef>
+        <a:fillRef idx="1">
+          <a:scrgbClr r="0" g="0" b="0"/>
+        </a:fillRef>
+        <a:effectRef idx="0">
+          <a:scrgbClr r="0" g="0" b="0"/>
+        </a:effectRef>
+        <a:fontRef idx="minor">
+          <a:schemeClr val="lt1"/>
+        </a:fontRef>
+      </dsp:style>
+    </dsp:sp>
+    <dsp:sp modelId="{963A86C0-CE31-41A8-B69F-C009B491B3D0}">
+      <dsp:nvSpPr>
+        <dsp:cNvPr id="0" name=""/>
+        <dsp:cNvSpPr/>
+      </dsp:nvSpPr>
+      <dsp:spPr>
+        <a:xfrm>
+          <a:off x="2119861" y="317529"/>
+          <a:ext cx="1089429" cy="691787"/>
+        </a:xfrm>
+        <a:prstGeom prst="roundRect">
+          <a:avLst>
+            <a:gd name="adj" fmla="val 10000"/>
+          </a:avLst>
+        </a:prstGeom>
+        <a:solidFill>
+          <a:schemeClr val="lt1">
+            <a:alpha val="90000"/>
+            <a:hueOff val="0"/>
+            <a:satOff val="0"/>
+            <a:lumOff val="0"/>
+            <a:alphaOff val="0"/>
+          </a:schemeClr>
+        </a:solidFill>
+        <a:ln w="25400" cap="flat" cmpd="sng" algn="ctr">
+          <a:solidFill>
+            <a:schemeClr val="accent1">
+              <a:hueOff val="0"/>
+              <a:satOff val="0"/>
+              <a:lumOff val="0"/>
+              <a:alphaOff val="0"/>
+            </a:schemeClr>
+          </a:solidFill>
+          <a:prstDash val="solid"/>
+        </a:ln>
+        <a:effectLst/>
+      </dsp:spPr>
+      <dsp:style>
+        <a:lnRef idx="2">
+          <a:scrgbClr r="0" g="0" b="0"/>
+        </a:lnRef>
+        <a:fillRef idx="1">
+          <a:scrgbClr r="0" g="0" b="0"/>
+        </a:fillRef>
+        <a:effectRef idx="0">
+          <a:scrgbClr r="0" g="0" b="0"/>
+        </a:effectRef>
+        <a:fontRef idx="minor"/>
+      </dsp:style>
+      <dsp:txBody>
+        <a:bodyPr spcFirstLastPara="0" vert="horz" wrap="square" lIns="87630" tIns="87630" rIns="87630" bIns="87630" numCol="1" spcCol="1270" anchor="ctr" anchorCtr="0">
+          <a:noAutofit/>
+        </a:bodyPr>
+        <a:lstStyle/>
+        <a:p>
+          <a:pPr lvl="0" algn="ctr" defTabSz="1022350">
+            <a:lnSpc>
+              <a:spcPct val="90000"/>
+            </a:lnSpc>
+            <a:spcBef>
+              <a:spcPct val="0"/>
+            </a:spcBef>
+            <a:spcAft>
+              <a:spcPct val="35000"/>
+            </a:spcAft>
+          </a:pPr>
+          <a:r>
+            <a:rPr lang="en-US" altLang="zh-CN" sz="2300" kern="1200" dirty="0" err="1" smtClean="0"/>
+            <a:t>lcs</a:t>
+          </a:r>
+          <a:r>
+            <a:rPr lang="en-US" altLang="zh-CN" sz="2300" kern="1200" dirty="0" smtClean="0"/>
+            <a:t>(0,0)</a:t>
+          </a:r>
+          <a:endParaRPr lang="zh-CN" altLang="en-US" sz="2300" kern="1200" dirty="0"/>
+        </a:p>
+      </dsp:txBody>
+      <dsp:txXfrm>
+        <a:off x="2140123" y="337791"/>
+        <a:ext cx="1048905" cy="651263"/>
+      </dsp:txXfrm>
+    </dsp:sp>
+    <dsp:sp modelId="{7EE7D37D-3280-429A-875D-4C6A1822C95E}">
+      <dsp:nvSpPr>
+        <dsp:cNvPr id="0" name=""/>
+        <dsp:cNvSpPr/>
+      </dsp:nvSpPr>
+      <dsp:spPr>
+        <a:xfrm>
+          <a:off x="667288" y="1211164"/>
+          <a:ext cx="1089429" cy="691787"/>
+        </a:xfrm>
+        <a:prstGeom prst="roundRect">
+          <a:avLst>
+            <a:gd name="adj" fmla="val 10000"/>
+          </a:avLst>
+        </a:prstGeom>
+        <a:solidFill>
+          <a:schemeClr val="accent1">
+            <a:hueOff val="0"/>
+            <a:satOff val="0"/>
+            <a:lumOff val="0"/>
+            <a:alphaOff val="0"/>
+          </a:schemeClr>
+        </a:solidFill>
+        <a:ln w="25400" cap="flat" cmpd="sng" algn="ctr">
+          <a:solidFill>
+            <a:schemeClr val="lt1">
+              <a:hueOff val="0"/>
+              <a:satOff val="0"/>
+              <a:lumOff val="0"/>
+              <a:alphaOff val="0"/>
+            </a:schemeClr>
+          </a:solidFill>
+          <a:prstDash val="solid"/>
+        </a:ln>
+        <a:effectLst/>
+      </dsp:spPr>
+      <dsp:style>
+        <a:lnRef idx="2">
+          <a:scrgbClr r="0" g="0" b="0"/>
+        </a:lnRef>
+        <a:fillRef idx="1">
+          <a:scrgbClr r="0" g="0" b="0"/>
+        </a:fillRef>
+        <a:effectRef idx="0">
+          <a:scrgbClr r="0" g="0" b="0"/>
+        </a:effectRef>
+        <a:fontRef idx="minor">
+          <a:schemeClr val="lt1"/>
+        </a:fontRef>
+      </dsp:style>
+    </dsp:sp>
+    <dsp:sp modelId="{616CAD54-6DF4-4219-80F3-6DC0DBA2152F}">
+      <dsp:nvSpPr>
+        <dsp:cNvPr id="0" name=""/>
+        <dsp:cNvSpPr/>
+      </dsp:nvSpPr>
+      <dsp:spPr>
+        <a:xfrm>
+          <a:off x="788336" y="1326159"/>
+          <a:ext cx="1089429" cy="691787"/>
+        </a:xfrm>
+        <a:prstGeom prst="roundRect">
+          <a:avLst>
+            <a:gd name="adj" fmla="val 10000"/>
+          </a:avLst>
+        </a:prstGeom>
+        <a:solidFill>
+          <a:schemeClr val="lt1">
+            <a:alpha val="90000"/>
+            <a:hueOff val="0"/>
+            <a:satOff val="0"/>
+            <a:lumOff val="0"/>
+            <a:alphaOff val="0"/>
+          </a:schemeClr>
+        </a:solidFill>
+        <a:ln w="25400" cap="flat" cmpd="sng" algn="ctr">
+          <a:solidFill>
+            <a:schemeClr val="accent1">
+              <a:hueOff val="0"/>
+              <a:satOff val="0"/>
+              <a:lumOff val="0"/>
+              <a:alphaOff val="0"/>
+            </a:schemeClr>
+          </a:solidFill>
+          <a:prstDash val="solid"/>
+        </a:ln>
+        <a:effectLst/>
+      </dsp:spPr>
+      <dsp:style>
+        <a:lnRef idx="2">
+          <a:scrgbClr r="0" g="0" b="0"/>
+        </a:lnRef>
+        <a:fillRef idx="1">
+          <a:scrgbClr r="0" g="0" b="0"/>
+        </a:fillRef>
+        <a:effectRef idx="0">
+          <a:scrgbClr r="0" g="0" b="0"/>
+        </a:effectRef>
+        <a:fontRef idx="minor"/>
+      </dsp:style>
+      <dsp:txBody>
+        <a:bodyPr spcFirstLastPara="0" vert="horz" wrap="square" lIns="87630" tIns="87630" rIns="87630" bIns="87630" numCol="1" spcCol="1270" anchor="ctr" anchorCtr="0">
+          <a:noAutofit/>
+        </a:bodyPr>
+        <a:lstStyle/>
+        <a:p>
+          <a:pPr lvl="0" algn="ctr" defTabSz="1022350">
+            <a:lnSpc>
+              <a:spcPct val="90000"/>
+            </a:lnSpc>
+            <a:spcBef>
+              <a:spcPct val="0"/>
+            </a:spcBef>
+            <a:spcAft>
+              <a:spcPct val="35000"/>
+            </a:spcAft>
+          </a:pPr>
+          <a:r>
+            <a:rPr lang="en-US" altLang="zh-CN" sz="2300" kern="1200" dirty="0" err="1" smtClean="0"/>
+            <a:t>lcs</a:t>
+          </a:r>
+          <a:r>
+            <a:rPr lang="en-US" altLang="zh-CN" sz="2300" kern="1200" dirty="0" smtClean="0"/>
+            <a:t>(0,1)</a:t>
+          </a:r>
+          <a:endParaRPr lang="zh-CN" altLang="en-US" sz="2300" kern="1200" dirty="0"/>
+        </a:p>
+      </dsp:txBody>
+      <dsp:txXfrm>
+        <a:off x="808598" y="1346421"/>
+        <a:ext cx="1048905" cy="651263"/>
+      </dsp:txXfrm>
+    </dsp:sp>
+    <dsp:sp modelId="{612289E0-E3B3-44BE-A4D4-17A6AC9A2777}">
+      <dsp:nvSpPr>
+        <dsp:cNvPr id="0" name=""/>
+        <dsp:cNvSpPr/>
+      </dsp:nvSpPr>
+      <dsp:spPr>
+        <a:xfrm>
+          <a:off x="1525" y="2219794"/>
+          <a:ext cx="1089429" cy="691787"/>
+        </a:xfrm>
+        <a:prstGeom prst="roundRect">
+          <a:avLst>
+            <a:gd name="adj" fmla="val 10000"/>
+          </a:avLst>
+        </a:prstGeom>
+        <a:solidFill>
+          <a:schemeClr val="accent1">
+            <a:hueOff val="0"/>
+            <a:satOff val="0"/>
+            <a:lumOff val="0"/>
+            <a:alphaOff val="0"/>
+          </a:schemeClr>
+        </a:solidFill>
+        <a:ln w="25400" cap="flat" cmpd="sng" algn="ctr">
+          <a:solidFill>
+            <a:schemeClr val="lt1">
+              <a:hueOff val="0"/>
+              <a:satOff val="0"/>
+              <a:lumOff val="0"/>
+              <a:alphaOff val="0"/>
+            </a:schemeClr>
+          </a:solidFill>
+          <a:prstDash val="solid"/>
+        </a:ln>
+        <a:effectLst/>
+      </dsp:spPr>
+      <dsp:style>
+        <a:lnRef idx="2">
+          <a:scrgbClr r="0" g="0" b="0"/>
+        </a:lnRef>
+        <a:fillRef idx="1">
+          <a:scrgbClr r="0" g="0" b="0"/>
+        </a:fillRef>
+        <a:effectRef idx="0">
+          <a:scrgbClr r="0" g="0" b="0"/>
+        </a:effectRef>
+        <a:fontRef idx="minor">
+          <a:schemeClr val="lt1"/>
+        </a:fontRef>
+      </dsp:style>
+    </dsp:sp>
+    <dsp:sp modelId="{F8962D80-7E02-4E86-845E-BAC5718E8787}">
+      <dsp:nvSpPr>
+        <dsp:cNvPr id="0" name=""/>
+        <dsp:cNvSpPr/>
+      </dsp:nvSpPr>
+      <dsp:spPr>
+        <a:xfrm>
+          <a:off x="122573" y="2334790"/>
+          <a:ext cx="1089429" cy="691787"/>
+        </a:xfrm>
+        <a:prstGeom prst="roundRect">
+          <a:avLst>
+            <a:gd name="adj" fmla="val 10000"/>
+          </a:avLst>
+        </a:prstGeom>
+        <a:solidFill>
+          <a:schemeClr val="lt1">
+            <a:alpha val="90000"/>
+            <a:hueOff val="0"/>
+            <a:satOff val="0"/>
+            <a:lumOff val="0"/>
+            <a:alphaOff val="0"/>
+          </a:schemeClr>
+        </a:solidFill>
+        <a:ln w="25400" cap="flat" cmpd="sng" algn="ctr">
+          <a:solidFill>
+            <a:schemeClr val="accent1">
+              <a:hueOff val="0"/>
+              <a:satOff val="0"/>
+              <a:lumOff val="0"/>
+              <a:alphaOff val="0"/>
+            </a:schemeClr>
+          </a:solidFill>
+          <a:prstDash val="solid"/>
+        </a:ln>
+        <a:effectLst/>
+      </dsp:spPr>
+      <dsp:style>
+        <a:lnRef idx="2">
+          <a:scrgbClr r="0" g="0" b="0"/>
+        </a:lnRef>
+        <a:fillRef idx="1">
+          <a:scrgbClr r="0" g="0" b="0"/>
+        </a:fillRef>
+        <a:effectRef idx="0">
+          <a:scrgbClr r="0" g="0" b="0"/>
+        </a:effectRef>
+        <a:fontRef idx="minor"/>
+      </dsp:style>
+      <dsp:txBody>
+        <a:bodyPr spcFirstLastPara="0" vert="horz" wrap="square" lIns="87630" tIns="87630" rIns="87630" bIns="87630" numCol="1" spcCol="1270" anchor="ctr" anchorCtr="0">
+          <a:noAutofit/>
+        </a:bodyPr>
+        <a:lstStyle/>
+        <a:p>
+          <a:pPr lvl="0" algn="ctr" defTabSz="1022350">
+            <a:lnSpc>
+              <a:spcPct val="90000"/>
+            </a:lnSpc>
+            <a:spcBef>
+              <a:spcPct val="0"/>
+            </a:spcBef>
+            <a:spcAft>
+              <a:spcPct val="35000"/>
+            </a:spcAft>
+          </a:pPr>
+          <a:r>
+            <a:rPr lang="en-US" altLang="zh-CN" sz="2300" kern="1200" dirty="0" err="1" smtClean="0"/>
+            <a:t>lcs</a:t>
+          </a:r>
+          <a:r>
+            <a:rPr lang="en-US" altLang="zh-CN" sz="2300" kern="1200" dirty="0" smtClean="0"/>
+            <a:t>(0,2)</a:t>
+          </a:r>
+          <a:endParaRPr lang="zh-CN" altLang="en-US" sz="2300" kern="1200" dirty="0"/>
+        </a:p>
+      </dsp:txBody>
+      <dsp:txXfrm>
+        <a:off x="142835" y="2355052"/>
+        <a:ext cx="1048905" cy="651263"/>
+      </dsp:txXfrm>
+    </dsp:sp>
+    <dsp:sp modelId="{54BA5735-01FF-40DA-89AE-5773919D670F}">
+      <dsp:nvSpPr>
+        <dsp:cNvPr id="0" name=""/>
+        <dsp:cNvSpPr/>
+      </dsp:nvSpPr>
+      <dsp:spPr>
+        <a:xfrm>
+          <a:off x="1333051" y="2219794"/>
+          <a:ext cx="1089429" cy="691787"/>
+        </a:xfrm>
+        <a:prstGeom prst="roundRect">
+          <a:avLst>
+            <a:gd name="adj" fmla="val 10000"/>
+          </a:avLst>
+        </a:prstGeom>
+        <a:solidFill>
+          <a:schemeClr val="accent1">
+            <a:hueOff val="0"/>
+            <a:satOff val="0"/>
+            <a:lumOff val="0"/>
+            <a:alphaOff val="0"/>
+          </a:schemeClr>
+        </a:solidFill>
+        <a:ln w="25400" cap="flat" cmpd="sng" algn="ctr">
+          <a:solidFill>
+            <a:schemeClr val="lt1">
+              <a:hueOff val="0"/>
+              <a:satOff val="0"/>
+              <a:lumOff val="0"/>
+              <a:alphaOff val="0"/>
+            </a:schemeClr>
+          </a:solidFill>
+          <a:prstDash val="solid"/>
+        </a:ln>
+        <a:effectLst/>
+      </dsp:spPr>
+      <dsp:style>
+        <a:lnRef idx="2">
+          <a:scrgbClr r="0" g="0" b="0"/>
+        </a:lnRef>
+        <a:fillRef idx="1">
+          <a:scrgbClr r="0" g="0" b="0"/>
+        </a:fillRef>
+        <a:effectRef idx="0">
+          <a:scrgbClr r="0" g="0" b="0"/>
+        </a:effectRef>
+        <a:fontRef idx="minor">
+          <a:schemeClr val="lt1"/>
+        </a:fontRef>
+      </dsp:style>
+    </dsp:sp>
+    <dsp:sp modelId="{0A84F2BE-DFF8-4A96-9B2D-323A215CE7EE}">
+      <dsp:nvSpPr>
+        <dsp:cNvPr id="0" name=""/>
+        <dsp:cNvSpPr/>
+      </dsp:nvSpPr>
+      <dsp:spPr>
+        <a:xfrm>
+          <a:off x="1454098" y="2334790"/>
+          <a:ext cx="1089429" cy="691787"/>
+        </a:xfrm>
+        <a:prstGeom prst="roundRect">
+          <a:avLst>
+            <a:gd name="adj" fmla="val 10000"/>
+          </a:avLst>
+        </a:prstGeom>
+        <a:solidFill>
+          <a:schemeClr val="lt1">
+            <a:alpha val="90000"/>
+            <a:hueOff val="0"/>
+            <a:satOff val="0"/>
+            <a:lumOff val="0"/>
+            <a:alphaOff val="0"/>
+          </a:schemeClr>
+        </a:solidFill>
+        <a:ln w="25400" cap="flat" cmpd="sng" algn="ctr">
+          <a:solidFill>
+            <a:schemeClr val="accent1">
+              <a:hueOff val="0"/>
+              <a:satOff val="0"/>
+              <a:lumOff val="0"/>
+              <a:alphaOff val="0"/>
+            </a:schemeClr>
+          </a:solidFill>
+          <a:prstDash val="solid"/>
+        </a:ln>
+        <a:effectLst/>
+      </dsp:spPr>
+      <dsp:style>
+        <a:lnRef idx="2">
+          <a:scrgbClr r="0" g="0" b="0"/>
+        </a:lnRef>
+        <a:fillRef idx="1">
+          <a:scrgbClr r="0" g="0" b="0"/>
+        </a:fillRef>
+        <a:effectRef idx="0">
+          <a:scrgbClr r="0" g="0" b="0"/>
+        </a:effectRef>
+        <a:fontRef idx="minor"/>
+      </dsp:style>
+      <dsp:txBody>
+        <a:bodyPr spcFirstLastPara="0" vert="horz" wrap="square" lIns="87630" tIns="87630" rIns="87630" bIns="87630" numCol="1" spcCol="1270" anchor="ctr" anchorCtr="0">
+          <a:noAutofit/>
+        </a:bodyPr>
+        <a:lstStyle/>
+        <a:p>
+          <a:pPr lvl="0" algn="ctr" defTabSz="1022350">
+            <a:lnSpc>
+              <a:spcPct val="90000"/>
+            </a:lnSpc>
+            <a:spcBef>
+              <a:spcPct val="0"/>
+            </a:spcBef>
+            <a:spcAft>
+              <a:spcPct val="35000"/>
+            </a:spcAft>
+          </a:pPr>
+          <a:r>
+            <a:rPr lang="en-US" altLang="zh-CN" sz="2300" kern="1200" dirty="0" err="1" smtClean="0">
+              <a:solidFill>
+                <a:srgbClr val="FF0000"/>
+              </a:solidFill>
+            </a:rPr>
+            <a:t>lcs</a:t>
+          </a:r>
+          <a:r>
+            <a:rPr lang="en-US" altLang="zh-CN" sz="2300" kern="1200" dirty="0" smtClean="0">
+              <a:solidFill>
+                <a:srgbClr val="FF0000"/>
+              </a:solidFill>
+            </a:rPr>
+            <a:t>(1,1)</a:t>
+          </a:r>
+          <a:endParaRPr lang="zh-CN" altLang="en-US" sz="2300" kern="1200" dirty="0">
+            <a:solidFill>
+              <a:srgbClr val="FF0000"/>
+            </a:solidFill>
+          </a:endParaRPr>
+        </a:p>
+      </dsp:txBody>
+      <dsp:txXfrm>
+        <a:off x="1474360" y="2355052"/>
+        <a:ext cx="1048905" cy="651263"/>
+      </dsp:txXfrm>
+    </dsp:sp>
+    <dsp:sp modelId="{3229C652-58C2-4637-A44D-FD1ECF710DA6}">
+      <dsp:nvSpPr>
+        <dsp:cNvPr id="0" name=""/>
+        <dsp:cNvSpPr/>
+      </dsp:nvSpPr>
+      <dsp:spPr>
+        <a:xfrm>
+          <a:off x="3330339" y="1211164"/>
+          <a:ext cx="1089429" cy="691787"/>
+        </a:xfrm>
+        <a:prstGeom prst="roundRect">
+          <a:avLst>
+            <a:gd name="adj" fmla="val 10000"/>
+          </a:avLst>
+        </a:prstGeom>
+        <a:solidFill>
+          <a:schemeClr val="accent1">
+            <a:hueOff val="0"/>
+            <a:satOff val="0"/>
+            <a:lumOff val="0"/>
+            <a:alphaOff val="0"/>
+          </a:schemeClr>
+        </a:solidFill>
+        <a:ln w="25400" cap="flat" cmpd="sng" algn="ctr">
+          <a:solidFill>
+            <a:schemeClr val="lt1">
+              <a:hueOff val="0"/>
+              <a:satOff val="0"/>
+              <a:lumOff val="0"/>
+              <a:alphaOff val="0"/>
+            </a:schemeClr>
+          </a:solidFill>
+          <a:prstDash val="solid"/>
+        </a:ln>
+        <a:effectLst/>
+      </dsp:spPr>
+      <dsp:style>
+        <a:lnRef idx="2">
+          <a:scrgbClr r="0" g="0" b="0"/>
+        </a:lnRef>
+        <a:fillRef idx="1">
+          <a:scrgbClr r="0" g="0" b="0"/>
+        </a:fillRef>
+        <a:effectRef idx="0">
+          <a:scrgbClr r="0" g="0" b="0"/>
+        </a:effectRef>
+        <a:fontRef idx="minor">
+          <a:schemeClr val="lt1"/>
+        </a:fontRef>
+      </dsp:style>
+    </dsp:sp>
+    <dsp:sp modelId="{93303FC2-0717-4E94-B5DB-02EA3A55E9BA}">
+      <dsp:nvSpPr>
+        <dsp:cNvPr id="0" name=""/>
+        <dsp:cNvSpPr/>
+      </dsp:nvSpPr>
+      <dsp:spPr>
+        <a:xfrm>
+          <a:off x="3451386" y="1326159"/>
+          <a:ext cx="1089429" cy="691787"/>
+        </a:xfrm>
+        <a:prstGeom prst="roundRect">
+          <a:avLst>
+            <a:gd name="adj" fmla="val 10000"/>
+          </a:avLst>
+        </a:prstGeom>
+        <a:solidFill>
+          <a:schemeClr val="lt1">
+            <a:alpha val="90000"/>
+            <a:hueOff val="0"/>
+            <a:satOff val="0"/>
+            <a:lumOff val="0"/>
+            <a:alphaOff val="0"/>
+          </a:schemeClr>
+        </a:solidFill>
+        <a:ln w="25400" cap="flat" cmpd="sng" algn="ctr">
+          <a:solidFill>
+            <a:schemeClr val="accent1">
+              <a:hueOff val="0"/>
+              <a:satOff val="0"/>
+              <a:lumOff val="0"/>
+              <a:alphaOff val="0"/>
+            </a:schemeClr>
+          </a:solidFill>
+          <a:prstDash val="solid"/>
+        </a:ln>
+        <a:effectLst/>
+      </dsp:spPr>
+      <dsp:style>
+        <a:lnRef idx="2">
+          <a:scrgbClr r="0" g="0" b="0"/>
+        </a:lnRef>
+        <a:fillRef idx="1">
+          <a:scrgbClr r="0" g="0" b="0"/>
+        </a:fillRef>
+        <a:effectRef idx="0">
+          <a:scrgbClr r="0" g="0" b="0"/>
+        </a:effectRef>
+        <a:fontRef idx="minor"/>
+      </dsp:style>
+      <dsp:txBody>
+        <a:bodyPr spcFirstLastPara="0" vert="horz" wrap="square" lIns="87630" tIns="87630" rIns="87630" bIns="87630" numCol="1" spcCol="1270" anchor="ctr" anchorCtr="0">
+          <a:noAutofit/>
+        </a:bodyPr>
+        <a:lstStyle/>
+        <a:p>
+          <a:pPr lvl="0" algn="ctr" defTabSz="1022350">
+            <a:lnSpc>
+              <a:spcPct val="90000"/>
+            </a:lnSpc>
+            <a:spcBef>
+              <a:spcPct val="0"/>
+            </a:spcBef>
+            <a:spcAft>
+              <a:spcPct val="35000"/>
+            </a:spcAft>
+          </a:pPr>
+          <a:r>
+            <a:rPr lang="en-US" altLang="zh-CN" sz="2300" kern="1200" dirty="0" err="1" smtClean="0"/>
+            <a:t>lcs</a:t>
+          </a:r>
+          <a:r>
+            <a:rPr lang="en-US" altLang="zh-CN" sz="2300" kern="1200" dirty="0" smtClean="0"/>
+            <a:t>(1,0)</a:t>
+          </a:r>
+          <a:endParaRPr lang="zh-CN" altLang="en-US" sz="2300" kern="1200" dirty="0"/>
+        </a:p>
+      </dsp:txBody>
+      <dsp:txXfrm>
+        <a:off x="3471648" y="1346421"/>
+        <a:ext cx="1048905" cy="651263"/>
+      </dsp:txXfrm>
+    </dsp:sp>
+    <dsp:sp modelId="{CEBCD760-5569-42E8-802D-EF34C7AF786B}">
+      <dsp:nvSpPr>
+        <dsp:cNvPr id="0" name=""/>
+        <dsp:cNvSpPr/>
+      </dsp:nvSpPr>
+      <dsp:spPr>
+        <a:xfrm>
+          <a:off x="2664576" y="2219794"/>
+          <a:ext cx="1089429" cy="691787"/>
+        </a:xfrm>
+        <a:prstGeom prst="roundRect">
+          <a:avLst>
+            <a:gd name="adj" fmla="val 10000"/>
+          </a:avLst>
+        </a:prstGeom>
+        <a:solidFill>
+          <a:schemeClr val="accent1">
+            <a:hueOff val="0"/>
+            <a:satOff val="0"/>
+            <a:lumOff val="0"/>
+            <a:alphaOff val="0"/>
+          </a:schemeClr>
+        </a:solidFill>
+        <a:ln w="25400" cap="flat" cmpd="sng" algn="ctr">
+          <a:solidFill>
+            <a:schemeClr val="lt1">
+              <a:hueOff val="0"/>
+              <a:satOff val="0"/>
+              <a:lumOff val="0"/>
+              <a:alphaOff val="0"/>
+            </a:schemeClr>
+          </a:solidFill>
+          <a:prstDash val="solid"/>
+        </a:ln>
+        <a:effectLst/>
+      </dsp:spPr>
+      <dsp:style>
+        <a:lnRef idx="2">
+          <a:scrgbClr r="0" g="0" b="0"/>
+        </a:lnRef>
+        <a:fillRef idx="1">
+          <a:scrgbClr r="0" g="0" b="0"/>
+        </a:fillRef>
+        <a:effectRef idx="0">
+          <a:scrgbClr r="0" g="0" b="0"/>
+        </a:effectRef>
+        <a:fontRef idx="minor">
+          <a:schemeClr val="lt1"/>
+        </a:fontRef>
+      </dsp:style>
+    </dsp:sp>
+    <dsp:sp modelId="{F02B27BF-7883-4FDA-A0E3-542C10E51568}">
+      <dsp:nvSpPr>
+        <dsp:cNvPr id="0" name=""/>
+        <dsp:cNvSpPr/>
+      </dsp:nvSpPr>
+      <dsp:spPr>
+        <a:xfrm>
+          <a:off x="2785624" y="2334790"/>
+          <a:ext cx="1089429" cy="691787"/>
+        </a:xfrm>
+        <a:prstGeom prst="roundRect">
+          <a:avLst>
+            <a:gd name="adj" fmla="val 10000"/>
+          </a:avLst>
+        </a:prstGeom>
+        <a:solidFill>
+          <a:schemeClr val="lt1">
+            <a:alpha val="90000"/>
+            <a:hueOff val="0"/>
+            <a:satOff val="0"/>
+            <a:lumOff val="0"/>
+            <a:alphaOff val="0"/>
+          </a:schemeClr>
+        </a:solidFill>
+        <a:ln w="25400" cap="flat" cmpd="sng" algn="ctr">
+          <a:solidFill>
+            <a:schemeClr val="accent1">
+              <a:hueOff val="0"/>
+              <a:satOff val="0"/>
+              <a:lumOff val="0"/>
+              <a:alphaOff val="0"/>
+            </a:schemeClr>
+          </a:solidFill>
+          <a:prstDash val="solid"/>
+        </a:ln>
+        <a:effectLst/>
+      </dsp:spPr>
+      <dsp:style>
+        <a:lnRef idx="2">
+          <a:scrgbClr r="0" g="0" b="0"/>
+        </a:lnRef>
+        <a:fillRef idx="1">
+          <a:scrgbClr r="0" g="0" b="0"/>
+        </a:fillRef>
+        <a:effectRef idx="0">
+          <a:scrgbClr r="0" g="0" b="0"/>
+        </a:effectRef>
+        <a:fontRef idx="minor"/>
+      </dsp:style>
+      <dsp:txBody>
+        <a:bodyPr spcFirstLastPara="0" vert="horz" wrap="square" lIns="87630" tIns="87630" rIns="87630" bIns="87630" numCol="1" spcCol="1270" anchor="ctr" anchorCtr="0">
+          <a:noAutofit/>
+        </a:bodyPr>
+        <a:lstStyle/>
+        <a:p>
+          <a:pPr lvl="0" algn="ctr" defTabSz="1022350">
+            <a:lnSpc>
+              <a:spcPct val="90000"/>
+            </a:lnSpc>
+            <a:spcBef>
+              <a:spcPct val="0"/>
+            </a:spcBef>
+            <a:spcAft>
+              <a:spcPct val="35000"/>
+            </a:spcAft>
+          </a:pPr>
+          <a:r>
+            <a:rPr lang="en-US" altLang="zh-CN" sz="2300" kern="1200" dirty="0" err="1" smtClean="0">
+              <a:solidFill>
+                <a:srgbClr val="FF0000"/>
+              </a:solidFill>
+            </a:rPr>
+            <a:t>lcs</a:t>
+          </a:r>
+          <a:r>
+            <a:rPr lang="en-US" altLang="zh-CN" sz="2300" kern="1200" dirty="0" smtClean="0">
+              <a:solidFill>
+                <a:srgbClr val="FF0000"/>
+              </a:solidFill>
+            </a:rPr>
+            <a:t>(1,1)</a:t>
+          </a:r>
+          <a:endParaRPr lang="zh-CN" altLang="en-US" sz="2300" kern="1200" dirty="0">
+            <a:solidFill>
+              <a:srgbClr val="FF0000"/>
+            </a:solidFill>
+          </a:endParaRPr>
+        </a:p>
+      </dsp:txBody>
+      <dsp:txXfrm>
+        <a:off x="2805886" y="2355052"/>
+        <a:ext cx="1048905" cy="651263"/>
+      </dsp:txXfrm>
+    </dsp:sp>
+    <dsp:sp modelId="{A738D372-E123-488F-823D-7CEAFFC69422}">
+      <dsp:nvSpPr>
+        <dsp:cNvPr id="0" name=""/>
+        <dsp:cNvSpPr/>
+      </dsp:nvSpPr>
+      <dsp:spPr>
+        <a:xfrm>
+          <a:off x="3996101" y="2219794"/>
+          <a:ext cx="1089429" cy="691787"/>
+        </a:xfrm>
+        <a:prstGeom prst="roundRect">
+          <a:avLst>
+            <a:gd name="adj" fmla="val 10000"/>
+          </a:avLst>
+        </a:prstGeom>
+        <a:solidFill>
+          <a:schemeClr val="accent1">
+            <a:hueOff val="0"/>
+            <a:satOff val="0"/>
+            <a:lumOff val="0"/>
+            <a:alphaOff val="0"/>
+          </a:schemeClr>
+        </a:solidFill>
+        <a:ln w="25400" cap="flat" cmpd="sng" algn="ctr">
+          <a:solidFill>
+            <a:schemeClr val="lt1">
+              <a:hueOff val="0"/>
+              <a:satOff val="0"/>
+              <a:lumOff val="0"/>
+              <a:alphaOff val="0"/>
+            </a:schemeClr>
+          </a:solidFill>
+          <a:prstDash val="solid"/>
+        </a:ln>
+        <a:effectLst/>
+      </dsp:spPr>
+      <dsp:style>
+        <a:lnRef idx="2">
+          <a:scrgbClr r="0" g="0" b="0"/>
+        </a:lnRef>
+        <a:fillRef idx="1">
+          <a:scrgbClr r="0" g="0" b="0"/>
+        </a:fillRef>
+        <a:effectRef idx="0">
+          <a:scrgbClr r="0" g="0" b="0"/>
+        </a:effectRef>
+        <a:fontRef idx="minor">
+          <a:schemeClr val="lt1"/>
+        </a:fontRef>
+      </dsp:style>
+    </dsp:sp>
+    <dsp:sp modelId="{019AD092-BD45-47F8-A5EC-2EDE2C2E6CD2}">
+      <dsp:nvSpPr>
+        <dsp:cNvPr id="0" name=""/>
+        <dsp:cNvSpPr/>
+      </dsp:nvSpPr>
+      <dsp:spPr>
+        <a:xfrm>
+          <a:off x="4117149" y="2334790"/>
+          <a:ext cx="1089429" cy="691787"/>
+        </a:xfrm>
+        <a:prstGeom prst="roundRect">
+          <a:avLst>
+            <a:gd name="adj" fmla="val 10000"/>
+          </a:avLst>
+        </a:prstGeom>
+        <a:solidFill>
+          <a:schemeClr val="lt1">
+            <a:alpha val="90000"/>
+            <a:hueOff val="0"/>
+            <a:satOff val="0"/>
+            <a:lumOff val="0"/>
+            <a:alphaOff val="0"/>
+          </a:schemeClr>
+        </a:solidFill>
+        <a:ln w="25400" cap="flat" cmpd="sng" algn="ctr">
+          <a:solidFill>
+            <a:schemeClr val="accent1">
+              <a:hueOff val="0"/>
+              <a:satOff val="0"/>
+              <a:lumOff val="0"/>
+              <a:alphaOff val="0"/>
+            </a:schemeClr>
+          </a:solidFill>
+          <a:prstDash val="solid"/>
+        </a:ln>
+        <a:effectLst/>
+      </dsp:spPr>
+      <dsp:style>
+        <a:lnRef idx="2">
+          <a:scrgbClr r="0" g="0" b="0"/>
+        </a:lnRef>
+        <a:fillRef idx="1">
+          <a:scrgbClr r="0" g="0" b="0"/>
+        </a:fillRef>
+        <a:effectRef idx="0">
+          <a:scrgbClr r="0" g="0" b="0"/>
+        </a:effectRef>
+        <a:fontRef idx="minor"/>
+      </dsp:style>
+      <dsp:txBody>
+        <a:bodyPr spcFirstLastPara="0" vert="horz" wrap="square" lIns="87630" tIns="87630" rIns="87630" bIns="87630" numCol="1" spcCol="1270" anchor="ctr" anchorCtr="0">
+          <a:noAutofit/>
+        </a:bodyPr>
+        <a:lstStyle/>
+        <a:p>
+          <a:pPr lvl="0" algn="ctr" defTabSz="1022350">
+            <a:lnSpc>
+              <a:spcPct val="90000"/>
+            </a:lnSpc>
+            <a:spcBef>
+              <a:spcPct val="0"/>
+            </a:spcBef>
+            <a:spcAft>
+              <a:spcPct val="35000"/>
+            </a:spcAft>
+          </a:pPr>
+          <a:r>
+            <a:rPr lang="en-US" altLang="zh-CN" sz="2300" kern="1200" dirty="0" err="1" smtClean="0"/>
+            <a:t>lcs</a:t>
+          </a:r>
+          <a:r>
+            <a:rPr lang="en-US" altLang="zh-CN" sz="2300" kern="1200" dirty="0" smtClean="0"/>
+            <a:t>(2,0)</a:t>
+          </a:r>
+          <a:endParaRPr lang="zh-CN" altLang="en-US" sz="2300" kern="1200" dirty="0"/>
+        </a:p>
+      </dsp:txBody>
+      <dsp:txXfrm>
+        <a:off x="4137411" y="2355052"/>
+        <a:ext cx="1048905" cy="651263"/>
+      </dsp:txXfrm>
+    </dsp:sp>
+  </dsp:spTree>
+</dsp:drawing>
+</file>
+
 <file path=ppt/diagrams/layout1.xml><?xml version="1.0" encoding="utf-8"?>
 <dgm:layoutDef xmlns:dgm="http://schemas.openxmlformats.org/drawingml/2006/diagram" xmlns:a="http://schemas.openxmlformats.org/drawingml/2006/main" uniqueId="urn:microsoft.com/office/officeart/2005/8/layout/hierarchy1">
   <dgm:title val=""/>
@@ -10070,6 +12872,569 @@
 </dgm:layoutDef>
 </file>
 
+<file path=ppt/diagrams/layout3.xml><?xml version="1.0" encoding="utf-8"?>
+<dgm:layoutDef xmlns:dgm="http://schemas.openxmlformats.org/drawingml/2006/diagram" xmlns:a="http://schemas.openxmlformats.org/drawingml/2006/main" uniqueId="urn:microsoft.com/office/officeart/2005/8/layout/hierarchy1">
+  <dgm:title val=""/>
+  <dgm:desc val=""/>
+  <dgm:catLst>
+    <dgm:cat type="hierarchy" pri="2000"/>
+  </dgm:catLst>
+  <dgm:sampData>
+    <dgm:dataModel>
+      <dgm:ptLst>
+        <dgm:pt modelId="0" type="doc"/>
+        <dgm:pt modelId="1">
+          <dgm:prSet phldr="1"/>
+        </dgm:pt>
+        <dgm:pt modelId="2">
+          <dgm:prSet phldr="1"/>
+        </dgm:pt>
+        <dgm:pt modelId="21">
+          <dgm:prSet phldr="1"/>
+        </dgm:pt>
+        <dgm:pt modelId="22">
+          <dgm:prSet phldr="1"/>
+        </dgm:pt>
+        <dgm:pt modelId="3">
+          <dgm:prSet phldr="1"/>
+        </dgm:pt>
+        <dgm:pt modelId="31">
+          <dgm:prSet phldr="1"/>
+        </dgm:pt>
+      </dgm:ptLst>
+      <dgm:cxnLst>
+        <dgm:cxn modelId="4" srcId="0" destId="1" srcOrd="0" destOrd="0"/>
+        <dgm:cxn modelId="5" srcId="1" destId="2" srcOrd="0" destOrd="0"/>
+        <dgm:cxn modelId="6" srcId="1" destId="3" srcOrd="1" destOrd="0"/>
+        <dgm:cxn modelId="23" srcId="2" destId="21" srcOrd="0" destOrd="0"/>
+        <dgm:cxn modelId="24" srcId="2" destId="22" srcOrd="1" destOrd="0"/>
+        <dgm:cxn modelId="33" srcId="3" destId="31" srcOrd="0" destOrd="0"/>
+      </dgm:cxnLst>
+      <dgm:bg/>
+      <dgm:whole/>
+    </dgm:dataModel>
+  </dgm:sampData>
+  <dgm:styleData>
+    <dgm:dataModel>
+      <dgm:ptLst>
+        <dgm:pt modelId="0" type="doc"/>
+        <dgm:pt modelId="1"/>
+        <dgm:pt modelId="11"/>
+        <dgm:pt modelId="12"/>
+      </dgm:ptLst>
+      <dgm:cxnLst>
+        <dgm:cxn modelId="2" srcId="0" destId="1" srcOrd="0" destOrd="0"/>
+        <dgm:cxn modelId="13" srcId="1" destId="11" srcOrd="0" destOrd="0"/>
+        <dgm:cxn modelId="14" srcId="1" destId="12" srcOrd="1" destOrd="0"/>
+      </dgm:cxnLst>
+      <dgm:bg/>
+      <dgm:whole/>
+    </dgm:dataModel>
+  </dgm:styleData>
+  <dgm:clrData>
+    <dgm:dataModel>
+      <dgm:ptLst>
+        <dgm:pt modelId="0" type="doc"/>
+        <dgm:pt modelId="1"/>
+        <dgm:pt modelId="2"/>
+        <dgm:pt modelId="21"/>
+        <dgm:pt modelId="211"/>
+        <dgm:pt modelId="3"/>
+        <dgm:pt modelId="31"/>
+        <dgm:pt modelId="311"/>
+      </dgm:ptLst>
+      <dgm:cxnLst>
+        <dgm:cxn modelId="4" srcId="0" destId="1" srcOrd="0" destOrd="0"/>
+        <dgm:cxn modelId="5" srcId="1" destId="2" srcOrd="0" destOrd="0"/>
+        <dgm:cxn modelId="6" srcId="1" destId="3" srcOrd="1" destOrd="0"/>
+        <dgm:cxn modelId="23" srcId="2" destId="21" srcOrd="0" destOrd="0"/>
+        <dgm:cxn modelId="24" srcId="21" destId="211" srcOrd="0" destOrd="0"/>
+        <dgm:cxn modelId="33" srcId="3" destId="31" srcOrd="0" destOrd="0"/>
+        <dgm:cxn modelId="34" srcId="31" destId="311" srcOrd="0" destOrd="0"/>
+      </dgm:cxnLst>
+      <dgm:bg/>
+      <dgm:whole/>
+    </dgm:dataModel>
+  </dgm:clrData>
+  <dgm:layoutNode name="hierChild1">
+    <dgm:varLst>
+      <dgm:chPref val="1"/>
+      <dgm:dir/>
+      <dgm:animOne val="branch"/>
+      <dgm:animLvl val="lvl"/>
+      <dgm:resizeHandles/>
+    </dgm:varLst>
+    <dgm:choose name="Name0">
+      <dgm:if name="Name1" func="var" arg="dir" op="equ" val="norm">
+        <dgm:alg type="hierChild">
+          <dgm:param type="linDir" val="fromL"/>
+        </dgm:alg>
+      </dgm:if>
+      <dgm:else name="Name2">
+        <dgm:alg type="hierChild">
+          <dgm:param type="linDir" val="fromR"/>
+        </dgm:alg>
+      </dgm:else>
+    </dgm:choose>
+    <dgm:shape xmlns:r="http://schemas.openxmlformats.org/officeDocument/2006/relationships" r:blip="">
+      <dgm:adjLst/>
+    </dgm:shape>
+    <dgm:presOf/>
+    <dgm:constrLst>
+      <dgm:constr type="primFontSz" for="des" ptType="node" op="equ" val="65"/>
+      <dgm:constr type="w" for="des" forName="composite" refType="w"/>
+      <dgm:constr type="h" for="des" forName="composite" refType="w" refFor="des" refForName="composite" fact="0.667"/>
+      <dgm:constr type="w" for="des" forName="composite2" refType="w" refFor="des" refForName="composite"/>
+      <dgm:constr type="h" for="des" forName="composite2" refType="h" refFor="des" refForName="composite"/>
+      <dgm:constr type="w" for="des" forName="composite3" refType="w" refFor="des" refForName="composite"/>
+      <dgm:constr type="h" for="des" forName="composite3" refType="h" refFor="des" refForName="composite"/>
+      <dgm:constr type="w" for="des" forName="composite4" refType="w" refFor="des" refForName="composite"/>
+      <dgm:constr type="h" for="des" forName="composite4" refType="h" refFor="des" refForName="composite"/>
+      <dgm:constr type="w" for="des" forName="composite5" refType="w" refFor="des" refForName="composite"/>
+      <dgm:constr type="h" for="des" forName="composite5" refType="h" refFor="des" refForName="composite"/>
+      <dgm:constr type="sibSp" refType="w" refFor="des" refForName="composite" fact="0.1"/>
+      <dgm:constr type="sibSp" for="des" forName="hierChild2" refType="sibSp"/>
+      <dgm:constr type="sibSp" for="des" forName="hierChild3" refType="sibSp"/>
+      <dgm:constr type="sibSp" for="des" forName="hierChild4" refType="sibSp"/>
+      <dgm:constr type="sibSp" for="des" forName="hierChild5" refType="sibSp"/>
+      <dgm:constr type="sibSp" for="des" forName="hierChild6" refType="sibSp"/>
+      <dgm:constr type="sp" for="des" forName="hierRoot1" refType="h" refFor="des" refForName="composite" fact="0.25"/>
+      <dgm:constr type="sp" for="des" forName="hierRoot2" refType="sp" refFor="des" refForName="hierRoot1"/>
+      <dgm:constr type="sp" for="des" forName="hierRoot3" refType="sp" refFor="des" refForName="hierRoot1"/>
+      <dgm:constr type="sp" for="des" forName="hierRoot4" refType="sp" refFor="des" refForName="hierRoot1"/>
+      <dgm:constr type="sp" for="des" forName="hierRoot5" refType="sp" refFor="des" refForName="hierRoot1"/>
+    </dgm:constrLst>
+    <dgm:ruleLst/>
+    <dgm:forEach name="Name3" axis="ch">
+      <dgm:forEach name="Name4" axis="self" ptType="node">
+        <dgm:layoutNode name="hierRoot1">
+          <dgm:alg type="hierRoot"/>
+          <dgm:shape xmlns:r="http://schemas.openxmlformats.org/officeDocument/2006/relationships" r:blip="">
+            <dgm:adjLst/>
+          </dgm:shape>
+          <dgm:presOf/>
+          <dgm:constrLst>
+            <dgm:constr type="bendDist" for="des" ptType="parTrans" refType="sp" fact="0.5"/>
+          </dgm:constrLst>
+          <dgm:ruleLst/>
+          <dgm:layoutNode name="composite">
+            <dgm:alg type="composite"/>
+            <dgm:shape xmlns:r="http://schemas.openxmlformats.org/officeDocument/2006/relationships" r:blip="">
+              <dgm:adjLst/>
+            </dgm:shape>
+            <dgm:presOf/>
+            <dgm:constrLst>
+              <dgm:constr type="w" for="ch" forName="background" refType="w" fact="0.9"/>
+              <dgm:constr type="h" for="ch" forName="background" refType="w" refFor="ch" refForName="background" fact="0.635"/>
+              <dgm:constr type="t" for="ch" forName="background"/>
+              <dgm:constr type="l" for="ch" forName="background"/>
+              <dgm:constr type="w" for="ch" forName="text" refType="w" fact="0.9"/>
+              <dgm:constr type="h" for="ch" forName="text" refType="w" refFor="ch" refForName="text" fact="0.635"/>
+              <dgm:constr type="t" for="ch" forName="text" refType="w" fact="0.095"/>
+              <dgm:constr type="l" for="ch" forName="text" refType="w" fact="0.1"/>
+            </dgm:constrLst>
+            <dgm:ruleLst/>
+            <dgm:layoutNode name="background" styleLbl="node0" moveWith="text">
+              <dgm:alg type="sp"/>
+              <dgm:shape xmlns:r="http://schemas.openxmlformats.org/officeDocument/2006/relationships" type="roundRect" r:blip="">
+                <dgm:adjLst>
+                  <dgm:adj idx="1" val="0.1"/>
+                </dgm:adjLst>
+              </dgm:shape>
+              <dgm:presOf/>
+              <dgm:constrLst/>
+              <dgm:ruleLst/>
+            </dgm:layoutNode>
+            <dgm:layoutNode name="text" styleLbl="fgAcc0">
+              <dgm:varLst>
+                <dgm:chPref val="3"/>
+              </dgm:varLst>
+              <dgm:alg type="tx"/>
+              <dgm:shape xmlns:r="http://schemas.openxmlformats.org/officeDocument/2006/relationships" type="roundRect" r:blip="">
+                <dgm:adjLst>
+                  <dgm:adj idx="1" val="0.1"/>
+                </dgm:adjLst>
+              </dgm:shape>
+              <dgm:presOf axis="self"/>
+              <dgm:constrLst>
+                <dgm:constr type="tMarg" refType="primFontSz" fact="0.3"/>
+                <dgm:constr type="bMarg" refType="primFontSz" fact="0.3"/>
+                <dgm:constr type="lMarg" refType="primFontSz" fact="0.3"/>
+                <dgm:constr type="rMarg" refType="primFontSz" fact="0.3"/>
+              </dgm:constrLst>
+              <dgm:ruleLst>
+                <dgm:rule type="primFontSz" val="5" fact="NaN" max="NaN"/>
+              </dgm:ruleLst>
+            </dgm:layoutNode>
+          </dgm:layoutNode>
+          <dgm:layoutNode name="hierChild2">
+            <dgm:choose name="Name5">
+              <dgm:if name="Name6" func="var" arg="dir" op="equ" val="norm">
+                <dgm:alg type="hierChild">
+                  <dgm:param type="linDir" val="fromL"/>
+                </dgm:alg>
+              </dgm:if>
+              <dgm:else name="Name7">
+                <dgm:alg type="hierChild">
+                  <dgm:param type="linDir" val="fromR"/>
+                </dgm:alg>
+              </dgm:else>
+            </dgm:choose>
+            <dgm:shape xmlns:r="http://schemas.openxmlformats.org/officeDocument/2006/relationships" r:blip="">
+              <dgm:adjLst/>
+            </dgm:shape>
+            <dgm:presOf/>
+            <dgm:constrLst/>
+            <dgm:ruleLst/>
+            <dgm:forEach name="Name8" axis="ch">
+              <dgm:forEach name="Name9" axis="self" ptType="parTrans" cnt="1">
+                <dgm:layoutNode name="Name10">
+                  <dgm:alg type="conn">
+                    <dgm:param type="dim" val="1D"/>
+                    <dgm:param type="endSty" val="noArr"/>
+                    <dgm:param type="connRout" val="bend"/>
+                    <dgm:param type="bendPt" val="end"/>
+                    <dgm:param type="begPts" val="bCtr"/>
+                    <dgm:param type="endPts" val="tCtr"/>
+                    <dgm:param type="srcNode" val="background"/>
+                    <dgm:param type="dstNode" val="background2"/>
+                  </dgm:alg>
+                  <dgm:shape xmlns:r="http://schemas.openxmlformats.org/officeDocument/2006/relationships" type="conn" r:blip="" zOrderOff="-999">
+                    <dgm:adjLst/>
+                  </dgm:shape>
+                  <dgm:presOf axis="self"/>
+                  <dgm:constrLst>
+                    <dgm:constr type="begPad"/>
+                    <dgm:constr type="endPad"/>
+                  </dgm:constrLst>
+                  <dgm:ruleLst/>
+                </dgm:layoutNode>
+              </dgm:forEach>
+              <dgm:forEach name="Name11" axis="self" ptType="node">
+                <dgm:layoutNode name="hierRoot2">
+                  <dgm:alg type="hierRoot"/>
+                  <dgm:shape xmlns:r="http://schemas.openxmlformats.org/officeDocument/2006/relationships" r:blip="">
+                    <dgm:adjLst/>
+                  </dgm:shape>
+                  <dgm:presOf/>
+                  <dgm:constrLst>
+                    <dgm:constr type="bendDist" for="des" ptType="parTrans" refType="sp" fact="0.5"/>
+                  </dgm:constrLst>
+                  <dgm:ruleLst/>
+                  <dgm:layoutNode name="composite2">
+                    <dgm:alg type="composite"/>
+                    <dgm:shape xmlns:r="http://schemas.openxmlformats.org/officeDocument/2006/relationships" r:blip="">
+                      <dgm:adjLst/>
+                    </dgm:shape>
+                    <dgm:presOf/>
+                    <dgm:constrLst>
+                      <dgm:constr type="w" for="ch" forName="background2" refType="w" fact="0.9"/>
+                      <dgm:constr type="h" for="ch" forName="background2" refType="w" refFor="ch" refForName="background2" fact="0.635"/>
+                      <dgm:constr type="t" for="ch" forName="background2"/>
+                      <dgm:constr type="l" for="ch" forName="background2"/>
+                      <dgm:constr type="w" for="ch" forName="text2" refType="w" fact="0.9"/>
+                      <dgm:constr type="h" for="ch" forName="text2" refType="w" refFor="ch" refForName="text2" fact="0.635"/>
+                      <dgm:constr type="t" for="ch" forName="text2" refType="w" fact="0.095"/>
+                      <dgm:constr type="l" for="ch" forName="text2" refType="w" fact="0.1"/>
+                    </dgm:constrLst>
+                    <dgm:ruleLst/>
+                    <dgm:layoutNode name="background2" moveWith="text2">
+                      <dgm:alg type="sp"/>
+                      <dgm:shape xmlns:r="http://schemas.openxmlformats.org/officeDocument/2006/relationships" type="roundRect" r:blip="">
+                        <dgm:adjLst>
+                          <dgm:adj idx="1" val="0.1"/>
+                        </dgm:adjLst>
+                      </dgm:shape>
+                      <dgm:presOf/>
+                      <dgm:constrLst/>
+                      <dgm:ruleLst/>
+                    </dgm:layoutNode>
+                    <dgm:layoutNode name="text2" styleLbl="fgAcc2">
+                      <dgm:varLst>
+                        <dgm:chPref val="3"/>
+                      </dgm:varLst>
+                      <dgm:alg type="tx"/>
+                      <dgm:shape xmlns:r="http://schemas.openxmlformats.org/officeDocument/2006/relationships" type="roundRect" r:blip="">
+                        <dgm:adjLst>
+                          <dgm:adj idx="1" val="0.1"/>
+                        </dgm:adjLst>
+                      </dgm:shape>
+                      <dgm:presOf axis="self"/>
+                      <dgm:constrLst>
+                        <dgm:constr type="tMarg" refType="primFontSz" fact="0.3"/>
+                        <dgm:constr type="bMarg" refType="primFontSz" fact="0.3"/>
+                        <dgm:constr type="lMarg" refType="primFontSz" fact="0.3"/>
+                        <dgm:constr type="rMarg" refType="primFontSz" fact="0.3"/>
+                      </dgm:constrLst>
+                      <dgm:ruleLst>
+                        <dgm:rule type="primFontSz" val="5" fact="NaN" max="NaN"/>
+                      </dgm:ruleLst>
+                    </dgm:layoutNode>
+                  </dgm:layoutNode>
+                  <dgm:layoutNode name="hierChild3">
+                    <dgm:choose name="Name12">
+                      <dgm:if name="Name13" func="var" arg="dir" op="equ" val="norm">
+                        <dgm:alg type="hierChild">
+                          <dgm:param type="linDir" val="fromL"/>
+                        </dgm:alg>
+                      </dgm:if>
+                      <dgm:else name="Name14">
+                        <dgm:alg type="hierChild">
+                          <dgm:param type="linDir" val="fromR"/>
+                        </dgm:alg>
+                      </dgm:else>
+                    </dgm:choose>
+                    <dgm:shape xmlns:r="http://schemas.openxmlformats.org/officeDocument/2006/relationships" r:blip="">
+                      <dgm:adjLst/>
+                    </dgm:shape>
+                    <dgm:presOf/>
+                    <dgm:constrLst/>
+                    <dgm:ruleLst/>
+                    <dgm:forEach name="Name15" axis="ch">
+                      <dgm:forEach name="Name16" axis="self" ptType="parTrans" cnt="1">
+                        <dgm:layoutNode name="Name17">
+                          <dgm:alg type="conn">
+                            <dgm:param type="dim" val="1D"/>
+                            <dgm:param type="endSty" val="noArr"/>
+                            <dgm:param type="connRout" val="bend"/>
+                            <dgm:param type="bendPt" val="end"/>
+                            <dgm:param type="begPts" val="bCtr"/>
+                            <dgm:param type="endPts" val="tCtr"/>
+                            <dgm:param type="srcNode" val="background2"/>
+                            <dgm:param type="dstNode" val="background3"/>
+                          </dgm:alg>
+                          <dgm:shape xmlns:r="http://schemas.openxmlformats.org/officeDocument/2006/relationships" type="conn" r:blip="" zOrderOff="-999">
+                            <dgm:adjLst/>
+                          </dgm:shape>
+                          <dgm:presOf axis="self"/>
+                          <dgm:constrLst>
+                            <dgm:constr type="begPad"/>
+                            <dgm:constr type="endPad"/>
+                          </dgm:constrLst>
+                          <dgm:ruleLst/>
+                        </dgm:layoutNode>
+                      </dgm:forEach>
+                      <dgm:forEach name="Name18" axis="self" ptType="node">
+                        <dgm:layoutNode name="hierRoot3">
+                          <dgm:alg type="hierRoot"/>
+                          <dgm:shape xmlns:r="http://schemas.openxmlformats.org/officeDocument/2006/relationships" r:blip="">
+                            <dgm:adjLst/>
+                          </dgm:shape>
+                          <dgm:presOf/>
+                          <dgm:constrLst>
+                            <dgm:constr type="bendDist" for="des" ptType="parTrans" refType="sp" fact="0.5"/>
+                          </dgm:constrLst>
+                          <dgm:ruleLst/>
+                          <dgm:layoutNode name="composite3">
+                            <dgm:alg type="composite"/>
+                            <dgm:shape xmlns:r="http://schemas.openxmlformats.org/officeDocument/2006/relationships" r:blip="">
+                              <dgm:adjLst/>
+                            </dgm:shape>
+                            <dgm:presOf/>
+                            <dgm:constrLst>
+                              <dgm:constr type="w" for="ch" forName="background3" refType="w" fact="0.9"/>
+                              <dgm:constr type="h" for="ch" forName="background3" refType="w" refFor="ch" refForName="background3" fact="0.635"/>
+                              <dgm:constr type="t" for="ch" forName="background3"/>
+                              <dgm:constr type="l" for="ch" forName="background3"/>
+                              <dgm:constr type="w" for="ch" forName="text3" refType="w" fact="0.9"/>
+                              <dgm:constr type="h" for="ch" forName="text3" refType="w" refFor="ch" refForName="text3" fact="0.635"/>
+                              <dgm:constr type="t" for="ch" forName="text3" refType="w" fact="0.095"/>
+                              <dgm:constr type="l" for="ch" forName="text3" refType="w" fact="0.1"/>
+                            </dgm:constrLst>
+                            <dgm:ruleLst/>
+                            <dgm:layoutNode name="background3" moveWith="text3">
+                              <dgm:alg type="sp"/>
+                              <dgm:shape xmlns:r="http://schemas.openxmlformats.org/officeDocument/2006/relationships" type="roundRect" r:blip="">
+                                <dgm:adjLst>
+                                  <dgm:adj idx="1" val="0.1"/>
+                                </dgm:adjLst>
+                              </dgm:shape>
+                              <dgm:presOf/>
+                              <dgm:constrLst/>
+                              <dgm:ruleLst/>
+                            </dgm:layoutNode>
+                            <dgm:layoutNode name="text3" styleLbl="fgAcc3">
+                              <dgm:varLst>
+                                <dgm:chPref val="3"/>
+                              </dgm:varLst>
+                              <dgm:alg type="tx"/>
+                              <dgm:shape xmlns:r="http://schemas.openxmlformats.org/officeDocument/2006/relationships" type="roundRect" r:blip="">
+                                <dgm:adjLst>
+                                  <dgm:adj idx="1" val="0.1"/>
+                                </dgm:adjLst>
+                              </dgm:shape>
+                              <dgm:presOf axis="self"/>
+                              <dgm:constrLst>
+                                <dgm:constr type="tMarg" refType="primFontSz" fact="0.3"/>
+                                <dgm:constr type="bMarg" refType="primFontSz" fact="0.3"/>
+                                <dgm:constr type="lMarg" refType="primFontSz" fact="0.3"/>
+                                <dgm:constr type="rMarg" refType="primFontSz" fact="0.3"/>
+                              </dgm:constrLst>
+                              <dgm:ruleLst>
+                                <dgm:rule type="primFontSz" val="5" fact="NaN" max="NaN"/>
+                              </dgm:ruleLst>
+                            </dgm:layoutNode>
+                          </dgm:layoutNode>
+                          <dgm:layoutNode name="hierChild4">
+                            <dgm:choose name="Name19">
+                              <dgm:if name="Name20" func="var" arg="dir" op="equ" val="norm">
+                                <dgm:alg type="hierChild">
+                                  <dgm:param type="linDir" val="fromL"/>
+                                </dgm:alg>
+                              </dgm:if>
+                              <dgm:else name="Name21">
+                                <dgm:alg type="hierChild">
+                                  <dgm:param type="linDir" val="fromR"/>
+                                </dgm:alg>
+                              </dgm:else>
+                            </dgm:choose>
+                            <dgm:shape xmlns:r="http://schemas.openxmlformats.org/officeDocument/2006/relationships" r:blip="">
+                              <dgm:adjLst/>
+                            </dgm:shape>
+                            <dgm:presOf/>
+                            <dgm:constrLst/>
+                            <dgm:ruleLst/>
+                            <dgm:forEach name="repeat" axis="ch">
+                              <dgm:forEach name="Name22" axis="self" ptType="parTrans" cnt="1">
+                                <dgm:layoutNode name="Name23">
+                                  <dgm:choose name="Name24">
+                                    <dgm:if name="Name25" axis="self" func="depth" op="lte" val="4">
+                                      <dgm:alg type="conn">
+                                        <dgm:param type="dim" val="1D"/>
+                                        <dgm:param type="endSty" val="noArr"/>
+                                        <dgm:param type="connRout" val="bend"/>
+                                        <dgm:param type="bendPt" val="end"/>
+                                        <dgm:param type="begPts" val="bCtr"/>
+                                        <dgm:param type="endPts" val="tCtr"/>
+                                        <dgm:param type="srcNode" val="background3"/>
+                                        <dgm:param type="dstNode" val="background4"/>
+                                      </dgm:alg>
+                                    </dgm:if>
+                                    <dgm:else name="Name26">
+                                      <dgm:alg type="conn">
+                                        <dgm:param type="dim" val="1D"/>
+                                        <dgm:param type="endSty" val="noArr"/>
+                                        <dgm:param type="connRout" val="bend"/>
+                                        <dgm:param type="bendPt" val="end"/>
+                                        <dgm:param type="begPts" val="bCtr"/>
+                                        <dgm:param type="endPts" val="tCtr"/>
+                                        <dgm:param type="srcNode" val="background4"/>
+                                        <dgm:param type="dstNode" val="background4"/>
+                                      </dgm:alg>
+                                    </dgm:else>
+                                  </dgm:choose>
+                                  <dgm:shape xmlns:r="http://schemas.openxmlformats.org/officeDocument/2006/relationships" type="conn" r:blip="" zOrderOff="-999">
+                                    <dgm:adjLst/>
+                                  </dgm:shape>
+                                  <dgm:presOf axis="self"/>
+                                  <dgm:constrLst>
+                                    <dgm:constr type="begPad"/>
+                                    <dgm:constr type="endPad"/>
+                                  </dgm:constrLst>
+                                  <dgm:ruleLst/>
+                                </dgm:layoutNode>
+                              </dgm:forEach>
+                              <dgm:forEach name="Name27" axis="self" ptType="node">
+                                <dgm:layoutNode name="hierRoot4">
+                                  <dgm:alg type="hierRoot"/>
+                                  <dgm:shape xmlns:r="http://schemas.openxmlformats.org/officeDocument/2006/relationships" r:blip="">
+                                    <dgm:adjLst/>
+                                  </dgm:shape>
+                                  <dgm:presOf/>
+                                  <dgm:constrLst>
+                                    <dgm:constr type="bendDist" for="des" ptType="parTrans" refType="sp" fact="0.5"/>
+                                  </dgm:constrLst>
+                                  <dgm:ruleLst/>
+                                  <dgm:layoutNode name="composite4">
+                                    <dgm:alg type="composite"/>
+                                    <dgm:shape xmlns:r="http://schemas.openxmlformats.org/officeDocument/2006/relationships" r:blip="">
+                                      <dgm:adjLst/>
+                                    </dgm:shape>
+                                    <dgm:presOf/>
+                                    <dgm:constrLst>
+                                      <dgm:constr type="w" for="ch" forName="background4" refType="w" fact="0.9"/>
+                                      <dgm:constr type="h" for="ch" forName="background4" refType="w" refFor="ch" refForName="background4" fact="0.635"/>
+                                      <dgm:constr type="t" for="ch" forName="background4"/>
+                                      <dgm:constr type="l" for="ch" forName="background4"/>
+                                      <dgm:constr type="w" for="ch" forName="text4" refType="w" fact="0.9"/>
+                                      <dgm:constr type="h" for="ch" forName="text4" refType="w" refFor="ch" refForName="text4" fact="0.635"/>
+                                      <dgm:constr type="t" for="ch" forName="text4" refType="w" fact="0.095"/>
+                                      <dgm:constr type="l" for="ch" forName="text4" refType="w" fact="0.1"/>
+                                    </dgm:constrLst>
+                                    <dgm:ruleLst/>
+                                    <dgm:layoutNode name="background4" moveWith="text4">
+                                      <dgm:alg type="sp"/>
+                                      <dgm:shape xmlns:r="http://schemas.openxmlformats.org/officeDocument/2006/relationships" type="roundRect" r:blip="">
+                                        <dgm:adjLst>
+                                          <dgm:adj idx="1" val="0.1"/>
+                                        </dgm:adjLst>
+                                      </dgm:shape>
+                                      <dgm:presOf/>
+                                      <dgm:constrLst/>
+                                      <dgm:ruleLst/>
+                                    </dgm:layoutNode>
+                                    <dgm:layoutNode name="text4" styleLbl="fgAcc4">
+                                      <dgm:varLst>
+                                        <dgm:chPref val="3"/>
+                                      </dgm:varLst>
+                                      <dgm:alg type="tx"/>
+                                      <dgm:shape xmlns:r="http://schemas.openxmlformats.org/officeDocument/2006/relationships" type="roundRect" r:blip="">
+                                        <dgm:adjLst>
+                                          <dgm:adj idx="1" val="0.1"/>
+                                        </dgm:adjLst>
+                                      </dgm:shape>
+                                      <dgm:presOf axis="self"/>
+                                      <dgm:constrLst>
+                                        <dgm:constr type="tMarg" refType="primFontSz" fact="0.3"/>
+                                        <dgm:constr type="bMarg" refType="primFontSz" fact="0.3"/>
+                                        <dgm:constr type="lMarg" refType="primFontSz" fact="0.3"/>
+                                        <dgm:constr type="rMarg" refType="primFontSz" fact="0.3"/>
+                                      </dgm:constrLst>
+                                      <dgm:ruleLst>
+                                        <dgm:rule type="primFontSz" val="5" fact="NaN" max="NaN"/>
+                                      </dgm:ruleLst>
+                                    </dgm:layoutNode>
+                                  </dgm:layoutNode>
+                                  <dgm:layoutNode name="hierChild5">
+                                    <dgm:choose name="Name28">
+                                      <dgm:if name="Name29" func="var" arg="dir" op="equ" val="norm">
+                                        <dgm:alg type="hierChild">
+                                          <dgm:param type="linDir" val="fromL"/>
+                                        </dgm:alg>
+                                      </dgm:if>
+                                      <dgm:else name="Name30">
+                                        <dgm:alg type="hierChild">
+                                          <dgm:param type="linDir" val="fromR"/>
+                                        </dgm:alg>
+                                      </dgm:else>
+                                    </dgm:choose>
+                                    <dgm:shape xmlns:r="http://schemas.openxmlformats.org/officeDocument/2006/relationships" r:blip="">
+                                      <dgm:adjLst/>
+                                    </dgm:shape>
+                                    <dgm:presOf/>
+                                    <dgm:constrLst/>
+                                    <dgm:ruleLst/>
+                                    <dgm:forEach name="Name31" ref="repeat"/>
+                                  </dgm:layoutNode>
+                                </dgm:layoutNode>
+                              </dgm:forEach>
+                            </dgm:forEach>
+                          </dgm:layoutNode>
+                        </dgm:layoutNode>
+                      </dgm:forEach>
+                    </dgm:forEach>
+                  </dgm:layoutNode>
+                </dgm:layoutNode>
+              </dgm:forEach>
+            </dgm:forEach>
+          </dgm:layoutNode>
+        </dgm:layoutNode>
+      </dgm:forEach>
+    </dgm:forEach>
+  </dgm:layoutNode>
+</dgm:layoutDef>
+</file>
+
 <file path=ppt/diagrams/quickStyle1.xml><?xml version="1.0" encoding="utf-8"?>
 <dgm:styleDef xmlns:dgm="http://schemas.openxmlformats.org/drawingml/2006/diagram" xmlns:a="http://schemas.openxmlformats.org/drawingml/2006/main" uniqueId="urn:microsoft.com/office/officeart/2005/8/quickstyle/simple1">
   <dgm:title val=""/>
@@ -11105,6 +14470,1040 @@
 </file>
 
 <file path=ppt/diagrams/quickStyle2.xml><?xml version="1.0" encoding="utf-8"?>
+<dgm:styleDef xmlns:dgm="http://schemas.openxmlformats.org/drawingml/2006/diagram" xmlns:a="http://schemas.openxmlformats.org/drawingml/2006/main" uniqueId="urn:microsoft.com/office/officeart/2005/8/quickstyle/simple1">
+  <dgm:title val=""/>
+  <dgm:desc val=""/>
+  <dgm:catLst>
+    <dgm:cat type="simple" pri="10100"/>
+  </dgm:catLst>
+  <dgm:scene3d>
+    <a:camera prst="orthographicFront"/>
+    <a:lightRig rig="threePt" dir="t"/>
+  </dgm:scene3d>
+  <dgm:styleLbl name="node0">
+    <dgm:scene3d>
+      <a:camera prst="orthographicFront"/>
+      <a:lightRig rig="threePt" dir="t"/>
+    </dgm:scene3d>
+    <dgm:sp3d/>
+    <dgm:txPr/>
+    <dgm:style>
+      <a:lnRef idx="2">
+        <a:scrgbClr r="0" g="0" b="0"/>
+      </a:lnRef>
+      <a:fillRef idx="1">
+        <a:scrgbClr r="0" g="0" b="0"/>
+      </a:fillRef>
+      <a:effectRef idx="0">
+        <a:scrgbClr r="0" g="0" b="0"/>
+      </a:effectRef>
+      <a:fontRef idx="minor">
+        <a:schemeClr val="lt1"/>
+      </a:fontRef>
+    </dgm:style>
+  </dgm:styleLbl>
+  <dgm:styleLbl name="lnNode1">
+    <dgm:scene3d>
+      <a:camera prst="orthographicFront"/>
+      <a:lightRig rig="threePt" dir="t"/>
+    </dgm:scene3d>
+    <dgm:sp3d/>
+    <dgm:txPr/>
+    <dgm:style>
+      <a:lnRef idx="2">
+        <a:scrgbClr r="0" g="0" b="0"/>
+      </a:lnRef>
+      <a:fillRef idx="1">
+        <a:scrgbClr r="0" g="0" b="0"/>
+      </a:fillRef>
+      <a:effectRef idx="0">
+        <a:scrgbClr r="0" g="0" b="0"/>
+      </a:effectRef>
+      <a:fontRef idx="minor">
+        <a:schemeClr val="lt1"/>
+      </a:fontRef>
+    </dgm:style>
+  </dgm:styleLbl>
+  <dgm:styleLbl name="vennNode1">
+    <dgm:scene3d>
+      <a:camera prst="orthographicFront"/>
+      <a:lightRig rig="threePt" dir="t"/>
+    </dgm:scene3d>
+    <dgm:sp3d/>
+    <dgm:txPr/>
+    <dgm:style>
+      <a:lnRef idx="2">
+        <a:scrgbClr r="0" g="0" b="0"/>
+      </a:lnRef>
+      <a:fillRef idx="1">
+        <a:scrgbClr r="0" g="0" b="0"/>
+      </a:fillRef>
+      <a:effectRef idx="0">
+        <a:scrgbClr r="0" g="0" b="0"/>
+      </a:effectRef>
+      <a:fontRef idx="minor">
+        <a:schemeClr val="tx1"/>
+      </a:fontRef>
+    </dgm:style>
+  </dgm:styleLbl>
+  <dgm:styleLbl name="alignNode1">
+    <dgm:scene3d>
+      <a:camera prst="orthographicFront"/>
+      <a:lightRig rig="threePt" dir="t"/>
+    </dgm:scene3d>
+    <dgm:sp3d/>
+    <dgm:txPr/>
+    <dgm:style>
+      <a:lnRef idx="2">
+        <a:scrgbClr r="0" g="0" b="0"/>
+      </a:lnRef>
+      <a:fillRef idx="1">
+        <a:scrgbClr r="0" g="0" b="0"/>
+      </a:fillRef>
+      <a:effectRef idx="0">
+        <a:scrgbClr r="0" g="0" b="0"/>
+      </a:effectRef>
+      <a:fontRef idx="minor">
+        <a:schemeClr val="lt1"/>
+      </a:fontRef>
+    </dgm:style>
+  </dgm:styleLbl>
+  <dgm:styleLbl name="node1">
+    <dgm:scene3d>
+      <a:camera prst="orthographicFront"/>
+      <a:lightRig rig="threePt" dir="t"/>
+    </dgm:scene3d>
+    <dgm:sp3d/>
+    <dgm:txPr/>
+    <dgm:style>
+      <a:lnRef idx="2">
+        <a:scrgbClr r="0" g="0" b="0"/>
+      </a:lnRef>
+      <a:fillRef idx="1">
+        <a:scrgbClr r="0" g="0" b="0"/>
+      </a:fillRef>
+      <a:effectRef idx="0">
+        <a:scrgbClr r="0" g="0" b="0"/>
+      </a:effectRef>
+      <a:fontRef idx="minor">
+        <a:schemeClr val="lt1"/>
+      </a:fontRef>
+    </dgm:style>
+  </dgm:styleLbl>
+  <dgm:styleLbl name="node2">
+    <dgm:scene3d>
+      <a:camera prst="orthographicFront"/>
+      <a:lightRig rig="threePt" dir="t"/>
+    </dgm:scene3d>
+    <dgm:sp3d/>
+    <dgm:txPr/>
+    <dgm:style>
+      <a:lnRef idx="2">
+        <a:scrgbClr r="0" g="0" b="0"/>
+      </a:lnRef>
+      <a:fillRef idx="1">
+        <a:scrgbClr r="0" g="0" b="0"/>
+      </a:fillRef>
+      <a:effectRef idx="0">
+        <a:scrgbClr r="0" g="0" b="0"/>
+      </a:effectRef>
+      <a:fontRef idx="minor">
+        <a:schemeClr val="lt1"/>
+      </a:fontRef>
+    </dgm:style>
+  </dgm:styleLbl>
+  <dgm:styleLbl name="node3">
+    <dgm:scene3d>
+      <a:camera prst="orthographicFront"/>
+      <a:lightRig rig="threePt" dir="t"/>
+    </dgm:scene3d>
+    <dgm:sp3d/>
+    <dgm:txPr/>
+    <dgm:style>
+      <a:lnRef idx="2">
+        <a:scrgbClr r="0" g="0" b="0"/>
+      </a:lnRef>
+      <a:fillRef idx="1">
+        <a:scrgbClr r="0" g="0" b="0"/>
+      </a:fillRef>
+      <a:effectRef idx="0">
+        <a:scrgbClr r="0" g="0" b="0"/>
+      </a:effectRef>
+      <a:fontRef idx="minor">
+        <a:schemeClr val="lt1"/>
+      </a:fontRef>
+    </dgm:style>
+  </dgm:styleLbl>
+  <dgm:styleLbl name="node4">
+    <dgm:scene3d>
+      <a:camera prst="orthographicFront"/>
+      <a:lightRig rig="threePt" dir="t"/>
+    </dgm:scene3d>
+    <dgm:sp3d/>
+    <dgm:txPr/>
+    <dgm:style>
+      <a:lnRef idx="2">
+        <a:scrgbClr r="0" g="0" b="0"/>
+      </a:lnRef>
+      <a:fillRef idx="1">
+        <a:scrgbClr r="0" g="0" b="0"/>
+      </a:fillRef>
+      <a:effectRef idx="0">
+        <a:scrgbClr r="0" g="0" b="0"/>
+      </a:effectRef>
+      <a:fontRef idx="minor">
+        <a:schemeClr val="lt1"/>
+      </a:fontRef>
+    </dgm:style>
+  </dgm:styleLbl>
+  <dgm:styleLbl name="fgImgPlace1">
+    <dgm:scene3d>
+      <a:camera prst="orthographicFront"/>
+      <a:lightRig rig="threePt" dir="t"/>
+    </dgm:scene3d>
+    <dgm:sp3d/>
+    <dgm:txPr/>
+    <dgm:style>
+      <a:lnRef idx="2">
+        <a:scrgbClr r="0" g="0" b="0"/>
+      </a:lnRef>
+      <a:fillRef idx="1">
+        <a:scrgbClr r="0" g="0" b="0"/>
+      </a:fillRef>
+      <a:effectRef idx="0">
+        <a:scrgbClr r="0" g="0" b="0"/>
+      </a:effectRef>
+      <a:fontRef idx="minor"/>
+    </dgm:style>
+  </dgm:styleLbl>
+  <dgm:styleLbl name="alignImgPlace1">
+    <dgm:scene3d>
+      <a:camera prst="orthographicFront"/>
+      <a:lightRig rig="threePt" dir="t"/>
+    </dgm:scene3d>
+    <dgm:sp3d/>
+    <dgm:txPr/>
+    <dgm:style>
+      <a:lnRef idx="2">
+        <a:scrgbClr r="0" g="0" b="0"/>
+      </a:lnRef>
+      <a:fillRef idx="1">
+        <a:scrgbClr r="0" g="0" b="0"/>
+      </a:fillRef>
+      <a:effectRef idx="0">
+        <a:scrgbClr r="0" g="0" b="0"/>
+      </a:effectRef>
+      <a:fontRef idx="minor"/>
+    </dgm:style>
+  </dgm:styleLbl>
+  <dgm:styleLbl name="bgImgPlace1">
+    <dgm:scene3d>
+      <a:camera prst="orthographicFront"/>
+      <a:lightRig rig="threePt" dir="t"/>
+    </dgm:scene3d>
+    <dgm:sp3d/>
+    <dgm:txPr/>
+    <dgm:style>
+      <a:lnRef idx="2">
+        <a:scrgbClr r="0" g="0" b="0"/>
+      </a:lnRef>
+      <a:fillRef idx="1">
+        <a:scrgbClr r="0" g="0" b="0"/>
+      </a:fillRef>
+      <a:effectRef idx="0">
+        <a:scrgbClr r="0" g="0" b="0"/>
+      </a:effectRef>
+      <a:fontRef idx="minor"/>
+    </dgm:style>
+  </dgm:styleLbl>
+  <dgm:styleLbl name="sibTrans2D1">
+    <dgm:scene3d>
+      <a:camera prst="orthographicFront"/>
+      <a:lightRig rig="threePt" dir="t"/>
+    </dgm:scene3d>
+    <dgm:sp3d/>
+    <dgm:txPr/>
+    <dgm:style>
+      <a:lnRef idx="0">
+        <a:scrgbClr r="0" g="0" b="0"/>
+      </a:lnRef>
+      <a:fillRef idx="1">
+        <a:scrgbClr r="0" g="0" b="0"/>
+      </a:fillRef>
+      <a:effectRef idx="0">
+        <a:scrgbClr r="0" g="0" b="0"/>
+      </a:effectRef>
+      <a:fontRef idx="minor">
+        <a:schemeClr val="lt1"/>
+      </a:fontRef>
+    </dgm:style>
+  </dgm:styleLbl>
+  <dgm:styleLbl name="fgSibTrans2D1">
+    <dgm:scene3d>
+      <a:camera prst="orthographicFront"/>
+      <a:lightRig rig="threePt" dir="t"/>
+    </dgm:scene3d>
+    <dgm:sp3d/>
+    <dgm:txPr/>
+    <dgm:style>
+      <a:lnRef idx="0">
+        <a:scrgbClr r="0" g="0" b="0"/>
+      </a:lnRef>
+      <a:fillRef idx="1">
+        <a:scrgbClr r="0" g="0" b="0"/>
+      </a:fillRef>
+      <a:effectRef idx="0">
+        <a:scrgbClr r="0" g="0" b="0"/>
+      </a:effectRef>
+      <a:fontRef idx="minor">
+        <a:schemeClr val="lt1"/>
+      </a:fontRef>
+    </dgm:style>
+  </dgm:styleLbl>
+  <dgm:styleLbl name="bgSibTrans2D1">
+    <dgm:scene3d>
+      <a:camera prst="orthographicFront"/>
+      <a:lightRig rig="threePt" dir="t"/>
+    </dgm:scene3d>
+    <dgm:sp3d/>
+    <dgm:txPr/>
+    <dgm:style>
+      <a:lnRef idx="0">
+        <a:scrgbClr r="0" g="0" b="0"/>
+      </a:lnRef>
+      <a:fillRef idx="1">
+        <a:scrgbClr r="0" g="0" b="0"/>
+      </a:fillRef>
+      <a:effectRef idx="0">
+        <a:scrgbClr r="0" g="0" b="0"/>
+      </a:effectRef>
+      <a:fontRef idx="minor">
+        <a:schemeClr val="lt1"/>
+      </a:fontRef>
+    </dgm:style>
+  </dgm:styleLbl>
+  <dgm:styleLbl name="sibTrans1D1">
+    <dgm:scene3d>
+      <a:camera prst="orthographicFront"/>
+      <a:lightRig rig="threePt" dir="t"/>
+    </dgm:scene3d>
+    <dgm:sp3d/>
+    <dgm:txPr/>
+    <dgm:style>
+      <a:lnRef idx="1">
+        <a:scrgbClr r="0" g="0" b="0"/>
+      </a:lnRef>
+      <a:fillRef idx="0">
+        <a:scrgbClr r="0" g="0" b="0"/>
+      </a:fillRef>
+      <a:effectRef idx="0">
+        <a:scrgbClr r="0" g="0" b="0"/>
+      </a:effectRef>
+      <a:fontRef idx="minor"/>
+    </dgm:style>
+  </dgm:styleLbl>
+  <dgm:styleLbl name="callout">
+    <dgm:scene3d>
+      <a:camera prst="orthographicFront"/>
+      <a:lightRig rig="threePt" dir="t"/>
+    </dgm:scene3d>
+    <dgm:sp3d/>
+    <dgm:txPr/>
+    <dgm:style>
+      <a:lnRef idx="2">
+        <a:scrgbClr r="0" g="0" b="0"/>
+      </a:lnRef>
+      <a:fillRef idx="1">
+        <a:scrgbClr r="0" g="0" b="0"/>
+      </a:fillRef>
+      <a:effectRef idx="0">
+        <a:scrgbClr r="0" g="0" b="0"/>
+      </a:effectRef>
+      <a:fontRef idx="minor"/>
+    </dgm:style>
+  </dgm:styleLbl>
+  <dgm:styleLbl name="asst0">
+    <dgm:scene3d>
+      <a:camera prst="orthographicFront"/>
+      <a:lightRig rig="threePt" dir="t"/>
+    </dgm:scene3d>
+    <dgm:sp3d/>
+    <dgm:txPr/>
+    <dgm:style>
+      <a:lnRef idx="2">
+        <a:scrgbClr r="0" g="0" b="0"/>
+      </a:lnRef>
+      <a:fillRef idx="1">
+        <a:scrgbClr r="0" g="0" b="0"/>
+      </a:fillRef>
+      <a:effectRef idx="0">
+        <a:scrgbClr r="0" g="0" b="0"/>
+      </a:effectRef>
+      <a:fontRef idx="minor">
+        <a:schemeClr val="lt1"/>
+      </a:fontRef>
+    </dgm:style>
+  </dgm:styleLbl>
+  <dgm:styleLbl name="asst1">
+    <dgm:scene3d>
+      <a:camera prst="orthographicFront"/>
+      <a:lightRig rig="threePt" dir="t"/>
+    </dgm:scene3d>
+    <dgm:sp3d/>
+    <dgm:txPr/>
+    <dgm:style>
+      <a:lnRef idx="2">
+        <a:scrgbClr r="0" g="0" b="0"/>
+      </a:lnRef>
+      <a:fillRef idx="1">
+        <a:scrgbClr r="0" g="0" b="0"/>
+      </a:fillRef>
+      <a:effectRef idx="0">
+        <a:scrgbClr r="0" g="0" b="0"/>
+      </a:effectRef>
+      <a:fontRef idx="minor">
+        <a:schemeClr val="lt1"/>
+      </a:fontRef>
+    </dgm:style>
+  </dgm:styleLbl>
+  <dgm:styleLbl name="asst2">
+    <dgm:scene3d>
+      <a:camera prst="orthographicFront"/>
+      <a:lightRig rig="threePt" dir="t"/>
+    </dgm:scene3d>
+    <dgm:sp3d/>
+    <dgm:txPr/>
+    <dgm:style>
+      <a:lnRef idx="2">
+        <a:scrgbClr r="0" g="0" b="0"/>
+      </a:lnRef>
+      <a:fillRef idx="1">
+        <a:scrgbClr r="0" g="0" b="0"/>
+      </a:fillRef>
+      <a:effectRef idx="0">
+        <a:scrgbClr r="0" g="0" b="0"/>
+      </a:effectRef>
+      <a:fontRef idx="minor">
+        <a:schemeClr val="lt1"/>
+      </a:fontRef>
+    </dgm:style>
+  </dgm:styleLbl>
+  <dgm:styleLbl name="asst3">
+    <dgm:scene3d>
+      <a:camera prst="orthographicFront"/>
+      <a:lightRig rig="threePt" dir="t"/>
+    </dgm:scene3d>
+    <dgm:sp3d/>
+    <dgm:txPr/>
+    <dgm:style>
+      <a:lnRef idx="2">
+        <a:scrgbClr r="0" g="0" b="0"/>
+      </a:lnRef>
+      <a:fillRef idx="1">
+        <a:scrgbClr r="0" g="0" b="0"/>
+      </a:fillRef>
+      <a:effectRef idx="0">
+        <a:scrgbClr r="0" g="0" b="0"/>
+      </a:effectRef>
+      <a:fontRef idx="minor">
+        <a:schemeClr val="lt1"/>
+      </a:fontRef>
+    </dgm:style>
+  </dgm:styleLbl>
+  <dgm:styleLbl name="asst4">
+    <dgm:scene3d>
+      <a:camera prst="orthographicFront"/>
+      <a:lightRig rig="threePt" dir="t"/>
+    </dgm:scene3d>
+    <dgm:sp3d/>
+    <dgm:txPr/>
+    <dgm:style>
+      <a:lnRef idx="2">
+        <a:scrgbClr r="0" g="0" b="0"/>
+      </a:lnRef>
+      <a:fillRef idx="1">
+        <a:scrgbClr r="0" g="0" b="0"/>
+      </a:fillRef>
+      <a:effectRef idx="0">
+        <a:scrgbClr r="0" g="0" b="0"/>
+      </a:effectRef>
+      <a:fontRef idx="minor">
+        <a:schemeClr val="lt1"/>
+      </a:fontRef>
+    </dgm:style>
+  </dgm:styleLbl>
+  <dgm:styleLbl name="parChTrans2D1">
+    <dgm:scene3d>
+      <a:camera prst="orthographicFront"/>
+      <a:lightRig rig="threePt" dir="t"/>
+    </dgm:scene3d>
+    <dgm:sp3d/>
+    <dgm:txPr/>
+    <dgm:style>
+      <a:lnRef idx="2">
+        <a:scrgbClr r="0" g="0" b="0"/>
+      </a:lnRef>
+      <a:fillRef idx="1">
+        <a:scrgbClr r="0" g="0" b="0"/>
+      </a:fillRef>
+      <a:effectRef idx="0">
+        <a:scrgbClr r="0" g="0" b="0"/>
+      </a:effectRef>
+      <a:fontRef idx="minor">
+        <a:schemeClr val="lt1"/>
+      </a:fontRef>
+    </dgm:style>
+  </dgm:styleLbl>
+  <dgm:styleLbl name="parChTrans2D2">
+    <dgm:scene3d>
+      <a:camera prst="orthographicFront"/>
+      <a:lightRig rig="threePt" dir="t"/>
+    </dgm:scene3d>
+    <dgm:sp3d/>
+    <dgm:txPr/>
+    <dgm:style>
+      <a:lnRef idx="2">
+        <a:scrgbClr r="0" g="0" b="0"/>
+      </a:lnRef>
+      <a:fillRef idx="1">
+        <a:scrgbClr r="0" g="0" b="0"/>
+      </a:fillRef>
+      <a:effectRef idx="0">
+        <a:scrgbClr r="0" g="0" b="0"/>
+      </a:effectRef>
+      <a:fontRef idx="minor">
+        <a:schemeClr val="lt1"/>
+      </a:fontRef>
+    </dgm:style>
+  </dgm:styleLbl>
+  <dgm:styleLbl name="parChTrans2D3">
+    <dgm:scene3d>
+      <a:camera prst="orthographicFront"/>
+      <a:lightRig rig="threePt" dir="t"/>
+    </dgm:scene3d>
+    <dgm:sp3d/>
+    <dgm:txPr/>
+    <dgm:style>
+      <a:lnRef idx="2">
+        <a:scrgbClr r="0" g="0" b="0"/>
+      </a:lnRef>
+      <a:fillRef idx="1">
+        <a:scrgbClr r="0" g="0" b="0"/>
+      </a:fillRef>
+      <a:effectRef idx="0">
+        <a:scrgbClr r="0" g="0" b="0"/>
+      </a:effectRef>
+      <a:fontRef idx="minor">
+        <a:schemeClr val="lt1"/>
+      </a:fontRef>
+    </dgm:style>
+  </dgm:styleLbl>
+  <dgm:styleLbl name="parChTrans2D4">
+    <dgm:scene3d>
+      <a:camera prst="orthographicFront"/>
+      <a:lightRig rig="threePt" dir="t"/>
+    </dgm:scene3d>
+    <dgm:sp3d/>
+    <dgm:txPr/>
+    <dgm:style>
+      <a:lnRef idx="2">
+        <a:scrgbClr r="0" g="0" b="0"/>
+      </a:lnRef>
+      <a:fillRef idx="1">
+        <a:scrgbClr r="0" g="0" b="0"/>
+      </a:fillRef>
+      <a:effectRef idx="0">
+        <a:scrgbClr r="0" g="0" b="0"/>
+      </a:effectRef>
+      <a:fontRef idx="minor">
+        <a:schemeClr val="lt1"/>
+      </a:fontRef>
+    </dgm:style>
+  </dgm:styleLbl>
+  <dgm:styleLbl name="parChTrans1D1">
+    <dgm:scene3d>
+      <a:camera prst="orthographicFront"/>
+      <a:lightRig rig="threePt" dir="t"/>
+    </dgm:scene3d>
+    <dgm:sp3d/>
+    <dgm:txPr/>
+    <dgm:style>
+      <a:lnRef idx="2">
+        <a:scrgbClr r="0" g="0" b="0"/>
+      </a:lnRef>
+      <a:fillRef idx="0">
+        <a:scrgbClr r="0" g="0" b="0"/>
+      </a:fillRef>
+      <a:effectRef idx="0">
+        <a:scrgbClr r="0" g="0" b="0"/>
+      </a:effectRef>
+      <a:fontRef idx="minor"/>
+    </dgm:style>
+  </dgm:styleLbl>
+  <dgm:styleLbl name="parChTrans1D2">
+    <dgm:scene3d>
+      <a:camera prst="orthographicFront"/>
+      <a:lightRig rig="threePt" dir="t"/>
+    </dgm:scene3d>
+    <dgm:sp3d/>
+    <dgm:txPr/>
+    <dgm:style>
+      <a:lnRef idx="2">
+        <a:scrgbClr r="0" g="0" b="0"/>
+      </a:lnRef>
+      <a:fillRef idx="0">
+        <a:scrgbClr r="0" g="0" b="0"/>
+      </a:fillRef>
+      <a:effectRef idx="0">
+        <a:scrgbClr r="0" g="0" b="0"/>
+      </a:effectRef>
+      <a:fontRef idx="minor"/>
+    </dgm:style>
+  </dgm:styleLbl>
+  <dgm:styleLbl name="parChTrans1D3">
+    <dgm:scene3d>
+      <a:camera prst="orthographicFront"/>
+      <a:lightRig rig="threePt" dir="t"/>
+    </dgm:scene3d>
+    <dgm:sp3d/>
+    <dgm:txPr/>
+    <dgm:style>
+      <a:lnRef idx="2">
+        <a:scrgbClr r="0" g="0" b="0"/>
+      </a:lnRef>
+      <a:fillRef idx="0">
+        <a:scrgbClr r="0" g="0" b="0"/>
+      </a:fillRef>
+      <a:effectRef idx="0">
+        <a:scrgbClr r="0" g="0" b="0"/>
+      </a:effectRef>
+      <a:fontRef idx="minor"/>
+    </dgm:style>
+  </dgm:styleLbl>
+  <dgm:styleLbl name="parChTrans1D4">
+    <dgm:scene3d>
+      <a:camera prst="orthographicFront"/>
+      <a:lightRig rig="threePt" dir="t"/>
+    </dgm:scene3d>
+    <dgm:sp3d/>
+    <dgm:txPr/>
+    <dgm:style>
+      <a:lnRef idx="2">
+        <a:scrgbClr r="0" g="0" b="0"/>
+      </a:lnRef>
+      <a:fillRef idx="0">
+        <a:scrgbClr r="0" g="0" b="0"/>
+      </a:fillRef>
+      <a:effectRef idx="0">
+        <a:scrgbClr r="0" g="0" b="0"/>
+      </a:effectRef>
+      <a:fontRef idx="minor"/>
+    </dgm:style>
+  </dgm:styleLbl>
+  <dgm:styleLbl name="fgAcc1">
+    <dgm:scene3d>
+      <a:camera prst="orthographicFront"/>
+      <a:lightRig rig="threePt" dir="t"/>
+    </dgm:scene3d>
+    <dgm:sp3d/>
+    <dgm:txPr/>
+    <dgm:style>
+      <a:lnRef idx="2">
+        <a:scrgbClr r="0" g="0" b="0"/>
+      </a:lnRef>
+      <a:fillRef idx="1">
+        <a:scrgbClr r="0" g="0" b="0"/>
+      </a:fillRef>
+      <a:effectRef idx="0">
+        <a:scrgbClr r="0" g="0" b="0"/>
+      </a:effectRef>
+      <a:fontRef idx="minor"/>
+    </dgm:style>
+  </dgm:styleLbl>
+  <dgm:styleLbl name="conFgAcc1">
+    <dgm:scene3d>
+      <a:camera prst="orthographicFront"/>
+      <a:lightRig rig="threePt" dir="t"/>
+    </dgm:scene3d>
+    <dgm:sp3d/>
+    <dgm:txPr/>
+    <dgm:style>
+      <a:lnRef idx="2">
+        <a:scrgbClr r="0" g="0" b="0"/>
+      </a:lnRef>
+      <a:fillRef idx="1">
+        <a:scrgbClr r="0" g="0" b="0"/>
+      </a:fillRef>
+      <a:effectRef idx="0">
+        <a:scrgbClr r="0" g="0" b="0"/>
+      </a:effectRef>
+      <a:fontRef idx="minor"/>
+    </dgm:style>
+  </dgm:styleLbl>
+  <dgm:styleLbl name="alignAcc1">
+    <dgm:scene3d>
+      <a:camera prst="orthographicFront"/>
+      <a:lightRig rig="threePt" dir="t"/>
+    </dgm:scene3d>
+    <dgm:sp3d/>
+    <dgm:txPr/>
+    <dgm:style>
+      <a:lnRef idx="2">
+        <a:scrgbClr r="0" g="0" b="0"/>
+      </a:lnRef>
+      <a:fillRef idx="1">
+        <a:scrgbClr r="0" g="0" b="0"/>
+      </a:fillRef>
+      <a:effectRef idx="0">
+        <a:scrgbClr r="0" g="0" b="0"/>
+      </a:effectRef>
+      <a:fontRef idx="minor"/>
+    </dgm:style>
+  </dgm:styleLbl>
+  <dgm:styleLbl name="trAlignAcc1">
+    <dgm:scene3d>
+      <a:camera prst="orthographicFront"/>
+      <a:lightRig rig="threePt" dir="t"/>
+    </dgm:scene3d>
+    <dgm:sp3d/>
+    <dgm:txPr/>
+    <dgm:style>
+      <a:lnRef idx="1">
+        <a:scrgbClr r="0" g="0" b="0"/>
+      </a:lnRef>
+      <a:fillRef idx="1">
+        <a:scrgbClr r="0" g="0" b="0"/>
+      </a:fillRef>
+      <a:effectRef idx="0">
+        <a:scrgbClr r="0" g="0" b="0"/>
+      </a:effectRef>
+      <a:fontRef idx="minor"/>
+    </dgm:style>
+  </dgm:styleLbl>
+  <dgm:styleLbl name="bgAcc1">
+    <dgm:scene3d>
+      <a:camera prst="orthographicFront"/>
+      <a:lightRig rig="threePt" dir="t"/>
+    </dgm:scene3d>
+    <dgm:sp3d/>
+    <dgm:txPr/>
+    <dgm:style>
+      <a:lnRef idx="2">
+        <a:scrgbClr r="0" g="0" b="0"/>
+      </a:lnRef>
+      <a:fillRef idx="1">
+        <a:scrgbClr r="0" g="0" b="0"/>
+      </a:fillRef>
+      <a:effectRef idx="0">
+        <a:scrgbClr r="0" g="0" b="0"/>
+      </a:effectRef>
+      <a:fontRef idx="minor"/>
+    </dgm:style>
+  </dgm:styleLbl>
+  <dgm:styleLbl name="solidFgAcc1">
+    <dgm:scene3d>
+      <a:camera prst="orthographicFront"/>
+      <a:lightRig rig="threePt" dir="t"/>
+    </dgm:scene3d>
+    <dgm:sp3d/>
+    <dgm:txPr/>
+    <dgm:style>
+      <a:lnRef idx="2">
+        <a:scrgbClr r="0" g="0" b="0"/>
+      </a:lnRef>
+      <a:fillRef idx="1">
+        <a:scrgbClr r="0" g="0" b="0"/>
+      </a:fillRef>
+      <a:effectRef idx="0">
+        <a:scrgbClr r="0" g="0" b="0"/>
+      </a:effectRef>
+      <a:fontRef idx="minor"/>
+    </dgm:style>
+  </dgm:styleLbl>
+  <dgm:styleLbl name="solidAlignAcc1">
+    <dgm:scene3d>
+      <a:camera prst="orthographicFront"/>
+      <a:lightRig rig="threePt" dir="t"/>
+    </dgm:scene3d>
+    <dgm:sp3d/>
+    <dgm:txPr/>
+    <dgm:style>
+      <a:lnRef idx="2">
+        <a:scrgbClr r="0" g="0" b="0"/>
+      </a:lnRef>
+      <a:fillRef idx="1">
+        <a:scrgbClr r="0" g="0" b="0"/>
+      </a:fillRef>
+      <a:effectRef idx="0">
+        <a:scrgbClr r="0" g="0" b="0"/>
+      </a:effectRef>
+      <a:fontRef idx="minor"/>
+    </dgm:style>
+  </dgm:styleLbl>
+  <dgm:styleLbl name="solidBgAcc1">
+    <dgm:scene3d>
+      <a:camera prst="orthographicFront"/>
+      <a:lightRig rig="threePt" dir="t"/>
+    </dgm:scene3d>
+    <dgm:sp3d/>
+    <dgm:txPr/>
+    <dgm:style>
+      <a:lnRef idx="2">
+        <a:scrgbClr r="0" g="0" b="0"/>
+      </a:lnRef>
+      <a:fillRef idx="1">
+        <a:scrgbClr r="0" g="0" b="0"/>
+      </a:fillRef>
+      <a:effectRef idx="0">
+        <a:scrgbClr r="0" g="0" b="0"/>
+      </a:effectRef>
+      <a:fontRef idx="minor"/>
+    </dgm:style>
+  </dgm:styleLbl>
+  <dgm:styleLbl name="fgAccFollowNode1">
+    <dgm:scene3d>
+      <a:camera prst="orthographicFront"/>
+      <a:lightRig rig="threePt" dir="t"/>
+    </dgm:scene3d>
+    <dgm:sp3d/>
+    <dgm:txPr/>
+    <dgm:style>
+      <a:lnRef idx="2">
+        <a:scrgbClr r="0" g="0" b="0"/>
+      </a:lnRef>
+      <a:fillRef idx="1">
+        <a:scrgbClr r="0" g="0" b="0"/>
+      </a:fillRef>
+      <a:effectRef idx="0">
+        <a:scrgbClr r="0" g="0" b="0"/>
+      </a:effectRef>
+      <a:fontRef idx="minor"/>
+    </dgm:style>
+  </dgm:styleLbl>
+  <dgm:styleLbl name="alignAccFollowNode1">
+    <dgm:scene3d>
+      <a:camera prst="orthographicFront"/>
+      <a:lightRig rig="threePt" dir="t"/>
+    </dgm:scene3d>
+    <dgm:sp3d/>
+    <dgm:txPr/>
+    <dgm:style>
+      <a:lnRef idx="2">
+        <a:scrgbClr r="0" g="0" b="0"/>
+      </a:lnRef>
+      <a:fillRef idx="1">
+        <a:scrgbClr r="0" g="0" b="0"/>
+      </a:fillRef>
+      <a:effectRef idx="0">
+        <a:scrgbClr r="0" g="0" b="0"/>
+      </a:effectRef>
+      <a:fontRef idx="minor"/>
+    </dgm:style>
+  </dgm:styleLbl>
+  <dgm:styleLbl name="bgAccFollowNode1">
+    <dgm:scene3d>
+      <a:camera prst="orthographicFront"/>
+      <a:lightRig rig="threePt" dir="t"/>
+    </dgm:scene3d>
+    <dgm:sp3d/>
+    <dgm:txPr/>
+    <dgm:style>
+      <a:lnRef idx="2">
+        <a:scrgbClr r="0" g="0" b="0"/>
+      </a:lnRef>
+      <a:fillRef idx="1">
+        <a:scrgbClr r="0" g="0" b="0"/>
+      </a:fillRef>
+      <a:effectRef idx="0">
+        <a:scrgbClr r="0" g="0" b="0"/>
+      </a:effectRef>
+      <a:fontRef idx="minor"/>
+    </dgm:style>
+  </dgm:styleLbl>
+  <dgm:styleLbl name="fgAcc0">
+    <dgm:scene3d>
+      <a:camera prst="orthographicFront"/>
+      <a:lightRig rig="threePt" dir="t"/>
+    </dgm:scene3d>
+    <dgm:sp3d/>
+    <dgm:txPr/>
+    <dgm:style>
+      <a:lnRef idx="2">
+        <a:scrgbClr r="0" g="0" b="0"/>
+      </a:lnRef>
+      <a:fillRef idx="1">
+        <a:scrgbClr r="0" g="0" b="0"/>
+      </a:fillRef>
+      <a:effectRef idx="0">
+        <a:scrgbClr r="0" g="0" b="0"/>
+      </a:effectRef>
+      <a:fontRef idx="minor"/>
+    </dgm:style>
+  </dgm:styleLbl>
+  <dgm:styleLbl name="fgAcc2">
+    <dgm:scene3d>
+      <a:camera prst="orthographicFront"/>
+      <a:lightRig rig="threePt" dir="t"/>
+    </dgm:scene3d>
+    <dgm:sp3d/>
+    <dgm:txPr/>
+    <dgm:style>
+      <a:lnRef idx="2">
+        <a:scrgbClr r="0" g="0" b="0"/>
+      </a:lnRef>
+      <a:fillRef idx="1">
+        <a:scrgbClr r="0" g="0" b="0"/>
+      </a:fillRef>
+      <a:effectRef idx="0">
+        <a:scrgbClr r="0" g="0" b="0"/>
+      </a:effectRef>
+      <a:fontRef idx="minor"/>
+    </dgm:style>
+  </dgm:styleLbl>
+  <dgm:styleLbl name="fgAcc3">
+    <dgm:scene3d>
+      <a:camera prst="orthographicFront"/>
+      <a:lightRig rig="threePt" dir="t"/>
+    </dgm:scene3d>
+    <dgm:sp3d/>
+    <dgm:txPr/>
+    <dgm:style>
+      <a:lnRef idx="2">
+        <a:scrgbClr r="0" g="0" b="0"/>
+      </a:lnRef>
+      <a:fillRef idx="1">
+        <a:scrgbClr r="0" g="0" b="0"/>
+      </a:fillRef>
+      <a:effectRef idx="0">
+        <a:scrgbClr r="0" g="0" b="0"/>
+      </a:effectRef>
+      <a:fontRef idx="minor"/>
+    </dgm:style>
+  </dgm:styleLbl>
+  <dgm:styleLbl name="fgAcc4">
+    <dgm:scene3d>
+      <a:camera prst="orthographicFront"/>
+      <a:lightRig rig="threePt" dir="t"/>
+    </dgm:scene3d>
+    <dgm:sp3d/>
+    <dgm:txPr/>
+    <dgm:style>
+      <a:lnRef idx="2">
+        <a:scrgbClr r="0" g="0" b="0"/>
+      </a:lnRef>
+      <a:fillRef idx="1">
+        <a:scrgbClr r="0" g="0" b="0"/>
+      </a:fillRef>
+      <a:effectRef idx="0">
+        <a:scrgbClr r="0" g="0" b="0"/>
+      </a:effectRef>
+      <a:fontRef idx="minor"/>
+    </dgm:style>
+  </dgm:styleLbl>
+  <dgm:styleLbl name="bgShp">
+    <dgm:scene3d>
+      <a:camera prst="orthographicFront"/>
+      <a:lightRig rig="threePt" dir="t"/>
+    </dgm:scene3d>
+    <dgm:sp3d/>
+    <dgm:txPr/>
+    <dgm:style>
+      <a:lnRef idx="0">
+        <a:scrgbClr r="0" g="0" b="0"/>
+      </a:lnRef>
+      <a:fillRef idx="1">
+        <a:scrgbClr r="0" g="0" b="0"/>
+      </a:fillRef>
+      <a:effectRef idx="0">
+        <a:scrgbClr r="0" g="0" b="0"/>
+      </a:effectRef>
+      <a:fontRef idx="minor"/>
+    </dgm:style>
+  </dgm:styleLbl>
+  <dgm:styleLbl name="dkBgShp">
+    <dgm:scene3d>
+      <a:camera prst="orthographicFront"/>
+      <a:lightRig rig="threePt" dir="t"/>
+    </dgm:scene3d>
+    <dgm:sp3d/>
+    <dgm:txPr/>
+    <dgm:style>
+      <a:lnRef idx="0">
+        <a:scrgbClr r="0" g="0" b="0"/>
+      </a:lnRef>
+      <a:fillRef idx="1">
+        <a:scrgbClr r="0" g="0" b="0"/>
+      </a:fillRef>
+      <a:effectRef idx="0">
+        <a:scrgbClr r="0" g="0" b="0"/>
+      </a:effectRef>
+      <a:fontRef idx="minor"/>
+    </dgm:style>
+  </dgm:styleLbl>
+  <dgm:styleLbl name="trBgShp">
+    <dgm:scene3d>
+      <a:camera prst="orthographicFront"/>
+      <a:lightRig rig="threePt" dir="t"/>
+    </dgm:scene3d>
+    <dgm:sp3d/>
+    <dgm:txPr/>
+    <dgm:style>
+      <a:lnRef idx="0">
+        <a:scrgbClr r="0" g="0" b="0"/>
+      </a:lnRef>
+      <a:fillRef idx="1">
+        <a:scrgbClr r="0" g="0" b="0"/>
+      </a:fillRef>
+      <a:effectRef idx="0">
+        <a:scrgbClr r="0" g="0" b="0"/>
+      </a:effectRef>
+      <a:fontRef idx="minor"/>
+    </dgm:style>
+  </dgm:styleLbl>
+  <dgm:styleLbl name="fgShp">
+    <dgm:scene3d>
+      <a:camera prst="orthographicFront"/>
+      <a:lightRig rig="threePt" dir="t"/>
+    </dgm:scene3d>
+    <dgm:sp3d/>
+    <dgm:txPr/>
+    <dgm:style>
+      <a:lnRef idx="2">
+        <a:scrgbClr r="0" g="0" b="0"/>
+      </a:lnRef>
+      <a:fillRef idx="1">
+        <a:scrgbClr r="0" g="0" b="0"/>
+      </a:fillRef>
+      <a:effectRef idx="0">
+        <a:scrgbClr r="0" g="0" b="0"/>
+      </a:effectRef>
+      <a:fontRef idx="minor"/>
+    </dgm:style>
+  </dgm:styleLbl>
+  <dgm:styleLbl name="revTx">
+    <dgm:scene3d>
+      <a:camera prst="orthographicFront"/>
+      <a:lightRig rig="threePt" dir="t"/>
+    </dgm:scene3d>
+    <dgm:sp3d/>
+    <dgm:txPr/>
+    <dgm:style>
+      <a:lnRef idx="0">
+        <a:scrgbClr r="0" g="0" b="0"/>
+      </a:lnRef>
+      <a:fillRef idx="0">
+        <a:scrgbClr r="0" g="0" b="0"/>
+      </a:fillRef>
+      <a:effectRef idx="0">
+        <a:scrgbClr r="0" g="0" b="0"/>
+      </a:effectRef>
+      <a:fontRef idx="minor"/>
+    </dgm:style>
+  </dgm:styleLbl>
+</dgm:styleDef>
+</file>
+
+<file path=ppt/diagrams/quickStyle3.xml><?xml version="1.0" encoding="utf-8"?>
 <dgm:styleDef xmlns:dgm="http://schemas.openxmlformats.org/drawingml/2006/diagram" xmlns:a="http://schemas.openxmlformats.org/drawingml/2006/main" uniqueId="urn:microsoft.com/office/officeart/2005/8/quickstyle/simple1">
   <dgm:title val=""/>
   <dgm:desc val=""/>
@@ -12260,7 +16659,7 @@
               <a:pPr>
                 <a:defRPr/>
               </a:pPr>
-              <a:t>8/6/2016</a:t>
+              <a:t>8/9/2016</a:t>
             </a:fld>
             <a:endParaRPr lang="en-US" dirty="0"/>
           </a:p>
@@ -12506,7 +16905,7 @@
               <a:pPr>
                 <a:defRPr/>
               </a:pPr>
-              <a:t>8/6/2016</a:t>
+              <a:t>8/9/2016</a:t>
             </a:fld>
             <a:endParaRPr lang="en-US" dirty="0"/>
           </a:p>
@@ -12976,7 +17375,7 @@
             <a:fld id="{5C8FD179-FCC0-409B-BF0B-B98312203495}" type="datetime1">
               <a:rPr lang="en-US" altLang="zh-TW"/>
               <a:pPr/>
-              <a:t>8/6/2016</a:t>
+              <a:t>8/9/2016</a:t>
             </a:fld>
             <a:endParaRPr lang="en-US" altLang="zh-TW" dirty="0"/>
           </a:p>
@@ -13151,7 +17550,7 @@
               <a:pPr>
                 <a:defRPr/>
               </a:pPr>
-              <a:t>8/6/2016</a:t>
+              <a:t>8/9/2016</a:t>
             </a:fld>
             <a:endParaRPr lang="en-US" dirty="0"/>
           </a:p>
@@ -13371,7 +17770,7 @@
               <a:pPr>
                 <a:defRPr/>
               </a:pPr>
-              <a:t>8/6/2016</a:t>
+              <a:t>8/9/2016</a:t>
             </a:fld>
             <a:endParaRPr lang="en-US" dirty="0"/>
           </a:p>
@@ -13605,7 +18004,7 @@
               <a:pPr>
                 <a:defRPr/>
               </a:pPr>
-              <a:t>8/6/2016</a:t>
+              <a:t>8/9/2016</a:t>
             </a:fld>
             <a:endParaRPr lang="en-US" dirty="0"/>
           </a:p>
@@ -13863,7 +18262,7 @@
               <a:pPr>
                 <a:defRPr/>
               </a:pPr>
-              <a:t>8/6/2016</a:t>
+              <a:t>8/9/2016</a:t>
             </a:fld>
             <a:endParaRPr lang="en-US" dirty="0"/>
           </a:p>
@@ -14186,7 +18585,7 @@
               <a:pPr>
                 <a:defRPr/>
               </a:pPr>
-              <a:t>8/6/2016</a:t>
+              <a:t>8/9/2016</a:t>
             </a:fld>
             <a:endParaRPr lang="en-US" dirty="0"/>
           </a:p>
@@ -14416,7 +18815,7 @@
               <a:pPr>
                 <a:defRPr/>
               </a:pPr>
-              <a:t>8/6/2016</a:t>
+              <a:t>8/9/2016</a:t>
             </a:fld>
             <a:endParaRPr lang="en-US" dirty="0"/>
           </a:p>
@@ -14749,7 +19148,7 @@
               <a:pPr>
                 <a:defRPr/>
               </a:pPr>
-              <a:t>8/6/2016</a:t>
+              <a:t>8/9/2016</a:t>
             </a:fld>
             <a:endParaRPr lang="en-US" dirty="0"/>
           </a:p>
@@ -14895,7 +19294,7 @@
               <a:pPr>
                 <a:defRPr/>
               </a:pPr>
-              <a:t>8/6/2016</a:t>
+              <a:t>8/9/2016</a:t>
             </a:fld>
             <a:endParaRPr lang="en-US" dirty="0"/>
           </a:p>
@@ -15018,7 +19417,7 @@
               <a:pPr>
                 <a:defRPr/>
               </a:pPr>
-              <a:t>8/6/2016</a:t>
+              <a:t>8/9/2016</a:t>
             </a:fld>
             <a:endParaRPr lang="en-US" dirty="0"/>
           </a:p>
@@ -15306,7 +19705,7 @@
               <a:pPr>
                 <a:defRPr/>
               </a:pPr>
-              <a:t>8/6/2016</a:t>
+              <a:t>8/9/2016</a:t>
             </a:fld>
             <a:endParaRPr lang="en-US" dirty="0"/>
           </a:p>
@@ -16446,17 +20845,7 @@
                 <a:latin typeface="华文楷体" pitchFamily="2" charset="-122"/>
                 <a:ea typeface="华文楷体" pitchFamily="2" charset="-122"/>
               </a:rPr>
-              <a:t>二</a:t>
-            </a:r>
-            <a:r>
-              <a:rPr lang="zh-CN" altLang="en-US" sz="2800" dirty="0" smtClean="0">
-                <a:solidFill>
-                  <a:srgbClr val="FF0000"/>
-                </a:solidFill>
-                <a:latin typeface="华文楷体" pitchFamily="2" charset="-122"/>
-                <a:ea typeface="华文楷体" pitchFamily="2" charset="-122"/>
-              </a:rPr>
-              <a:t>叉搜索树、</a:t>
+              <a:t>二叉搜索树、</a:t>
             </a:r>
             <a:r>
               <a:rPr lang="en-US" altLang="zh-CN" sz="2800" dirty="0" smtClean="0">
@@ -16954,14 +21343,7 @@
                 <a:latin typeface="Adobe Garamond Pro Bold" pitchFamily="18" charset="0"/>
                 <a:ea typeface="华文楷体" pitchFamily="2" charset="-122"/>
               </a:rPr>
-              <a:t>其实在实际应用过程中，我们不需要记忆其定义，简单一句话，看看循环执行次数就好</a:t>
-            </a:r>
-            <a:r>
-              <a:rPr lang="zh-CN" altLang="en-US" sz="2800" dirty="0" smtClean="0">
-                <a:latin typeface="Adobe Garamond Pro Bold" pitchFamily="18" charset="0"/>
-                <a:ea typeface="华文楷体" pitchFamily="2" charset="-122"/>
-              </a:rPr>
-              <a:t>！</a:t>
+              <a:t>其实在实际应用过程中，我们不需要记忆其定义，简单一句话，看看循环执行次数就好！</a:t>
             </a:r>
             <a:endParaRPr lang="en-US" altLang="zh-CN" sz="2800" dirty="0" smtClean="0">
               <a:latin typeface="Adobe Garamond Pro Bold" pitchFamily="18" charset="0"/>
@@ -19880,7 +24262,7 @@
         </p:nvSpPr>
         <p:spPr>
           <a:xfrm>
-            <a:off x="251794" y="781884"/>
+            <a:off x="251794" y="915054"/>
             <a:ext cx="7895110" cy="2462213"/>
           </a:xfrm>
           <a:prstGeom prst="rect">
@@ -24579,14 +28961,7 @@
                 <a:latin typeface="Adobe Garamond Pro Bold" pitchFamily="18" charset="0"/>
                 <a:ea typeface="华文楷体" pitchFamily="2" charset="-122"/>
               </a:rPr>
-              <a:t>则</a:t>
-            </a:r>
-            <a:r>
-              <a:rPr lang="zh-CN" altLang="en-US" sz="2800" dirty="0">
-                <a:latin typeface="Adobe Garamond Pro Bold" pitchFamily="18" charset="0"/>
-                <a:ea typeface="华文楷体" pitchFamily="2" charset="-122"/>
-              </a:rPr>
-              <a:t>几乎为</a:t>
+              <a:t>则几乎为</a:t>
             </a:r>
             <a:r>
               <a:rPr lang="en-US" altLang="zh-CN" sz="2800" dirty="0">
@@ -25970,11 +30345,7 @@
             </a:r>
             <a:r>
               <a:rPr lang="en-US" altLang="zh-CN" sz="3600" dirty="0"/>
-              <a:t> c a b c a </a:t>
-            </a:r>
-            <a:r>
-              <a:rPr lang="en-US" altLang="zh-CN" sz="3600" dirty="0"/>
-              <a:t>b c b </a:t>
+              <a:t> c a b c a b c b </a:t>
             </a:r>
             <a:r>
               <a:rPr lang="en-US" altLang="zh-CN" sz="3600" dirty="0" err="1"/>
@@ -26016,11 +30387,7 @@
             </a:r>
             <a:r>
               <a:rPr lang="en-US" altLang="zh-CN" sz="3600" dirty="0"/>
-              <a:t> a </a:t>
-            </a:r>
-            <a:r>
-              <a:rPr lang="en-US" altLang="zh-CN" sz="3600" dirty="0"/>
-              <a:t>c</a:t>
+              <a:t> a c</a:t>
             </a:r>
             <a:endParaRPr lang="zh-CN" altLang="en-US" sz="3600" dirty="0"/>
           </a:p>
@@ -26337,19 +30704,7 @@
           <a:p>
             <a:r>
               <a:rPr lang="en-US" altLang="zh-CN" sz="3600" dirty="0"/>
-              <a:t>S: </a:t>
-            </a:r>
-            <a:r>
-              <a:rPr lang="en-US" altLang="zh-CN" sz="3600" dirty="0"/>
-              <a:t>a b c </a:t>
-            </a:r>
-            <a:r>
-              <a:rPr lang="en-US" altLang="zh-CN" sz="3600" dirty="0"/>
-              <a:t>a b c a </a:t>
-            </a:r>
-            <a:r>
-              <a:rPr lang="en-US" altLang="zh-CN" sz="3600" dirty="0"/>
-              <a:t>b </a:t>
+              <a:t>S: a b c a b c a b </a:t>
             </a:r>
             <a:r>
               <a:rPr lang="en-US" altLang="zh-CN" sz="3600" dirty="0">
@@ -26375,11 +30730,7 @@
           <a:p>
             <a:r>
               <a:rPr lang="en-US" altLang="zh-CN" sz="3600" dirty="0"/>
-              <a:t>P: </a:t>
-            </a:r>
-            <a:r>
-              <a:rPr lang="en-US" altLang="zh-CN" sz="3600" dirty="0"/>
-              <a:t>   </a:t>
+              <a:t>P:    </a:t>
             </a:r>
             <a:r>
               <a:rPr lang="en-US" altLang="zh-CN" sz="3600" dirty="0" smtClean="0"/>
@@ -26407,11 +30758,7 @@
             </a:r>
             <a:r>
               <a:rPr lang="en-US" altLang="zh-CN" sz="3600" dirty="0"/>
-              <a:t> a </a:t>
-            </a:r>
-            <a:r>
-              <a:rPr lang="en-US" altLang="zh-CN" sz="3600" dirty="0"/>
-              <a:t>c</a:t>
+              <a:t> a c</a:t>
             </a:r>
             <a:endParaRPr lang="zh-CN" altLang="en-US" sz="3600" dirty="0"/>
           </a:p>
@@ -27981,11 +32328,7 @@
             </a:r>
             <a:r>
               <a:rPr lang="en-US" altLang="zh-CN" dirty="0"/>
-              <a:t>   36   2     72   12   48   </a:t>
-            </a:r>
-            <a:r>
-              <a:rPr lang="en-US" altLang="zh-CN" dirty="0"/>
-              <a:t>68</a:t>
+              <a:t>   36   2     72   12   48   68</a:t>
             </a:r>
           </a:p>
           <a:p>
@@ -28057,15 +32400,7 @@
             </a:r>
             <a:r>
               <a:rPr lang="en-US" altLang="zh-CN" dirty="0"/>
-              <a:t>36   </a:t>
-            </a:r>
-            <a:r>
-              <a:rPr lang="en-US" altLang="zh-CN" dirty="0"/>
-              <a:t>2     </a:t>
-            </a:r>
-            <a:r>
-              <a:rPr lang="en-US" altLang="zh-CN" dirty="0"/>
-              <a:t>12   72   48   </a:t>
+              <a:t>36   2     12   72   48   </a:t>
             </a:r>
             <a:r>
               <a:rPr lang="en-US" altLang="zh-CN" dirty="0" smtClean="0"/>
@@ -31145,6 +35480,801 @@
 </p:sld>
 </file>
 
+<file path=ppt/slides/slide37.xml><?xml version="1.0" encoding="utf-8"?>
+<p:sld xmlns:a="http://schemas.openxmlformats.org/drawingml/2006/main" xmlns:r="http://schemas.openxmlformats.org/officeDocument/2006/relationships" xmlns:p="http://schemas.openxmlformats.org/presentationml/2006/main">
+  <p:cSld>
+    <p:spTree>
+      <p:nvGrpSpPr>
+        <p:cNvPr id="1" name=""/>
+        <p:cNvGrpSpPr/>
+        <p:nvPr/>
+      </p:nvGrpSpPr>
+      <p:grpSpPr>
+        <a:xfrm>
+          <a:off x="0" y="0"/>
+          <a:ext cx="0" cy="0"/>
+          <a:chOff x="0" y="0"/>
+          <a:chExt cx="0" cy="0"/>
+        </a:xfrm>
+      </p:grpSpPr>
+      <p:sp>
+        <p:nvSpPr>
+          <p:cNvPr id="2" name="Title 1"/>
+          <p:cNvSpPr>
+            <a:spLocks noGrp="1"/>
+          </p:cNvSpPr>
+          <p:nvPr>
+            <p:ph type="title"/>
+          </p:nvPr>
+        </p:nvSpPr>
+        <p:spPr>
+          <a:xfrm>
+            <a:off x="396875" y="439693"/>
+            <a:ext cx="8101013" cy="703307"/>
+          </a:xfrm>
+        </p:spPr>
+        <p:txBody>
+          <a:bodyPr/>
+          <a:lstStyle/>
+          <a:p>
+            <a:r>
+              <a:rPr lang="zh-CN" altLang="en-US" b="1" dirty="0" smtClean="0">
+                <a:latin typeface="华文楷体" pitchFamily="2" charset="-122"/>
+                <a:ea typeface="华文楷体" pitchFamily="2" charset="-122"/>
+              </a:rPr>
+              <a:t>常见算法思想</a:t>
+            </a:r>
+            <a:endParaRPr lang="zh-TW" altLang="en-US" b="1" dirty="0">
+              <a:latin typeface="华文楷体" pitchFamily="2" charset="-122"/>
+              <a:ea typeface="华文楷体" pitchFamily="2" charset="-122"/>
+            </a:endParaRPr>
+          </a:p>
+        </p:txBody>
+      </p:sp>
+      <p:sp>
+        <p:nvSpPr>
+          <p:cNvPr id="4" name="Date Placeholder 3"/>
+          <p:cNvSpPr>
+            <a:spLocks noGrp="1"/>
+          </p:cNvSpPr>
+          <p:nvPr>
+            <p:ph type="dt" sz="quarter" idx="10"/>
+          </p:nvPr>
+        </p:nvSpPr>
+        <p:spPr/>
+        <p:txBody>
+          <a:bodyPr/>
+          <a:lstStyle/>
+          <a:p>
+            <a:pPr>
+              <a:defRPr/>
+            </a:pPr>
+            <a:r>
+              <a:rPr lang="en-US" altLang="zh-TW" dirty="0" smtClean="0">
+                <a:ea typeface="新細明體" charset="-120"/>
+              </a:rPr>
+              <a:t>04/25/2016</a:t>
+            </a:r>
+            <a:endParaRPr lang="en-US" altLang="zh-TW" dirty="0">
+              <a:ea typeface="新細明體" charset="-120"/>
+            </a:endParaRPr>
+          </a:p>
+          <a:p>
+            <a:pPr>
+              <a:defRPr/>
+            </a:pPr>
+            <a:endParaRPr lang="en-US" dirty="0"/>
+          </a:p>
+        </p:txBody>
+      </p:sp>
+      <p:sp>
+        <p:nvSpPr>
+          <p:cNvPr id="5" name="TextBox 4"/>
+          <p:cNvSpPr txBox="1"/>
+          <p:nvPr/>
+        </p:nvSpPr>
+        <p:spPr>
+          <a:xfrm>
+            <a:off x="622848" y="1580609"/>
+            <a:ext cx="7686261" cy="3970318"/>
+          </a:xfrm>
+          <a:prstGeom prst="rect">
+            <a:avLst/>
+          </a:prstGeom>
+          <a:noFill/>
+        </p:spPr>
+        <p:txBody>
+          <a:bodyPr wrap="square" rtlCol="0">
+            <a:spAutoFit/>
+          </a:bodyPr>
+          <a:lstStyle>
+            <a:defPPr>
+              <a:defRPr lang="en-US"/>
+            </a:defPPr>
+            <a:lvl1pPr>
+              <a:defRPr sz="2800">
+                <a:latin typeface="Adobe Garamond Pro Bold" pitchFamily="18" charset="0"/>
+                <a:ea typeface="华文楷体" pitchFamily="2" charset="-122"/>
+              </a:defRPr>
+            </a:lvl1pPr>
+          </a:lstStyle>
+          <a:p>
+            <a:r>
+              <a:rPr lang="zh-CN" altLang="en-US" dirty="0" smtClean="0"/>
+              <a:t>子序列的定义：一个字符串按照从左到右的顺序取若干字符（可以跳过一些字符）所得到的字符串，是原字符串的子序列。</a:t>
+            </a:r>
+            <a:endParaRPr lang="en-US" altLang="zh-CN" dirty="0" smtClean="0"/>
+          </a:p>
+          <a:p>
+            <a:r>
+              <a:rPr lang="zh-CN" altLang="en-US" dirty="0" smtClean="0"/>
+              <a:t>例如：字符串</a:t>
+            </a:r>
+            <a:r>
+              <a:rPr lang="en-US" altLang="zh-CN" dirty="0" err="1" smtClean="0"/>
+              <a:t>abcd</a:t>
+            </a:r>
+            <a:endParaRPr lang="en-US" altLang="zh-CN" dirty="0" smtClean="0"/>
+          </a:p>
+          <a:p>
+            <a:r>
+              <a:rPr lang="zh-CN" altLang="en-US" dirty="0" smtClean="0"/>
+              <a:t>则</a:t>
+            </a:r>
+            <a:r>
+              <a:rPr lang="en-US" altLang="zh-CN" dirty="0" smtClean="0"/>
+              <a:t>a</a:t>
+            </a:r>
+            <a:r>
+              <a:rPr lang="zh-CN" altLang="en-US" dirty="0" smtClean="0"/>
+              <a:t>、</a:t>
+            </a:r>
+            <a:r>
+              <a:rPr lang="en-US" altLang="zh-CN" dirty="0" smtClean="0"/>
+              <a:t>b</a:t>
+            </a:r>
+            <a:r>
+              <a:rPr lang="zh-CN" altLang="en-US" dirty="0" smtClean="0"/>
+              <a:t>、</a:t>
+            </a:r>
+            <a:r>
+              <a:rPr lang="en-US" altLang="zh-CN" dirty="0" smtClean="0"/>
+              <a:t>c</a:t>
+            </a:r>
+            <a:r>
+              <a:rPr lang="zh-CN" altLang="en-US" dirty="0" smtClean="0"/>
+              <a:t>、</a:t>
+            </a:r>
+            <a:r>
+              <a:rPr lang="en-US" altLang="zh-CN" dirty="0" smtClean="0"/>
+              <a:t>d</a:t>
+            </a:r>
+            <a:r>
+              <a:rPr lang="zh-CN" altLang="en-US" dirty="0" smtClean="0"/>
+              <a:t>、</a:t>
+            </a:r>
+            <a:r>
+              <a:rPr lang="en-US" altLang="zh-CN" dirty="0" smtClean="0"/>
+              <a:t>ab</a:t>
+            </a:r>
+            <a:r>
+              <a:rPr lang="zh-CN" altLang="en-US" dirty="0" smtClean="0"/>
+              <a:t>、</a:t>
+            </a:r>
+            <a:r>
+              <a:rPr lang="en-US" altLang="zh-CN" dirty="0" smtClean="0"/>
+              <a:t>ac</a:t>
+            </a:r>
+            <a:r>
+              <a:rPr lang="zh-CN" altLang="en-US" dirty="0" smtClean="0"/>
+              <a:t>、</a:t>
+            </a:r>
+            <a:r>
+              <a:rPr lang="en-US" altLang="zh-CN" dirty="0" smtClean="0"/>
+              <a:t>ad</a:t>
+            </a:r>
+            <a:r>
+              <a:rPr lang="zh-CN" altLang="en-US" dirty="0" smtClean="0"/>
+              <a:t>、</a:t>
+            </a:r>
+            <a:r>
+              <a:rPr lang="en-US" altLang="zh-CN" dirty="0" err="1" smtClean="0"/>
+              <a:t>bc</a:t>
+            </a:r>
+            <a:r>
+              <a:rPr lang="zh-CN" altLang="en-US" dirty="0" smtClean="0"/>
+              <a:t>、</a:t>
+            </a:r>
+            <a:r>
+              <a:rPr lang="en-US" altLang="zh-CN" dirty="0" err="1" smtClean="0"/>
+              <a:t>bd</a:t>
+            </a:r>
+            <a:r>
+              <a:rPr lang="zh-CN" altLang="en-US" dirty="0" smtClean="0"/>
+              <a:t>、</a:t>
+            </a:r>
+            <a:r>
+              <a:rPr lang="en-US" altLang="zh-CN" dirty="0" smtClean="0"/>
+              <a:t>cd</a:t>
+            </a:r>
+            <a:r>
+              <a:rPr lang="zh-CN" altLang="en-US" dirty="0" smtClean="0"/>
+              <a:t>、</a:t>
+            </a:r>
+            <a:r>
+              <a:rPr lang="en-US" altLang="zh-CN" dirty="0" err="1" smtClean="0"/>
+              <a:t>abc</a:t>
+            </a:r>
+            <a:r>
+              <a:rPr lang="zh-CN" altLang="en-US" dirty="0" smtClean="0"/>
+              <a:t>、</a:t>
+            </a:r>
+            <a:r>
+              <a:rPr lang="en-US" altLang="zh-CN" dirty="0" err="1" smtClean="0"/>
+              <a:t>abd</a:t>
+            </a:r>
+            <a:r>
+              <a:rPr lang="zh-CN" altLang="en-US" dirty="0" smtClean="0"/>
+              <a:t>、</a:t>
+            </a:r>
+            <a:r>
+              <a:rPr lang="en-US" altLang="zh-CN" dirty="0" err="1" smtClean="0"/>
+              <a:t>acd</a:t>
+            </a:r>
+            <a:r>
+              <a:rPr lang="zh-CN" altLang="en-US" dirty="0" smtClean="0"/>
+              <a:t>、</a:t>
+            </a:r>
+            <a:r>
+              <a:rPr lang="en-US" altLang="zh-CN" dirty="0" err="1" smtClean="0"/>
+              <a:t>bcd</a:t>
+            </a:r>
+            <a:r>
+              <a:rPr lang="zh-CN" altLang="en-US" dirty="0" smtClean="0"/>
+              <a:t>、</a:t>
+            </a:r>
+            <a:r>
+              <a:rPr lang="en-US" altLang="zh-CN" dirty="0" err="1" smtClean="0"/>
+              <a:t>abcd</a:t>
+            </a:r>
+            <a:r>
+              <a:rPr lang="zh-CN" altLang="en-US" dirty="0" smtClean="0"/>
+              <a:t>都是原串的子序列。</a:t>
+            </a:r>
+            <a:endParaRPr lang="en-US" altLang="zh-CN" dirty="0" smtClean="0"/>
+          </a:p>
+          <a:p>
+            <a:endParaRPr lang="en-US" altLang="zh-CN" dirty="0"/>
+          </a:p>
+          <a:p>
+            <a:r>
+              <a:rPr lang="zh-CN" altLang="en-US" dirty="0" smtClean="0"/>
+              <a:t>现给定两个字符串</a:t>
+            </a:r>
+            <a:r>
+              <a:rPr lang="en-US" altLang="zh-CN" dirty="0" smtClean="0"/>
+              <a:t>s1</a:t>
+            </a:r>
+            <a:r>
+              <a:rPr lang="zh-CN" altLang="en-US" dirty="0" smtClean="0"/>
+              <a:t>、</a:t>
+            </a:r>
+            <a:r>
+              <a:rPr lang="en-US" altLang="zh-CN" dirty="0" smtClean="0"/>
+              <a:t>s2</a:t>
+            </a:r>
+            <a:r>
+              <a:rPr lang="zh-CN" altLang="en-US" dirty="0" smtClean="0"/>
+              <a:t>，求其最长公共子序列。（</a:t>
+            </a:r>
+            <a:r>
+              <a:rPr lang="en-US" altLang="zh-CN" dirty="0"/>
+              <a:t>Longest Common </a:t>
+            </a:r>
+            <a:r>
+              <a:rPr lang="en-US" altLang="zh-CN" dirty="0" smtClean="0"/>
+              <a:t>Subsequence</a:t>
+            </a:r>
+            <a:r>
+              <a:rPr lang="zh-CN" altLang="en-US" dirty="0" smtClean="0"/>
+              <a:t>，</a:t>
+            </a:r>
+            <a:r>
+              <a:rPr lang="en-US" altLang="zh-CN" dirty="0" smtClean="0"/>
+              <a:t>LCS</a:t>
+            </a:r>
+            <a:r>
+              <a:rPr lang="zh-CN" altLang="en-US" dirty="0" smtClean="0"/>
+              <a:t>）</a:t>
+            </a:r>
+            <a:endParaRPr lang="en-US" altLang="zh-CN" dirty="0" smtClean="0"/>
+          </a:p>
+        </p:txBody>
+      </p:sp>
+    </p:spTree>
+    <p:extLst>
+      <p:ext uri="{BB962C8B-B14F-4D97-AF65-F5344CB8AC3E}">
+        <p14:creationId xmlns:p14="http://schemas.microsoft.com/office/powerpoint/2010/main" val="627212106"/>
+      </p:ext>
+    </p:extLst>
+  </p:cSld>
+  <p:clrMapOvr>
+    <a:masterClrMapping/>
+  </p:clrMapOvr>
+  <p:transition>
+    <p:fade thruBlk="1"/>
+  </p:transition>
+  <p:timing>
+    <p:tnLst>
+      <p:par>
+        <p:cTn id="1" dur="indefinite" restart="never" nodeType="tmRoot"/>
+      </p:par>
+    </p:tnLst>
+  </p:timing>
+</p:sld>
+</file>
+
+<file path=ppt/slides/slide38.xml><?xml version="1.0" encoding="utf-8"?>
+<p:sld xmlns:a="http://schemas.openxmlformats.org/drawingml/2006/main" xmlns:r="http://schemas.openxmlformats.org/officeDocument/2006/relationships" xmlns:p="http://schemas.openxmlformats.org/presentationml/2006/main">
+  <p:cSld>
+    <p:spTree>
+      <p:nvGrpSpPr>
+        <p:cNvPr id="1" name=""/>
+        <p:cNvGrpSpPr/>
+        <p:nvPr/>
+      </p:nvGrpSpPr>
+      <p:grpSpPr>
+        <a:xfrm>
+          <a:off x="0" y="0"/>
+          <a:ext cx="0" cy="0"/>
+          <a:chOff x="0" y="0"/>
+          <a:chExt cx="0" cy="0"/>
+        </a:xfrm>
+      </p:grpSpPr>
+      <p:sp>
+        <p:nvSpPr>
+          <p:cNvPr id="2" name="Title 1"/>
+          <p:cNvSpPr>
+            <a:spLocks noGrp="1"/>
+          </p:cNvSpPr>
+          <p:nvPr>
+            <p:ph type="title"/>
+          </p:nvPr>
+        </p:nvSpPr>
+        <p:spPr>
+          <a:xfrm>
+            <a:off x="396875" y="439693"/>
+            <a:ext cx="8101013" cy="703307"/>
+          </a:xfrm>
+        </p:spPr>
+        <p:txBody>
+          <a:bodyPr/>
+          <a:lstStyle/>
+          <a:p>
+            <a:r>
+              <a:rPr lang="zh-CN" altLang="en-US" b="1" dirty="0" smtClean="0">
+                <a:latin typeface="华文楷体" pitchFamily="2" charset="-122"/>
+                <a:ea typeface="华文楷体" pitchFamily="2" charset="-122"/>
+              </a:rPr>
+              <a:t>常见算法思想</a:t>
+            </a:r>
+            <a:endParaRPr lang="zh-TW" altLang="en-US" b="1" dirty="0">
+              <a:latin typeface="华文楷体" pitchFamily="2" charset="-122"/>
+              <a:ea typeface="华文楷体" pitchFamily="2" charset="-122"/>
+            </a:endParaRPr>
+          </a:p>
+        </p:txBody>
+      </p:sp>
+      <p:sp>
+        <p:nvSpPr>
+          <p:cNvPr id="4" name="Date Placeholder 3"/>
+          <p:cNvSpPr>
+            <a:spLocks noGrp="1"/>
+          </p:cNvSpPr>
+          <p:nvPr>
+            <p:ph type="dt" sz="quarter" idx="10"/>
+          </p:nvPr>
+        </p:nvSpPr>
+        <p:spPr/>
+        <p:txBody>
+          <a:bodyPr/>
+          <a:lstStyle/>
+          <a:p>
+            <a:pPr>
+              <a:defRPr/>
+            </a:pPr>
+            <a:r>
+              <a:rPr lang="en-US" altLang="zh-TW" dirty="0" smtClean="0">
+                <a:ea typeface="新細明體" charset="-120"/>
+              </a:rPr>
+              <a:t>04/25/2016</a:t>
+            </a:r>
+            <a:endParaRPr lang="en-US" altLang="zh-TW" dirty="0">
+              <a:ea typeface="新細明體" charset="-120"/>
+            </a:endParaRPr>
+          </a:p>
+          <a:p>
+            <a:pPr>
+              <a:defRPr/>
+            </a:pPr>
+            <a:endParaRPr lang="en-US" dirty="0"/>
+          </a:p>
+        </p:txBody>
+      </p:sp>
+      <p:sp>
+        <p:nvSpPr>
+          <p:cNvPr id="5" name="TextBox 4"/>
+          <p:cNvSpPr txBox="1"/>
+          <p:nvPr/>
+        </p:nvSpPr>
+        <p:spPr>
+          <a:xfrm>
+            <a:off x="622848" y="1580609"/>
+            <a:ext cx="7686261" cy="3970318"/>
+          </a:xfrm>
+          <a:prstGeom prst="rect">
+            <a:avLst/>
+          </a:prstGeom>
+          <a:noFill/>
+        </p:spPr>
+        <p:txBody>
+          <a:bodyPr wrap="square" rtlCol="0">
+            <a:spAutoFit/>
+          </a:bodyPr>
+          <a:lstStyle>
+            <a:defPPr>
+              <a:defRPr lang="en-US"/>
+            </a:defPPr>
+            <a:lvl1pPr>
+              <a:defRPr sz="2800">
+                <a:latin typeface="Adobe Garamond Pro Bold" pitchFamily="18" charset="0"/>
+                <a:ea typeface="华文楷体" pitchFamily="2" charset="-122"/>
+              </a:defRPr>
+            </a:lvl1pPr>
+          </a:lstStyle>
+          <a:p>
+            <a:r>
+              <a:rPr lang="zh-CN" altLang="en-US" dirty="0" smtClean="0"/>
+              <a:t>假设</a:t>
+            </a:r>
+            <a:r>
+              <a:rPr lang="en-US" altLang="zh-CN" dirty="0" smtClean="0"/>
+              <a:t>s1</a:t>
+            </a:r>
+            <a:r>
+              <a:rPr lang="zh-CN" altLang="en-US" dirty="0" smtClean="0"/>
+              <a:t>、</a:t>
+            </a:r>
+            <a:r>
+              <a:rPr lang="en-US" altLang="zh-CN" dirty="0" smtClean="0"/>
+              <a:t>s2</a:t>
+            </a:r>
+            <a:r>
+              <a:rPr lang="zh-CN" altLang="en-US" dirty="0" smtClean="0"/>
+              <a:t>分别是</a:t>
+            </a:r>
+            <a:endParaRPr lang="en-US" altLang="zh-CN" dirty="0" smtClean="0"/>
+          </a:p>
+          <a:p>
+            <a:r>
+              <a:rPr lang="en-US" altLang="zh-CN" dirty="0" err="1" smtClean="0">
+                <a:solidFill>
+                  <a:srgbClr val="FF0000"/>
+                </a:solidFill>
+              </a:rPr>
+              <a:t>ab</a:t>
+            </a:r>
+            <a:r>
+              <a:rPr lang="en-US" altLang="zh-CN" dirty="0" err="1" smtClean="0"/>
+              <a:t>x</a:t>
+            </a:r>
+            <a:r>
+              <a:rPr lang="en-US" altLang="zh-CN" dirty="0" err="1" smtClean="0">
+                <a:solidFill>
+                  <a:srgbClr val="FF0000"/>
+                </a:solidFill>
+              </a:rPr>
+              <a:t>cd</a:t>
+            </a:r>
+            <a:r>
+              <a:rPr lang="en-US" altLang="zh-CN" dirty="0" err="1" smtClean="0"/>
+              <a:t>y</a:t>
+            </a:r>
+            <a:r>
+              <a:rPr lang="en-US" altLang="zh-CN" dirty="0" err="1" smtClean="0">
+                <a:solidFill>
+                  <a:srgbClr val="FF0000"/>
+                </a:solidFill>
+              </a:rPr>
+              <a:t>ef</a:t>
+            </a:r>
+            <a:r>
+              <a:rPr lang="en-US" altLang="zh-CN" dirty="0" err="1" smtClean="0"/>
+              <a:t>z</a:t>
+            </a:r>
+            <a:r>
+              <a:rPr lang="en-US" altLang="zh-CN" dirty="0" err="1" smtClean="0">
+                <a:solidFill>
+                  <a:srgbClr val="FF0000"/>
+                </a:solidFill>
+              </a:rPr>
+              <a:t>g</a:t>
+            </a:r>
+            <a:endParaRPr lang="en-US" altLang="zh-CN" dirty="0" smtClean="0">
+              <a:solidFill>
+                <a:srgbClr val="FF0000"/>
+              </a:solidFill>
+            </a:endParaRPr>
+          </a:p>
+          <a:p>
+            <a:r>
+              <a:rPr lang="en-US" altLang="zh-CN" dirty="0" err="1" smtClean="0">
+                <a:solidFill>
+                  <a:srgbClr val="FF0000"/>
+                </a:solidFill>
+              </a:rPr>
+              <a:t>a</a:t>
+            </a:r>
+            <a:r>
+              <a:rPr lang="en-US" altLang="zh-CN" dirty="0" err="1" smtClean="0"/>
+              <a:t>x</a:t>
+            </a:r>
+            <a:r>
+              <a:rPr lang="en-US" altLang="zh-CN" dirty="0" err="1" smtClean="0">
+                <a:solidFill>
+                  <a:srgbClr val="FF0000"/>
+                </a:solidFill>
+              </a:rPr>
+              <a:t>b</a:t>
+            </a:r>
+            <a:r>
+              <a:rPr lang="en-US" altLang="zh-CN" dirty="0" err="1" smtClean="0"/>
+              <a:t>y</a:t>
+            </a:r>
+            <a:r>
+              <a:rPr lang="en-US" altLang="zh-CN" dirty="0" err="1" smtClean="0">
+                <a:solidFill>
+                  <a:srgbClr val="FF0000"/>
+                </a:solidFill>
+              </a:rPr>
+              <a:t>cd</a:t>
+            </a:r>
+            <a:r>
+              <a:rPr lang="en-US" altLang="zh-CN" dirty="0" err="1" smtClean="0"/>
+              <a:t>z</a:t>
+            </a:r>
+            <a:r>
+              <a:rPr lang="en-US" altLang="zh-CN" dirty="0" err="1" smtClean="0">
+                <a:solidFill>
+                  <a:srgbClr val="FF0000"/>
+                </a:solidFill>
+              </a:rPr>
+              <a:t>efg</a:t>
+            </a:r>
+            <a:endParaRPr lang="en-US" altLang="zh-CN" dirty="0" smtClean="0">
+              <a:solidFill>
+                <a:srgbClr val="FF0000"/>
+              </a:solidFill>
+            </a:endParaRPr>
+          </a:p>
+          <a:p>
+            <a:r>
+              <a:rPr lang="zh-CN" altLang="en-US" dirty="0" smtClean="0"/>
+              <a:t>则其最长公共子序列为</a:t>
+            </a:r>
+            <a:r>
+              <a:rPr lang="en-US" altLang="zh-CN" dirty="0" err="1" smtClean="0"/>
+              <a:t>abcdefg</a:t>
+            </a:r>
+            <a:endParaRPr lang="en-US" altLang="zh-CN" dirty="0" smtClean="0"/>
+          </a:p>
+          <a:p>
+            <a:endParaRPr lang="en-US" altLang="zh-CN" dirty="0"/>
+          </a:p>
+          <a:p>
+            <a:r>
+              <a:rPr lang="zh-CN" altLang="en-US" dirty="0" smtClean="0"/>
+              <a:t>我们考虑简化问题：先比较两个字符串的第一个字符，如果这两个字符相等，则公共子序列里面必然含有它。如果这两个字符不相等，则两个字符里面必然要舍弃掉一个。</a:t>
+            </a:r>
+            <a:endParaRPr lang="en-US" altLang="zh-CN" dirty="0" smtClean="0"/>
+          </a:p>
+        </p:txBody>
+      </p:sp>
+    </p:spTree>
+    <p:extLst>
+      <p:ext uri="{BB962C8B-B14F-4D97-AF65-F5344CB8AC3E}">
+        <p14:creationId xmlns:p14="http://schemas.microsoft.com/office/powerpoint/2010/main" val="2657728612"/>
+      </p:ext>
+    </p:extLst>
+  </p:cSld>
+  <p:clrMapOvr>
+    <a:masterClrMapping/>
+  </p:clrMapOvr>
+  <p:transition>
+    <p:fade thruBlk="1"/>
+  </p:transition>
+  <p:timing>
+    <p:tnLst>
+      <p:par>
+        <p:cTn id="1" dur="indefinite" restart="never" nodeType="tmRoot"/>
+      </p:par>
+    </p:tnLst>
+  </p:timing>
+</p:sld>
+</file>
+
+<file path=ppt/slides/slide39.xml><?xml version="1.0" encoding="utf-8"?>
+<p:sld xmlns:a="http://schemas.openxmlformats.org/drawingml/2006/main" xmlns:r="http://schemas.openxmlformats.org/officeDocument/2006/relationships" xmlns:p="http://schemas.openxmlformats.org/presentationml/2006/main">
+  <p:cSld>
+    <p:spTree>
+      <p:nvGrpSpPr>
+        <p:cNvPr id="1" name=""/>
+        <p:cNvGrpSpPr/>
+        <p:nvPr/>
+      </p:nvGrpSpPr>
+      <p:grpSpPr>
+        <a:xfrm>
+          <a:off x="0" y="0"/>
+          <a:ext cx="0" cy="0"/>
+          <a:chOff x="0" y="0"/>
+          <a:chExt cx="0" cy="0"/>
+        </a:xfrm>
+      </p:grpSpPr>
+      <p:sp>
+        <p:nvSpPr>
+          <p:cNvPr id="2" name="Title 1"/>
+          <p:cNvSpPr>
+            <a:spLocks noGrp="1"/>
+          </p:cNvSpPr>
+          <p:nvPr>
+            <p:ph type="title"/>
+          </p:nvPr>
+        </p:nvSpPr>
+        <p:spPr>
+          <a:xfrm>
+            <a:off x="396875" y="439693"/>
+            <a:ext cx="8101013" cy="703307"/>
+          </a:xfrm>
+        </p:spPr>
+        <p:txBody>
+          <a:bodyPr/>
+          <a:lstStyle/>
+          <a:p>
+            <a:r>
+              <a:rPr lang="zh-CN" altLang="en-US" b="1" dirty="0" smtClean="0">
+                <a:latin typeface="华文楷体" pitchFamily="2" charset="-122"/>
+                <a:ea typeface="华文楷体" pitchFamily="2" charset="-122"/>
+              </a:rPr>
+              <a:t>常见算法思想</a:t>
+            </a:r>
+            <a:endParaRPr lang="zh-TW" altLang="en-US" b="1" dirty="0">
+              <a:latin typeface="华文楷体" pitchFamily="2" charset="-122"/>
+              <a:ea typeface="华文楷体" pitchFamily="2" charset="-122"/>
+            </a:endParaRPr>
+          </a:p>
+        </p:txBody>
+      </p:sp>
+      <p:sp>
+        <p:nvSpPr>
+          <p:cNvPr id="4" name="Date Placeholder 3"/>
+          <p:cNvSpPr>
+            <a:spLocks noGrp="1"/>
+          </p:cNvSpPr>
+          <p:nvPr>
+            <p:ph type="dt" sz="quarter" idx="10"/>
+          </p:nvPr>
+        </p:nvSpPr>
+        <p:spPr/>
+        <p:txBody>
+          <a:bodyPr/>
+          <a:lstStyle/>
+          <a:p>
+            <a:pPr>
+              <a:defRPr/>
+            </a:pPr>
+            <a:r>
+              <a:rPr lang="en-US" altLang="zh-TW" dirty="0" smtClean="0">
+                <a:ea typeface="新細明體" charset="-120"/>
+              </a:rPr>
+              <a:t>04/25/2016</a:t>
+            </a:r>
+            <a:endParaRPr lang="en-US" altLang="zh-TW" dirty="0">
+              <a:ea typeface="新細明體" charset="-120"/>
+            </a:endParaRPr>
+          </a:p>
+          <a:p>
+            <a:pPr>
+              <a:defRPr/>
+            </a:pPr>
+            <a:endParaRPr lang="en-US" dirty="0"/>
+          </a:p>
+        </p:txBody>
+      </p:sp>
+      <p:sp>
+        <p:nvSpPr>
+          <p:cNvPr id="5" name="TextBox 4"/>
+          <p:cNvSpPr txBox="1"/>
+          <p:nvPr/>
+        </p:nvSpPr>
+        <p:spPr>
+          <a:xfrm>
+            <a:off x="622848" y="1580609"/>
+            <a:ext cx="7686261" cy="2246769"/>
+          </a:xfrm>
+          <a:prstGeom prst="rect">
+            <a:avLst/>
+          </a:prstGeom>
+          <a:noFill/>
+        </p:spPr>
+        <p:txBody>
+          <a:bodyPr wrap="square" rtlCol="0">
+            <a:spAutoFit/>
+          </a:bodyPr>
+          <a:lstStyle>
+            <a:defPPr>
+              <a:defRPr lang="en-US"/>
+            </a:defPPr>
+            <a:lvl1pPr>
+              <a:defRPr sz="2800">
+                <a:latin typeface="Adobe Garamond Pro Bold" pitchFamily="18" charset="0"/>
+                <a:ea typeface="华文楷体" pitchFamily="2" charset="-122"/>
+              </a:defRPr>
+            </a:lvl1pPr>
+          </a:lstStyle>
+          <a:p>
+            <a:r>
+              <a:rPr lang="zh-CN" altLang="en-US" dirty="0" smtClean="0"/>
+              <a:t>经过这一步分析，字符串要么长度都减少</a:t>
+            </a:r>
+            <a:r>
+              <a:rPr lang="en-US" altLang="zh-CN" dirty="0" smtClean="0"/>
+              <a:t>1</a:t>
+            </a:r>
+            <a:r>
+              <a:rPr lang="zh-CN" altLang="en-US" dirty="0" smtClean="0"/>
+              <a:t>，要么一个减少</a:t>
+            </a:r>
+            <a:r>
+              <a:rPr lang="en-US" altLang="zh-CN" dirty="0" smtClean="0"/>
+              <a:t>1</a:t>
+            </a:r>
+            <a:r>
+              <a:rPr lang="zh-CN" altLang="en-US" dirty="0" smtClean="0"/>
+              <a:t>，总之问题的规模变小了。用程序来表示，则是：</a:t>
+            </a:r>
+            <a:endParaRPr lang="en-US" altLang="zh-CN" dirty="0" smtClean="0"/>
+          </a:p>
+          <a:p>
+            <a:endParaRPr lang="en-US" altLang="zh-CN" dirty="0"/>
+          </a:p>
+          <a:p>
+            <a:endParaRPr lang="en-US" altLang="zh-CN" dirty="0" smtClean="0"/>
+          </a:p>
+        </p:txBody>
+      </p:sp>
+    </p:spTree>
+    <p:extLst>
+      <p:ext uri="{BB962C8B-B14F-4D97-AF65-F5344CB8AC3E}">
+        <p14:creationId xmlns:p14="http://schemas.microsoft.com/office/powerpoint/2010/main" val="1999721555"/>
+      </p:ext>
+    </p:extLst>
+  </p:cSld>
+  <p:clrMapOvr>
+    <a:masterClrMapping/>
+  </p:clrMapOvr>
+  <p:transition>
+    <p:fade thruBlk="1"/>
+  </p:transition>
+  <p:timing>
+    <p:tnLst>
+      <p:par>
+        <p:cTn id="1" dur="indefinite" restart="never" nodeType="tmRoot"/>
+      </p:par>
+    </p:tnLst>
+  </p:timing>
+</p:sld>
+</file>
+
 <file path=ppt/slides/slide4.xml><?xml version="1.0" encoding="utf-8"?>
 <p:sld xmlns:a="http://schemas.openxmlformats.org/drawingml/2006/main" xmlns:r="http://schemas.openxmlformats.org/officeDocument/2006/relationships" xmlns:p="http://schemas.openxmlformats.org/presentationml/2006/main">
   <p:cSld>
@@ -31313,6 +36443,3975 @@
     <p:extLst>
       <p:ext uri="{BB962C8B-B14F-4D97-AF65-F5344CB8AC3E}">
         <p14:creationId xmlns:p14="http://schemas.microsoft.com/office/powerpoint/2010/main" val="2507916525"/>
+      </p:ext>
+    </p:extLst>
+  </p:cSld>
+  <p:clrMapOvr>
+    <a:masterClrMapping/>
+  </p:clrMapOvr>
+  <p:transition>
+    <p:fade thruBlk="1"/>
+  </p:transition>
+  <p:timing>
+    <p:tnLst>
+      <p:par>
+        <p:cTn id="1" dur="indefinite" restart="never" nodeType="tmRoot"/>
+      </p:par>
+    </p:tnLst>
+  </p:timing>
+</p:sld>
+</file>
+
+<file path=ppt/slides/slide40.xml><?xml version="1.0" encoding="utf-8"?>
+<p:sld xmlns:a="http://schemas.openxmlformats.org/drawingml/2006/main" xmlns:r="http://schemas.openxmlformats.org/officeDocument/2006/relationships" xmlns:p="http://schemas.openxmlformats.org/presentationml/2006/main">
+  <p:cSld>
+    <p:spTree>
+      <p:nvGrpSpPr>
+        <p:cNvPr id="1" name=""/>
+        <p:cNvGrpSpPr/>
+        <p:nvPr/>
+      </p:nvGrpSpPr>
+      <p:grpSpPr>
+        <a:xfrm>
+          <a:off x="0" y="0"/>
+          <a:ext cx="0" cy="0"/>
+          <a:chOff x="0" y="0"/>
+          <a:chExt cx="0" cy="0"/>
+        </a:xfrm>
+      </p:grpSpPr>
+      <p:sp>
+        <p:nvSpPr>
+          <p:cNvPr id="2" name="Title 1"/>
+          <p:cNvSpPr>
+            <a:spLocks noGrp="1"/>
+          </p:cNvSpPr>
+          <p:nvPr>
+            <p:ph type="title"/>
+          </p:nvPr>
+        </p:nvSpPr>
+        <p:spPr>
+          <a:xfrm>
+            <a:off x="396875" y="439693"/>
+            <a:ext cx="8101013" cy="703307"/>
+          </a:xfrm>
+        </p:spPr>
+        <p:txBody>
+          <a:bodyPr/>
+          <a:lstStyle/>
+          <a:p>
+            <a:r>
+              <a:rPr lang="zh-CN" altLang="en-US" b="1" dirty="0" smtClean="0">
+                <a:latin typeface="华文楷体" pitchFamily="2" charset="-122"/>
+                <a:ea typeface="华文楷体" pitchFamily="2" charset="-122"/>
+              </a:rPr>
+              <a:t>常见算法思想</a:t>
+            </a:r>
+            <a:endParaRPr lang="zh-TW" altLang="en-US" b="1" dirty="0">
+              <a:latin typeface="华文楷体" pitchFamily="2" charset="-122"/>
+              <a:ea typeface="华文楷体" pitchFamily="2" charset="-122"/>
+            </a:endParaRPr>
+          </a:p>
+        </p:txBody>
+      </p:sp>
+      <p:sp>
+        <p:nvSpPr>
+          <p:cNvPr id="4" name="Date Placeholder 3"/>
+          <p:cNvSpPr>
+            <a:spLocks noGrp="1"/>
+          </p:cNvSpPr>
+          <p:nvPr>
+            <p:ph type="dt" sz="quarter" idx="10"/>
+          </p:nvPr>
+        </p:nvSpPr>
+        <p:spPr/>
+        <p:txBody>
+          <a:bodyPr/>
+          <a:lstStyle/>
+          <a:p>
+            <a:pPr>
+              <a:defRPr/>
+            </a:pPr>
+            <a:r>
+              <a:rPr lang="en-US" altLang="zh-TW" dirty="0" smtClean="0">
+                <a:ea typeface="新細明體" charset="-120"/>
+              </a:rPr>
+              <a:t>04/25/2016</a:t>
+            </a:r>
+            <a:endParaRPr lang="en-US" altLang="zh-TW" dirty="0">
+              <a:ea typeface="新細明體" charset="-120"/>
+            </a:endParaRPr>
+          </a:p>
+          <a:p>
+            <a:pPr>
+              <a:defRPr/>
+            </a:pPr>
+            <a:endParaRPr lang="en-US" dirty="0"/>
+          </a:p>
+        </p:txBody>
+      </p:sp>
+      <p:sp>
+        <p:nvSpPr>
+          <p:cNvPr id="5" name="TextBox 4"/>
+          <p:cNvSpPr txBox="1"/>
+          <p:nvPr/>
+        </p:nvSpPr>
+        <p:spPr>
+          <a:xfrm>
+            <a:off x="608012" y="1391574"/>
+            <a:ext cx="7686261" cy="3447098"/>
+          </a:xfrm>
+          <a:prstGeom prst="rect">
+            <a:avLst/>
+          </a:prstGeom>
+          <a:noFill/>
+        </p:spPr>
+        <p:txBody>
+          <a:bodyPr wrap="square" rtlCol="0">
+            <a:spAutoFit/>
+          </a:bodyPr>
+          <a:lstStyle>
+            <a:defPPr>
+              <a:defRPr lang="en-US"/>
+            </a:defPPr>
+            <a:lvl1pPr>
+              <a:defRPr sz="2800">
+                <a:latin typeface="Adobe Garamond Pro Bold" pitchFamily="18" charset="0"/>
+                <a:ea typeface="华文楷体" pitchFamily="2" charset="-122"/>
+              </a:defRPr>
+            </a:lvl1pPr>
+          </a:lstStyle>
+          <a:p>
+            <a:pPr>
+              <a:spcAft>
+                <a:spcPts val="0"/>
+              </a:spcAft>
+            </a:pPr>
+            <a:r>
+              <a:rPr lang="en-US" altLang="zh-CN" sz="1400" kern="0">
+                <a:solidFill>
+                  <a:srgbClr val="7F0055"/>
+                </a:solidFill>
+                <a:latin typeface="Consolas" panose="020B0609020204030204" pitchFamily="49" charset="0"/>
+                <a:ea typeface="宋体" panose="02010600030101010101" pitchFamily="2" charset="-122"/>
+                <a:cs typeface="Times New Roman" panose="02020603050405020304" pitchFamily="18" charset="0"/>
+              </a:rPr>
+              <a:t>public</a:t>
+            </a:r>
+            <a:r>
+              <a:rPr lang="en-US" altLang="zh-CN" sz="1400" kern="0">
+                <a:solidFill>
+                  <a:srgbClr val="000000"/>
+                </a:solidFill>
+                <a:latin typeface="Consolas" panose="020B0609020204030204" pitchFamily="49" charset="0"/>
+                <a:ea typeface="宋体" panose="02010600030101010101" pitchFamily="2" charset="-122"/>
+                <a:cs typeface="Times New Roman" panose="02020603050405020304" pitchFamily="18" charset="0"/>
+              </a:rPr>
+              <a:t> </a:t>
+            </a:r>
+            <a:r>
+              <a:rPr lang="en-US" altLang="zh-CN" sz="1400" kern="0">
+                <a:solidFill>
+                  <a:srgbClr val="7F0055"/>
+                </a:solidFill>
+                <a:latin typeface="Consolas" panose="020B0609020204030204" pitchFamily="49" charset="0"/>
+                <a:ea typeface="宋体" panose="02010600030101010101" pitchFamily="2" charset="-122"/>
+                <a:cs typeface="Times New Roman" panose="02020603050405020304" pitchFamily="18" charset="0"/>
+              </a:rPr>
+              <a:t>static</a:t>
+            </a:r>
+            <a:r>
+              <a:rPr lang="en-US" altLang="zh-CN" sz="1400" kern="0">
+                <a:solidFill>
+                  <a:srgbClr val="000000"/>
+                </a:solidFill>
+                <a:latin typeface="Consolas" panose="020B0609020204030204" pitchFamily="49" charset="0"/>
+                <a:ea typeface="宋体" panose="02010600030101010101" pitchFamily="2" charset="-122"/>
+                <a:cs typeface="Times New Roman" panose="02020603050405020304" pitchFamily="18" charset="0"/>
+              </a:rPr>
+              <a:t> </a:t>
+            </a:r>
+            <a:r>
+              <a:rPr lang="en-US" altLang="zh-CN" sz="1400" kern="0">
+                <a:solidFill>
+                  <a:srgbClr val="7F0055"/>
+                </a:solidFill>
+                <a:latin typeface="Consolas" panose="020B0609020204030204" pitchFamily="49" charset="0"/>
+                <a:ea typeface="宋体" panose="02010600030101010101" pitchFamily="2" charset="-122"/>
+                <a:cs typeface="Times New Roman" panose="02020603050405020304" pitchFamily="18" charset="0"/>
+              </a:rPr>
+              <a:t>int</a:t>
+            </a:r>
+            <a:r>
+              <a:rPr lang="en-US" altLang="zh-CN" sz="1400" kern="0">
+                <a:solidFill>
+                  <a:srgbClr val="000000"/>
+                </a:solidFill>
+                <a:latin typeface="Consolas" panose="020B0609020204030204" pitchFamily="49" charset="0"/>
+                <a:ea typeface="宋体" panose="02010600030101010101" pitchFamily="2" charset="-122"/>
+                <a:cs typeface="Times New Roman" panose="02020603050405020304" pitchFamily="18" charset="0"/>
+              </a:rPr>
+              <a:t> lcs(</a:t>
+            </a:r>
+            <a:r>
+              <a:rPr lang="en-US" altLang="zh-CN" sz="1400" kern="0">
+                <a:solidFill>
+                  <a:srgbClr val="7F0055"/>
+                </a:solidFill>
+                <a:latin typeface="Consolas" panose="020B0609020204030204" pitchFamily="49" charset="0"/>
+                <a:ea typeface="宋体" panose="02010600030101010101" pitchFamily="2" charset="-122"/>
+                <a:cs typeface="Times New Roman" panose="02020603050405020304" pitchFamily="18" charset="0"/>
+              </a:rPr>
+              <a:t>int</a:t>
+            </a:r>
+            <a:r>
+              <a:rPr lang="en-US" altLang="zh-CN" sz="1400" kern="0">
+                <a:solidFill>
+                  <a:srgbClr val="000000"/>
+                </a:solidFill>
+                <a:latin typeface="Consolas" panose="020B0609020204030204" pitchFamily="49" charset="0"/>
+                <a:ea typeface="宋体" panose="02010600030101010101" pitchFamily="2" charset="-122"/>
+                <a:cs typeface="Times New Roman" panose="02020603050405020304" pitchFamily="18" charset="0"/>
+              </a:rPr>
+              <a:t> index1, </a:t>
+            </a:r>
+            <a:r>
+              <a:rPr lang="en-US" altLang="zh-CN" sz="1400" kern="0">
+                <a:solidFill>
+                  <a:srgbClr val="7F0055"/>
+                </a:solidFill>
+                <a:latin typeface="Consolas" panose="020B0609020204030204" pitchFamily="49" charset="0"/>
+                <a:ea typeface="宋体" panose="02010600030101010101" pitchFamily="2" charset="-122"/>
+                <a:cs typeface="Times New Roman" panose="02020603050405020304" pitchFamily="18" charset="0"/>
+              </a:rPr>
+              <a:t>int</a:t>
+            </a:r>
+            <a:r>
+              <a:rPr lang="en-US" altLang="zh-CN" sz="1400" kern="0">
+                <a:solidFill>
+                  <a:srgbClr val="000000"/>
+                </a:solidFill>
+                <a:latin typeface="Consolas" panose="020B0609020204030204" pitchFamily="49" charset="0"/>
+                <a:ea typeface="宋体" panose="02010600030101010101" pitchFamily="2" charset="-122"/>
+                <a:cs typeface="Times New Roman" panose="02020603050405020304" pitchFamily="18" charset="0"/>
+              </a:rPr>
+              <a:t> index2) {</a:t>
+            </a:r>
+            <a:endParaRPr lang="zh-CN" altLang="zh-CN" sz="1600" kern="100">
+              <a:latin typeface="Calibri" panose="020F0502020204030204" pitchFamily="34" charset="0"/>
+              <a:ea typeface="宋体" panose="02010600030101010101" pitchFamily="2" charset="-122"/>
+              <a:cs typeface="Times New Roman" panose="02020603050405020304" pitchFamily="18" charset="0"/>
+            </a:endParaRPr>
+          </a:p>
+          <a:p>
+            <a:pPr>
+              <a:spcAft>
+                <a:spcPts val="0"/>
+              </a:spcAft>
+            </a:pPr>
+            <a:r>
+              <a:rPr lang="en-US" altLang="zh-CN" sz="1400" kern="0">
+                <a:solidFill>
+                  <a:srgbClr val="000000"/>
+                </a:solidFill>
+                <a:latin typeface="Consolas" panose="020B0609020204030204" pitchFamily="49" charset="0"/>
+                <a:ea typeface="宋体" panose="02010600030101010101" pitchFamily="2" charset="-122"/>
+                <a:cs typeface="Times New Roman" panose="02020603050405020304" pitchFamily="18" charset="0"/>
+              </a:rPr>
+              <a:t>	</a:t>
+            </a:r>
+            <a:r>
+              <a:rPr lang="en-US" altLang="zh-CN" sz="1400" kern="0">
+                <a:solidFill>
+                  <a:srgbClr val="7F0055"/>
+                </a:solidFill>
+                <a:latin typeface="Consolas" panose="020B0609020204030204" pitchFamily="49" charset="0"/>
+                <a:ea typeface="宋体" panose="02010600030101010101" pitchFamily="2" charset="-122"/>
+                <a:cs typeface="Times New Roman" panose="02020603050405020304" pitchFamily="18" charset="0"/>
+              </a:rPr>
+              <a:t>if</a:t>
+            </a:r>
+            <a:r>
+              <a:rPr lang="en-US" altLang="zh-CN" sz="1400" kern="0">
+                <a:solidFill>
+                  <a:srgbClr val="000000"/>
+                </a:solidFill>
+                <a:latin typeface="Consolas" panose="020B0609020204030204" pitchFamily="49" charset="0"/>
+                <a:ea typeface="宋体" panose="02010600030101010101" pitchFamily="2" charset="-122"/>
+                <a:cs typeface="Times New Roman" panose="02020603050405020304" pitchFamily="18" charset="0"/>
+              </a:rPr>
+              <a:t> (index1 == s1.length() || index2 == s2.length())</a:t>
+            </a:r>
+            <a:endParaRPr lang="zh-CN" altLang="zh-CN" sz="1600" kern="100">
+              <a:latin typeface="Calibri" panose="020F0502020204030204" pitchFamily="34" charset="0"/>
+              <a:ea typeface="宋体" panose="02010600030101010101" pitchFamily="2" charset="-122"/>
+              <a:cs typeface="Times New Roman" panose="02020603050405020304" pitchFamily="18" charset="0"/>
+            </a:endParaRPr>
+          </a:p>
+          <a:p>
+            <a:pPr>
+              <a:spcAft>
+                <a:spcPts val="0"/>
+              </a:spcAft>
+            </a:pPr>
+            <a:r>
+              <a:rPr lang="en-US" altLang="zh-CN" sz="1400" kern="0">
+                <a:solidFill>
+                  <a:srgbClr val="000000"/>
+                </a:solidFill>
+                <a:latin typeface="Consolas" panose="020B0609020204030204" pitchFamily="49" charset="0"/>
+                <a:ea typeface="宋体" panose="02010600030101010101" pitchFamily="2" charset="-122"/>
+                <a:cs typeface="Times New Roman" panose="02020603050405020304" pitchFamily="18" charset="0"/>
+              </a:rPr>
+              <a:t>		</a:t>
+            </a:r>
+            <a:r>
+              <a:rPr lang="en-US" altLang="zh-CN" sz="1400" kern="0">
+                <a:solidFill>
+                  <a:srgbClr val="7F0055"/>
+                </a:solidFill>
+                <a:latin typeface="Consolas" panose="020B0609020204030204" pitchFamily="49" charset="0"/>
+                <a:ea typeface="宋体" panose="02010600030101010101" pitchFamily="2" charset="-122"/>
+                <a:cs typeface="Times New Roman" panose="02020603050405020304" pitchFamily="18" charset="0"/>
+              </a:rPr>
+              <a:t>return</a:t>
+            </a:r>
+            <a:r>
+              <a:rPr lang="en-US" altLang="zh-CN" sz="1400" kern="0">
+                <a:solidFill>
+                  <a:srgbClr val="000000"/>
+                </a:solidFill>
+                <a:latin typeface="Consolas" panose="020B0609020204030204" pitchFamily="49" charset="0"/>
+                <a:ea typeface="宋体" panose="02010600030101010101" pitchFamily="2" charset="-122"/>
+                <a:cs typeface="Times New Roman" panose="02020603050405020304" pitchFamily="18" charset="0"/>
+              </a:rPr>
+              <a:t> 0;</a:t>
+            </a:r>
+            <a:endParaRPr lang="zh-CN" altLang="zh-CN" sz="1600" kern="100">
+              <a:latin typeface="Calibri" panose="020F0502020204030204" pitchFamily="34" charset="0"/>
+              <a:ea typeface="宋体" panose="02010600030101010101" pitchFamily="2" charset="-122"/>
+              <a:cs typeface="Times New Roman" panose="02020603050405020304" pitchFamily="18" charset="0"/>
+            </a:endParaRPr>
+          </a:p>
+          <a:p>
+            <a:pPr>
+              <a:spcAft>
+                <a:spcPts val="0"/>
+              </a:spcAft>
+            </a:pPr>
+            <a:r>
+              <a:rPr lang="en-US" altLang="zh-CN" sz="1400" kern="0">
+                <a:solidFill>
+                  <a:srgbClr val="000000"/>
+                </a:solidFill>
+                <a:latin typeface="Consolas" panose="020B0609020204030204" pitchFamily="49" charset="0"/>
+                <a:ea typeface="宋体" panose="02010600030101010101" pitchFamily="2" charset="-122"/>
+                <a:cs typeface="Times New Roman" panose="02020603050405020304" pitchFamily="18" charset="0"/>
+              </a:rPr>
+              <a:t>	</a:t>
+            </a:r>
+            <a:r>
+              <a:rPr lang="en-US" altLang="zh-CN" sz="1400" kern="0">
+                <a:solidFill>
+                  <a:srgbClr val="7F0055"/>
+                </a:solidFill>
+                <a:latin typeface="Consolas" panose="020B0609020204030204" pitchFamily="49" charset="0"/>
+                <a:ea typeface="宋体" panose="02010600030101010101" pitchFamily="2" charset="-122"/>
+                <a:cs typeface="Times New Roman" panose="02020603050405020304" pitchFamily="18" charset="0"/>
+              </a:rPr>
+              <a:t>char</a:t>
+            </a:r>
+            <a:r>
+              <a:rPr lang="en-US" altLang="zh-CN" sz="1400" kern="0">
+                <a:solidFill>
+                  <a:srgbClr val="000000"/>
+                </a:solidFill>
+                <a:latin typeface="Consolas" panose="020B0609020204030204" pitchFamily="49" charset="0"/>
+                <a:ea typeface="宋体" panose="02010600030101010101" pitchFamily="2" charset="-122"/>
+                <a:cs typeface="Times New Roman" panose="02020603050405020304" pitchFamily="18" charset="0"/>
+              </a:rPr>
+              <a:t> ch1 = s1.charAt(index1);</a:t>
+            </a:r>
+            <a:endParaRPr lang="zh-CN" altLang="zh-CN" sz="1600" kern="100">
+              <a:latin typeface="Calibri" panose="020F0502020204030204" pitchFamily="34" charset="0"/>
+              <a:ea typeface="宋体" panose="02010600030101010101" pitchFamily="2" charset="-122"/>
+              <a:cs typeface="Times New Roman" panose="02020603050405020304" pitchFamily="18" charset="0"/>
+            </a:endParaRPr>
+          </a:p>
+          <a:p>
+            <a:pPr>
+              <a:spcAft>
+                <a:spcPts val="0"/>
+              </a:spcAft>
+            </a:pPr>
+            <a:r>
+              <a:rPr lang="en-US" altLang="zh-CN" sz="1400" kern="0">
+                <a:solidFill>
+                  <a:srgbClr val="000000"/>
+                </a:solidFill>
+                <a:latin typeface="Consolas" panose="020B0609020204030204" pitchFamily="49" charset="0"/>
+                <a:ea typeface="宋体" panose="02010600030101010101" pitchFamily="2" charset="-122"/>
+                <a:cs typeface="Times New Roman" panose="02020603050405020304" pitchFamily="18" charset="0"/>
+              </a:rPr>
+              <a:t>	</a:t>
+            </a:r>
+            <a:r>
+              <a:rPr lang="en-US" altLang="zh-CN" sz="1400" kern="0">
+                <a:solidFill>
+                  <a:srgbClr val="7F0055"/>
+                </a:solidFill>
+                <a:latin typeface="Consolas" panose="020B0609020204030204" pitchFamily="49" charset="0"/>
+                <a:ea typeface="宋体" panose="02010600030101010101" pitchFamily="2" charset="-122"/>
+                <a:cs typeface="Times New Roman" panose="02020603050405020304" pitchFamily="18" charset="0"/>
+              </a:rPr>
+              <a:t>char</a:t>
+            </a:r>
+            <a:r>
+              <a:rPr lang="en-US" altLang="zh-CN" sz="1400" kern="0">
+                <a:solidFill>
+                  <a:srgbClr val="000000"/>
+                </a:solidFill>
+                <a:latin typeface="Consolas" panose="020B0609020204030204" pitchFamily="49" charset="0"/>
+                <a:ea typeface="宋体" panose="02010600030101010101" pitchFamily="2" charset="-122"/>
+                <a:cs typeface="Times New Roman" panose="02020603050405020304" pitchFamily="18" charset="0"/>
+              </a:rPr>
+              <a:t> ch2 = s2.charAt(index2);</a:t>
+            </a:r>
+            <a:endParaRPr lang="zh-CN" altLang="zh-CN" sz="1600" kern="100">
+              <a:latin typeface="Calibri" panose="020F0502020204030204" pitchFamily="34" charset="0"/>
+              <a:ea typeface="宋体" panose="02010600030101010101" pitchFamily="2" charset="-122"/>
+              <a:cs typeface="Times New Roman" panose="02020603050405020304" pitchFamily="18" charset="0"/>
+            </a:endParaRPr>
+          </a:p>
+          <a:p>
+            <a:pPr>
+              <a:spcAft>
+                <a:spcPts val="0"/>
+              </a:spcAft>
+            </a:pPr>
+            <a:r>
+              <a:rPr lang="en-US" altLang="zh-CN" sz="1400" kern="0">
+                <a:solidFill>
+                  <a:srgbClr val="000000"/>
+                </a:solidFill>
+                <a:latin typeface="Consolas" panose="020B0609020204030204" pitchFamily="49" charset="0"/>
+                <a:ea typeface="宋体" panose="02010600030101010101" pitchFamily="2" charset="-122"/>
+                <a:cs typeface="Times New Roman" panose="02020603050405020304" pitchFamily="18" charset="0"/>
+              </a:rPr>
+              <a:t>	</a:t>
+            </a:r>
+            <a:r>
+              <a:rPr lang="en-US" altLang="zh-CN" sz="1400" kern="0">
+                <a:solidFill>
+                  <a:srgbClr val="7F0055"/>
+                </a:solidFill>
+                <a:latin typeface="Consolas" panose="020B0609020204030204" pitchFamily="49" charset="0"/>
+                <a:ea typeface="宋体" panose="02010600030101010101" pitchFamily="2" charset="-122"/>
+                <a:cs typeface="Times New Roman" panose="02020603050405020304" pitchFamily="18" charset="0"/>
+              </a:rPr>
+              <a:t>if</a:t>
+            </a:r>
+            <a:r>
+              <a:rPr lang="en-US" altLang="zh-CN" sz="1400" kern="0">
+                <a:solidFill>
+                  <a:srgbClr val="000000"/>
+                </a:solidFill>
+                <a:latin typeface="Consolas" panose="020B0609020204030204" pitchFamily="49" charset="0"/>
+                <a:ea typeface="宋体" panose="02010600030101010101" pitchFamily="2" charset="-122"/>
+                <a:cs typeface="Times New Roman" panose="02020603050405020304" pitchFamily="18" charset="0"/>
+              </a:rPr>
+              <a:t> (ch1 == ch2)</a:t>
+            </a:r>
+            <a:endParaRPr lang="zh-CN" altLang="zh-CN" sz="1600" kern="100">
+              <a:latin typeface="Calibri" panose="020F0502020204030204" pitchFamily="34" charset="0"/>
+              <a:ea typeface="宋体" panose="02010600030101010101" pitchFamily="2" charset="-122"/>
+              <a:cs typeface="Times New Roman" panose="02020603050405020304" pitchFamily="18" charset="0"/>
+            </a:endParaRPr>
+          </a:p>
+          <a:p>
+            <a:pPr>
+              <a:spcAft>
+                <a:spcPts val="0"/>
+              </a:spcAft>
+            </a:pPr>
+            <a:r>
+              <a:rPr lang="en-US" altLang="zh-CN" sz="1400" kern="0">
+                <a:solidFill>
+                  <a:srgbClr val="000000"/>
+                </a:solidFill>
+                <a:latin typeface="Consolas" panose="020B0609020204030204" pitchFamily="49" charset="0"/>
+                <a:ea typeface="宋体" panose="02010600030101010101" pitchFamily="2" charset="-122"/>
+                <a:cs typeface="Times New Roman" panose="02020603050405020304" pitchFamily="18" charset="0"/>
+              </a:rPr>
+              <a:t>		</a:t>
+            </a:r>
+            <a:r>
+              <a:rPr lang="en-US" altLang="zh-CN" sz="1400" kern="0">
+                <a:solidFill>
+                  <a:srgbClr val="7F0055"/>
+                </a:solidFill>
+                <a:latin typeface="Consolas" panose="020B0609020204030204" pitchFamily="49" charset="0"/>
+                <a:ea typeface="宋体" panose="02010600030101010101" pitchFamily="2" charset="-122"/>
+                <a:cs typeface="Times New Roman" panose="02020603050405020304" pitchFamily="18" charset="0"/>
+              </a:rPr>
+              <a:t>return</a:t>
+            </a:r>
+            <a:r>
+              <a:rPr lang="en-US" altLang="zh-CN" sz="1400" kern="0">
+                <a:solidFill>
+                  <a:srgbClr val="000000"/>
+                </a:solidFill>
+                <a:latin typeface="Consolas" panose="020B0609020204030204" pitchFamily="49" charset="0"/>
+                <a:ea typeface="宋体" panose="02010600030101010101" pitchFamily="2" charset="-122"/>
+                <a:cs typeface="Times New Roman" panose="02020603050405020304" pitchFamily="18" charset="0"/>
+              </a:rPr>
+              <a:t> lcs(index1 + 1, index2 + 1);</a:t>
+            </a:r>
+            <a:endParaRPr lang="zh-CN" altLang="zh-CN" sz="1600" kern="100">
+              <a:latin typeface="Calibri" panose="020F0502020204030204" pitchFamily="34" charset="0"/>
+              <a:ea typeface="宋体" panose="02010600030101010101" pitchFamily="2" charset="-122"/>
+              <a:cs typeface="Times New Roman" panose="02020603050405020304" pitchFamily="18" charset="0"/>
+            </a:endParaRPr>
+          </a:p>
+          <a:p>
+            <a:pPr>
+              <a:spcAft>
+                <a:spcPts val="0"/>
+              </a:spcAft>
+            </a:pPr>
+            <a:r>
+              <a:rPr lang="en-US" altLang="zh-CN" sz="1400" kern="0">
+                <a:solidFill>
+                  <a:srgbClr val="000000"/>
+                </a:solidFill>
+                <a:latin typeface="Consolas" panose="020B0609020204030204" pitchFamily="49" charset="0"/>
+                <a:ea typeface="宋体" panose="02010600030101010101" pitchFamily="2" charset="-122"/>
+                <a:cs typeface="Times New Roman" panose="02020603050405020304" pitchFamily="18" charset="0"/>
+              </a:rPr>
+              <a:t>	</a:t>
+            </a:r>
+            <a:r>
+              <a:rPr lang="en-US" altLang="zh-CN" sz="1400" kern="0">
+                <a:solidFill>
+                  <a:srgbClr val="7F0055"/>
+                </a:solidFill>
+                <a:latin typeface="Consolas" panose="020B0609020204030204" pitchFamily="49" charset="0"/>
+                <a:ea typeface="宋体" panose="02010600030101010101" pitchFamily="2" charset="-122"/>
+                <a:cs typeface="Times New Roman" panose="02020603050405020304" pitchFamily="18" charset="0"/>
+              </a:rPr>
+              <a:t>else</a:t>
+            </a:r>
+            <a:r>
+              <a:rPr lang="en-US" altLang="zh-CN" sz="1400" kern="0">
+                <a:solidFill>
+                  <a:srgbClr val="000000"/>
+                </a:solidFill>
+                <a:latin typeface="Consolas" panose="020B0609020204030204" pitchFamily="49" charset="0"/>
+                <a:ea typeface="宋体" panose="02010600030101010101" pitchFamily="2" charset="-122"/>
+                <a:cs typeface="Times New Roman" panose="02020603050405020304" pitchFamily="18" charset="0"/>
+              </a:rPr>
+              <a:t> {</a:t>
+            </a:r>
+            <a:endParaRPr lang="zh-CN" altLang="zh-CN" sz="1600" kern="100">
+              <a:latin typeface="Calibri" panose="020F0502020204030204" pitchFamily="34" charset="0"/>
+              <a:ea typeface="宋体" panose="02010600030101010101" pitchFamily="2" charset="-122"/>
+              <a:cs typeface="Times New Roman" panose="02020603050405020304" pitchFamily="18" charset="0"/>
+            </a:endParaRPr>
+          </a:p>
+          <a:p>
+            <a:pPr>
+              <a:spcAft>
+                <a:spcPts val="0"/>
+              </a:spcAft>
+            </a:pPr>
+            <a:r>
+              <a:rPr lang="en-US" altLang="zh-CN" sz="1400" kern="0">
+                <a:solidFill>
+                  <a:srgbClr val="000000"/>
+                </a:solidFill>
+                <a:latin typeface="Consolas" panose="020B0609020204030204" pitchFamily="49" charset="0"/>
+                <a:ea typeface="宋体" panose="02010600030101010101" pitchFamily="2" charset="-122"/>
+                <a:cs typeface="Times New Roman" panose="02020603050405020304" pitchFamily="18" charset="0"/>
+              </a:rPr>
+              <a:t>		</a:t>
+            </a:r>
+            <a:r>
+              <a:rPr lang="en-US" altLang="zh-CN" sz="1400" kern="0">
+                <a:solidFill>
+                  <a:srgbClr val="7F0055"/>
+                </a:solidFill>
+                <a:latin typeface="Consolas" panose="020B0609020204030204" pitchFamily="49" charset="0"/>
+                <a:ea typeface="宋体" panose="02010600030101010101" pitchFamily="2" charset="-122"/>
+                <a:cs typeface="Times New Roman" panose="02020603050405020304" pitchFamily="18" charset="0"/>
+              </a:rPr>
+              <a:t>int</a:t>
+            </a:r>
+            <a:r>
+              <a:rPr lang="en-US" altLang="zh-CN" sz="1400" kern="0">
+                <a:solidFill>
+                  <a:srgbClr val="000000"/>
+                </a:solidFill>
+                <a:latin typeface="Consolas" panose="020B0609020204030204" pitchFamily="49" charset="0"/>
+                <a:ea typeface="宋体" panose="02010600030101010101" pitchFamily="2" charset="-122"/>
+                <a:cs typeface="Times New Roman" panose="02020603050405020304" pitchFamily="18" charset="0"/>
+              </a:rPr>
+              <a:t> r1 = lcs(index1 + 1, index2);</a:t>
+            </a:r>
+            <a:endParaRPr lang="zh-CN" altLang="zh-CN" sz="1600" kern="100">
+              <a:latin typeface="Calibri" panose="020F0502020204030204" pitchFamily="34" charset="0"/>
+              <a:ea typeface="宋体" panose="02010600030101010101" pitchFamily="2" charset="-122"/>
+              <a:cs typeface="Times New Roman" panose="02020603050405020304" pitchFamily="18" charset="0"/>
+            </a:endParaRPr>
+          </a:p>
+          <a:p>
+            <a:pPr>
+              <a:spcAft>
+                <a:spcPts val="0"/>
+              </a:spcAft>
+            </a:pPr>
+            <a:r>
+              <a:rPr lang="en-US" altLang="zh-CN" sz="1400" kern="0">
+                <a:solidFill>
+                  <a:srgbClr val="000000"/>
+                </a:solidFill>
+                <a:latin typeface="Consolas" panose="020B0609020204030204" pitchFamily="49" charset="0"/>
+                <a:ea typeface="宋体" panose="02010600030101010101" pitchFamily="2" charset="-122"/>
+                <a:cs typeface="Times New Roman" panose="02020603050405020304" pitchFamily="18" charset="0"/>
+              </a:rPr>
+              <a:t>		</a:t>
+            </a:r>
+            <a:r>
+              <a:rPr lang="en-US" altLang="zh-CN" sz="1400" kern="0">
+                <a:solidFill>
+                  <a:srgbClr val="7F0055"/>
+                </a:solidFill>
+                <a:latin typeface="Consolas" panose="020B0609020204030204" pitchFamily="49" charset="0"/>
+                <a:ea typeface="宋体" panose="02010600030101010101" pitchFamily="2" charset="-122"/>
+                <a:cs typeface="Times New Roman" panose="02020603050405020304" pitchFamily="18" charset="0"/>
+              </a:rPr>
+              <a:t>int</a:t>
+            </a:r>
+            <a:r>
+              <a:rPr lang="en-US" altLang="zh-CN" sz="1400" kern="0">
+                <a:solidFill>
+                  <a:srgbClr val="000000"/>
+                </a:solidFill>
+                <a:latin typeface="Consolas" panose="020B0609020204030204" pitchFamily="49" charset="0"/>
+                <a:ea typeface="宋体" panose="02010600030101010101" pitchFamily="2" charset="-122"/>
+                <a:cs typeface="Times New Roman" panose="02020603050405020304" pitchFamily="18" charset="0"/>
+              </a:rPr>
+              <a:t> r2 = lcs(index1, index2 + 1);</a:t>
+            </a:r>
+            <a:endParaRPr lang="zh-CN" altLang="zh-CN" sz="1600" kern="100">
+              <a:latin typeface="Calibri" panose="020F0502020204030204" pitchFamily="34" charset="0"/>
+              <a:ea typeface="宋体" panose="02010600030101010101" pitchFamily="2" charset="-122"/>
+              <a:cs typeface="Times New Roman" panose="02020603050405020304" pitchFamily="18" charset="0"/>
+            </a:endParaRPr>
+          </a:p>
+          <a:p>
+            <a:pPr>
+              <a:spcAft>
+                <a:spcPts val="0"/>
+              </a:spcAft>
+            </a:pPr>
+            <a:r>
+              <a:rPr lang="en-US" altLang="zh-CN" sz="1400" kern="0">
+                <a:solidFill>
+                  <a:srgbClr val="000000"/>
+                </a:solidFill>
+                <a:latin typeface="Consolas" panose="020B0609020204030204" pitchFamily="49" charset="0"/>
+                <a:ea typeface="宋体" panose="02010600030101010101" pitchFamily="2" charset="-122"/>
+                <a:cs typeface="Times New Roman" panose="02020603050405020304" pitchFamily="18" charset="0"/>
+              </a:rPr>
+              <a:t>		</a:t>
+            </a:r>
+            <a:r>
+              <a:rPr lang="en-US" altLang="zh-CN" sz="1400" kern="0">
+                <a:solidFill>
+                  <a:srgbClr val="7F0055"/>
+                </a:solidFill>
+                <a:latin typeface="Consolas" panose="020B0609020204030204" pitchFamily="49" charset="0"/>
+                <a:ea typeface="宋体" panose="02010600030101010101" pitchFamily="2" charset="-122"/>
+                <a:cs typeface="Times New Roman" panose="02020603050405020304" pitchFamily="18" charset="0"/>
+              </a:rPr>
+              <a:t>return</a:t>
+            </a:r>
+            <a:r>
+              <a:rPr lang="en-US" altLang="zh-CN" sz="1400" kern="0">
+                <a:solidFill>
+                  <a:srgbClr val="000000"/>
+                </a:solidFill>
+                <a:latin typeface="Consolas" panose="020B0609020204030204" pitchFamily="49" charset="0"/>
+                <a:ea typeface="宋体" panose="02010600030101010101" pitchFamily="2" charset="-122"/>
+                <a:cs typeface="Times New Roman" panose="02020603050405020304" pitchFamily="18" charset="0"/>
+              </a:rPr>
+              <a:t> r1 &gt; r2 ? r1 : r2;</a:t>
+            </a:r>
+            <a:endParaRPr lang="zh-CN" altLang="zh-CN" sz="1600" kern="100">
+              <a:latin typeface="Calibri" panose="020F0502020204030204" pitchFamily="34" charset="0"/>
+              <a:ea typeface="宋体" panose="02010600030101010101" pitchFamily="2" charset="-122"/>
+              <a:cs typeface="Times New Roman" panose="02020603050405020304" pitchFamily="18" charset="0"/>
+            </a:endParaRPr>
+          </a:p>
+          <a:p>
+            <a:pPr>
+              <a:spcAft>
+                <a:spcPts val="0"/>
+              </a:spcAft>
+            </a:pPr>
+            <a:r>
+              <a:rPr lang="en-US" altLang="zh-CN" sz="1400" kern="0">
+                <a:solidFill>
+                  <a:srgbClr val="000000"/>
+                </a:solidFill>
+                <a:latin typeface="Consolas" panose="020B0609020204030204" pitchFamily="49" charset="0"/>
+                <a:ea typeface="宋体" panose="02010600030101010101" pitchFamily="2" charset="-122"/>
+                <a:cs typeface="Times New Roman" panose="02020603050405020304" pitchFamily="18" charset="0"/>
+              </a:rPr>
+              <a:t>	}</a:t>
+            </a:r>
+            <a:endParaRPr lang="zh-CN" altLang="zh-CN" sz="1600" kern="100">
+              <a:latin typeface="Calibri" panose="020F0502020204030204" pitchFamily="34" charset="0"/>
+              <a:ea typeface="宋体" panose="02010600030101010101" pitchFamily="2" charset="-122"/>
+              <a:cs typeface="Times New Roman" panose="02020603050405020304" pitchFamily="18" charset="0"/>
+            </a:endParaRPr>
+          </a:p>
+          <a:p>
+            <a:pPr>
+              <a:spcAft>
+                <a:spcPts val="0"/>
+              </a:spcAft>
+            </a:pPr>
+            <a:r>
+              <a:rPr lang="en-US" altLang="zh-CN" sz="1400" kern="0">
+                <a:solidFill>
+                  <a:srgbClr val="000000"/>
+                </a:solidFill>
+                <a:latin typeface="Consolas" panose="020B0609020204030204" pitchFamily="49" charset="0"/>
+                <a:ea typeface="宋体" panose="02010600030101010101" pitchFamily="2" charset="-122"/>
+                <a:cs typeface="Times New Roman" panose="02020603050405020304" pitchFamily="18" charset="0"/>
+              </a:rPr>
+              <a:t>}</a:t>
+            </a:r>
+            <a:endParaRPr lang="zh-CN" altLang="zh-CN" sz="1600" kern="100">
+              <a:latin typeface="Calibri" panose="020F0502020204030204" pitchFamily="34" charset="0"/>
+              <a:ea typeface="宋体" panose="02010600030101010101" pitchFamily="2" charset="-122"/>
+              <a:cs typeface="Times New Roman" panose="02020603050405020304" pitchFamily="18" charset="0"/>
+            </a:endParaRPr>
+          </a:p>
+          <a:p>
+            <a:pPr>
+              <a:spcAft>
+                <a:spcPts val="0"/>
+              </a:spcAft>
+            </a:pPr>
+            <a:r>
+              <a:rPr lang="en-US" altLang="zh-CN" sz="1400" kern="0">
+                <a:solidFill>
+                  <a:srgbClr val="3F7F5F"/>
+                </a:solidFill>
+                <a:latin typeface="Consolas" panose="020B0609020204030204" pitchFamily="49" charset="0"/>
+                <a:ea typeface="宋体" panose="02010600030101010101" pitchFamily="2" charset="-122"/>
+                <a:cs typeface="Times New Roman" panose="02020603050405020304" pitchFamily="18" charset="0"/>
+              </a:rPr>
+              <a:t>// call function</a:t>
+            </a:r>
+            <a:endParaRPr lang="zh-CN" altLang="zh-CN" sz="1600" kern="100">
+              <a:latin typeface="Calibri" panose="020F0502020204030204" pitchFamily="34" charset="0"/>
+              <a:ea typeface="宋体" panose="02010600030101010101" pitchFamily="2" charset="-122"/>
+              <a:cs typeface="Times New Roman" panose="02020603050405020304" pitchFamily="18" charset="0"/>
+            </a:endParaRPr>
+          </a:p>
+          <a:p>
+            <a:pPr algn="just">
+              <a:spcAft>
+                <a:spcPts val="0"/>
+              </a:spcAft>
+            </a:pPr>
+            <a:r>
+              <a:rPr lang="en-US" altLang="zh-CN" sz="1400" kern="0">
+                <a:solidFill>
+                  <a:srgbClr val="000000"/>
+                </a:solidFill>
+                <a:latin typeface="Consolas" panose="020B0609020204030204" pitchFamily="49" charset="0"/>
+                <a:ea typeface="宋体" panose="02010600030101010101" pitchFamily="2" charset="-122"/>
+                <a:cs typeface="Times New Roman" panose="02020603050405020304" pitchFamily="18" charset="0"/>
+              </a:rPr>
+              <a:t>lcs(0, 0);</a:t>
+            </a:r>
+            <a:endParaRPr lang="zh-CN" altLang="zh-CN" sz="1600" kern="100">
+              <a:effectLst/>
+              <a:latin typeface="Calibri" panose="020F0502020204030204" pitchFamily="34" charset="0"/>
+              <a:ea typeface="宋体" panose="02010600030101010101" pitchFamily="2" charset="-122"/>
+              <a:cs typeface="Times New Roman" panose="02020603050405020304" pitchFamily="18" charset="0"/>
+            </a:endParaRPr>
+          </a:p>
+        </p:txBody>
+      </p:sp>
+    </p:spTree>
+    <p:extLst>
+      <p:ext uri="{BB962C8B-B14F-4D97-AF65-F5344CB8AC3E}">
+        <p14:creationId xmlns:p14="http://schemas.microsoft.com/office/powerpoint/2010/main" val="368627908"/>
+      </p:ext>
+    </p:extLst>
+  </p:cSld>
+  <p:clrMapOvr>
+    <a:masterClrMapping/>
+  </p:clrMapOvr>
+  <p:transition>
+    <p:fade thruBlk="1"/>
+  </p:transition>
+  <p:timing>
+    <p:tnLst>
+      <p:par>
+        <p:cTn id="1" dur="indefinite" restart="never" nodeType="tmRoot"/>
+      </p:par>
+    </p:tnLst>
+  </p:timing>
+</p:sld>
+</file>
+
+<file path=ppt/slides/slide41.xml><?xml version="1.0" encoding="utf-8"?>
+<p:sld xmlns:a="http://schemas.openxmlformats.org/drawingml/2006/main" xmlns:r="http://schemas.openxmlformats.org/officeDocument/2006/relationships" xmlns:p="http://schemas.openxmlformats.org/presentationml/2006/main">
+  <p:cSld>
+    <p:spTree>
+      <p:nvGrpSpPr>
+        <p:cNvPr id="1" name=""/>
+        <p:cNvGrpSpPr/>
+        <p:nvPr/>
+      </p:nvGrpSpPr>
+      <p:grpSpPr>
+        <a:xfrm>
+          <a:off x="0" y="0"/>
+          <a:ext cx="0" cy="0"/>
+          <a:chOff x="0" y="0"/>
+          <a:chExt cx="0" cy="0"/>
+        </a:xfrm>
+      </p:grpSpPr>
+      <p:sp>
+        <p:nvSpPr>
+          <p:cNvPr id="2" name="Title 1"/>
+          <p:cNvSpPr>
+            <a:spLocks noGrp="1"/>
+          </p:cNvSpPr>
+          <p:nvPr>
+            <p:ph type="title"/>
+          </p:nvPr>
+        </p:nvSpPr>
+        <p:spPr>
+          <a:xfrm>
+            <a:off x="396875" y="439693"/>
+            <a:ext cx="8101013" cy="703307"/>
+          </a:xfrm>
+        </p:spPr>
+        <p:txBody>
+          <a:bodyPr/>
+          <a:lstStyle/>
+          <a:p>
+            <a:r>
+              <a:rPr lang="zh-CN" altLang="en-US" b="1" dirty="0" smtClean="0">
+                <a:latin typeface="华文楷体" pitchFamily="2" charset="-122"/>
+                <a:ea typeface="华文楷体" pitchFamily="2" charset="-122"/>
+              </a:rPr>
+              <a:t>常见算法思想</a:t>
+            </a:r>
+            <a:endParaRPr lang="zh-TW" altLang="en-US" b="1" dirty="0">
+              <a:latin typeface="华文楷体" pitchFamily="2" charset="-122"/>
+              <a:ea typeface="华文楷体" pitchFamily="2" charset="-122"/>
+            </a:endParaRPr>
+          </a:p>
+        </p:txBody>
+      </p:sp>
+      <p:sp>
+        <p:nvSpPr>
+          <p:cNvPr id="4" name="Date Placeholder 3"/>
+          <p:cNvSpPr>
+            <a:spLocks noGrp="1"/>
+          </p:cNvSpPr>
+          <p:nvPr>
+            <p:ph type="dt" sz="quarter" idx="10"/>
+          </p:nvPr>
+        </p:nvSpPr>
+        <p:spPr/>
+        <p:txBody>
+          <a:bodyPr/>
+          <a:lstStyle/>
+          <a:p>
+            <a:pPr>
+              <a:defRPr/>
+            </a:pPr>
+            <a:r>
+              <a:rPr lang="en-US" altLang="zh-TW" dirty="0" smtClean="0">
+                <a:ea typeface="新細明體" charset="-120"/>
+              </a:rPr>
+              <a:t>04/25/2016</a:t>
+            </a:r>
+            <a:endParaRPr lang="en-US" altLang="zh-TW" dirty="0">
+              <a:ea typeface="新細明體" charset="-120"/>
+            </a:endParaRPr>
+          </a:p>
+          <a:p>
+            <a:pPr>
+              <a:defRPr/>
+            </a:pPr>
+            <a:endParaRPr lang="en-US" dirty="0"/>
+          </a:p>
+        </p:txBody>
+      </p:sp>
+      <p:sp>
+        <p:nvSpPr>
+          <p:cNvPr id="5" name="TextBox 4"/>
+          <p:cNvSpPr txBox="1"/>
+          <p:nvPr/>
+        </p:nvSpPr>
+        <p:spPr>
+          <a:xfrm>
+            <a:off x="622848" y="1287645"/>
+            <a:ext cx="7686261" cy="1384995"/>
+          </a:xfrm>
+          <a:prstGeom prst="rect">
+            <a:avLst/>
+          </a:prstGeom>
+          <a:noFill/>
+        </p:spPr>
+        <p:txBody>
+          <a:bodyPr wrap="square" rtlCol="0">
+            <a:spAutoFit/>
+          </a:bodyPr>
+          <a:lstStyle>
+            <a:defPPr>
+              <a:defRPr lang="en-US"/>
+            </a:defPPr>
+            <a:lvl1pPr>
+              <a:defRPr sz="2800">
+                <a:latin typeface="Adobe Garamond Pro Bold" pitchFamily="18" charset="0"/>
+                <a:ea typeface="华文楷体" pitchFamily="2" charset="-122"/>
+              </a:defRPr>
+            </a:lvl1pPr>
+          </a:lstStyle>
+          <a:p>
+            <a:r>
+              <a:rPr lang="zh-CN" altLang="en-US" dirty="0" smtClean="0"/>
+              <a:t>但是，这个方法（分治法）效果好吗？找个简单的例子：</a:t>
+            </a:r>
+            <a:r>
+              <a:rPr lang="en-US" altLang="zh-CN" dirty="0" smtClean="0"/>
+              <a:t>s1=“</a:t>
+            </a:r>
+            <a:r>
+              <a:rPr lang="en-US" altLang="zh-CN" dirty="0" err="1" smtClean="0"/>
+              <a:t>a</a:t>
+            </a:r>
+            <a:r>
+              <a:rPr lang="en-US" altLang="zh-CN" dirty="0" err="1" smtClean="0">
+                <a:solidFill>
+                  <a:srgbClr val="FF0000"/>
+                </a:solidFill>
+              </a:rPr>
+              <a:t>bcde</a:t>
+            </a:r>
+            <a:r>
+              <a:rPr lang="en-US" altLang="zh-CN" dirty="0" smtClean="0"/>
+              <a:t>”</a:t>
+            </a:r>
+            <a:r>
+              <a:rPr lang="zh-CN" altLang="en-US" dirty="0" smtClean="0"/>
+              <a:t>，</a:t>
+            </a:r>
+            <a:r>
+              <a:rPr lang="en-US" altLang="zh-CN" dirty="0" smtClean="0"/>
+              <a:t>s2=“</a:t>
+            </a:r>
+            <a:r>
+              <a:rPr lang="en-US" altLang="zh-CN" dirty="0" err="1" smtClean="0"/>
+              <a:t>k</a:t>
+            </a:r>
+            <a:r>
+              <a:rPr lang="en-US" altLang="zh-CN" dirty="0" err="1" smtClean="0">
+                <a:solidFill>
+                  <a:srgbClr val="FF0000"/>
+                </a:solidFill>
+              </a:rPr>
+              <a:t>bcde</a:t>
+            </a:r>
+            <a:r>
+              <a:rPr lang="en-US" altLang="zh-CN" dirty="0" smtClean="0"/>
+              <a:t>”</a:t>
+            </a:r>
+            <a:r>
+              <a:rPr lang="zh-CN" altLang="en-US" dirty="0" smtClean="0"/>
+              <a:t>。根据递归树状图，</a:t>
+            </a:r>
+            <a:r>
+              <a:rPr lang="en-US" altLang="zh-CN" dirty="0" err="1" smtClean="0"/>
+              <a:t>lcs</a:t>
+            </a:r>
+            <a:r>
+              <a:rPr lang="en-US" altLang="zh-CN" dirty="0" smtClean="0"/>
+              <a:t>(1,1</a:t>
+            </a:r>
+            <a:r>
+              <a:rPr lang="zh-CN" altLang="en-US" dirty="0" smtClean="0"/>
+              <a:t>被计算了两次</a:t>
+            </a:r>
+            <a:r>
+              <a:rPr lang="en-US" altLang="zh-CN" dirty="0" smtClean="0"/>
+              <a:t>)</a:t>
+            </a:r>
+            <a:r>
+              <a:rPr lang="zh-CN" altLang="en-US" dirty="0" smtClean="0"/>
+              <a:t>。</a:t>
+            </a:r>
+            <a:endParaRPr lang="en-US" altLang="zh-CN" dirty="0" smtClean="0"/>
+          </a:p>
+        </p:txBody>
+      </p:sp>
+      <p:graphicFrame>
+        <p:nvGraphicFramePr>
+          <p:cNvPr id="6" name="图示 20"/>
+          <p:cNvGraphicFramePr/>
+          <p:nvPr>
+            <p:extLst>
+              <p:ext uri="{D42A27DB-BD31-4B8C-83A1-F6EECF244321}">
+                <p14:modId xmlns:p14="http://schemas.microsoft.com/office/powerpoint/2010/main" val="2075612626"/>
+              </p:ext>
+            </p:extLst>
+          </p:nvPr>
+        </p:nvGraphicFramePr>
+        <p:xfrm>
+          <a:off x="727967" y="2672640"/>
+          <a:ext cx="5208105" cy="3229112"/>
+        </p:xfrm>
+        <a:graphic>
+          <a:graphicData uri="http://schemas.openxmlformats.org/drawingml/2006/diagram">
+            <dgm:relIds xmlns:dgm="http://schemas.openxmlformats.org/drawingml/2006/diagram" xmlns:r="http://schemas.openxmlformats.org/officeDocument/2006/relationships" r:dm="rId2" r:lo="rId3" r:qs="rId4" r:cs="rId5"/>
+          </a:graphicData>
+        </a:graphic>
+      </p:graphicFrame>
+    </p:spTree>
+    <p:extLst>
+      <p:ext uri="{BB962C8B-B14F-4D97-AF65-F5344CB8AC3E}">
+        <p14:creationId xmlns:p14="http://schemas.microsoft.com/office/powerpoint/2010/main" val="3454771762"/>
+      </p:ext>
+    </p:extLst>
+  </p:cSld>
+  <p:clrMapOvr>
+    <a:masterClrMapping/>
+  </p:clrMapOvr>
+  <p:transition>
+    <p:fade thruBlk="1"/>
+  </p:transition>
+  <p:timing>
+    <p:tnLst>
+      <p:par>
+        <p:cTn id="1" dur="indefinite" restart="never" nodeType="tmRoot"/>
+      </p:par>
+    </p:tnLst>
+  </p:timing>
+</p:sld>
+</file>
+
+<file path=ppt/slides/slide42.xml><?xml version="1.0" encoding="utf-8"?>
+<p:sld xmlns:a="http://schemas.openxmlformats.org/drawingml/2006/main" xmlns:r="http://schemas.openxmlformats.org/officeDocument/2006/relationships" xmlns:p="http://schemas.openxmlformats.org/presentationml/2006/main">
+  <p:cSld>
+    <p:spTree>
+      <p:nvGrpSpPr>
+        <p:cNvPr id="1" name=""/>
+        <p:cNvGrpSpPr/>
+        <p:nvPr/>
+      </p:nvGrpSpPr>
+      <p:grpSpPr>
+        <a:xfrm>
+          <a:off x="0" y="0"/>
+          <a:ext cx="0" cy="0"/>
+          <a:chOff x="0" y="0"/>
+          <a:chExt cx="0" cy="0"/>
+        </a:xfrm>
+      </p:grpSpPr>
+      <p:sp>
+        <p:nvSpPr>
+          <p:cNvPr id="2" name="Title 1"/>
+          <p:cNvSpPr>
+            <a:spLocks noGrp="1"/>
+          </p:cNvSpPr>
+          <p:nvPr>
+            <p:ph type="title"/>
+          </p:nvPr>
+        </p:nvSpPr>
+        <p:spPr>
+          <a:xfrm>
+            <a:off x="396875" y="439693"/>
+            <a:ext cx="8101013" cy="703307"/>
+          </a:xfrm>
+        </p:spPr>
+        <p:txBody>
+          <a:bodyPr/>
+          <a:lstStyle/>
+          <a:p>
+            <a:r>
+              <a:rPr lang="zh-CN" altLang="en-US" b="1" dirty="0" smtClean="0">
+                <a:latin typeface="华文楷体" pitchFamily="2" charset="-122"/>
+                <a:ea typeface="华文楷体" pitchFamily="2" charset="-122"/>
+              </a:rPr>
+              <a:t>常见算法思想</a:t>
+            </a:r>
+            <a:endParaRPr lang="zh-TW" altLang="en-US" b="1" dirty="0">
+              <a:latin typeface="华文楷体" pitchFamily="2" charset="-122"/>
+              <a:ea typeface="华文楷体" pitchFamily="2" charset="-122"/>
+            </a:endParaRPr>
+          </a:p>
+        </p:txBody>
+      </p:sp>
+      <p:sp>
+        <p:nvSpPr>
+          <p:cNvPr id="4" name="Date Placeholder 3"/>
+          <p:cNvSpPr>
+            <a:spLocks noGrp="1"/>
+          </p:cNvSpPr>
+          <p:nvPr>
+            <p:ph type="dt" sz="quarter" idx="10"/>
+          </p:nvPr>
+        </p:nvSpPr>
+        <p:spPr/>
+        <p:txBody>
+          <a:bodyPr/>
+          <a:lstStyle/>
+          <a:p>
+            <a:pPr>
+              <a:defRPr/>
+            </a:pPr>
+            <a:r>
+              <a:rPr lang="en-US" altLang="zh-TW" dirty="0" smtClean="0">
+                <a:ea typeface="新細明體" charset="-120"/>
+              </a:rPr>
+              <a:t>04/25/2016</a:t>
+            </a:r>
+            <a:endParaRPr lang="en-US" altLang="zh-TW" dirty="0">
+              <a:ea typeface="新細明體" charset="-120"/>
+            </a:endParaRPr>
+          </a:p>
+          <a:p>
+            <a:pPr>
+              <a:defRPr/>
+            </a:pPr>
+            <a:endParaRPr lang="en-US" dirty="0"/>
+          </a:p>
+        </p:txBody>
+      </p:sp>
+      <p:sp>
+        <p:nvSpPr>
+          <p:cNvPr id="5" name="TextBox 4"/>
+          <p:cNvSpPr txBox="1"/>
+          <p:nvPr/>
+        </p:nvSpPr>
+        <p:spPr>
+          <a:xfrm>
+            <a:off x="622848" y="1287645"/>
+            <a:ext cx="7686261" cy="3970318"/>
+          </a:xfrm>
+          <a:prstGeom prst="rect">
+            <a:avLst/>
+          </a:prstGeom>
+          <a:noFill/>
+        </p:spPr>
+        <p:txBody>
+          <a:bodyPr wrap="square" rtlCol="0">
+            <a:spAutoFit/>
+          </a:bodyPr>
+          <a:lstStyle>
+            <a:defPPr>
+              <a:defRPr lang="en-US"/>
+            </a:defPPr>
+            <a:lvl1pPr>
+              <a:defRPr sz="2800">
+                <a:latin typeface="Adobe Garamond Pro Bold" pitchFamily="18" charset="0"/>
+                <a:ea typeface="华文楷体" pitchFamily="2" charset="-122"/>
+              </a:defRPr>
+            </a:lvl1pPr>
+          </a:lstStyle>
+          <a:p>
+            <a:r>
+              <a:rPr lang="zh-CN" altLang="en-US" dirty="0" smtClean="0"/>
+              <a:t>随着递归的深入，重复计算将使得乘积的复杂度提高到了指数的复杂度。</a:t>
+            </a:r>
+            <a:endParaRPr lang="en-US" altLang="zh-CN" dirty="0" smtClean="0"/>
+          </a:p>
+          <a:p>
+            <a:r>
+              <a:rPr lang="zh-CN" altLang="en-US" dirty="0" smtClean="0"/>
+              <a:t>为了解决这个问题，我们可以先把</a:t>
+            </a:r>
+            <a:r>
+              <a:rPr lang="en-US" altLang="zh-CN" dirty="0" err="1" smtClean="0"/>
+              <a:t>lcs</a:t>
+            </a:r>
+            <a:r>
+              <a:rPr lang="en-US" altLang="zh-CN" dirty="0" smtClean="0"/>
+              <a:t>(1,1)</a:t>
+            </a:r>
+            <a:r>
+              <a:rPr lang="zh-CN" altLang="en-US" dirty="0" smtClean="0"/>
+              <a:t>计算出来嘛，之后谁需要这个值，不用计算，直接拿去用就可以了。</a:t>
+            </a:r>
+            <a:endParaRPr lang="en-US" altLang="zh-CN" dirty="0" smtClean="0"/>
+          </a:p>
+          <a:p>
+            <a:r>
+              <a:rPr lang="zh-CN" altLang="en-US" dirty="0" smtClean="0"/>
+              <a:t>为了提前计算小规模问题的结果并保存，我们需要耗费</a:t>
+            </a:r>
+            <a:r>
+              <a:rPr lang="en-US" altLang="zh-CN" dirty="0" smtClean="0"/>
+              <a:t>M*N</a:t>
+            </a:r>
+            <a:r>
+              <a:rPr lang="zh-CN" altLang="en-US" dirty="0" smtClean="0"/>
+              <a:t>的空间，其中</a:t>
+            </a:r>
+            <a:r>
+              <a:rPr lang="en-US" altLang="zh-CN" dirty="0" smtClean="0"/>
+              <a:t>M</a:t>
+            </a:r>
+            <a:r>
+              <a:rPr lang="zh-CN" altLang="en-US" dirty="0" smtClean="0"/>
+              <a:t>、</a:t>
+            </a:r>
+            <a:r>
+              <a:rPr lang="en-US" altLang="zh-CN" dirty="0" smtClean="0"/>
+              <a:t>N</a:t>
+            </a:r>
+            <a:r>
+              <a:rPr lang="zh-CN" altLang="en-US" dirty="0" smtClean="0"/>
+              <a:t>是两个字符串的长度。</a:t>
+            </a:r>
+            <a:endParaRPr lang="en-US" altLang="zh-CN" dirty="0" smtClean="0"/>
+          </a:p>
+          <a:p>
+            <a:r>
+              <a:rPr lang="zh-CN" altLang="en-US" dirty="0" smtClean="0"/>
+              <a:t>换言之，我们</a:t>
+            </a:r>
+            <a:r>
+              <a:rPr lang="zh-CN" altLang="en-US" dirty="0" smtClean="0">
+                <a:solidFill>
+                  <a:srgbClr val="FF0000"/>
+                </a:solidFill>
+              </a:rPr>
+              <a:t>自底向上</a:t>
+            </a:r>
+            <a:r>
+              <a:rPr lang="zh-CN" altLang="en-US" dirty="0" smtClean="0"/>
+              <a:t>地解决问题。</a:t>
+            </a:r>
+            <a:endParaRPr lang="en-US" altLang="zh-CN" dirty="0" smtClean="0"/>
+          </a:p>
+        </p:txBody>
+      </p:sp>
+    </p:spTree>
+    <p:extLst>
+      <p:ext uri="{BB962C8B-B14F-4D97-AF65-F5344CB8AC3E}">
+        <p14:creationId xmlns:p14="http://schemas.microsoft.com/office/powerpoint/2010/main" val="798215388"/>
+      </p:ext>
+    </p:extLst>
+  </p:cSld>
+  <p:clrMapOvr>
+    <a:masterClrMapping/>
+  </p:clrMapOvr>
+  <p:transition>
+    <p:fade thruBlk="1"/>
+  </p:transition>
+  <p:timing>
+    <p:tnLst>
+      <p:par>
+        <p:cTn id="1" dur="indefinite" restart="never" nodeType="tmRoot"/>
+      </p:par>
+    </p:tnLst>
+  </p:timing>
+</p:sld>
+</file>
+
+<file path=ppt/slides/slide43.xml><?xml version="1.0" encoding="utf-8"?>
+<p:sld xmlns:a="http://schemas.openxmlformats.org/drawingml/2006/main" xmlns:r="http://schemas.openxmlformats.org/officeDocument/2006/relationships" xmlns:p="http://schemas.openxmlformats.org/presentationml/2006/main">
+  <p:cSld>
+    <p:spTree>
+      <p:nvGrpSpPr>
+        <p:cNvPr id="1" name=""/>
+        <p:cNvGrpSpPr/>
+        <p:nvPr/>
+      </p:nvGrpSpPr>
+      <p:grpSpPr>
+        <a:xfrm>
+          <a:off x="0" y="0"/>
+          <a:ext cx="0" cy="0"/>
+          <a:chOff x="0" y="0"/>
+          <a:chExt cx="0" cy="0"/>
+        </a:xfrm>
+      </p:grpSpPr>
+      <p:sp>
+        <p:nvSpPr>
+          <p:cNvPr id="2" name="Title 1"/>
+          <p:cNvSpPr>
+            <a:spLocks noGrp="1"/>
+          </p:cNvSpPr>
+          <p:nvPr>
+            <p:ph type="title"/>
+          </p:nvPr>
+        </p:nvSpPr>
+        <p:spPr>
+          <a:xfrm>
+            <a:off x="396875" y="439693"/>
+            <a:ext cx="8101013" cy="703307"/>
+          </a:xfrm>
+        </p:spPr>
+        <p:txBody>
+          <a:bodyPr/>
+          <a:lstStyle/>
+          <a:p>
+            <a:r>
+              <a:rPr lang="zh-CN" altLang="en-US" b="1" dirty="0" smtClean="0">
+                <a:latin typeface="华文楷体" pitchFamily="2" charset="-122"/>
+                <a:ea typeface="华文楷体" pitchFamily="2" charset="-122"/>
+              </a:rPr>
+              <a:t>常见算法思想</a:t>
+            </a:r>
+            <a:endParaRPr lang="zh-TW" altLang="en-US" b="1" dirty="0">
+              <a:latin typeface="华文楷体" pitchFamily="2" charset="-122"/>
+              <a:ea typeface="华文楷体" pitchFamily="2" charset="-122"/>
+            </a:endParaRPr>
+          </a:p>
+        </p:txBody>
+      </p:sp>
+      <p:sp>
+        <p:nvSpPr>
+          <p:cNvPr id="4" name="Date Placeholder 3"/>
+          <p:cNvSpPr>
+            <a:spLocks noGrp="1"/>
+          </p:cNvSpPr>
+          <p:nvPr>
+            <p:ph type="dt" sz="quarter" idx="10"/>
+          </p:nvPr>
+        </p:nvSpPr>
+        <p:spPr/>
+        <p:txBody>
+          <a:bodyPr/>
+          <a:lstStyle/>
+          <a:p>
+            <a:pPr>
+              <a:defRPr/>
+            </a:pPr>
+            <a:r>
+              <a:rPr lang="en-US" altLang="zh-TW" dirty="0" smtClean="0">
+                <a:ea typeface="新細明體" charset="-120"/>
+              </a:rPr>
+              <a:t>04/25/2016</a:t>
+            </a:r>
+            <a:endParaRPr lang="en-US" altLang="zh-TW" dirty="0">
+              <a:ea typeface="新細明體" charset="-120"/>
+            </a:endParaRPr>
+          </a:p>
+          <a:p>
+            <a:pPr>
+              <a:defRPr/>
+            </a:pPr>
+            <a:endParaRPr lang="en-US" dirty="0"/>
+          </a:p>
+        </p:txBody>
+      </p:sp>
+      <p:sp>
+        <p:nvSpPr>
+          <p:cNvPr id="5" name="TextBox 4"/>
+          <p:cNvSpPr txBox="1"/>
+          <p:nvPr/>
+        </p:nvSpPr>
+        <p:spPr>
+          <a:xfrm>
+            <a:off x="622848" y="1287645"/>
+            <a:ext cx="8325843" cy="4278094"/>
+          </a:xfrm>
+          <a:prstGeom prst="rect">
+            <a:avLst/>
+          </a:prstGeom>
+          <a:noFill/>
+        </p:spPr>
+        <p:txBody>
+          <a:bodyPr wrap="square" rtlCol="0">
+            <a:spAutoFit/>
+          </a:bodyPr>
+          <a:lstStyle>
+            <a:defPPr>
+              <a:defRPr lang="en-US"/>
+            </a:defPPr>
+            <a:lvl1pPr>
+              <a:defRPr sz="2800">
+                <a:latin typeface="Adobe Garamond Pro Bold" pitchFamily="18" charset="0"/>
+                <a:ea typeface="华文楷体" pitchFamily="2" charset="-122"/>
+              </a:defRPr>
+            </a:lvl1pPr>
+          </a:lstStyle>
+          <a:p>
+            <a:pPr>
+              <a:spcAft>
+                <a:spcPts val="0"/>
+              </a:spcAft>
+            </a:pPr>
+            <a:r>
+              <a:rPr lang="en-US" altLang="zh-CN" sz="1600" kern="0" dirty="0">
+                <a:solidFill>
+                  <a:srgbClr val="7F0055"/>
+                </a:solidFill>
+                <a:latin typeface="Consolas" panose="020B0609020204030204" pitchFamily="49" charset="0"/>
+                <a:ea typeface="宋体" panose="02010600030101010101" pitchFamily="2" charset="-122"/>
+                <a:cs typeface="Times New Roman" panose="02020603050405020304" pitchFamily="18" charset="0"/>
+              </a:rPr>
+              <a:t>public</a:t>
+            </a:r>
+            <a:r>
+              <a:rPr lang="en-US" altLang="zh-CN" sz="1600" kern="0" dirty="0">
+                <a:solidFill>
+                  <a:srgbClr val="000000"/>
+                </a:solidFill>
+                <a:latin typeface="Consolas" panose="020B0609020204030204" pitchFamily="49" charset="0"/>
+                <a:ea typeface="宋体" panose="02010600030101010101" pitchFamily="2" charset="-122"/>
+                <a:cs typeface="Times New Roman" panose="02020603050405020304" pitchFamily="18" charset="0"/>
+              </a:rPr>
+              <a:t> </a:t>
+            </a:r>
+            <a:r>
+              <a:rPr lang="en-US" altLang="zh-CN" sz="1600" kern="0" dirty="0">
+                <a:solidFill>
+                  <a:srgbClr val="7F0055"/>
+                </a:solidFill>
+                <a:latin typeface="Consolas" panose="020B0609020204030204" pitchFamily="49" charset="0"/>
+                <a:ea typeface="宋体" panose="02010600030101010101" pitchFamily="2" charset="-122"/>
+                <a:cs typeface="Times New Roman" panose="02020603050405020304" pitchFamily="18" charset="0"/>
+              </a:rPr>
+              <a:t>static</a:t>
+            </a:r>
+            <a:r>
+              <a:rPr lang="en-US" altLang="zh-CN" sz="1600" kern="0" dirty="0">
+                <a:solidFill>
+                  <a:srgbClr val="000000"/>
+                </a:solidFill>
+                <a:latin typeface="Consolas" panose="020B0609020204030204" pitchFamily="49" charset="0"/>
+                <a:ea typeface="宋体" panose="02010600030101010101" pitchFamily="2" charset="-122"/>
+                <a:cs typeface="Times New Roman" panose="02020603050405020304" pitchFamily="18" charset="0"/>
+              </a:rPr>
+              <a:t> </a:t>
+            </a:r>
+            <a:r>
+              <a:rPr lang="en-US" altLang="zh-CN" sz="1600" kern="0" dirty="0">
+                <a:solidFill>
+                  <a:srgbClr val="7F0055"/>
+                </a:solidFill>
+                <a:latin typeface="Consolas" panose="020B0609020204030204" pitchFamily="49" charset="0"/>
+                <a:ea typeface="宋体" panose="02010600030101010101" pitchFamily="2" charset="-122"/>
+                <a:cs typeface="Times New Roman" panose="02020603050405020304" pitchFamily="18" charset="0"/>
+              </a:rPr>
+              <a:t>void</a:t>
+            </a:r>
+            <a:r>
+              <a:rPr lang="en-US" altLang="zh-CN" sz="1600" kern="0" dirty="0">
+                <a:solidFill>
+                  <a:srgbClr val="000000"/>
+                </a:solidFill>
+                <a:latin typeface="Consolas" panose="020B0609020204030204" pitchFamily="49" charset="0"/>
+                <a:ea typeface="宋体" panose="02010600030101010101" pitchFamily="2" charset="-122"/>
+                <a:cs typeface="Times New Roman" panose="02020603050405020304" pitchFamily="18" charset="0"/>
+              </a:rPr>
+              <a:t> </a:t>
+            </a:r>
+            <a:r>
+              <a:rPr lang="en-US" altLang="zh-CN" sz="1600" kern="0" dirty="0" err="1">
+                <a:solidFill>
+                  <a:srgbClr val="000000"/>
+                </a:solidFill>
+                <a:latin typeface="Consolas" panose="020B0609020204030204" pitchFamily="49" charset="0"/>
+                <a:ea typeface="宋体" panose="02010600030101010101" pitchFamily="2" charset="-122"/>
+                <a:cs typeface="Times New Roman" panose="02020603050405020304" pitchFamily="18" charset="0"/>
+              </a:rPr>
+              <a:t>lcs</a:t>
+            </a:r>
+            <a:r>
+              <a:rPr lang="en-US" altLang="zh-CN" sz="1600" kern="0" dirty="0">
+                <a:solidFill>
+                  <a:srgbClr val="000000"/>
+                </a:solidFill>
+                <a:latin typeface="Consolas" panose="020B0609020204030204" pitchFamily="49" charset="0"/>
+                <a:ea typeface="宋体" panose="02010600030101010101" pitchFamily="2" charset="-122"/>
+                <a:cs typeface="Times New Roman" panose="02020603050405020304" pitchFamily="18" charset="0"/>
+              </a:rPr>
+              <a:t>() {</a:t>
+            </a:r>
+            <a:endParaRPr lang="zh-CN" altLang="zh-CN" sz="1800" kern="100" dirty="0">
+              <a:latin typeface="Calibri" panose="020F0502020204030204" pitchFamily="34" charset="0"/>
+              <a:ea typeface="宋体" panose="02010600030101010101" pitchFamily="2" charset="-122"/>
+              <a:cs typeface="Times New Roman" panose="02020603050405020304" pitchFamily="18" charset="0"/>
+            </a:endParaRPr>
+          </a:p>
+          <a:p>
+            <a:pPr indent="255270">
+              <a:spcAft>
+                <a:spcPts val="0"/>
+              </a:spcAft>
+            </a:pPr>
+            <a:r>
+              <a:rPr lang="en-US" altLang="zh-CN" sz="1600" kern="0" dirty="0" err="1">
+                <a:solidFill>
+                  <a:srgbClr val="7F0055"/>
+                </a:solidFill>
+                <a:latin typeface="Consolas" panose="020B0609020204030204" pitchFamily="49" charset="0"/>
+                <a:ea typeface="宋体" panose="02010600030101010101" pitchFamily="2" charset="-122"/>
+                <a:cs typeface="Times New Roman" panose="02020603050405020304" pitchFamily="18" charset="0"/>
+              </a:rPr>
+              <a:t>int</a:t>
+            </a:r>
+            <a:r>
+              <a:rPr lang="en-US" altLang="zh-CN" sz="1600" kern="0" dirty="0">
+                <a:solidFill>
+                  <a:srgbClr val="000000"/>
+                </a:solidFill>
+                <a:latin typeface="Consolas" panose="020B0609020204030204" pitchFamily="49" charset="0"/>
+                <a:ea typeface="宋体" panose="02010600030101010101" pitchFamily="2" charset="-122"/>
+                <a:cs typeface="Times New Roman" panose="02020603050405020304" pitchFamily="18" charset="0"/>
+              </a:rPr>
+              <a:t>[][] </a:t>
+            </a:r>
+            <a:r>
+              <a:rPr lang="en-US" altLang="zh-CN" sz="1600" kern="0" dirty="0">
+                <a:solidFill>
+                  <a:srgbClr val="6A3E3E"/>
+                </a:solidFill>
+                <a:latin typeface="Consolas" panose="020B0609020204030204" pitchFamily="49" charset="0"/>
+                <a:ea typeface="宋体" panose="02010600030101010101" pitchFamily="2" charset="-122"/>
+                <a:cs typeface="Times New Roman" panose="02020603050405020304" pitchFamily="18" charset="0"/>
+              </a:rPr>
+              <a:t>result</a:t>
+            </a:r>
+            <a:r>
+              <a:rPr lang="en-US" altLang="zh-CN" sz="1600" kern="0" dirty="0">
+                <a:solidFill>
+                  <a:srgbClr val="000000"/>
+                </a:solidFill>
+                <a:latin typeface="Consolas" panose="020B0609020204030204" pitchFamily="49" charset="0"/>
+                <a:ea typeface="宋体" panose="02010600030101010101" pitchFamily="2" charset="-122"/>
+                <a:cs typeface="Times New Roman" panose="02020603050405020304" pitchFamily="18" charset="0"/>
+              </a:rPr>
+              <a:t> = </a:t>
+            </a:r>
+            <a:r>
+              <a:rPr lang="en-US" altLang="zh-CN" sz="1600" kern="0" dirty="0">
+                <a:solidFill>
+                  <a:srgbClr val="7F0055"/>
+                </a:solidFill>
+                <a:latin typeface="Consolas" panose="020B0609020204030204" pitchFamily="49" charset="0"/>
+                <a:ea typeface="宋体" panose="02010600030101010101" pitchFamily="2" charset="-122"/>
+                <a:cs typeface="Times New Roman" panose="02020603050405020304" pitchFamily="18" charset="0"/>
+              </a:rPr>
+              <a:t>new</a:t>
+            </a:r>
+            <a:r>
+              <a:rPr lang="en-US" altLang="zh-CN" sz="1600" kern="0" dirty="0">
+                <a:solidFill>
+                  <a:srgbClr val="000000"/>
+                </a:solidFill>
+                <a:latin typeface="Consolas" panose="020B0609020204030204" pitchFamily="49" charset="0"/>
+                <a:ea typeface="宋体" panose="02010600030101010101" pitchFamily="2" charset="-122"/>
+                <a:cs typeface="Times New Roman" panose="02020603050405020304" pitchFamily="18" charset="0"/>
+              </a:rPr>
+              <a:t> </a:t>
+            </a:r>
+            <a:r>
+              <a:rPr lang="en-US" altLang="zh-CN" sz="1600" kern="0" dirty="0" err="1">
+                <a:solidFill>
+                  <a:srgbClr val="7F0055"/>
+                </a:solidFill>
+                <a:latin typeface="Consolas" panose="020B0609020204030204" pitchFamily="49" charset="0"/>
+                <a:ea typeface="宋体" panose="02010600030101010101" pitchFamily="2" charset="-122"/>
+                <a:cs typeface="Times New Roman" panose="02020603050405020304" pitchFamily="18" charset="0"/>
+              </a:rPr>
+              <a:t>int</a:t>
+            </a:r>
+            <a:r>
+              <a:rPr lang="en-US" altLang="zh-CN" sz="1600" kern="0" dirty="0">
+                <a:solidFill>
+                  <a:srgbClr val="000000"/>
+                </a:solidFill>
+                <a:latin typeface="Consolas" panose="020B0609020204030204" pitchFamily="49" charset="0"/>
+                <a:ea typeface="宋体" panose="02010600030101010101" pitchFamily="2" charset="-122"/>
+                <a:cs typeface="Times New Roman" panose="02020603050405020304" pitchFamily="18" charset="0"/>
+              </a:rPr>
+              <a:t>[</a:t>
+            </a:r>
+            <a:r>
+              <a:rPr lang="en-US" altLang="zh-CN" sz="1600" i="1" kern="0" dirty="0">
+                <a:solidFill>
+                  <a:srgbClr val="0000C0"/>
+                </a:solidFill>
+                <a:latin typeface="Consolas" panose="020B0609020204030204" pitchFamily="49" charset="0"/>
+                <a:ea typeface="宋体" panose="02010600030101010101" pitchFamily="2" charset="-122"/>
+                <a:cs typeface="Times New Roman" panose="02020603050405020304" pitchFamily="18" charset="0"/>
+              </a:rPr>
+              <a:t>s1</a:t>
+            </a:r>
+            <a:r>
+              <a:rPr lang="en-US" altLang="zh-CN" sz="1600" kern="0" dirty="0">
+                <a:solidFill>
+                  <a:srgbClr val="000000"/>
+                </a:solidFill>
+                <a:latin typeface="Consolas" panose="020B0609020204030204" pitchFamily="49" charset="0"/>
+                <a:ea typeface="宋体" panose="02010600030101010101" pitchFamily="2" charset="-122"/>
+                <a:cs typeface="Times New Roman" panose="02020603050405020304" pitchFamily="18" charset="0"/>
+              </a:rPr>
+              <a:t>.length() + 1][</a:t>
+            </a:r>
+            <a:r>
+              <a:rPr lang="en-US" altLang="zh-CN" sz="1600" i="1" kern="0" dirty="0">
+                <a:solidFill>
+                  <a:srgbClr val="0000C0"/>
+                </a:solidFill>
+                <a:latin typeface="Consolas" panose="020B0609020204030204" pitchFamily="49" charset="0"/>
+                <a:ea typeface="宋体" panose="02010600030101010101" pitchFamily="2" charset="-122"/>
+                <a:cs typeface="Times New Roman" panose="02020603050405020304" pitchFamily="18" charset="0"/>
+              </a:rPr>
+              <a:t>s2</a:t>
+            </a:r>
+            <a:r>
+              <a:rPr lang="en-US" altLang="zh-CN" sz="1600" kern="0" dirty="0">
+                <a:solidFill>
+                  <a:srgbClr val="000000"/>
+                </a:solidFill>
+                <a:latin typeface="Consolas" panose="020B0609020204030204" pitchFamily="49" charset="0"/>
+                <a:ea typeface="宋体" panose="02010600030101010101" pitchFamily="2" charset="-122"/>
+                <a:cs typeface="Times New Roman" panose="02020603050405020304" pitchFamily="18" charset="0"/>
+              </a:rPr>
+              <a:t>.length() + 1];</a:t>
+            </a:r>
+            <a:endParaRPr lang="zh-CN" altLang="zh-CN" sz="1800" kern="100" dirty="0">
+              <a:latin typeface="Calibri" panose="020F0502020204030204" pitchFamily="34" charset="0"/>
+              <a:ea typeface="宋体" panose="02010600030101010101" pitchFamily="2" charset="-122"/>
+              <a:cs typeface="Times New Roman" panose="02020603050405020304" pitchFamily="18" charset="0"/>
+            </a:endParaRPr>
+          </a:p>
+          <a:p>
+            <a:pPr indent="255270">
+              <a:spcAft>
+                <a:spcPts val="0"/>
+              </a:spcAft>
+            </a:pPr>
+            <a:r>
+              <a:rPr lang="en-US" altLang="zh-CN" sz="1600" kern="0" dirty="0">
+                <a:solidFill>
+                  <a:srgbClr val="7F0055"/>
+                </a:solidFill>
+                <a:latin typeface="Consolas" panose="020B0609020204030204" pitchFamily="49" charset="0"/>
+                <a:ea typeface="宋体" panose="02010600030101010101" pitchFamily="2" charset="-122"/>
+                <a:cs typeface="Times New Roman" panose="02020603050405020304" pitchFamily="18" charset="0"/>
+              </a:rPr>
+              <a:t>for</a:t>
+            </a:r>
+            <a:r>
+              <a:rPr lang="en-US" altLang="zh-CN" sz="1600" kern="0" dirty="0">
+                <a:solidFill>
+                  <a:srgbClr val="000000"/>
+                </a:solidFill>
+                <a:latin typeface="Consolas" panose="020B0609020204030204" pitchFamily="49" charset="0"/>
+                <a:ea typeface="宋体" panose="02010600030101010101" pitchFamily="2" charset="-122"/>
+                <a:cs typeface="Times New Roman" panose="02020603050405020304" pitchFamily="18" charset="0"/>
+              </a:rPr>
+              <a:t> (</a:t>
+            </a:r>
+            <a:r>
+              <a:rPr lang="en-US" altLang="zh-CN" sz="1600" kern="0" dirty="0" err="1">
+                <a:solidFill>
+                  <a:srgbClr val="7F0055"/>
+                </a:solidFill>
+                <a:latin typeface="Consolas" panose="020B0609020204030204" pitchFamily="49" charset="0"/>
+                <a:ea typeface="宋体" panose="02010600030101010101" pitchFamily="2" charset="-122"/>
+                <a:cs typeface="Times New Roman" panose="02020603050405020304" pitchFamily="18" charset="0"/>
+              </a:rPr>
+              <a:t>int</a:t>
+            </a:r>
+            <a:r>
+              <a:rPr lang="en-US" altLang="zh-CN" sz="1600" kern="0" dirty="0">
+                <a:solidFill>
+                  <a:srgbClr val="000000"/>
+                </a:solidFill>
+                <a:latin typeface="Consolas" panose="020B0609020204030204" pitchFamily="49" charset="0"/>
+                <a:ea typeface="宋体" panose="02010600030101010101" pitchFamily="2" charset="-122"/>
+                <a:cs typeface="Times New Roman" panose="02020603050405020304" pitchFamily="18" charset="0"/>
+              </a:rPr>
+              <a:t> </a:t>
+            </a:r>
+            <a:r>
+              <a:rPr lang="en-US" altLang="zh-CN" sz="1600" kern="0" dirty="0" err="1">
+                <a:solidFill>
+                  <a:srgbClr val="6A3E3E"/>
+                </a:solidFill>
+                <a:latin typeface="Consolas" panose="020B0609020204030204" pitchFamily="49" charset="0"/>
+                <a:ea typeface="宋体" panose="02010600030101010101" pitchFamily="2" charset="-122"/>
+                <a:cs typeface="Times New Roman" panose="02020603050405020304" pitchFamily="18" charset="0"/>
+              </a:rPr>
+              <a:t>i</a:t>
+            </a:r>
+            <a:r>
+              <a:rPr lang="en-US" altLang="zh-CN" sz="1600" kern="0" dirty="0">
+                <a:solidFill>
+                  <a:srgbClr val="000000"/>
+                </a:solidFill>
+                <a:latin typeface="Consolas" panose="020B0609020204030204" pitchFamily="49" charset="0"/>
+                <a:ea typeface="宋体" panose="02010600030101010101" pitchFamily="2" charset="-122"/>
+                <a:cs typeface="Times New Roman" panose="02020603050405020304" pitchFamily="18" charset="0"/>
+              </a:rPr>
+              <a:t> = 0; </a:t>
+            </a:r>
+            <a:r>
+              <a:rPr lang="en-US" altLang="zh-CN" sz="1600" kern="0" dirty="0" err="1">
+                <a:solidFill>
+                  <a:srgbClr val="6A3E3E"/>
+                </a:solidFill>
+                <a:latin typeface="Consolas" panose="020B0609020204030204" pitchFamily="49" charset="0"/>
+                <a:ea typeface="宋体" panose="02010600030101010101" pitchFamily="2" charset="-122"/>
+                <a:cs typeface="Times New Roman" panose="02020603050405020304" pitchFamily="18" charset="0"/>
+              </a:rPr>
+              <a:t>i</a:t>
+            </a:r>
+            <a:r>
+              <a:rPr lang="en-US" altLang="zh-CN" sz="1600" kern="0" dirty="0">
+                <a:solidFill>
+                  <a:srgbClr val="000000"/>
+                </a:solidFill>
+                <a:latin typeface="Consolas" panose="020B0609020204030204" pitchFamily="49" charset="0"/>
+                <a:ea typeface="宋体" panose="02010600030101010101" pitchFamily="2" charset="-122"/>
+                <a:cs typeface="Times New Roman" panose="02020603050405020304" pitchFamily="18" charset="0"/>
+              </a:rPr>
+              <a:t> &lt; </a:t>
+            </a:r>
+            <a:r>
+              <a:rPr lang="en-US" altLang="zh-CN" sz="1600" i="1" kern="0" dirty="0">
+                <a:solidFill>
+                  <a:srgbClr val="0000C0"/>
+                </a:solidFill>
+                <a:latin typeface="Consolas" panose="020B0609020204030204" pitchFamily="49" charset="0"/>
+                <a:ea typeface="宋体" panose="02010600030101010101" pitchFamily="2" charset="-122"/>
+                <a:cs typeface="Times New Roman" panose="02020603050405020304" pitchFamily="18" charset="0"/>
+              </a:rPr>
+              <a:t>s2</a:t>
+            </a:r>
+            <a:r>
+              <a:rPr lang="en-US" altLang="zh-CN" sz="1600" kern="0" dirty="0">
+                <a:solidFill>
+                  <a:srgbClr val="000000"/>
+                </a:solidFill>
+                <a:latin typeface="Consolas" panose="020B0609020204030204" pitchFamily="49" charset="0"/>
+                <a:ea typeface="宋体" panose="02010600030101010101" pitchFamily="2" charset="-122"/>
+                <a:cs typeface="Times New Roman" panose="02020603050405020304" pitchFamily="18" charset="0"/>
+              </a:rPr>
+              <a:t>.length(); </a:t>
+            </a:r>
+            <a:r>
+              <a:rPr lang="en-US" altLang="zh-CN" sz="1600" kern="0" dirty="0" err="1">
+                <a:solidFill>
+                  <a:srgbClr val="6A3E3E"/>
+                </a:solidFill>
+                <a:latin typeface="Consolas" panose="020B0609020204030204" pitchFamily="49" charset="0"/>
+                <a:ea typeface="宋体" panose="02010600030101010101" pitchFamily="2" charset="-122"/>
+                <a:cs typeface="Times New Roman" panose="02020603050405020304" pitchFamily="18" charset="0"/>
+              </a:rPr>
+              <a:t>i</a:t>
+            </a:r>
+            <a:r>
+              <a:rPr lang="en-US" altLang="zh-CN" sz="1600" kern="0" dirty="0">
+                <a:solidFill>
+                  <a:srgbClr val="000000"/>
+                </a:solidFill>
+                <a:latin typeface="Consolas" panose="020B0609020204030204" pitchFamily="49" charset="0"/>
+                <a:ea typeface="宋体" panose="02010600030101010101" pitchFamily="2" charset="-122"/>
+                <a:cs typeface="Times New Roman" panose="02020603050405020304" pitchFamily="18" charset="0"/>
+              </a:rPr>
+              <a:t>++)</a:t>
+            </a:r>
+            <a:endParaRPr lang="zh-CN" altLang="zh-CN" sz="1800" kern="100" dirty="0">
+              <a:latin typeface="Calibri" panose="020F0502020204030204" pitchFamily="34" charset="0"/>
+              <a:ea typeface="宋体" panose="02010600030101010101" pitchFamily="2" charset="-122"/>
+              <a:cs typeface="Times New Roman" panose="02020603050405020304" pitchFamily="18" charset="0"/>
+            </a:endParaRPr>
+          </a:p>
+          <a:p>
+            <a:pPr indent="508000">
+              <a:spcAft>
+                <a:spcPts val="0"/>
+              </a:spcAft>
+            </a:pPr>
+            <a:r>
+              <a:rPr lang="en-US" altLang="zh-CN" sz="1600" kern="0" dirty="0">
+                <a:solidFill>
+                  <a:srgbClr val="6A3E3E"/>
+                </a:solidFill>
+                <a:latin typeface="Consolas" panose="020B0609020204030204" pitchFamily="49" charset="0"/>
+                <a:ea typeface="宋体" panose="02010600030101010101" pitchFamily="2" charset="-122"/>
+                <a:cs typeface="Times New Roman" panose="02020603050405020304" pitchFamily="18" charset="0"/>
+              </a:rPr>
+              <a:t>result</a:t>
+            </a:r>
+            <a:r>
+              <a:rPr lang="en-US" altLang="zh-CN" sz="1600" kern="0" dirty="0">
+                <a:solidFill>
+                  <a:srgbClr val="000000"/>
+                </a:solidFill>
+                <a:latin typeface="Consolas" panose="020B0609020204030204" pitchFamily="49" charset="0"/>
+                <a:ea typeface="宋体" panose="02010600030101010101" pitchFamily="2" charset="-122"/>
+                <a:cs typeface="Times New Roman" panose="02020603050405020304" pitchFamily="18" charset="0"/>
+              </a:rPr>
+              <a:t>[</a:t>
+            </a:r>
+            <a:r>
+              <a:rPr lang="en-US" altLang="zh-CN" sz="1600" kern="0" dirty="0" err="1">
+                <a:solidFill>
+                  <a:srgbClr val="6A3E3E"/>
+                </a:solidFill>
+                <a:latin typeface="Consolas" panose="020B0609020204030204" pitchFamily="49" charset="0"/>
+                <a:ea typeface="宋体" panose="02010600030101010101" pitchFamily="2" charset="-122"/>
+                <a:cs typeface="Times New Roman" panose="02020603050405020304" pitchFamily="18" charset="0"/>
+              </a:rPr>
+              <a:t>i</a:t>
+            </a:r>
+            <a:r>
+              <a:rPr lang="en-US" altLang="zh-CN" sz="1600" kern="0" dirty="0">
+                <a:solidFill>
+                  <a:srgbClr val="000000"/>
+                </a:solidFill>
+                <a:latin typeface="Consolas" panose="020B0609020204030204" pitchFamily="49" charset="0"/>
+                <a:ea typeface="宋体" panose="02010600030101010101" pitchFamily="2" charset="-122"/>
+                <a:cs typeface="Times New Roman" panose="02020603050405020304" pitchFamily="18" charset="0"/>
+              </a:rPr>
+              <a:t>][</a:t>
+            </a:r>
+            <a:r>
+              <a:rPr lang="en-US" altLang="zh-CN" sz="1600" i="1" kern="0" dirty="0">
+                <a:solidFill>
+                  <a:srgbClr val="0000C0"/>
+                </a:solidFill>
+                <a:latin typeface="Consolas" panose="020B0609020204030204" pitchFamily="49" charset="0"/>
+                <a:ea typeface="宋体" panose="02010600030101010101" pitchFamily="2" charset="-122"/>
+                <a:cs typeface="Times New Roman" panose="02020603050405020304" pitchFamily="18" charset="0"/>
+              </a:rPr>
+              <a:t>s2</a:t>
+            </a:r>
+            <a:r>
+              <a:rPr lang="en-US" altLang="zh-CN" sz="1600" kern="0" dirty="0">
+                <a:solidFill>
+                  <a:srgbClr val="000000"/>
+                </a:solidFill>
+                <a:latin typeface="Consolas" panose="020B0609020204030204" pitchFamily="49" charset="0"/>
+                <a:ea typeface="宋体" panose="02010600030101010101" pitchFamily="2" charset="-122"/>
+                <a:cs typeface="Times New Roman" panose="02020603050405020304" pitchFamily="18" charset="0"/>
+              </a:rPr>
+              <a:t>.length()] = 0;</a:t>
+            </a:r>
+            <a:endParaRPr lang="zh-CN" altLang="zh-CN" sz="1800" kern="100" dirty="0">
+              <a:latin typeface="Calibri" panose="020F0502020204030204" pitchFamily="34" charset="0"/>
+              <a:ea typeface="宋体" panose="02010600030101010101" pitchFamily="2" charset="-122"/>
+              <a:cs typeface="Times New Roman" panose="02020603050405020304" pitchFamily="18" charset="0"/>
+            </a:endParaRPr>
+          </a:p>
+          <a:p>
+            <a:pPr indent="255270">
+              <a:spcAft>
+                <a:spcPts val="0"/>
+              </a:spcAft>
+            </a:pPr>
+            <a:r>
+              <a:rPr lang="en-US" altLang="zh-CN" sz="1600" kern="0" dirty="0">
+                <a:solidFill>
+                  <a:srgbClr val="7F0055"/>
+                </a:solidFill>
+                <a:latin typeface="Consolas" panose="020B0609020204030204" pitchFamily="49" charset="0"/>
+                <a:ea typeface="宋体" panose="02010600030101010101" pitchFamily="2" charset="-122"/>
+                <a:cs typeface="Times New Roman" panose="02020603050405020304" pitchFamily="18" charset="0"/>
+              </a:rPr>
+              <a:t>for</a:t>
+            </a:r>
+            <a:r>
+              <a:rPr lang="en-US" altLang="zh-CN" sz="1600" kern="0" dirty="0">
+                <a:solidFill>
+                  <a:srgbClr val="000000"/>
+                </a:solidFill>
+                <a:latin typeface="Consolas" panose="020B0609020204030204" pitchFamily="49" charset="0"/>
+                <a:ea typeface="宋体" panose="02010600030101010101" pitchFamily="2" charset="-122"/>
+                <a:cs typeface="Times New Roman" panose="02020603050405020304" pitchFamily="18" charset="0"/>
+              </a:rPr>
+              <a:t> (</a:t>
+            </a:r>
+            <a:r>
+              <a:rPr lang="en-US" altLang="zh-CN" sz="1600" kern="0" dirty="0" err="1">
+                <a:solidFill>
+                  <a:srgbClr val="7F0055"/>
+                </a:solidFill>
+                <a:latin typeface="Consolas" panose="020B0609020204030204" pitchFamily="49" charset="0"/>
+                <a:ea typeface="宋体" panose="02010600030101010101" pitchFamily="2" charset="-122"/>
+                <a:cs typeface="Times New Roman" panose="02020603050405020304" pitchFamily="18" charset="0"/>
+              </a:rPr>
+              <a:t>int</a:t>
+            </a:r>
+            <a:r>
+              <a:rPr lang="en-US" altLang="zh-CN" sz="1600" kern="0" dirty="0">
+                <a:solidFill>
+                  <a:srgbClr val="000000"/>
+                </a:solidFill>
+                <a:latin typeface="Consolas" panose="020B0609020204030204" pitchFamily="49" charset="0"/>
+                <a:ea typeface="宋体" panose="02010600030101010101" pitchFamily="2" charset="-122"/>
+                <a:cs typeface="Times New Roman" panose="02020603050405020304" pitchFamily="18" charset="0"/>
+              </a:rPr>
+              <a:t> </a:t>
+            </a:r>
+            <a:r>
+              <a:rPr lang="en-US" altLang="zh-CN" sz="1600" kern="0" dirty="0" err="1">
+                <a:solidFill>
+                  <a:srgbClr val="6A3E3E"/>
+                </a:solidFill>
+                <a:latin typeface="Consolas" panose="020B0609020204030204" pitchFamily="49" charset="0"/>
+                <a:ea typeface="宋体" panose="02010600030101010101" pitchFamily="2" charset="-122"/>
+                <a:cs typeface="Times New Roman" panose="02020603050405020304" pitchFamily="18" charset="0"/>
+              </a:rPr>
+              <a:t>i</a:t>
+            </a:r>
+            <a:r>
+              <a:rPr lang="en-US" altLang="zh-CN" sz="1600" kern="0" dirty="0">
+                <a:solidFill>
+                  <a:srgbClr val="000000"/>
+                </a:solidFill>
+                <a:latin typeface="Consolas" panose="020B0609020204030204" pitchFamily="49" charset="0"/>
+                <a:ea typeface="宋体" panose="02010600030101010101" pitchFamily="2" charset="-122"/>
+                <a:cs typeface="Times New Roman" panose="02020603050405020304" pitchFamily="18" charset="0"/>
+              </a:rPr>
+              <a:t> = 0; </a:t>
+            </a:r>
+            <a:r>
+              <a:rPr lang="en-US" altLang="zh-CN" sz="1600" kern="0" dirty="0" err="1">
+                <a:solidFill>
+                  <a:srgbClr val="6A3E3E"/>
+                </a:solidFill>
+                <a:latin typeface="Consolas" panose="020B0609020204030204" pitchFamily="49" charset="0"/>
+                <a:ea typeface="宋体" panose="02010600030101010101" pitchFamily="2" charset="-122"/>
+                <a:cs typeface="Times New Roman" panose="02020603050405020304" pitchFamily="18" charset="0"/>
+              </a:rPr>
+              <a:t>i</a:t>
+            </a:r>
+            <a:r>
+              <a:rPr lang="en-US" altLang="zh-CN" sz="1600" kern="0" dirty="0">
+                <a:solidFill>
+                  <a:srgbClr val="000000"/>
+                </a:solidFill>
+                <a:latin typeface="Consolas" panose="020B0609020204030204" pitchFamily="49" charset="0"/>
+                <a:ea typeface="宋体" panose="02010600030101010101" pitchFamily="2" charset="-122"/>
+                <a:cs typeface="Times New Roman" panose="02020603050405020304" pitchFamily="18" charset="0"/>
+              </a:rPr>
+              <a:t> &lt; </a:t>
+            </a:r>
+            <a:r>
+              <a:rPr lang="en-US" altLang="zh-CN" sz="1600" i="1" kern="0" dirty="0">
+                <a:solidFill>
+                  <a:srgbClr val="0000C0"/>
+                </a:solidFill>
+                <a:latin typeface="Consolas" panose="020B0609020204030204" pitchFamily="49" charset="0"/>
+                <a:ea typeface="宋体" panose="02010600030101010101" pitchFamily="2" charset="-122"/>
+                <a:cs typeface="Times New Roman" panose="02020603050405020304" pitchFamily="18" charset="0"/>
+              </a:rPr>
+              <a:t>s1</a:t>
+            </a:r>
+            <a:r>
+              <a:rPr lang="en-US" altLang="zh-CN" sz="1600" kern="0" dirty="0">
+                <a:solidFill>
+                  <a:srgbClr val="000000"/>
+                </a:solidFill>
+                <a:latin typeface="Consolas" panose="020B0609020204030204" pitchFamily="49" charset="0"/>
+                <a:ea typeface="宋体" panose="02010600030101010101" pitchFamily="2" charset="-122"/>
+                <a:cs typeface="Times New Roman" panose="02020603050405020304" pitchFamily="18" charset="0"/>
+              </a:rPr>
+              <a:t>.length(); </a:t>
+            </a:r>
+            <a:r>
+              <a:rPr lang="en-US" altLang="zh-CN" sz="1600" kern="0" dirty="0" err="1">
+                <a:solidFill>
+                  <a:srgbClr val="6A3E3E"/>
+                </a:solidFill>
+                <a:latin typeface="Consolas" panose="020B0609020204030204" pitchFamily="49" charset="0"/>
+                <a:ea typeface="宋体" panose="02010600030101010101" pitchFamily="2" charset="-122"/>
+                <a:cs typeface="Times New Roman" panose="02020603050405020304" pitchFamily="18" charset="0"/>
+              </a:rPr>
+              <a:t>i</a:t>
+            </a:r>
+            <a:r>
+              <a:rPr lang="en-US" altLang="zh-CN" sz="1600" kern="0" dirty="0">
+                <a:solidFill>
+                  <a:srgbClr val="000000"/>
+                </a:solidFill>
+                <a:latin typeface="Consolas" panose="020B0609020204030204" pitchFamily="49" charset="0"/>
+                <a:ea typeface="宋体" panose="02010600030101010101" pitchFamily="2" charset="-122"/>
+                <a:cs typeface="Times New Roman" panose="02020603050405020304" pitchFamily="18" charset="0"/>
+              </a:rPr>
+              <a:t>++)</a:t>
+            </a:r>
+            <a:endParaRPr lang="zh-CN" altLang="zh-CN" sz="1800" kern="100" dirty="0">
+              <a:latin typeface="Calibri" panose="020F0502020204030204" pitchFamily="34" charset="0"/>
+              <a:ea typeface="宋体" panose="02010600030101010101" pitchFamily="2" charset="-122"/>
+              <a:cs typeface="Times New Roman" panose="02020603050405020304" pitchFamily="18" charset="0"/>
+            </a:endParaRPr>
+          </a:p>
+          <a:p>
+            <a:pPr indent="508000">
+              <a:spcAft>
+                <a:spcPts val="0"/>
+              </a:spcAft>
+            </a:pPr>
+            <a:r>
+              <a:rPr lang="en-US" altLang="zh-CN" sz="1600" kern="0" dirty="0">
+                <a:solidFill>
+                  <a:srgbClr val="6A3E3E"/>
+                </a:solidFill>
+                <a:latin typeface="Consolas" panose="020B0609020204030204" pitchFamily="49" charset="0"/>
+                <a:ea typeface="宋体" panose="02010600030101010101" pitchFamily="2" charset="-122"/>
+                <a:cs typeface="Times New Roman" panose="02020603050405020304" pitchFamily="18" charset="0"/>
+              </a:rPr>
+              <a:t>result</a:t>
+            </a:r>
+            <a:r>
+              <a:rPr lang="en-US" altLang="zh-CN" sz="1600" kern="0" dirty="0">
+                <a:solidFill>
+                  <a:srgbClr val="000000"/>
+                </a:solidFill>
+                <a:latin typeface="Consolas" panose="020B0609020204030204" pitchFamily="49" charset="0"/>
+                <a:ea typeface="宋体" panose="02010600030101010101" pitchFamily="2" charset="-122"/>
+                <a:cs typeface="Times New Roman" panose="02020603050405020304" pitchFamily="18" charset="0"/>
+              </a:rPr>
+              <a:t>[</a:t>
+            </a:r>
+            <a:r>
+              <a:rPr lang="en-US" altLang="zh-CN" sz="1600" i="1" kern="0" dirty="0">
+                <a:solidFill>
+                  <a:srgbClr val="0000C0"/>
+                </a:solidFill>
+                <a:latin typeface="Consolas" panose="020B0609020204030204" pitchFamily="49" charset="0"/>
+                <a:ea typeface="宋体" panose="02010600030101010101" pitchFamily="2" charset="-122"/>
+                <a:cs typeface="Times New Roman" panose="02020603050405020304" pitchFamily="18" charset="0"/>
+              </a:rPr>
+              <a:t>s1</a:t>
+            </a:r>
+            <a:r>
+              <a:rPr lang="en-US" altLang="zh-CN" sz="1600" kern="0" dirty="0">
+                <a:solidFill>
+                  <a:srgbClr val="000000"/>
+                </a:solidFill>
+                <a:latin typeface="Consolas" panose="020B0609020204030204" pitchFamily="49" charset="0"/>
+                <a:ea typeface="宋体" panose="02010600030101010101" pitchFamily="2" charset="-122"/>
+                <a:cs typeface="Times New Roman" panose="02020603050405020304" pitchFamily="18" charset="0"/>
+              </a:rPr>
+              <a:t>.length()][</a:t>
+            </a:r>
+            <a:r>
+              <a:rPr lang="en-US" altLang="zh-CN" sz="1600" kern="0" dirty="0" err="1">
+                <a:solidFill>
+                  <a:srgbClr val="6A3E3E"/>
+                </a:solidFill>
+                <a:latin typeface="Consolas" panose="020B0609020204030204" pitchFamily="49" charset="0"/>
+                <a:ea typeface="宋体" panose="02010600030101010101" pitchFamily="2" charset="-122"/>
+                <a:cs typeface="Times New Roman" panose="02020603050405020304" pitchFamily="18" charset="0"/>
+              </a:rPr>
+              <a:t>i</a:t>
+            </a:r>
+            <a:r>
+              <a:rPr lang="en-US" altLang="zh-CN" sz="1600" kern="0" dirty="0">
+                <a:solidFill>
+                  <a:srgbClr val="000000"/>
+                </a:solidFill>
+                <a:latin typeface="Consolas" panose="020B0609020204030204" pitchFamily="49" charset="0"/>
+                <a:ea typeface="宋体" panose="02010600030101010101" pitchFamily="2" charset="-122"/>
+                <a:cs typeface="Times New Roman" panose="02020603050405020304" pitchFamily="18" charset="0"/>
+              </a:rPr>
+              <a:t>] = 0;</a:t>
+            </a:r>
+            <a:endParaRPr lang="zh-CN" altLang="zh-CN" sz="1800" kern="100" dirty="0">
+              <a:latin typeface="Calibri" panose="020F0502020204030204" pitchFamily="34" charset="0"/>
+              <a:ea typeface="宋体" panose="02010600030101010101" pitchFamily="2" charset="-122"/>
+              <a:cs typeface="Times New Roman" panose="02020603050405020304" pitchFamily="18" charset="0"/>
+            </a:endParaRPr>
+          </a:p>
+          <a:p>
+            <a:pPr indent="255270">
+              <a:spcAft>
+                <a:spcPts val="0"/>
+              </a:spcAft>
+            </a:pPr>
+            <a:r>
+              <a:rPr lang="en-US" altLang="zh-CN" sz="1600" kern="0" dirty="0">
+                <a:solidFill>
+                  <a:srgbClr val="7F0055"/>
+                </a:solidFill>
+                <a:latin typeface="Consolas" panose="020B0609020204030204" pitchFamily="49" charset="0"/>
+                <a:ea typeface="宋体" panose="02010600030101010101" pitchFamily="2" charset="-122"/>
+                <a:cs typeface="Times New Roman" panose="02020603050405020304" pitchFamily="18" charset="0"/>
+              </a:rPr>
+              <a:t>for</a:t>
+            </a:r>
+            <a:r>
+              <a:rPr lang="en-US" altLang="zh-CN" sz="1600" kern="0" dirty="0">
+                <a:solidFill>
+                  <a:srgbClr val="000000"/>
+                </a:solidFill>
+                <a:latin typeface="Consolas" panose="020B0609020204030204" pitchFamily="49" charset="0"/>
+                <a:ea typeface="宋体" panose="02010600030101010101" pitchFamily="2" charset="-122"/>
+                <a:cs typeface="Times New Roman" panose="02020603050405020304" pitchFamily="18" charset="0"/>
+              </a:rPr>
+              <a:t> (</a:t>
+            </a:r>
+            <a:r>
+              <a:rPr lang="en-US" altLang="zh-CN" sz="1600" kern="0" dirty="0" err="1">
+                <a:solidFill>
+                  <a:srgbClr val="7F0055"/>
+                </a:solidFill>
+                <a:latin typeface="Consolas" panose="020B0609020204030204" pitchFamily="49" charset="0"/>
+                <a:ea typeface="宋体" panose="02010600030101010101" pitchFamily="2" charset="-122"/>
+                <a:cs typeface="Times New Roman" panose="02020603050405020304" pitchFamily="18" charset="0"/>
+              </a:rPr>
+              <a:t>int</a:t>
+            </a:r>
+            <a:r>
+              <a:rPr lang="en-US" altLang="zh-CN" sz="1600" kern="0" dirty="0">
+                <a:solidFill>
+                  <a:srgbClr val="000000"/>
+                </a:solidFill>
+                <a:latin typeface="Consolas" panose="020B0609020204030204" pitchFamily="49" charset="0"/>
+                <a:ea typeface="宋体" panose="02010600030101010101" pitchFamily="2" charset="-122"/>
+                <a:cs typeface="Times New Roman" panose="02020603050405020304" pitchFamily="18" charset="0"/>
+              </a:rPr>
+              <a:t> </a:t>
+            </a:r>
+            <a:r>
+              <a:rPr lang="en-US" altLang="zh-CN" sz="1600" kern="0" dirty="0" err="1">
+                <a:solidFill>
+                  <a:srgbClr val="6A3E3E"/>
+                </a:solidFill>
+                <a:latin typeface="Consolas" panose="020B0609020204030204" pitchFamily="49" charset="0"/>
+                <a:ea typeface="宋体" panose="02010600030101010101" pitchFamily="2" charset="-122"/>
+                <a:cs typeface="Times New Roman" panose="02020603050405020304" pitchFamily="18" charset="0"/>
+              </a:rPr>
+              <a:t>i</a:t>
+            </a:r>
+            <a:r>
+              <a:rPr lang="en-US" altLang="zh-CN" sz="1600" kern="0" dirty="0">
+                <a:solidFill>
+                  <a:srgbClr val="000000"/>
+                </a:solidFill>
+                <a:latin typeface="Consolas" panose="020B0609020204030204" pitchFamily="49" charset="0"/>
+                <a:ea typeface="宋体" panose="02010600030101010101" pitchFamily="2" charset="-122"/>
+                <a:cs typeface="Times New Roman" panose="02020603050405020304" pitchFamily="18" charset="0"/>
+              </a:rPr>
+              <a:t> = </a:t>
+            </a:r>
+            <a:r>
+              <a:rPr lang="en-US" altLang="zh-CN" sz="1600" i="1" kern="0" dirty="0">
+                <a:solidFill>
+                  <a:srgbClr val="0000C0"/>
+                </a:solidFill>
+                <a:latin typeface="Consolas" panose="020B0609020204030204" pitchFamily="49" charset="0"/>
+                <a:ea typeface="宋体" panose="02010600030101010101" pitchFamily="2" charset="-122"/>
+                <a:cs typeface="Times New Roman" panose="02020603050405020304" pitchFamily="18" charset="0"/>
+              </a:rPr>
+              <a:t>s1</a:t>
+            </a:r>
+            <a:r>
+              <a:rPr lang="en-US" altLang="zh-CN" sz="1600" kern="0" dirty="0">
+                <a:solidFill>
+                  <a:srgbClr val="000000"/>
+                </a:solidFill>
+                <a:latin typeface="Consolas" panose="020B0609020204030204" pitchFamily="49" charset="0"/>
+                <a:ea typeface="宋体" panose="02010600030101010101" pitchFamily="2" charset="-122"/>
+                <a:cs typeface="Times New Roman" panose="02020603050405020304" pitchFamily="18" charset="0"/>
+              </a:rPr>
+              <a:t>.length() - 1; </a:t>
+            </a:r>
+            <a:r>
+              <a:rPr lang="en-US" altLang="zh-CN" sz="1600" kern="0" dirty="0" err="1">
+                <a:solidFill>
+                  <a:srgbClr val="6A3E3E"/>
+                </a:solidFill>
+                <a:latin typeface="Consolas" panose="020B0609020204030204" pitchFamily="49" charset="0"/>
+                <a:ea typeface="宋体" panose="02010600030101010101" pitchFamily="2" charset="-122"/>
+                <a:cs typeface="Times New Roman" panose="02020603050405020304" pitchFamily="18" charset="0"/>
+              </a:rPr>
+              <a:t>i</a:t>
+            </a:r>
+            <a:r>
+              <a:rPr lang="en-US" altLang="zh-CN" sz="1600" kern="0" dirty="0">
+                <a:solidFill>
+                  <a:srgbClr val="000000"/>
+                </a:solidFill>
+                <a:latin typeface="Consolas" panose="020B0609020204030204" pitchFamily="49" charset="0"/>
+                <a:ea typeface="宋体" panose="02010600030101010101" pitchFamily="2" charset="-122"/>
+                <a:cs typeface="Times New Roman" panose="02020603050405020304" pitchFamily="18" charset="0"/>
+              </a:rPr>
+              <a:t> &gt;= 0; </a:t>
+            </a:r>
+            <a:r>
+              <a:rPr lang="en-US" altLang="zh-CN" sz="1600" kern="0" dirty="0" err="1">
+                <a:solidFill>
+                  <a:srgbClr val="6A3E3E"/>
+                </a:solidFill>
+                <a:latin typeface="Consolas" panose="020B0609020204030204" pitchFamily="49" charset="0"/>
+                <a:ea typeface="宋体" panose="02010600030101010101" pitchFamily="2" charset="-122"/>
+                <a:cs typeface="Times New Roman" panose="02020603050405020304" pitchFamily="18" charset="0"/>
+              </a:rPr>
+              <a:t>i</a:t>
+            </a:r>
+            <a:r>
+              <a:rPr lang="en-US" altLang="zh-CN" sz="1600" kern="0" dirty="0">
+                <a:solidFill>
+                  <a:srgbClr val="000000"/>
+                </a:solidFill>
+                <a:latin typeface="Consolas" panose="020B0609020204030204" pitchFamily="49" charset="0"/>
+                <a:ea typeface="宋体" panose="02010600030101010101" pitchFamily="2" charset="-122"/>
+                <a:cs typeface="Times New Roman" panose="02020603050405020304" pitchFamily="18" charset="0"/>
+              </a:rPr>
+              <a:t>--)</a:t>
+            </a:r>
+            <a:endParaRPr lang="zh-CN" altLang="zh-CN" sz="1800" kern="100" dirty="0">
+              <a:latin typeface="Calibri" panose="020F0502020204030204" pitchFamily="34" charset="0"/>
+              <a:ea typeface="宋体" panose="02010600030101010101" pitchFamily="2" charset="-122"/>
+              <a:cs typeface="Times New Roman" panose="02020603050405020304" pitchFamily="18" charset="0"/>
+            </a:endParaRPr>
+          </a:p>
+          <a:p>
+            <a:pPr indent="509905">
+              <a:spcAft>
+                <a:spcPts val="0"/>
+              </a:spcAft>
+            </a:pPr>
+            <a:r>
+              <a:rPr lang="en-US" altLang="zh-CN" sz="1600" kern="0" dirty="0">
+                <a:solidFill>
+                  <a:srgbClr val="7F0055"/>
+                </a:solidFill>
+                <a:latin typeface="Consolas" panose="020B0609020204030204" pitchFamily="49" charset="0"/>
+                <a:ea typeface="宋体" panose="02010600030101010101" pitchFamily="2" charset="-122"/>
+                <a:cs typeface="Times New Roman" panose="02020603050405020304" pitchFamily="18" charset="0"/>
+              </a:rPr>
+              <a:t>for</a:t>
+            </a:r>
+            <a:r>
+              <a:rPr lang="en-US" altLang="zh-CN" sz="1600" kern="0" dirty="0">
+                <a:solidFill>
+                  <a:srgbClr val="000000"/>
+                </a:solidFill>
+                <a:latin typeface="Consolas" panose="020B0609020204030204" pitchFamily="49" charset="0"/>
+                <a:ea typeface="宋体" panose="02010600030101010101" pitchFamily="2" charset="-122"/>
+                <a:cs typeface="Times New Roman" panose="02020603050405020304" pitchFamily="18" charset="0"/>
+              </a:rPr>
+              <a:t> (</a:t>
+            </a:r>
+            <a:r>
+              <a:rPr lang="en-US" altLang="zh-CN" sz="1600" kern="0" dirty="0" err="1">
+                <a:solidFill>
+                  <a:srgbClr val="7F0055"/>
+                </a:solidFill>
+                <a:latin typeface="Consolas" panose="020B0609020204030204" pitchFamily="49" charset="0"/>
+                <a:ea typeface="宋体" panose="02010600030101010101" pitchFamily="2" charset="-122"/>
+                <a:cs typeface="Times New Roman" panose="02020603050405020304" pitchFamily="18" charset="0"/>
+              </a:rPr>
+              <a:t>int</a:t>
+            </a:r>
+            <a:r>
+              <a:rPr lang="en-US" altLang="zh-CN" sz="1600" kern="0" dirty="0">
+                <a:solidFill>
+                  <a:srgbClr val="000000"/>
+                </a:solidFill>
+                <a:latin typeface="Consolas" panose="020B0609020204030204" pitchFamily="49" charset="0"/>
+                <a:ea typeface="宋体" panose="02010600030101010101" pitchFamily="2" charset="-122"/>
+                <a:cs typeface="Times New Roman" panose="02020603050405020304" pitchFamily="18" charset="0"/>
+              </a:rPr>
+              <a:t> </a:t>
+            </a:r>
+            <a:r>
+              <a:rPr lang="en-US" altLang="zh-CN" sz="1600" kern="0" dirty="0">
+                <a:solidFill>
+                  <a:srgbClr val="6A3E3E"/>
+                </a:solidFill>
+                <a:latin typeface="Consolas" panose="020B0609020204030204" pitchFamily="49" charset="0"/>
+                <a:ea typeface="宋体" panose="02010600030101010101" pitchFamily="2" charset="-122"/>
+                <a:cs typeface="Times New Roman" panose="02020603050405020304" pitchFamily="18" charset="0"/>
+              </a:rPr>
+              <a:t>j</a:t>
+            </a:r>
+            <a:r>
+              <a:rPr lang="en-US" altLang="zh-CN" sz="1600" kern="0" dirty="0">
+                <a:solidFill>
+                  <a:srgbClr val="000000"/>
+                </a:solidFill>
+                <a:latin typeface="Consolas" panose="020B0609020204030204" pitchFamily="49" charset="0"/>
+                <a:ea typeface="宋体" panose="02010600030101010101" pitchFamily="2" charset="-122"/>
+                <a:cs typeface="Times New Roman" panose="02020603050405020304" pitchFamily="18" charset="0"/>
+              </a:rPr>
+              <a:t> = </a:t>
+            </a:r>
+            <a:r>
+              <a:rPr lang="en-US" altLang="zh-CN" sz="1600" i="1" kern="0" dirty="0">
+                <a:solidFill>
+                  <a:srgbClr val="0000C0"/>
+                </a:solidFill>
+                <a:latin typeface="Consolas" panose="020B0609020204030204" pitchFamily="49" charset="0"/>
+                <a:ea typeface="宋体" panose="02010600030101010101" pitchFamily="2" charset="-122"/>
+                <a:cs typeface="Times New Roman" panose="02020603050405020304" pitchFamily="18" charset="0"/>
+              </a:rPr>
+              <a:t>s2</a:t>
+            </a:r>
+            <a:r>
+              <a:rPr lang="en-US" altLang="zh-CN" sz="1600" kern="0" dirty="0">
+                <a:solidFill>
+                  <a:srgbClr val="000000"/>
+                </a:solidFill>
+                <a:latin typeface="Consolas" panose="020B0609020204030204" pitchFamily="49" charset="0"/>
+                <a:ea typeface="宋体" panose="02010600030101010101" pitchFamily="2" charset="-122"/>
+                <a:cs typeface="Times New Roman" panose="02020603050405020304" pitchFamily="18" charset="0"/>
+              </a:rPr>
+              <a:t>.length() - 1; </a:t>
+            </a:r>
+            <a:r>
+              <a:rPr lang="en-US" altLang="zh-CN" sz="1600" kern="0" dirty="0">
+                <a:solidFill>
+                  <a:srgbClr val="6A3E3E"/>
+                </a:solidFill>
+                <a:latin typeface="Consolas" panose="020B0609020204030204" pitchFamily="49" charset="0"/>
+                <a:ea typeface="宋体" panose="02010600030101010101" pitchFamily="2" charset="-122"/>
+                <a:cs typeface="Times New Roman" panose="02020603050405020304" pitchFamily="18" charset="0"/>
+              </a:rPr>
+              <a:t>j</a:t>
+            </a:r>
+            <a:r>
+              <a:rPr lang="en-US" altLang="zh-CN" sz="1600" kern="0" dirty="0">
+                <a:solidFill>
+                  <a:srgbClr val="000000"/>
+                </a:solidFill>
+                <a:latin typeface="Consolas" panose="020B0609020204030204" pitchFamily="49" charset="0"/>
+                <a:ea typeface="宋体" panose="02010600030101010101" pitchFamily="2" charset="-122"/>
+                <a:cs typeface="Times New Roman" panose="02020603050405020304" pitchFamily="18" charset="0"/>
+              </a:rPr>
+              <a:t> &gt;= 0; </a:t>
+            </a:r>
+            <a:r>
+              <a:rPr lang="en-US" altLang="zh-CN" sz="1600" kern="0" dirty="0">
+                <a:solidFill>
+                  <a:srgbClr val="6A3E3E"/>
+                </a:solidFill>
+                <a:latin typeface="Consolas" panose="020B0609020204030204" pitchFamily="49" charset="0"/>
+                <a:ea typeface="宋体" panose="02010600030101010101" pitchFamily="2" charset="-122"/>
+                <a:cs typeface="Times New Roman" panose="02020603050405020304" pitchFamily="18" charset="0"/>
+              </a:rPr>
+              <a:t>j</a:t>
+            </a:r>
+            <a:r>
+              <a:rPr lang="en-US" altLang="zh-CN" sz="1600" kern="0" dirty="0">
+                <a:solidFill>
+                  <a:srgbClr val="000000"/>
+                </a:solidFill>
+                <a:latin typeface="Consolas" panose="020B0609020204030204" pitchFamily="49" charset="0"/>
+                <a:ea typeface="宋体" panose="02010600030101010101" pitchFamily="2" charset="-122"/>
+                <a:cs typeface="Times New Roman" panose="02020603050405020304" pitchFamily="18" charset="0"/>
+              </a:rPr>
+              <a:t>--) {</a:t>
+            </a:r>
+            <a:endParaRPr lang="zh-CN" altLang="zh-CN" sz="1800" kern="100" dirty="0">
+              <a:latin typeface="Calibri" panose="020F0502020204030204" pitchFamily="34" charset="0"/>
+              <a:ea typeface="宋体" panose="02010600030101010101" pitchFamily="2" charset="-122"/>
+              <a:cs typeface="Times New Roman" panose="02020603050405020304" pitchFamily="18" charset="0"/>
+            </a:endParaRPr>
+          </a:p>
+          <a:p>
+            <a:pPr indent="765175">
+              <a:spcAft>
+                <a:spcPts val="0"/>
+              </a:spcAft>
+            </a:pPr>
+            <a:r>
+              <a:rPr lang="en-US" altLang="zh-CN" sz="1600" kern="0" dirty="0">
+                <a:solidFill>
+                  <a:srgbClr val="7F0055"/>
+                </a:solidFill>
+                <a:latin typeface="Consolas" panose="020B0609020204030204" pitchFamily="49" charset="0"/>
+                <a:ea typeface="宋体" panose="02010600030101010101" pitchFamily="2" charset="-122"/>
+                <a:cs typeface="Times New Roman" panose="02020603050405020304" pitchFamily="18" charset="0"/>
+              </a:rPr>
+              <a:t>char</a:t>
+            </a:r>
+            <a:r>
+              <a:rPr lang="en-US" altLang="zh-CN" sz="1600" kern="0" dirty="0">
+                <a:solidFill>
+                  <a:srgbClr val="000000"/>
+                </a:solidFill>
+                <a:latin typeface="Consolas" panose="020B0609020204030204" pitchFamily="49" charset="0"/>
+                <a:ea typeface="宋体" panose="02010600030101010101" pitchFamily="2" charset="-122"/>
+                <a:cs typeface="Times New Roman" panose="02020603050405020304" pitchFamily="18" charset="0"/>
+              </a:rPr>
+              <a:t> </a:t>
+            </a:r>
+            <a:r>
+              <a:rPr lang="en-US" altLang="zh-CN" sz="1600" kern="0" dirty="0">
+                <a:solidFill>
+                  <a:srgbClr val="6A3E3E"/>
+                </a:solidFill>
+                <a:latin typeface="Consolas" panose="020B0609020204030204" pitchFamily="49" charset="0"/>
+                <a:ea typeface="宋体" panose="02010600030101010101" pitchFamily="2" charset="-122"/>
+                <a:cs typeface="Times New Roman" panose="02020603050405020304" pitchFamily="18" charset="0"/>
+              </a:rPr>
+              <a:t>c1</a:t>
+            </a:r>
+            <a:r>
+              <a:rPr lang="en-US" altLang="zh-CN" sz="1600" kern="0" dirty="0">
+                <a:solidFill>
+                  <a:srgbClr val="000000"/>
+                </a:solidFill>
+                <a:latin typeface="Consolas" panose="020B0609020204030204" pitchFamily="49" charset="0"/>
+                <a:ea typeface="宋体" panose="02010600030101010101" pitchFamily="2" charset="-122"/>
+                <a:cs typeface="Times New Roman" panose="02020603050405020304" pitchFamily="18" charset="0"/>
+              </a:rPr>
+              <a:t> = </a:t>
+            </a:r>
+            <a:r>
+              <a:rPr lang="en-US" altLang="zh-CN" sz="1600" i="1" kern="0" dirty="0">
+                <a:solidFill>
+                  <a:srgbClr val="0000C0"/>
+                </a:solidFill>
+                <a:latin typeface="Consolas" panose="020B0609020204030204" pitchFamily="49" charset="0"/>
+                <a:ea typeface="宋体" panose="02010600030101010101" pitchFamily="2" charset="-122"/>
+                <a:cs typeface="Times New Roman" panose="02020603050405020304" pitchFamily="18" charset="0"/>
+              </a:rPr>
+              <a:t>s1</a:t>
+            </a:r>
+            <a:r>
+              <a:rPr lang="en-US" altLang="zh-CN" sz="1600" kern="0" dirty="0">
+                <a:solidFill>
+                  <a:srgbClr val="000000"/>
+                </a:solidFill>
+                <a:latin typeface="Consolas" panose="020B0609020204030204" pitchFamily="49" charset="0"/>
+                <a:ea typeface="宋体" panose="02010600030101010101" pitchFamily="2" charset="-122"/>
+                <a:cs typeface="Times New Roman" panose="02020603050405020304" pitchFamily="18" charset="0"/>
+              </a:rPr>
+              <a:t>.charAt(</a:t>
+            </a:r>
+            <a:r>
+              <a:rPr lang="en-US" altLang="zh-CN" sz="1600" kern="0" dirty="0" err="1">
+                <a:solidFill>
+                  <a:srgbClr val="6A3E3E"/>
+                </a:solidFill>
+                <a:latin typeface="Consolas" panose="020B0609020204030204" pitchFamily="49" charset="0"/>
+                <a:ea typeface="宋体" panose="02010600030101010101" pitchFamily="2" charset="-122"/>
+                <a:cs typeface="Times New Roman" panose="02020603050405020304" pitchFamily="18" charset="0"/>
+              </a:rPr>
+              <a:t>i</a:t>
+            </a:r>
+            <a:r>
+              <a:rPr lang="en-US" altLang="zh-CN" sz="1600" kern="0" dirty="0">
+                <a:solidFill>
+                  <a:srgbClr val="000000"/>
+                </a:solidFill>
+                <a:latin typeface="Consolas" panose="020B0609020204030204" pitchFamily="49" charset="0"/>
+                <a:ea typeface="宋体" panose="02010600030101010101" pitchFamily="2" charset="-122"/>
+                <a:cs typeface="Times New Roman" panose="02020603050405020304" pitchFamily="18" charset="0"/>
+              </a:rPr>
+              <a:t>);</a:t>
+            </a:r>
+            <a:endParaRPr lang="zh-CN" altLang="zh-CN" sz="1800" kern="100" dirty="0">
+              <a:latin typeface="Calibri" panose="020F0502020204030204" pitchFamily="34" charset="0"/>
+              <a:ea typeface="宋体" panose="02010600030101010101" pitchFamily="2" charset="-122"/>
+              <a:cs typeface="Times New Roman" panose="02020603050405020304" pitchFamily="18" charset="0"/>
+            </a:endParaRPr>
+          </a:p>
+          <a:p>
+            <a:pPr indent="765175">
+              <a:spcAft>
+                <a:spcPts val="0"/>
+              </a:spcAft>
+            </a:pPr>
+            <a:r>
+              <a:rPr lang="en-US" altLang="zh-CN" sz="1600" kern="0" dirty="0">
+                <a:solidFill>
+                  <a:srgbClr val="7F0055"/>
+                </a:solidFill>
+                <a:latin typeface="Consolas" panose="020B0609020204030204" pitchFamily="49" charset="0"/>
+                <a:ea typeface="宋体" panose="02010600030101010101" pitchFamily="2" charset="-122"/>
+                <a:cs typeface="Times New Roman" panose="02020603050405020304" pitchFamily="18" charset="0"/>
+              </a:rPr>
+              <a:t>char</a:t>
+            </a:r>
+            <a:r>
+              <a:rPr lang="en-US" altLang="zh-CN" sz="1600" kern="0" dirty="0">
+                <a:solidFill>
+                  <a:srgbClr val="000000"/>
+                </a:solidFill>
+                <a:latin typeface="Consolas" panose="020B0609020204030204" pitchFamily="49" charset="0"/>
+                <a:ea typeface="宋体" panose="02010600030101010101" pitchFamily="2" charset="-122"/>
+                <a:cs typeface="Times New Roman" panose="02020603050405020304" pitchFamily="18" charset="0"/>
+              </a:rPr>
+              <a:t> </a:t>
+            </a:r>
+            <a:r>
+              <a:rPr lang="en-US" altLang="zh-CN" sz="1600" kern="0" dirty="0">
+                <a:solidFill>
+                  <a:srgbClr val="6A3E3E"/>
+                </a:solidFill>
+                <a:latin typeface="Consolas" panose="020B0609020204030204" pitchFamily="49" charset="0"/>
+                <a:ea typeface="宋体" panose="02010600030101010101" pitchFamily="2" charset="-122"/>
+                <a:cs typeface="Times New Roman" panose="02020603050405020304" pitchFamily="18" charset="0"/>
+              </a:rPr>
+              <a:t>c2</a:t>
+            </a:r>
+            <a:r>
+              <a:rPr lang="en-US" altLang="zh-CN" sz="1600" kern="0" dirty="0">
+                <a:solidFill>
+                  <a:srgbClr val="000000"/>
+                </a:solidFill>
+                <a:latin typeface="Consolas" panose="020B0609020204030204" pitchFamily="49" charset="0"/>
+                <a:ea typeface="宋体" panose="02010600030101010101" pitchFamily="2" charset="-122"/>
+                <a:cs typeface="Times New Roman" panose="02020603050405020304" pitchFamily="18" charset="0"/>
+              </a:rPr>
+              <a:t> = </a:t>
+            </a:r>
+            <a:r>
+              <a:rPr lang="en-US" altLang="zh-CN" sz="1600" i="1" kern="0" dirty="0">
+                <a:solidFill>
+                  <a:srgbClr val="0000C0"/>
+                </a:solidFill>
+                <a:latin typeface="Consolas" panose="020B0609020204030204" pitchFamily="49" charset="0"/>
+                <a:ea typeface="宋体" panose="02010600030101010101" pitchFamily="2" charset="-122"/>
+                <a:cs typeface="Times New Roman" panose="02020603050405020304" pitchFamily="18" charset="0"/>
+              </a:rPr>
+              <a:t>s2</a:t>
+            </a:r>
+            <a:r>
+              <a:rPr lang="en-US" altLang="zh-CN" sz="1600" kern="0" dirty="0">
+                <a:solidFill>
+                  <a:srgbClr val="000000"/>
+                </a:solidFill>
+                <a:latin typeface="Consolas" panose="020B0609020204030204" pitchFamily="49" charset="0"/>
+                <a:ea typeface="宋体" panose="02010600030101010101" pitchFamily="2" charset="-122"/>
+                <a:cs typeface="Times New Roman" panose="02020603050405020304" pitchFamily="18" charset="0"/>
+              </a:rPr>
+              <a:t>.charAt(</a:t>
+            </a:r>
+            <a:r>
+              <a:rPr lang="en-US" altLang="zh-CN" sz="1600" kern="0" dirty="0">
+                <a:solidFill>
+                  <a:srgbClr val="6A3E3E"/>
+                </a:solidFill>
+                <a:latin typeface="Consolas" panose="020B0609020204030204" pitchFamily="49" charset="0"/>
+                <a:ea typeface="宋体" panose="02010600030101010101" pitchFamily="2" charset="-122"/>
+                <a:cs typeface="Times New Roman" panose="02020603050405020304" pitchFamily="18" charset="0"/>
+              </a:rPr>
+              <a:t>j</a:t>
+            </a:r>
+            <a:r>
+              <a:rPr lang="en-US" altLang="zh-CN" sz="1600" kern="0" dirty="0">
+                <a:solidFill>
+                  <a:srgbClr val="000000"/>
+                </a:solidFill>
+                <a:latin typeface="Consolas" panose="020B0609020204030204" pitchFamily="49" charset="0"/>
+                <a:ea typeface="宋体" panose="02010600030101010101" pitchFamily="2" charset="-122"/>
+                <a:cs typeface="Times New Roman" panose="02020603050405020304" pitchFamily="18" charset="0"/>
+              </a:rPr>
+              <a:t>);</a:t>
+            </a:r>
+            <a:endParaRPr lang="zh-CN" altLang="zh-CN" sz="1800" kern="100" dirty="0">
+              <a:latin typeface="Calibri" panose="020F0502020204030204" pitchFamily="34" charset="0"/>
+              <a:ea typeface="宋体" panose="02010600030101010101" pitchFamily="2" charset="-122"/>
+              <a:cs typeface="Times New Roman" panose="02020603050405020304" pitchFamily="18" charset="0"/>
+            </a:endParaRPr>
+          </a:p>
+          <a:p>
+            <a:pPr indent="765175">
+              <a:spcAft>
+                <a:spcPts val="0"/>
+              </a:spcAft>
+            </a:pPr>
+            <a:r>
+              <a:rPr lang="en-US" altLang="zh-CN" sz="1600" kern="0" dirty="0">
+                <a:solidFill>
+                  <a:srgbClr val="7F0055"/>
+                </a:solidFill>
+                <a:latin typeface="Consolas" panose="020B0609020204030204" pitchFamily="49" charset="0"/>
+                <a:ea typeface="宋体" panose="02010600030101010101" pitchFamily="2" charset="-122"/>
+                <a:cs typeface="Times New Roman" panose="02020603050405020304" pitchFamily="18" charset="0"/>
+              </a:rPr>
+              <a:t>if</a:t>
+            </a:r>
+            <a:r>
+              <a:rPr lang="en-US" altLang="zh-CN" sz="1600" kern="0" dirty="0">
+                <a:solidFill>
+                  <a:srgbClr val="000000"/>
+                </a:solidFill>
+                <a:latin typeface="Consolas" panose="020B0609020204030204" pitchFamily="49" charset="0"/>
+                <a:ea typeface="宋体" panose="02010600030101010101" pitchFamily="2" charset="-122"/>
+                <a:cs typeface="Times New Roman" panose="02020603050405020304" pitchFamily="18" charset="0"/>
+              </a:rPr>
+              <a:t> (</a:t>
+            </a:r>
+            <a:r>
+              <a:rPr lang="en-US" altLang="zh-CN" sz="1600" kern="0" dirty="0">
+                <a:solidFill>
+                  <a:srgbClr val="6A3E3E"/>
+                </a:solidFill>
+                <a:latin typeface="Consolas" panose="020B0609020204030204" pitchFamily="49" charset="0"/>
+                <a:ea typeface="宋体" panose="02010600030101010101" pitchFamily="2" charset="-122"/>
+                <a:cs typeface="Times New Roman" panose="02020603050405020304" pitchFamily="18" charset="0"/>
+              </a:rPr>
+              <a:t>c1</a:t>
+            </a:r>
+            <a:r>
+              <a:rPr lang="en-US" altLang="zh-CN" sz="1600" kern="0" dirty="0">
+                <a:solidFill>
+                  <a:srgbClr val="000000"/>
+                </a:solidFill>
+                <a:latin typeface="Consolas" panose="020B0609020204030204" pitchFamily="49" charset="0"/>
+                <a:ea typeface="宋体" panose="02010600030101010101" pitchFamily="2" charset="-122"/>
+                <a:cs typeface="Times New Roman" panose="02020603050405020304" pitchFamily="18" charset="0"/>
+              </a:rPr>
+              <a:t> == </a:t>
+            </a:r>
+            <a:r>
+              <a:rPr lang="en-US" altLang="zh-CN" sz="1600" kern="0" dirty="0">
+                <a:solidFill>
+                  <a:srgbClr val="6A3E3E"/>
+                </a:solidFill>
+                <a:latin typeface="Consolas" panose="020B0609020204030204" pitchFamily="49" charset="0"/>
+                <a:ea typeface="宋体" panose="02010600030101010101" pitchFamily="2" charset="-122"/>
+                <a:cs typeface="Times New Roman" panose="02020603050405020304" pitchFamily="18" charset="0"/>
+              </a:rPr>
+              <a:t>c2</a:t>
+            </a:r>
+            <a:r>
+              <a:rPr lang="en-US" altLang="zh-CN" sz="1600" kern="0" dirty="0">
+                <a:solidFill>
+                  <a:srgbClr val="000000"/>
+                </a:solidFill>
+                <a:latin typeface="Consolas" panose="020B0609020204030204" pitchFamily="49" charset="0"/>
+                <a:ea typeface="宋体" panose="02010600030101010101" pitchFamily="2" charset="-122"/>
+                <a:cs typeface="Times New Roman" panose="02020603050405020304" pitchFamily="18" charset="0"/>
+              </a:rPr>
+              <a:t>)</a:t>
+            </a:r>
+            <a:endParaRPr lang="zh-CN" altLang="zh-CN" sz="1800" kern="100" dirty="0">
+              <a:latin typeface="Calibri" panose="020F0502020204030204" pitchFamily="34" charset="0"/>
+              <a:ea typeface="宋体" panose="02010600030101010101" pitchFamily="2" charset="-122"/>
+              <a:cs typeface="Times New Roman" panose="02020603050405020304" pitchFamily="18" charset="0"/>
+            </a:endParaRPr>
+          </a:p>
+          <a:p>
+            <a:pPr indent="1016000">
+              <a:spcAft>
+                <a:spcPts val="0"/>
+              </a:spcAft>
+            </a:pPr>
+            <a:r>
+              <a:rPr lang="en-US" altLang="zh-CN" sz="1600" kern="0" dirty="0">
+                <a:solidFill>
+                  <a:srgbClr val="6A3E3E"/>
+                </a:solidFill>
+                <a:latin typeface="Consolas" panose="020B0609020204030204" pitchFamily="49" charset="0"/>
+                <a:ea typeface="宋体" panose="02010600030101010101" pitchFamily="2" charset="-122"/>
+                <a:cs typeface="Times New Roman" panose="02020603050405020304" pitchFamily="18" charset="0"/>
+              </a:rPr>
+              <a:t>result</a:t>
+            </a:r>
+            <a:r>
+              <a:rPr lang="en-US" altLang="zh-CN" sz="1600" kern="0" dirty="0">
+                <a:solidFill>
+                  <a:srgbClr val="000000"/>
+                </a:solidFill>
+                <a:latin typeface="Consolas" panose="020B0609020204030204" pitchFamily="49" charset="0"/>
+                <a:ea typeface="宋体" panose="02010600030101010101" pitchFamily="2" charset="-122"/>
+                <a:cs typeface="Times New Roman" panose="02020603050405020304" pitchFamily="18" charset="0"/>
+              </a:rPr>
+              <a:t>[</a:t>
+            </a:r>
+            <a:r>
+              <a:rPr lang="en-US" altLang="zh-CN" sz="1600" kern="0" dirty="0" err="1">
+                <a:solidFill>
+                  <a:srgbClr val="6A3E3E"/>
+                </a:solidFill>
+                <a:latin typeface="Consolas" panose="020B0609020204030204" pitchFamily="49" charset="0"/>
+                <a:ea typeface="宋体" panose="02010600030101010101" pitchFamily="2" charset="-122"/>
+                <a:cs typeface="Times New Roman" panose="02020603050405020304" pitchFamily="18" charset="0"/>
+              </a:rPr>
+              <a:t>i</a:t>
+            </a:r>
+            <a:r>
+              <a:rPr lang="en-US" altLang="zh-CN" sz="1600" kern="0" dirty="0">
+                <a:solidFill>
+                  <a:srgbClr val="000000"/>
+                </a:solidFill>
+                <a:latin typeface="Consolas" panose="020B0609020204030204" pitchFamily="49" charset="0"/>
+                <a:ea typeface="宋体" panose="02010600030101010101" pitchFamily="2" charset="-122"/>
+                <a:cs typeface="Times New Roman" panose="02020603050405020304" pitchFamily="18" charset="0"/>
+              </a:rPr>
+              <a:t>][</a:t>
+            </a:r>
+            <a:r>
+              <a:rPr lang="en-US" altLang="zh-CN" sz="1600" kern="0" dirty="0">
+                <a:solidFill>
+                  <a:srgbClr val="6A3E3E"/>
+                </a:solidFill>
+                <a:latin typeface="Consolas" panose="020B0609020204030204" pitchFamily="49" charset="0"/>
+                <a:ea typeface="宋体" panose="02010600030101010101" pitchFamily="2" charset="-122"/>
+                <a:cs typeface="Times New Roman" panose="02020603050405020304" pitchFamily="18" charset="0"/>
+              </a:rPr>
+              <a:t>j</a:t>
+            </a:r>
+            <a:r>
+              <a:rPr lang="en-US" altLang="zh-CN" sz="1600" kern="0" dirty="0">
+                <a:solidFill>
+                  <a:srgbClr val="000000"/>
+                </a:solidFill>
+                <a:latin typeface="Consolas" panose="020B0609020204030204" pitchFamily="49" charset="0"/>
+                <a:ea typeface="宋体" panose="02010600030101010101" pitchFamily="2" charset="-122"/>
+                <a:cs typeface="Times New Roman" panose="02020603050405020304" pitchFamily="18" charset="0"/>
+              </a:rPr>
+              <a:t>] = </a:t>
+            </a:r>
+            <a:r>
+              <a:rPr lang="en-US" altLang="zh-CN" sz="1600" kern="0" dirty="0">
+                <a:solidFill>
+                  <a:srgbClr val="6A3E3E"/>
+                </a:solidFill>
+                <a:latin typeface="Consolas" panose="020B0609020204030204" pitchFamily="49" charset="0"/>
+                <a:ea typeface="宋体" panose="02010600030101010101" pitchFamily="2" charset="-122"/>
+                <a:cs typeface="Times New Roman" panose="02020603050405020304" pitchFamily="18" charset="0"/>
+              </a:rPr>
+              <a:t>result</a:t>
+            </a:r>
+            <a:r>
+              <a:rPr lang="en-US" altLang="zh-CN" sz="1600" kern="0" dirty="0">
+                <a:solidFill>
+                  <a:srgbClr val="000000"/>
+                </a:solidFill>
+                <a:latin typeface="Consolas" panose="020B0609020204030204" pitchFamily="49" charset="0"/>
+                <a:ea typeface="宋体" panose="02010600030101010101" pitchFamily="2" charset="-122"/>
+                <a:cs typeface="Times New Roman" panose="02020603050405020304" pitchFamily="18" charset="0"/>
+              </a:rPr>
+              <a:t>[</a:t>
+            </a:r>
+            <a:r>
+              <a:rPr lang="en-US" altLang="zh-CN" sz="1600" kern="0" dirty="0" err="1">
+                <a:solidFill>
+                  <a:srgbClr val="6A3E3E"/>
+                </a:solidFill>
+                <a:latin typeface="Consolas" panose="020B0609020204030204" pitchFamily="49" charset="0"/>
+                <a:ea typeface="宋体" panose="02010600030101010101" pitchFamily="2" charset="-122"/>
+                <a:cs typeface="Times New Roman" panose="02020603050405020304" pitchFamily="18" charset="0"/>
+              </a:rPr>
+              <a:t>i</a:t>
+            </a:r>
+            <a:r>
+              <a:rPr lang="en-US" altLang="zh-CN" sz="1600" kern="0" dirty="0">
+                <a:solidFill>
+                  <a:srgbClr val="000000"/>
+                </a:solidFill>
+                <a:latin typeface="Consolas" panose="020B0609020204030204" pitchFamily="49" charset="0"/>
+                <a:ea typeface="宋体" panose="02010600030101010101" pitchFamily="2" charset="-122"/>
+                <a:cs typeface="Times New Roman" panose="02020603050405020304" pitchFamily="18" charset="0"/>
+              </a:rPr>
+              <a:t> + 1][</a:t>
+            </a:r>
+            <a:r>
+              <a:rPr lang="en-US" altLang="zh-CN" sz="1600" kern="0" dirty="0">
+                <a:solidFill>
+                  <a:srgbClr val="6A3E3E"/>
+                </a:solidFill>
+                <a:latin typeface="Consolas" panose="020B0609020204030204" pitchFamily="49" charset="0"/>
+                <a:ea typeface="宋体" panose="02010600030101010101" pitchFamily="2" charset="-122"/>
+                <a:cs typeface="Times New Roman" panose="02020603050405020304" pitchFamily="18" charset="0"/>
+              </a:rPr>
+              <a:t>j</a:t>
+            </a:r>
+            <a:r>
+              <a:rPr lang="en-US" altLang="zh-CN" sz="1600" kern="0" dirty="0">
+                <a:solidFill>
+                  <a:srgbClr val="000000"/>
+                </a:solidFill>
+                <a:latin typeface="Consolas" panose="020B0609020204030204" pitchFamily="49" charset="0"/>
+                <a:ea typeface="宋体" panose="02010600030101010101" pitchFamily="2" charset="-122"/>
+                <a:cs typeface="Times New Roman" panose="02020603050405020304" pitchFamily="18" charset="0"/>
+              </a:rPr>
+              <a:t> + 1] + 1;</a:t>
+            </a:r>
+            <a:endParaRPr lang="zh-CN" altLang="zh-CN" sz="1800" kern="100" dirty="0">
+              <a:latin typeface="Calibri" panose="020F0502020204030204" pitchFamily="34" charset="0"/>
+              <a:ea typeface="宋体" panose="02010600030101010101" pitchFamily="2" charset="-122"/>
+              <a:cs typeface="Times New Roman" panose="02020603050405020304" pitchFamily="18" charset="0"/>
+            </a:endParaRPr>
+          </a:p>
+          <a:p>
+            <a:pPr indent="765175">
+              <a:spcAft>
+                <a:spcPts val="0"/>
+              </a:spcAft>
+            </a:pPr>
+            <a:r>
+              <a:rPr lang="en-US" altLang="zh-CN" sz="1600" kern="0" dirty="0">
+                <a:solidFill>
+                  <a:srgbClr val="7F0055"/>
+                </a:solidFill>
+                <a:latin typeface="Consolas" panose="020B0609020204030204" pitchFamily="49" charset="0"/>
+                <a:ea typeface="宋体" panose="02010600030101010101" pitchFamily="2" charset="-122"/>
+                <a:cs typeface="Times New Roman" panose="02020603050405020304" pitchFamily="18" charset="0"/>
+              </a:rPr>
+              <a:t>else</a:t>
+            </a:r>
+            <a:endParaRPr lang="zh-CN" altLang="zh-CN" sz="1800" kern="100" dirty="0">
+              <a:latin typeface="Calibri" panose="020F0502020204030204" pitchFamily="34" charset="0"/>
+              <a:ea typeface="宋体" panose="02010600030101010101" pitchFamily="2" charset="-122"/>
+              <a:cs typeface="Times New Roman" panose="02020603050405020304" pitchFamily="18" charset="0"/>
+            </a:endParaRPr>
+          </a:p>
+          <a:p>
+            <a:pPr indent="1016000">
+              <a:spcAft>
+                <a:spcPts val="0"/>
+              </a:spcAft>
+            </a:pPr>
+            <a:r>
+              <a:rPr lang="en-US" altLang="zh-CN" sz="1600" kern="0" dirty="0">
+                <a:solidFill>
+                  <a:srgbClr val="6A3E3E"/>
+                </a:solidFill>
+                <a:latin typeface="Consolas" panose="020B0609020204030204" pitchFamily="49" charset="0"/>
+                <a:ea typeface="宋体" panose="02010600030101010101" pitchFamily="2" charset="-122"/>
+                <a:cs typeface="Times New Roman" panose="02020603050405020304" pitchFamily="18" charset="0"/>
+              </a:rPr>
+              <a:t>result</a:t>
+            </a:r>
+            <a:r>
+              <a:rPr lang="en-US" altLang="zh-CN" sz="1600" kern="0" dirty="0">
+                <a:solidFill>
+                  <a:srgbClr val="000000"/>
+                </a:solidFill>
+                <a:latin typeface="Consolas" panose="020B0609020204030204" pitchFamily="49" charset="0"/>
+                <a:ea typeface="宋体" panose="02010600030101010101" pitchFamily="2" charset="-122"/>
+                <a:cs typeface="Times New Roman" panose="02020603050405020304" pitchFamily="18" charset="0"/>
+              </a:rPr>
+              <a:t>[</a:t>
+            </a:r>
+            <a:r>
+              <a:rPr lang="en-US" altLang="zh-CN" sz="1600" kern="0" dirty="0" err="1">
+                <a:solidFill>
+                  <a:srgbClr val="6A3E3E"/>
+                </a:solidFill>
+                <a:latin typeface="Consolas" panose="020B0609020204030204" pitchFamily="49" charset="0"/>
+                <a:ea typeface="宋体" panose="02010600030101010101" pitchFamily="2" charset="-122"/>
+                <a:cs typeface="Times New Roman" panose="02020603050405020304" pitchFamily="18" charset="0"/>
+              </a:rPr>
+              <a:t>i</a:t>
+            </a:r>
+            <a:r>
+              <a:rPr lang="en-US" altLang="zh-CN" sz="1600" kern="0" dirty="0">
+                <a:solidFill>
+                  <a:srgbClr val="000000"/>
+                </a:solidFill>
+                <a:latin typeface="Consolas" panose="020B0609020204030204" pitchFamily="49" charset="0"/>
+                <a:ea typeface="宋体" panose="02010600030101010101" pitchFamily="2" charset="-122"/>
+                <a:cs typeface="Times New Roman" panose="02020603050405020304" pitchFamily="18" charset="0"/>
+              </a:rPr>
+              <a:t>][</a:t>
+            </a:r>
+            <a:r>
+              <a:rPr lang="en-US" altLang="zh-CN" sz="1600" kern="0" dirty="0">
+                <a:solidFill>
+                  <a:srgbClr val="6A3E3E"/>
+                </a:solidFill>
+                <a:latin typeface="Consolas" panose="020B0609020204030204" pitchFamily="49" charset="0"/>
+                <a:ea typeface="宋体" panose="02010600030101010101" pitchFamily="2" charset="-122"/>
+                <a:cs typeface="Times New Roman" panose="02020603050405020304" pitchFamily="18" charset="0"/>
+              </a:rPr>
+              <a:t>j</a:t>
+            </a:r>
+            <a:r>
+              <a:rPr lang="en-US" altLang="zh-CN" sz="1600" kern="0" dirty="0">
+                <a:solidFill>
+                  <a:srgbClr val="000000"/>
+                </a:solidFill>
+                <a:latin typeface="Consolas" panose="020B0609020204030204" pitchFamily="49" charset="0"/>
+                <a:ea typeface="宋体" panose="02010600030101010101" pitchFamily="2" charset="-122"/>
+                <a:cs typeface="Times New Roman" panose="02020603050405020304" pitchFamily="18" charset="0"/>
+              </a:rPr>
+              <a:t>] = </a:t>
+            </a:r>
+            <a:r>
+              <a:rPr lang="en-US" altLang="zh-CN" sz="1600" kern="0" dirty="0" err="1">
+                <a:solidFill>
+                  <a:srgbClr val="000000"/>
+                </a:solidFill>
+                <a:latin typeface="Consolas" panose="020B0609020204030204" pitchFamily="49" charset="0"/>
+                <a:ea typeface="宋体" panose="02010600030101010101" pitchFamily="2" charset="-122"/>
+                <a:cs typeface="Times New Roman" panose="02020603050405020304" pitchFamily="18" charset="0"/>
+              </a:rPr>
+              <a:t>Math.</a:t>
+            </a:r>
+            <a:r>
+              <a:rPr lang="en-US" altLang="zh-CN" sz="1600" i="1" kern="0" dirty="0" err="1">
+                <a:solidFill>
+                  <a:srgbClr val="000000"/>
+                </a:solidFill>
+                <a:latin typeface="Consolas" panose="020B0609020204030204" pitchFamily="49" charset="0"/>
+                <a:ea typeface="宋体" panose="02010600030101010101" pitchFamily="2" charset="-122"/>
+                <a:cs typeface="Times New Roman" panose="02020603050405020304" pitchFamily="18" charset="0"/>
+              </a:rPr>
+              <a:t>max</a:t>
+            </a:r>
+            <a:r>
+              <a:rPr lang="en-US" altLang="zh-CN" sz="1600" kern="0" dirty="0">
+                <a:solidFill>
+                  <a:srgbClr val="000000"/>
+                </a:solidFill>
+                <a:latin typeface="Consolas" panose="020B0609020204030204" pitchFamily="49" charset="0"/>
+                <a:ea typeface="宋体" panose="02010600030101010101" pitchFamily="2" charset="-122"/>
+                <a:cs typeface="Times New Roman" panose="02020603050405020304" pitchFamily="18" charset="0"/>
+              </a:rPr>
+              <a:t>(</a:t>
+            </a:r>
+            <a:r>
+              <a:rPr lang="en-US" altLang="zh-CN" sz="1600" kern="0" dirty="0">
+                <a:solidFill>
+                  <a:srgbClr val="6A3E3E"/>
+                </a:solidFill>
+                <a:latin typeface="Consolas" panose="020B0609020204030204" pitchFamily="49" charset="0"/>
+                <a:ea typeface="宋体" panose="02010600030101010101" pitchFamily="2" charset="-122"/>
+                <a:cs typeface="Times New Roman" panose="02020603050405020304" pitchFamily="18" charset="0"/>
+              </a:rPr>
+              <a:t>result</a:t>
+            </a:r>
+            <a:r>
+              <a:rPr lang="en-US" altLang="zh-CN" sz="1600" kern="0" dirty="0">
+                <a:solidFill>
+                  <a:srgbClr val="000000"/>
+                </a:solidFill>
+                <a:latin typeface="Consolas" panose="020B0609020204030204" pitchFamily="49" charset="0"/>
+                <a:ea typeface="宋体" panose="02010600030101010101" pitchFamily="2" charset="-122"/>
+                <a:cs typeface="Times New Roman" panose="02020603050405020304" pitchFamily="18" charset="0"/>
+              </a:rPr>
+              <a:t>[</a:t>
+            </a:r>
+            <a:r>
+              <a:rPr lang="en-US" altLang="zh-CN" sz="1600" kern="0" dirty="0" err="1">
+                <a:solidFill>
+                  <a:srgbClr val="6A3E3E"/>
+                </a:solidFill>
+                <a:latin typeface="Consolas" panose="020B0609020204030204" pitchFamily="49" charset="0"/>
+                <a:ea typeface="宋体" panose="02010600030101010101" pitchFamily="2" charset="-122"/>
+                <a:cs typeface="Times New Roman" panose="02020603050405020304" pitchFamily="18" charset="0"/>
+              </a:rPr>
+              <a:t>i</a:t>
+            </a:r>
+            <a:r>
+              <a:rPr lang="en-US" altLang="zh-CN" sz="1600" kern="0" dirty="0">
+                <a:solidFill>
+                  <a:srgbClr val="000000"/>
+                </a:solidFill>
+                <a:latin typeface="Consolas" panose="020B0609020204030204" pitchFamily="49" charset="0"/>
+                <a:ea typeface="宋体" panose="02010600030101010101" pitchFamily="2" charset="-122"/>
+                <a:cs typeface="Times New Roman" panose="02020603050405020304" pitchFamily="18" charset="0"/>
+              </a:rPr>
+              <a:t>][</a:t>
+            </a:r>
+            <a:r>
+              <a:rPr lang="en-US" altLang="zh-CN" sz="1600" kern="0" dirty="0">
+                <a:solidFill>
+                  <a:srgbClr val="6A3E3E"/>
+                </a:solidFill>
+                <a:latin typeface="Consolas" panose="020B0609020204030204" pitchFamily="49" charset="0"/>
+                <a:ea typeface="宋体" panose="02010600030101010101" pitchFamily="2" charset="-122"/>
+                <a:cs typeface="Times New Roman" panose="02020603050405020304" pitchFamily="18" charset="0"/>
+              </a:rPr>
+              <a:t>j</a:t>
+            </a:r>
+            <a:r>
+              <a:rPr lang="en-US" altLang="zh-CN" sz="1600" kern="0" dirty="0">
+                <a:solidFill>
+                  <a:srgbClr val="000000"/>
+                </a:solidFill>
+                <a:latin typeface="Consolas" panose="020B0609020204030204" pitchFamily="49" charset="0"/>
+                <a:ea typeface="宋体" panose="02010600030101010101" pitchFamily="2" charset="-122"/>
+                <a:cs typeface="Times New Roman" panose="02020603050405020304" pitchFamily="18" charset="0"/>
+              </a:rPr>
+              <a:t> + 1], </a:t>
+            </a:r>
+            <a:r>
+              <a:rPr lang="en-US" altLang="zh-CN" sz="1600" kern="0" dirty="0">
+                <a:solidFill>
+                  <a:srgbClr val="6A3E3E"/>
+                </a:solidFill>
+                <a:latin typeface="Consolas" panose="020B0609020204030204" pitchFamily="49" charset="0"/>
+                <a:ea typeface="宋体" panose="02010600030101010101" pitchFamily="2" charset="-122"/>
+                <a:cs typeface="Times New Roman" panose="02020603050405020304" pitchFamily="18" charset="0"/>
+              </a:rPr>
+              <a:t>result</a:t>
+            </a:r>
+            <a:r>
+              <a:rPr lang="en-US" altLang="zh-CN" sz="1600" kern="0" dirty="0">
+                <a:solidFill>
+                  <a:srgbClr val="000000"/>
+                </a:solidFill>
+                <a:latin typeface="Consolas" panose="020B0609020204030204" pitchFamily="49" charset="0"/>
+                <a:ea typeface="宋体" panose="02010600030101010101" pitchFamily="2" charset="-122"/>
+                <a:cs typeface="Times New Roman" panose="02020603050405020304" pitchFamily="18" charset="0"/>
+              </a:rPr>
+              <a:t>[</a:t>
+            </a:r>
+            <a:r>
+              <a:rPr lang="en-US" altLang="zh-CN" sz="1600" kern="0" dirty="0" err="1">
+                <a:solidFill>
+                  <a:srgbClr val="6A3E3E"/>
+                </a:solidFill>
+                <a:latin typeface="Consolas" panose="020B0609020204030204" pitchFamily="49" charset="0"/>
+                <a:ea typeface="宋体" panose="02010600030101010101" pitchFamily="2" charset="-122"/>
+                <a:cs typeface="Times New Roman" panose="02020603050405020304" pitchFamily="18" charset="0"/>
+              </a:rPr>
+              <a:t>i</a:t>
+            </a:r>
+            <a:r>
+              <a:rPr lang="en-US" altLang="zh-CN" sz="1600" kern="0" dirty="0">
+                <a:solidFill>
+                  <a:srgbClr val="000000"/>
+                </a:solidFill>
+                <a:latin typeface="Consolas" panose="020B0609020204030204" pitchFamily="49" charset="0"/>
+                <a:ea typeface="宋体" panose="02010600030101010101" pitchFamily="2" charset="-122"/>
+                <a:cs typeface="Times New Roman" panose="02020603050405020304" pitchFamily="18" charset="0"/>
+              </a:rPr>
+              <a:t> + 1][</a:t>
+            </a:r>
+            <a:r>
+              <a:rPr lang="en-US" altLang="zh-CN" sz="1600" kern="0" dirty="0">
+                <a:solidFill>
+                  <a:srgbClr val="6A3E3E"/>
+                </a:solidFill>
+                <a:latin typeface="Consolas" panose="020B0609020204030204" pitchFamily="49" charset="0"/>
+                <a:ea typeface="宋体" panose="02010600030101010101" pitchFamily="2" charset="-122"/>
+                <a:cs typeface="Times New Roman" panose="02020603050405020304" pitchFamily="18" charset="0"/>
+              </a:rPr>
+              <a:t>j</a:t>
+            </a:r>
+            <a:r>
+              <a:rPr lang="en-US" altLang="zh-CN" sz="1600" kern="0" dirty="0">
+                <a:solidFill>
+                  <a:srgbClr val="000000"/>
+                </a:solidFill>
+                <a:latin typeface="Consolas" panose="020B0609020204030204" pitchFamily="49" charset="0"/>
+                <a:ea typeface="宋体" panose="02010600030101010101" pitchFamily="2" charset="-122"/>
+                <a:cs typeface="Times New Roman" panose="02020603050405020304" pitchFamily="18" charset="0"/>
+              </a:rPr>
+              <a:t>]);</a:t>
+            </a:r>
+            <a:endParaRPr lang="zh-CN" altLang="zh-CN" sz="1800" kern="100" dirty="0">
+              <a:latin typeface="Calibri" panose="020F0502020204030204" pitchFamily="34" charset="0"/>
+              <a:ea typeface="宋体" panose="02010600030101010101" pitchFamily="2" charset="-122"/>
+              <a:cs typeface="Times New Roman" panose="02020603050405020304" pitchFamily="18" charset="0"/>
+            </a:endParaRPr>
+          </a:p>
+          <a:p>
+            <a:pPr indent="508000">
+              <a:spcAft>
+                <a:spcPts val="0"/>
+              </a:spcAft>
+            </a:pPr>
+            <a:r>
+              <a:rPr lang="en-US" altLang="zh-CN" sz="1600" kern="0" dirty="0">
+                <a:solidFill>
+                  <a:srgbClr val="000000"/>
+                </a:solidFill>
+                <a:latin typeface="Consolas" panose="020B0609020204030204" pitchFamily="49" charset="0"/>
+                <a:ea typeface="宋体" panose="02010600030101010101" pitchFamily="2" charset="-122"/>
+                <a:cs typeface="Times New Roman" panose="02020603050405020304" pitchFamily="18" charset="0"/>
+              </a:rPr>
+              <a:t>}</a:t>
+            </a:r>
+            <a:endParaRPr lang="zh-CN" altLang="zh-CN" sz="1800" kern="100" dirty="0">
+              <a:latin typeface="Calibri" panose="020F0502020204030204" pitchFamily="34" charset="0"/>
+              <a:ea typeface="宋体" panose="02010600030101010101" pitchFamily="2" charset="-122"/>
+              <a:cs typeface="Times New Roman" panose="02020603050405020304" pitchFamily="18" charset="0"/>
+            </a:endParaRPr>
+          </a:p>
+          <a:p>
+            <a:pPr indent="254000">
+              <a:spcAft>
+                <a:spcPts val="0"/>
+              </a:spcAft>
+            </a:pPr>
+            <a:r>
+              <a:rPr lang="en-US" altLang="zh-CN" sz="1600" kern="0" dirty="0" err="1">
+                <a:solidFill>
+                  <a:srgbClr val="000000"/>
+                </a:solidFill>
+                <a:latin typeface="Consolas" panose="020B0609020204030204" pitchFamily="49" charset="0"/>
+                <a:ea typeface="宋体" panose="02010600030101010101" pitchFamily="2" charset="-122"/>
+                <a:cs typeface="Times New Roman" panose="02020603050405020304" pitchFamily="18" charset="0"/>
+              </a:rPr>
+              <a:t>System.</a:t>
+            </a:r>
+            <a:r>
+              <a:rPr lang="en-US" altLang="zh-CN" sz="1600" i="1" kern="0" dirty="0" err="1">
+                <a:solidFill>
+                  <a:srgbClr val="0000C0"/>
+                </a:solidFill>
+                <a:latin typeface="Consolas" panose="020B0609020204030204" pitchFamily="49" charset="0"/>
+                <a:ea typeface="宋体" panose="02010600030101010101" pitchFamily="2" charset="-122"/>
+                <a:cs typeface="Times New Roman" panose="02020603050405020304" pitchFamily="18" charset="0"/>
+              </a:rPr>
+              <a:t>out</a:t>
+            </a:r>
+            <a:r>
+              <a:rPr lang="en-US" altLang="zh-CN" sz="1600" kern="0" dirty="0" err="1">
+                <a:solidFill>
+                  <a:srgbClr val="000000"/>
+                </a:solidFill>
+                <a:latin typeface="Consolas" panose="020B0609020204030204" pitchFamily="49" charset="0"/>
+                <a:ea typeface="宋体" panose="02010600030101010101" pitchFamily="2" charset="-122"/>
+                <a:cs typeface="Times New Roman" panose="02020603050405020304" pitchFamily="18" charset="0"/>
+              </a:rPr>
+              <a:t>.println</a:t>
+            </a:r>
+            <a:r>
+              <a:rPr lang="en-US" altLang="zh-CN" sz="1600" kern="0" dirty="0">
+                <a:solidFill>
+                  <a:srgbClr val="000000"/>
+                </a:solidFill>
+                <a:latin typeface="Consolas" panose="020B0609020204030204" pitchFamily="49" charset="0"/>
+                <a:ea typeface="宋体" panose="02010600030101010101" pitchFamily="2" charset="-122"/>
+                <a:cs typeface="Times New Roman" panose="02020603050405020304" pitchFamily="18" charset="0"/>
+              </a:rPr>
+              <a:t>(</a:t>
+            </a:r>
+            <a:r>
+              <a:rPr lang="en-US" altLang="zh-CN" sz="1600" kern="0" dirty="0">
+                <a:solidFill>
+                  <a:srgbClr val="6A3E3E"/>
+                </a:solidFill>
+                <a:latin typeface="Consolas" panose="020B0609020204030204" pitchFamily="49" charset="0"/>
+                <a:ea typeface="宋体" panose="02010600030101010101" pitchFamily="2" charset="-122"/>
+                <a:cs typeface="Times New Roman" panose="02020603050405020304" pitchFamily="18" charset="0"/>
+              </a:rPr>
+              <a:t>result</a:t>
+            </a:r>
+            <a:r>
+              <a:rPr lang="en-US" altLang="zh-CN" sz="1600" kern="0" dirty="0">
+                <a:solidFill>
+                  <a:srgbClr val="000000"/>
+                </a:solidFill>
+                <a:latin typeface="Consolas" panose="020B0609020204030204" pitchFamily="49" charset="0"/>
+                <a:ea typeface="宋体" panose="02010600030101010101" pitchFamily="2" charset="-122"/>
+                <a:cs typeface="Times New Roman" panose="02020603050405020304" pitchFamily="18" charset="0"/>
+              </a:rPr>
+              <a:t>[0][0]);</a:t>
+            </a:r>
+            <a:endParaRPr lang="zh-CN" altLang="zh-CN" sz="1800" kern="100" dirty="0">
+              <a:latin typeface="Calibri" panose="020F0502020204030204" pitchFamily="34" charset="0"/>
+              <a:ea typeface="宋体" panose="02010600030101010101" pitchFamily="2" charset="-122"/>
+              <a:cs typeface="Times New Roman" panose="02020603050405020304" pitchFamily="18" charset="0"/>
+            </a:endParaRPr>
+          </a:p>
+          <a:p>
+            <a:pPr algn="just">
+              <a:spcAft>
+                <a:spcPts val="0"/>
+              </a:spcAft>
+            </a:pPr>
+            <a:r>
+              <a:rPr lang="en-US" altLang="zh-CN" sz="1600" kern="0" dirty="0">
+                <a:solidFill>
+                  <a:srgbClr val="000000"/>
+                </a:solidFill>
+                <a:latin typeface="Consolas" panose="020B0609020204030204" pitchFamily="49" charset="0"/>
+                <a:ea typeface="宋体" panose="02010600030101010101" pitchFamily="2" charset="-122"/>
+                <a:cs typeface="Times New Roman" panose="02020603050405020304" pitchFamily="18" charset="0"/>
+              </a:rPr>
+              <a:t>}</a:t>
+            </a:r>
+            <a:endParaRPr lang="zh-CN" altLang="zh-CN" sz="1800" kern="100" dirty="0">
+              <a:effectLst/>
+              <a:latin typeface="Calibri" panose="020F0502020204030204" pitchFamily="34" charset="0"/>
+              <a:ea typeface="宋体" panose="02010600030101010101" pitchFamily="2" charset="-122"/>
+              <a:cs typeface="Times New Roman" panose="02020603050405020304" pitchFamily="18" charset="0"/>
+            </a:endParaRPr>
+          </a:p>
+        </p:txBody>
+      </p:sp>
+    </p:spTree>
+    <p:extLst>
+      <p:ext uri="{BB962C8B-B14F-4D97-AF65-F5344CB8AC3E}">
+        <p14:creationId xmlns:p14="http://schemas.microsoft.com/office/powerpoint/2010/main" val="1357659901"/>
+      </p:ext>
+    </p:extLst>
+  </p:cSld>
+  <p:clrMapOvr>
+    <a:masterClrMapping/>
+  </p:clrMapOvr>
+  <p:transition>
+    <p:fade thruBlk="1"/>
+  </p:transition>
+  <p:timing>
+    <p:tnLst>
+      <p:par>
+        <p:cTn id="1" dur="indefinite" restart="never" nodeType="tmRoot"/>
+      </p:par>
+    </p:tnLst>
+  </p:timing>
+</p:sld>
+</file>
+
+<file path=ppt/slides/slide44.xml><?xml version="1.0" encoding="utf-8"?>
+<p:sld xmlns:a="http://schemas.openxmlformats.org/drawingml/2006/main" xmlns:r="http://schemas.openxmlformats.org/officeDocument/2006/relationships" xmlns:p="http://schemas.openxmlformats.org/presentationml/2006/main">
+  <p:cSld>
+    <p:spTree>
+      <p:nvGrpSpPr>
+        <p:cNvPr id="1" name=""/>
+        <p:cNvGrpSpPr/>
+        <p:nvPr/>
+      </p:nvGrpSpPr>
+      <p:grpSpPr>
+        <a:xfrm>
+          <a:off x="0" y="0"/>
+          <a:ext cx="0" cy="0"/>
+          <a:chOff x="0" y="0"/>
+          <a:chExt cx="0" cy="0"/>
+        </a:xfrm>
+      </p:grpSpPr>
+      <p:sp>
+        <p:nvSpPr>
+          <p:cNvPr id="2" name="Title 1"/>
+          <p:cNvSpPr>
+            <a:spLocks noGrp="1"/>
+          </p:cNvSpPr>
+          <p:nvPr>
+            <p:ph type="title"/>
+          </p:nvPr>
+        </p:nvSpPr>
+        <p:spPr>
+          <a:xfrm>
+            <a:off x="396875" y="439693"/>
+            <a:ext cx="8101013" cy="703307"/>
+          </a:xfrm>
+        </p:spPr>
+        <p:txBody>
+          <a:bodyPr/>
+          <a:lstStyle/>
+          <a:p>
+            <a:r>
+              <a:rPr lang="zh-CN" altLang="en-US" b="1" dirty="0" smtClean="0">
+                <a:latin typeface="华文楷体" pitchFamily="2" charset="-122"/>
+                <a:ea typeface="华文楷体" pitchFamily="2" charset="-122"/>
+              </a:rPr>
+              <a:t>常见算法思想</a:t>
+            </a:r>
+            <a:endParaRPr lang="zh-TW" altLang="en-US" b="1" dirty="0">
+              <a:latin typeface="华文楷体" pitchFamily="2" charset="-122"/>
+              <a:ea typeface="华文楷体" pitchFamily="2" charset="-122"/>
+            </a:endParaRPr>
+          </a:p>
+        </p:txBody>
+      </p:sp>
+      <p:sp>
+        <p:nvSpPr>
+          <p:cNvPr id="4" name="Date Placeholder 3"/>
+          <p:cNvSpPr>
+            <a:spLocks noGrp="1"/>
+          </p:cNvSpPr>
+          <p:nvPr>
+            <p:ph type="dt" sz="quarter" idx="10"/>
+          </p:nvPr>
+        </p:nvSpPr>
+        <p:spPr/>
+        <p:txBody>
+          <a:bodyPr/>
+          <a:lstStyle/>
+          <a:p>
+            <a:pPr>
+              <a:defRPr/>
+            </a:pPr>
+            <a:r>
+              <a:rPr lang="en-US" altLang="zh-TW" dirty="0" smtClean="0">
+                <a:ea typeface="新細明體" charset="-120"/>
+              </a:rPr>
+              <a:t>04/25/2016</a:t>
+            </a:r>
+            <a:endParaRPr lang="en-US" altLang="zh-TW" dirty="0">
+              <a:ea typeface="新細明體" charset="-120"/>
+            </a:endParaRPr>
+          </a:p>
+          <a:p>
+            <a:pPr>
+              <a:defRPr/>
+            </a:pPr>
+            <a:endParaRPr lang="en-US" dirty="0"/>
+          </a:p>
+        </p:txBody>
+      </p:sp>
+      <p:pic>
+        <p:nvPicPr>
+          <p:cNvPr id="3" name="Picture 2"/>
+          <p:cNvPicPr>
+            <a:picLocks noChangeAspect="1"/>
+          </p:cNvPicPr>
+          <p:nvPr/>
+        </p:nvPicPr>
+        <p:blipFill>
+          <a:blip r:embed="rId2"/>
+          <a:stretch>
+            <a:fillRect/>
+          </a:stretch>
+        </p:blipFill>
+        <p:spPr>
+          <a:xfrm>
+            <a:off x="608012" y="1143000"/>
+            <a:ext cx="3695238" cy="4361905"/>
+          </a:xfrm>
+          <a:prstGeom prst="rect">
+            <a:avLst/>
+          </a:prstGeom>
+        </p:spPr>
+      </p:pic>
+      <p:sp>
+        <p:nvSpPr>
+          <p:cNvPr id="6" name="TextBox 5"/>
+          <p:cNvSpPr txBox="1"/>
+          <p:nvPr/>
+        </p:nvSpPr>
+        <p:spPr>
+          <a:xfrm>
+            <a:off x="218162" y="1156141"/>
+            <a:ext cx="389850" cy="338554"/>
+          </a:xfrm>
+          <a:prstGeom prst="rect">
+            <a:avLst/>
+          </a:prstGeom>
+          <a:noFill/>
+        </p:spPr>
+        <p:txBody>
+          <a:bodyPr wrap="none" rtlCol="0">
+            <a:spAutoFit/>
+          </a:bodyPr>
+          <a:lstStyle/>
+          <a:p>
+            <a:r>
+              <a:rPr lang="zh-CN" altLang="en-US" dirty="0" smtClean="0">
+                <a:solidFill>
+                  <a:srgbClr val="FF0000"/>
+                </a:solidFill>
+                <a:ea typeface="华文楷体"/>
+              </a:rPr>
+              <a:t>顶</a:t>
+            </a:r>
+            <a:endParaRPr lang="zh-CN" altLang="en-US" dirty="0">
+              <a:solidFill>
+                <a:srgbClr val="FF0000"/>
+              </a:solidFill>
+              <a:ea typeface="华文楷体"/>
+            </a:endParaRPr>
+          </a:p>
+        </p:txBody>
+      </p:sp>
+      <p:sp>
+        <p:nvSpPr>
+          <p:cNvPr id="7" name="TextBox 6"/>
+          <p:cNvSpPr txBox="1"/>
+          <p:nvPr/>
+        </p:nvSpPr>
+        <p:spPr>
+          <a:xfrm>
+            <a:off x="201950" y="3330523"/>
+            <a:ext cx="389850" cy="338554"/>
+          </a:xfrm>
+          <a:prstGeom prst="rect">
+            <a:avLst/>
+          </a:prstGeom>
+          <a:noFill/>
+        </p:spPr>
+        <p:txBody>
+          <a:bodyPr wrap="none" rtlCol="0">
+            <a:spAutoFit/>
+          </a:bodyPr>
+          <a:lstStyle/>
+          <a:p>
+            <a:r>
+              <a:rPr lang="zh-CN" altLang="en-US" dirty="0" smtClean="0">
+                <a:solidFill>
+                  <a:srgbClr val="FF0000"/>
+                </a:solidFill>
+                <a:ea typeface="华文楷体"/>
+              </a:rPr>
+              <a:t>顶</a:t>
+            </a:r>
+            <a:endParaRPr lang="zh-CN" altLang="en-US" dirty="0">
+              <a:solidFill>
+                <a:srgbClr val="FF0000"/>
+              </a:solidFill>
+              <a:ea typeface="华文楷体"/>
+            </a:endParaRPr>
+          </a:p>
+        </p:txBody>
+      </p:sp>
+      <p:sp>
+        <p:nvSpPr>
+          <p:cNvPr id="8" name="TextBox 7"/>
+          <p:cNvSpPr txBox="1"/>
+          <p:nvPr/>
+        </p:nvSpPr>
+        <p:spPr>
+          <a:xfrm>
+            <a:off x="4303250" y="2806816"/>
+            <a:ext cx="391454" cy="338554"/>
+          </a:xfrm>
+          <a:prstGeom prst="rect">
+            <a:avLst/>
+          </a:prstGeom>
+          <a:noFill/>
+        </p:spPr>
+        <p:txBody>
+          <a:bodyPr wrap="none" rtlCol="0">
+            <a:spAutoFit/>
+          </a:bodyPr>
+          <a:lstStyle/>
+          <a:p>
+            <a:r>
+              <a:rPr lang="zh-CN" altLang="en-US" dirty="0" smtClean="0">
+                <a:solidFill>
+                  <a:srgbClr val="FF0000"/>
+                </a:solidFill>
+                <a:ea typeface="华文楷体"/>
+              </a:rPr>
+              <a:t>底</a:t>
+            </a:r>
+            <a:endParaRPr lang="zh-CN" altLang="en-US" dirty="0">
+              <a:solidFill>
+                <a:srgbClr val="FF0000"/>
+              </a:solidFill>
+              <a:ea typeface="华文楷体"/>
+            </a:endParaRPr>
+          </a:p>
+        </p:txBody>
+      </p:sp>
+      <p:sp>
+        <p:nvSpPr>
+          <p:cNvPr id="9" name="TextBox 8"/>
+          <p:cNvSpPr txBox="1"/>
+          <p:nvPr/>
+        </p:nvSpPr>
+        <p:spPr>
+          <a:xfrm>
+            <a:off x="4318660" y="4999298"/>
+            <a:ext cx="391454" cy="338554"/>
+          </a:xfrm>
+          <a:prstGeom prst="rect">
+            <a:avLst/>
+          </a:prstGeom>
+          <a:noFill/>
+        </p:spPr>
+        <p:txBody>
+          <a:bodyPr wrap="none" rtlCol="0">
+            <a:spAutoFit/>
+          </a:bodyPr>
+          <a:lstStyle/>
+          <a:p>
+            <a:r>
+              <a:rPr lang="zh-CN" altLang="en-US" dirty="0" smtClean="0">
+                <a:solidFill>
+                  <a:srgbClr val="FF0000"/>
+                </a:solidFill>
+                <a:ea typeface="华文楷体"/>
+              </a:rPr>
+              <a:t>底</a:t>
+            </a:r>
+            <a:endParaRPr lang="zh-CN" altLang="en-US" dirty="0">
+              <a:solidFill>
+                <a:srgbClr val="FF0000"/>
+              </a:solidFill>
+              <a:ea typeface="华文楷体"/>
+            </a:endParaRPr>
+          </a:p>
+        </p:txBody>
+      </p:sp>
+      <p:sp>
+        <p:nvSpPr>
+          <p:cNvPr id="10" name="TextBox 9"/>
+          <p:cNvSpPr txBox="1"/>
+          <p:nvPr/>
+        </p:nvSpPr>
+        <p:spPr>
+          <a:xfrm>
+            <a:off x="4710114" y="1828800"/>
+            <a:ext cx="2852063" cy="584775"/>
+          </a:xfrm>
+          <a:prstGeom prst="rect">
+            <a:avLst/>
+          </a:prstGeom>
+          <a:noFill/>
+        </p:spPr>
+        <p:txBody>
+          <a:bodyPr wrap="none" rtlCol="0">
+            <a:spAutoFit/>
+          </a:bodyPr>
+          <a:lstStyle/>
+          <a:p>
+            <a:r>
+              <a:rPr lang="zh-CN" altLang="en-US" dirty="0">
+                <a:solidFill>
+                  <a:srgbClr val="FF0000"/>
+                </a:solidFill>
+                <a:ea typeface="华文楷体"/>
+              </a:rPr>
+              <a:t>分治法、易于理解，自顶向下</a:t>
+            </a:r>
+            <a:endParaRPr lang="en-US" altLang="zh-CN" dirty="0">
+              <a:solidFill>
+                <a:srgbClr val="FF0000"/>
+              </a:solidFill>
+              <a:ea typeface="华文楷体"/>
+            </a:endParaRPr>
+          </a:p>
+          <a:p>
+            <a:r>
+              <a:rPr lang="zh-CN" altLang="en-US" dirty="0">
+                <a:solidFill>
+                  <a:srgbClr val="FF0000"/>
+                </a:solidFill>
+                <a:ea typeface="华文楷体"/>
+              </a:rPr>
+              <a:t>可能产生重复计算，复杂度高</a:t>
+            </a:r>
+            <a:endParaRPr lang="zh-CN" altLang="en-US" dirty="0">
+              <a:solidFill>
+                <a:srgbClr val="FF0000"/>
+              </a:solidFill>
+              <a:ea typeface="华文楷体"/>
+            </a:endParaRPr>
+          </a:p>
+        </p:txBody>
+      </p:sp>
+      <p:sp>
+        <p:nvSpPr>
+          <p:cNvPr id="11" name="TextBox 10"/>
+          <p:cNvSpPr txBox="1"/>
+          <p:nvPr/>
+        </p:nvSpPr>
+        <p:spPr>
+          <a:xfrm>
+            <a:off x="4710114" y="3841613"/>
+            <a:ext cx="4113627" cy="830997"/>
+          </a:xfrm>
+          <a:prstGeom prst="rect">
+            <a:avLst/>
+          </a:prstGeom>
+          <a:noFill/>
+        </p:spPr>
+        <p:txBody>
+          <a:bodyPr wrap="none" rtlCol="0">
+            <a:spAutoFit/>
+          </a:bodyPr>
+          <a:lstStyle/>
+          <a:p>
+            <a:r>
+              <a:rPr lang="zh-CN" altLang="en-US" dirty="0" smtClean="0">
+                <a:solidFill>
+                  <a:srgbClr val="FF0000"/>
+                </a:solidFill>
+                <a:ea typeface="华文楷体"/>
+              </a:rPr>
+              <a:t>动态规划法、较为复杂，自底向上</a:t>
+            </a:r>
+            <a:endParaRPr lang="en-US" altLang="zh-CN" dirty="0">
+              <a:solidFill>
+                <a:srgbClr val="FF0000"/>
+              </a:solidFill>
+              <a:ea typeface="华文楷体"/>
+            </a:endParaRPr>
+          </a:p>
+          <a:p>
+            <a:r>
+              <a:rPr lang="zh-CN" altLang="en-US" dirty="0" smtClean="0">
+                <a:solidFill>
+                  <a:srgbClr val="FF0000"/>
+                </a:solidFill>
+                <a:ea typeface="华文楷体"/>
+              </a:rPr>
+              <a:t>不会产</a:t>
+            </a:r>
+            <a:r>
+              <a:rPr lang="zh-CN" altLang="en-US" dirty="0">
+                <a:solidFill>
+                  <a:srgbClr val="FF0000"/>
+                </a:solidFill>
+                <a:ea typeface="华文楷体"/>
+              </a:rPr>
+              <a:t>生重复计算，复杂</a:t>
+            </a:r>
+            <a:r>
+              <a:rPr lang="zh-CN" altLang="en-US" dirty="0" smtClean="0">
+                <a:solidFill>
+                  <a:srgbClr val="FF0000"/>
+                </a:solidFill>
+                <a:ea typeface="华文楷体"/>
+              </a:rPr>
+              <a:t>度低</a:t>
+            </a:r>
+            <a:endParaRPr lang="en-US" altLang="zh-CN" dirty="0" smtClean="0">
+              <a:solidFill>
+                <a:srgbClr val="FF0000"/>
+              </a:solidFill>
+              <a:ea typeface="华文楷体"/>
+            </a:endParaRPr>
+          </a:p>
+          <a:p>
+            <a:r>
+              <a:rPr lang="zh-CN" altLang="en-US" dirty="0" smtClean="0">
+                <a:solidFill>
+                  <a:srgbClr val="FF0000"/>
+                </a:solidFill>
+                <a:ea typeface="华文楷体"/>
+              </a:rPr>
+              <a:t>需要保证解决问题时，其子问题均解决完毕</a:t>
+            </a:r>
+            <a:endParaRPr lang="zh-CN" altLang="en-US" dirty="0">
+              <a:solidFill>
+                <a:srgbClr val="FF0000"/>
+              </a:solidFill>
+              <a:ea typeface="华文楷体"/>
+            </a:endParaRPr>
+          </a:p>
+        </p:txBody>
+      </p:sp>
+    </p:spTree>
+    <p:extLst>
+      <p:ext uri="{BB962C8B-B14F-4D97-AF65-F5344CB8AC3E}">
+        <p14:creationId xmlns:p14="http://schemas.microsoft.com/office/powerpoint/2010/main" val="4008853464"/>
+      </p:ext>
+    </p:extLst>
+  </p:cSld>
+  <p:clrMapOvr>
+    <a:masterClrMapping/>
+  </p:clrMapOvr>
+  <p:transition>
+    <p:fade thruBlk="1"/>
+  </p:transition>
+  <p:timing>
+    <p:tnLst>
+      <p:par>
+        <p:cTn id="1" dur="indefinite" restart="never" nodeType="tmRoot"/>
+      </p:par>
+    </p:tnLst>
+  </p:timing>
+</p:sld>
+</file>
+
+<file path=ppt/slides/slide45.xml><?xml version="1.0" encoding="utf-8"?>
+<p:sld xmlns:a="http://schemas.openxmlformats.org/drawingml/2006/main" xmlns:r="http://schemas.openxmlformats.org/officeDocument/2006/relationships" xmlns:p="http://schemas.openxmlformats.org/presentationml/2006/main">
+  <p:cSld>
+    <p:spTree>
+      <p:nvGrpSpPr>
+        <p:cNvPr id="1" name=""/>
+        <p:cNvGrpSpPr/>
+        <p:nvPr/>
+      </p:nvGrpSpPr>
+      <p:grpSpPr>
+        <a:xfrm>
+          <a:off x="0" y="0"/>
+          <a:ext cx="0" cy="0"/>
+          <a:chOff x="0" y="0"/>
+          <a:chExt cx="0" cy="0"/>
+        </a:xfrm>
+      </p:grpSpPr>
+      <p:sp>
+        <p:nvSpPr>
+          <p:cNvPr id="2" name="Title 1"/>
+          <p:cNvSpPr>
+            <a:spLocks noGrp="1"/>
+          </p:cNvSpPr>
+          <p:nvPr>
+            <p:ph type="title"/>
+          </p:nvPr>
+        </p:nvSpPr>
+        <p:spPr>
+          <a:xfrm>
+            <a:off x="396875" y="439693"/>
+            <a:ext cx="8101013" cy="703307"/>
+          </a:xfrm>
+        </p:spPr>
+        <p:txBody>
+          <a:bodyPr/>
+          <a:lstStyle/>
+          <a:p>
+            <a:r>
+              <a:rPr lang="zh-CN" altLang="en-US" b="1" dirty="0" smtClean="0">
+                <a:latin typeface="华文楷体" pitchFamily="2" charset="-122"/>
+                <a:ea typeface="华文楷体" pitchFamily="2" charset="-122"/>
+              </a:rPr>
+              <a:t>常见算法思想</a:t>
+            </a:r>
+            <a:endParaRPr lang="zh-TW" altLang="en-US" b="1" dirty="0">
+              <a:latin typeface="华文楷体" pitchFamily="2" charset="-122"/>
+              <a:ea typeface="华文楷体" pitchFamily="2" charset="-122"/>
+            </a:endParaRPr>
+          </a:p>
+        </p:txBody>
+      </p:sp>
+      <p:sp>
+        <p:nvSpPr>
+          <p:cNvPr id="4" name="Date Placeholder 3"/>
+          <p:cNvSpPr>
+            <a:spLocks noGrp="1"/>
+          </p:cNvSpPr>
+          <p:nvPr>
+            <p:ph type="dt" sz="quarter" idx="10"/>
+          </p:nvPr>
+        </p:nvSpPr>
+        <p:spPr/>
+        <p:txBody>
+          <a:bodyPr/>
+          <a:lstStyle/>
+          <a:p>
+            <a:pPr>
+              <a:defRPr/>
+            </a:pPr>
+            <a:r>
+              <a:rPr lang="en-US" altLang="zh-TW" dirty="0" smtClean="0">
+                <a:ea typeface="新細明體" charset="-120"/>
+              </a:rPr>
+              <a:t>04/25/2016</a:t>
+            </a:r>
+            <a:endParaRPr lang="en-US" altLang="zh-TW" dirty="0">
+              <a:ea typeface="新細明體" charset="-120"/>
+            </a:endParaRPr>
+          </a:p>
+          <a:p>
+            <a:pPr>
+              <a:defRPr/>
+            </a:pPr>
+            <a:endParaRPr lang="en-US" dirty="0"/>
+          </a:p>
+        </p:txBody>
+      </p:sp>
+      <p:sp>
+        <p:nvSpPr>
+          <p:cNvPr id="5" name="TextBox 4"/>
+          <p:cNvSpPr txBox="1"/>
+          <p:nvPr/>
+        </p:nvSpPr>
+        <p:spPr>
+          <a:xfrm>
+            <a:off x="622848" y="1749287"/>
+            <a:ext cx="7686261" cy="1815882"/>
+          </a:xfrm>
+          <a:prstGeom prst="rect">
+            <a:avLst/>
+          </a:prstGeom>
+          <a:noFill/>
+        </p:spPr>
+        <p:txBody>
+          <a:bodyPr wrap="square" rtlCol="0">
+            <a:spAutoFit/>
+          </a:bodyPr>
+          <a:lstStyle>
+            <a:defPPr>
+              <a:defRPr lang="en-US"/>
+            </a:defPPr>
+            <a:lvl1pPr>
+              <a:defRPr sz="2800">
+                <a:latin typeface="Adobe Garamond Pro Bold" pitchFamily="18" charset="0"/>
+                <a:ea typeface="华文楷体" pitchFamily="2" charset="-122"/>
+              </a:defRPr>
+            </a:lvl1pPr>
+          </a:lstStyle>
+          <a:p>
+            <a:r>
+              <a:rPr lang="zh-CN" altLang="en-US" dirty="0" smtClean="0"/>
+              <a:t>最难的算法思想：动态规划</a:t>
+            </a:r>
+            <a:endParaRPr lang="en-US" altLang="zh-CN" dirty="0" smtClean="0"/>
+          </a:p>
+          <a:p>
+            <a:endParaRPr lang="en-US" altLang="zh-CN" dirty="0" smtClean="0"/>
+          </a:p>
+          <a:p>
+            <a:r>
+              <a:rPr lang="zh-CN" altLang="en-US" dirty="0" smtClean="0"/>
+              <a:t>先解决问题的子问题，在解决问题本身。其中在解决大问题时，充分利用小问题的结论。</a:t>
+            </a:r>
+            <a:endParaRPr lang="en-US" altLang="zh-CN" dirty="0"/>
+          </a:p>
+        </p:txBody>
+      </p:sp>
+    </p:spTree>
+    <p:extLst>
+      <p:ext uri="{BB962C8B-B14F-4D97-AF65-F5344CB8AC3E}">
+        <p14:creationId xmlns:p14="http://schemas.microsoft.com/office/powerpoint/2010/main" val="4052005843"/>
+      </p:ext>
+    </p:extLst>
+  </p:cSld>
+  <p:clrMapOvr>
+    <a:masterClrMapping/>
+  </p:clrMapOvr>
+  <p:transition>
+    <p:fade thruBlk="1"/>
+  </p:transition>
+  <p:timing>
+    <p:tnLst>
+      <p:par>
+        <p:cTn id="1" dur="indefinite" restart="never" nodeType="tmRoot"/>
+      </p:par>
+    </p:tnLst>
+  </p:timing>
+</p:sld>
+</file>
+
+<file path=ppt/slides/slide46.xml><?xml version="1.0" encoding="utf-8"?>
+<p:sld xmlns:a="http://schemas.openxmlformats.org/drawingml/2006/main" xmlns:r="http://schemas.openxmlformats.org/officeDocument/2006/relationships" xmlns:p="http://schemas.openxmlformats.org/presentationml/2006/main">
+  <p:cSld>
+    <p:spTree>
+      <p:nvGrpSpPr>
+        <p:cNvPr id="1" name=""/>
+        <p:cNvGrpSpPr/>
+        <p:nvPr/>
+      </p:nvGrpSpPr>
+      <p:grpSpPr>
+        <a:xfrm>
+          <a:off x="0" y="0"/>
+          <a:ext cx="0" cy="0"/>
+          <a:chOff x="0" y="0"/>
+          <a:chExt cx="0" cy="0"/>
+        </a:xfrm>
+      </p:grpSpPr>
+      <p:sp>
+        <p:nvSpPr>
+          <p:cNvPr id="2" name="Title 1"/>
+          <p:cNvSpPr>
+            <a:spLocks noGrp="1"/>
+          </p:cNvSpPr>
+          <p:nvPr>
+            <p:ph type="title"/>
+          </p:nvPr>
+        </p:nvSpPr>
+        <p:spPr>
+          <a:xfrm>
+            <a:off x="396875" y="439693"/>
+            <a:ext cx="8101013" cy="703307"/>
+          </a:xfrm>
+        </p:spPr>
+        <p:txBody>
+          <a:bodyPr/>
+          <a:lstStyle/>
+          <a:p>
+            <a:r>
+              <a:rPr lang="zh-CN" altLang="en-US" b="1" dirty="0" smtClean="0">
+                <a:latin typeface="华文楷体" pitchFamily="2" charset="-122"/>
+                <a:ea typeface="华文楷体" pitchFamily="2" charset="-122"/>
+              </a:rPr>
+              <a:t>常见算法思想</a:t>
+            </a:r>
+            <a:endParaRPr lang="zh-TW" altLang="en-US" b="1" dirty="0">
+              <a:latin typeface="华文楷体" pitchFamily="2" charset="-122"/>
+              <a:ea typeface="华文楷体" pitchFamily="2" charset="-122"/>
+            </a:endParaRPr>
+          </a:p>
+        </p:txBody>
+      </p:sp>
+      <p:sp>
+        <p:nvSpPr>
+          <p:cNvPr id="4" name="Date Placeholder 3"/>
+          <p:cNvSpPr>
+            <a:spLocks noGrp="1"/>
+          </p:cNvSpPr>
+          <p:nvPr>
+            <p:ph type="dt" sz="quarter" idx="10"/>
+          </p:nvPr>
+        </p:nvSpPr>
+        <p:spPr/>
+        <p:txBody>
+          <a:bodyPr/>
+          <a:lstStyle/>
+          <a:p>
+            <a:pPr>
+              <a:defRPr/>
+            </a:pPr>
+            <a:r>
+              <a:rPr lang="en-US" altLang="zh-TW" dirty="0" smtClean="0">
+                <a:ea typeface="新細明體" charset="-120"/>
+              </a:rPr>
+              <a:t>04/25/2016</a:t>
+            </a:r>
+            <a:endParaRPr lang="en-US" altLang="zh-TW" dirty="0">
+              <a:ea typeface="新細明體" charset="-120"/>
+            </a:endParaRPr>
+          </a:p>
+          <a:p>
+            <a:pPr>
+              <a:defRPr/>
+            </a:pPr>
+            <a:endParaRPr lang="en-US" dirty="0"/>
+          </a:p>
+        </p:txBody>
+      </p:sp>
+      <p:sp>
+        <p:nvSpPr>
+          <p:cNvPr id="5" name="TextBox 4"/>
+          <p:cNvSpPr txBox="1"/>
+          <p:nvPr/>
+        </p:nvSpPr>
+        <p:spPr>
+          <a:xfrm>
+            <a:off x="622848" y="1749287"/>
+            <a:ext cx="7686261" cy="1384995"/>
+          </a:xfrm>
+          <a:prstGeom prst="rect">
+            <a:avLst/>
+          </a:prstGeom>
+          <a:noFill/>
+        </p:spPr>
+        <p:txBody>
+          <a:bodyPr wrap="square" rtlCol="0">
+            <a:spAutoFit/>
+          </a:bodyPr>
+          <a:lstStyle>
+            <a:defPPr>
+              <a:defRPr lang="en-US"/>
+            </a:defPPr>
+            <a:lvl1pPr>
+              <a:defRPr sz="2800">
+                <a:latin typeface="Adobe Garamond Pro Bold" pitchFamily="18" charset="0"/>
+                <a:ea typeface="华文楷体" pitchFamily="2" charset="-122"/>
+              </a:defRPr>
+            </a:lvl1pPr>
+          </a:lstStyle>
+          <a:p>
+            <a:r>
+              <a:rPr lang="en-US" altLang="zh-CN" dirty="0" smtClean="0"/>
+              <a:t>LCS</a:t>
+            </a:r>
+            <a:r>
+              <a:rPr lang="zh-CN" altLang="en-US" dirty="0" smtClean="0"/>
+              <a:t>的实际应用</a:t>
+            </a:r>
+            <a:endParaRPr lang="en-US" altLang="zh-CN" dirty="0" smtClean="0"/>
+          </a:p>
+          <a:p>
+            <a:endParaRPr lang="en-US" altLang="zh-CN" dirty="0"/>
+          </a:p>
+          <a:p>
+            <a:r>
+              <a:rPr lang="en-US" altLang="zh-CN" dirty="0" err="1" smtClean="0"/>
+              <a:t>git</a:t>
+            </a:r>
+            <a:r>
+              <a:rPr lang="en-US" altLang="zh-CN" dirty="0" smtClean="0"/>
+              <a:t> diff code.java</a:t>
+            </a:r>
+          </a:p>
+        </p:txBody>
+      </p:sp>
+    </p:spTree>
+    <p:extLst>
+      <p:ext uri="{BB962C8B-B14F-4D97-AF65-F5344CB8AC3E}">
+        <p14:creationId xmlns:p14="http://schemas.microsoft.com/office/powerpoint/2010/main" val="1317445847"/>
       </p:ext>
     </p:extLst>
   </p:cSld>
@@ -34371,12 +43470,6 @@
 </file>
 
 <file path=customXml/item1.xml><?xml version="1.0" encoding="utf-8"?>
-<p:properties xmlns:p="http://schemas.microsoft.com/office/2006/metadata/properties" xmlns:xsi="http://www.w3.org/2001/XMLSchema-instance" xmlns:pc="http://schemas.microsoft.com/office/infopath/2007/PartnerControls">
-  <documentManagement/>
-</p:properties>
-</file>
-
-<file path=customXml/item2.xml><?xml version="1.0" encoding="utf-8"?>
 <ct:contentTypeSchema xmlns:ct="http://schemas.microsoft.com/office/2006/metadata/contentType" xmlns:ma="http://schemas.microsoft.com/office/2006/metadata/properties/metaAttributes" ct:_="" ma:_="" ma:contentTypeName="Document" ma:contentTypeID="0x010100236A1409D70A004289B1A306A506FE0F" ma:contentTypeVersion="0" ma:contentTypeDescription="Create a new document." ma:contentTypeScope="" ma:versionID="44b6095126b1c04117fd76932e6f6d9e">
   <xsd:schema xmlns:xsd="http://www.w3.org/2001/XMLSchema" xmlns:xs="http://www.w3.org/2001/XMLSchema" xmlns:p="http://schemas.microsoft.com/office/2006/metadata/properties" targetNamespace="http://schemas.microsoft.com/office/2006/metadata/properties" ma:root="true" ma:fieldsID="c64490b4aec6201516c3a874156f37b2">
     <xsd:element name="properties">
@@ -34490,7 +43583,7 @@
 </ct:contentTypeSchema>
 </file>
 
-<file path=customXml/item3.xml><?xml version="1.0" encoding="utf-8"?>
+<file path=customXml/item2.xml><?xml version="1.0" encoding="utf-8"?>
 <?mso-contentType ?>
 <FormTemplates xmlns="http://schemas.microsoft.com/sharepoint/v3/contenttype/forms">
   <Display>DocumentLibraryForm</Display>
@@ -34499,22 +43592,13 @@
 </FormTemplates>
 </file>
 
-<file path=customXml/itemProps1.xml><?xml version="1.0" encoding="utf-8"?>
-<ds:datastoreItem xmlns:ds="http://schemas.openxmlformats.org/officeDocument/2006/customXml" ds:itemID="{9FC4B2BE-E23F-4A12-A9DC-64F9DB2716B3}">
-  <ds:schemaRefs>
-    <ds:schemaRef ds:uri="http://schemas.microsoft.com/office/2006/documentManagement/types"/>
-    <ds:schemaRef ds:uri="http://schemas.openxmlformats.org/package/2006/metadata/core-properties"/>
-    <ds:schemaRef ds:uri="http://www.w3.org/XML/1998/namespace"/>
-    <ds:schemaRef ds:uri="http://purl.org/dc/elements/1.1/"/>
-    <ds:schemaRef ds:uri="http://purl.org/dc/dcmitype/"/>
-    <ds:schemaRef ds:uri="http://purl.org/dc/terms/"/>
-    <ds:schemaRef ds:uri="http://schemas.microsoft.com/office/infopath/2007/PartnerControls"/>
-    <ds:schemaRef ds:uri="http://schemas.microsoft.com/office/2006/metadata/properties"/>
-  </ds:schemaRefs>
-</ds:datastoreItem>
+<file path=customXml/item3.xml><?xml version="1.0" encoding="utf-8"?>
+<p:properties xmlns:p="http://schemas.microsoft.com/office/2006/metadata/properties" xmlns:xsi="http://www.w3.org/2001/XMLSchema-instance" xmlns:pc="http://schemas.microsoft.com/office/infopath/2007/PartnerControls">
+  <documentManagement/>
+</p:properties>
 </file>
 
-<file path=customXml/itemProps2.xml><?xml version="1.0" encoding="utf-8"?>
+<file path=customXml/itemProps1.xml><?xml version="1.0" encoding="utf-8"?>
 <ds:datastoreItem xmlns:ds="http://schemas.openxmlformats.org/officeDocument/2006/customXml" ds:itemID="{B2441312-3F36-47C5-9306-1628FB80F79F}">
   <ds:schemaRefs>
     <ds:schemaRef ds:uri="http://schemas.microsoft.com/office/2006/metadata/contentType"/>
@@ -34530,10 +43614,25 @@
 </ds:datastoreItem>
 </file>
 
-<file path=customXml/itemProps3.xml><?xml version="1.0" encoding="utf-8"?>
+<file path=customXml/itemProps2.xml><?xml version="1.0" encoding="utf-8"?>
 <ds:datastoreItem xmlns:ds="http://schemas.openxmlformats.org/officeDocument/2006/customXml" ds:itemID="{B1238A3D-0C9C-45D5-A323-9473BCA055B8}">
   <ds:schemaRefs>
     <ds:schemaRef ds:uri="http://schemas.microsoft.com/sharepoint/v3/contenttype/forms"/>
   </ds:schemaRefs>
 </ds:datastoreItem>
+</file>
+
+<file path=customXml/itemProps3.xml><?xml version="1.0" encoding="utf-8"?>
+<ds:datastoreItem xmlns:ds="http://schemas.openxmlformats.org/officeDocument/2006/customXml" ds:itemID="{9FC4B2BE-E23F-4A12-A9DC-64F9DB2716B3}">
+  <ds:schemaRefs>
+    <ds:schemaRef ds:uri="http://schemas.microsoft.com/office/2006/documentManagement/types"/>
+    <ds:schemaRef ds:uri="http://schemas.openxmlformats.org/package/2006/metadata/core-properties"/>
+    <ds:schemaRef ds:uri="http://www.w3.org/XML/1998/namespace"/>
+    <ds:schemaRef ds:uri="http://purl.org/dc/elements/1.1/"/>
+    <ds:schemaRef ds:uri="http://purl.org/dc/dcmitype/"/>
+    <ds:schemaRef ds:uri="http://purl.org/dc/terms/"/>
+    <ds:schemaRef ds:uri="http://schemas.microsoft.com/office/infopath/2007/PartnerControls"/>
+    <ds:schemaRef ds:uri="http://schemas.microsoft.com/office/2006/metadata/properties"/>
+  </ds:schemaRefs>
+</ds:datastoreItem>
 </file>
--- a/trendmicro template.pptx
+++ b/trendmicro template.pptx
@@ -5,10 +5,10 @@
     <p:sldMasterId id="2147483649" r:id="rId4"/>
   </p:sldMasterIdLst>
   <p:notesMasterIdLst>
-    <p:notesMasterId r:id="rId51"/>
+    <p:notesMasterId r:id="rId56"/>
   </p:notesMasterIdLst>
   <p:handoutMasterIdLst>
-    <p:handoutMasterId r:id="rId52"/>
+    <p:handoutMasterId r:id="rId57"/>
   </p:handoutMasterIdLst>
   <p:sldIdLst>
     <p:sldId id="266" r:id="rId5"/>
@@ -57,6 +57,11 @@
     <p:sldId id="387" r:id="rId48"/>
     <p:sldId id="388" r:id="rId49"/>
     <p:sldId id="389" r:id="rId50"/>
+    <p:sldId id="390" r:id="rId51"/>
+    <p:sldId id="391" r:id="rId52"/>
+    <p:sldId id="392" r:id="rId53"/>
+    <p:sldId id="393" r:id="rId54"/>
+    <p:sldId id="394" r:id="rId55"/>
   </p:sldIdLst>
   <p:sldSz cx="9144000" cy="6858000" type="screen4x3"/>
   <p:notesSz cx="6807200" cy="9939338"/>
@@ -236,6 +241,11 @@
             <p14:sldId id="387"/>
             <p14:sldId id="388"/>
             <p14:sldId id="389"/>
+            <p14:sldId id="390"/>
+            <p14:sldId id="391"/>
+            <p14:sldId id="392"/>
+            <p14:sldId id="393"/>
+            <p14:sldId id="394"/>
           </p14:sldIdLst>
         </p14:section>
       </p14:sectionLst>
@@ -33011,7 +33021,7 @@
         <p:spPr>
           <a:xfrm>
             <a:off x="622848" y="1749287"/>
-            <a:ext cx="7686261" cy="523220"/>
+            <a:ext cx="7686261" cy="3539430"/>
           </a:xfrm>
           <a:prstGeom prst="rect">
             <a:avLst/>
@@ -33056,7 +33066,74 @@
             </a:r>
             <a:r>
               <a:rPr lang="zh-CN" altLang="en-US" dirty="0" smtClean="0"/>
-              <a:t>采用的何种排序算法？</a:t>
+              <a:t>采用的何种排序算法</a:t>
+            </a:r>
+            <a:r>
+              <a:rPr lang="zh-CN" altLang="en-US" dirty="0" smtClean="0"/>
+              <a:t>？</a:t>
+            </a:r>
+            <a:endParaRPr lang="en-US" altLang="zh-CN" dirty="0" smtClean="0"/>
+          </a:p>
+          <a:p>
+            <a:r>
+              <a:rPr lang="zh-CN" altLang="en-US" dirty="0" smtClean="0"/>
+              <a:t>对于基本数据类型数组：</a:t>
+            </a:r>
+            <a:endParaRPr lang="en-US" altLang="zh-CN" dirty="0" smtClean="0"/>
+          </a:p>
+          <a:p>
+            <a:pPr marL="514350" indent="-514350">
+              <a:buAutoNum type="arabicPeriod"/>
+            </a:pPr>
+            <a:r>
+              <a:rPr lang="zh-CN" altLang="en-US" dirty="0" smtClean="0"/>
+              <a:t>如果长度很小，采用插入排序，结束；</a:t>
+            </a:r>
+            <a:endParaRPr lang="en-US" altLang="zh-CN" dirty="0" smtClean="0"/>
+          </a:p>
+          <a:p>
+            <a:pPr marL="514350" indent="-514350">
+              <a:buAutoNum type="arabicPeriod"/>
+            </a:pPr>
+            <a:r>
+              <a:rPr lang="zh-CN" altLang="en-US" dirty="0" smtClean="0"/>
+              <a:t>如果数组大致有序，采用合并排序</a:t>
+            </a:r>
+            <a:endParaRPr lang="en-US" altLang="zh-CN" dirty="0" smtClean="0"/>
+          </a:p>
+          <a:p>
+            <a:pPr marL="514350" indent="-514350">
+              <a:buAutoNum type="arabicPeriod"/>
+            </a:pPr>
+            <a:r>
+              <a:rPr lang="zh-CN" altLang="en-US" dirty="0" smtClean="0"/>
+              <a:t>如果数组基本无须，采用</a:t>
+            </a:r>
+            <a:r>
+              <a:rPr lang="en-US" altLang="zh-CN" dirty="0" err="1" smtClean="0"/>
+              <a:t>DualPivotQuicksort</a:t>
+            </a:r>
+            <a:r>
+              <a:rPr lang="zh-CN" altLang="en-US" dirty="0" smtClean="0"/>
+              <a:t>（一种改进的快速排序算法）</a:t>
+            </a:r>
+            <a:endParaRPr lang="en-US" altLang="zh-CN" dirty="0" smtClean="0"/>
+          </a:p>
+          <a:p>
+            <a:r>
+              <a:rPr lang="zh-CN" altLang="en-US" dirty="0" smtClean="0"/>
+              <a:t>对于对象类型数组：</a:t>
+            </a:r>
+            <a:endParaRPr lang="en-US" altLang="zh-CN" dirty="0" smtClean="0"/>
+          </a:p>
+          <a:p>
+            <a:r>
+              <a:rPr lang="zh-CN" altLang="en-US" smtClean="0"/>
+              <a:t>由于稳定性的需求，一</a:t>
+            </a:r>
+            <a:r>
+              <a:rPr lang="zh-CN" altLang="en-US" dirty="0" smtClean="0"/>
+              <a:t>般采取合并排序</a:t>
             </a:r>
             <a:endParaRPr lang="en-US" altLang="zh-CN" dirty="0"/>
           </a:p>
@@ -39980,12 +40057,6 @@
               </a:rPr>
               <a:t>可能产生重复计算，复杂度高</a:t>
             </a:r>
-            <a:endParaRPr lang="zh-CN" altLang="en-US" dirty="0">
-              <a:solidFill>
-                <a:srgbClr val="FF0000"/>
-              </a:solidFill>
-              <a:ea typeface="华文楷体"/>
-            </a:endParaRPr>
           </a:p>
         </p:txBody>
       </p:sp>
@@ -40359,7 +40430,7 @@
         </p:nvSpPr>
         <p:spPr>
           <a:xfrm>
-            <a:off x="622848" y="1749287"/>
+            <a:off x="720502" y="1710510"/>
             <a:ext cx="7686261" cy="1384995"/>
           </a:xfrm>
           <a:prstGeom prst="rect">
@@ -40408,10 +40479,1192 @@
           </a:p>
         </p:txBody>
       </p:sp>
+      <p:pic>
+        <p:nvPicPr>
+          <p:cNvPr id="3" name="Picture 2"/>
+          <p:cNvPicPr>
+            <a:picLocks noChangeAspect="1"/>
+          </p:cNvPicPr>
+          <p:nvPr/>
+        </p:nvPicPr>
+        <p:blipFill>
+          <a:blip r:embed="rId2"/>
+          <a:stretch>
+            <a:fillRect/>
+          </a:stretch>
+        </p:blipFill>
+        <p:spPr>
+          <a:xfrm>
+            <a:off x="261124" y="1186926"/>
+            <a:ext cx="3520764" cy="3407419"/>
+          </a:xfrm>
+          <a:prstGeom prst="rect">
+            <a:avLst/>
+          </a:prstGeom>
+        </p:spPr>
+      </p:pic>
+      <p:pic>
+        <p:nvPicPr>
+          <p:cNvPr id="7" name="Picture 6"/>
+          <p:cNvPicPr>
+            <a:picLocks noChangeAspect="1"/>
+          </p:cNvPicPr>
+          <p:nvPr/>
+        </p:nvPicPr>
+        <p:blipFill>
+          <a:blip r:embed="rId3"/>
+          <a:stretch>
+            <a:fillRect/>
+          </a:stretch>
+        </p:blipFill>
+        <p:spPr>
+          <a:xfrm>
+            <a:off x="3987845" y="1186926"/>
+            <a:ext cx="4418918" cy="3704821"/>
+          </a:xfrm>
+          <a:prstGeom prst="rect">
+            <a:avLst/>
+          </a:prstGeom>
+        </p:spPr>
+      </p:pic>
     </p:spTree>
     <p:extLst>
       <p:ext uri="{BB962C8B-B14F-4D97-AF65-F5344CB8AC3E}">
         <p14:creationId xmlns:p14="http://schemas.microsoft.com/office/powerpoint/2010/main" val="1317445847"/>
+      </p:ext>
+    </p:extLst>
+  </p:cSld>
+  <p:clrMapOvr>
+    <a:masterClrMapping/>
+  </p:clrMapOvr>
+  <p:transition>
+    <p:fade thruBlk="1"/>
+  </p:transition>
+  <p:timing>
+    <p:tnLst>
+      <p:par>
+        <p:cTn id="1" dur="indefinite" restart="never" nodeType="tmRoot">
+          <p:childTnLst>
+            <p:seq concurrent="1" nextAc="seek">
+              <p:cTn id="2" dur="indefinite" nodeType="mainSeq">
+                <p:childTnLst>
+                  <p:par>
+                    <p:cTn id="3" fill="hold">
+                      <p:stCondLst>
+                        <p:cond delay="indefinite"/>
+                      </p:stCondLst>
+                      <p:childTnLst>
+                        <p:par>
+                          <p:cTn id="4" fill="hold">
+                            <p:stCondLst>
+                              <p:cond delay="0"/>
+                            </p:stCondLst>
+                            <p:childTnLst>
+                              <p:par>
+                                <p:cTn id="5" presetID="10" presetClass="entr" presetSubtype="0" fill="hold" nodeType="clickEffect">
+                                  <p:stCondLst>
+                                    <p:cond delay="0"/>
+                                  </p:stCondLst>
+                                  <p:childTnLst>
+                                    <p:set>
+                                      <p:cBhvr>
+                                        <p:cTn id="6" dur="1" fill="hold">
+                                          <p:stCondLst>
+                                            <p:cond delay="0"/>
+                                          </p:stCondLst>
+                                        </p:cTn>
+                                        <p:tgtEl>
+                                          <p:spTgt spid="3"/>
+                                        </p:tgtEl>
+                                        <p:attrNameLst>
+                                          <p:attrName>style.visibility</p:attrName>
+                                        </p:attrNameLst>
+                                      </p:cBhvr>
+                                      <p:to>
+                                        <p:strVal val="visible"/>
+                                      </p:to>
+                                    </p:set>
+                                    <p:animEffect transition="in" filter="fade">
+                                      <p:cBhvr>
+                                        <p:cTn id="7" dur="500"/>
+                                        <p:tgtEl>
+                                          <p:spTgt spid="3"/>
+                                        </p:tgtEl>
+                                      </p:cBhvr>
+                                    </p:animEffect>
+                                  </p:childTnLst>
+                                </p:cTn>
+                              </p:par>
+                              <p:par>
+                                <p:cTn id="8" presetID="10" presetClass="entr" presetSubtype="0" fill="hold" nodeType="withEffect">
+                                  <p:stCondLst>
+                                    <p:cond delay="0"/>
+                                  </p:stCondLst>
+                                  <p:childTnLst>
+                                    <p:set>
+                                      <p:cBhvr>
+                                        <p:cTn id="9" dur="1" fill="hold">
+                                          <p:stCondLst>
+                                            <p:cond delay="0"/>
+                                          </p:stCondLst>
+                                        </p:cTn>
+                                        <p:tgtEl>
+                                          <p:spTgt spid="7"/>
+                                        </p:tgtEl>
+                                        <p:attrNameLst>
+                                          <p:attrName>style.visibility</p:attrName>
+                                        </p:attrNameLst>
+                                      </p:cBhvr>
+                                      <p:to>
+                                        <p:strVal val="visible"/>
+                                      </p:to>
+                                    </p:set>
+                                    <p:animEffect transition="in" filter="fade">
+                                      <p:cBhvr>
+                                        <p:cTn id="10" dur="500"/>
+                                        <p:tgtEl>
+                                          <p:spTgt spid="7"/>
+                                        </p:tgtEl>
+                                      </p:cBhvr>
+                                    </p:animEffect>
+                                  </p:childTnLst>
+                                </p:cTn>
+                              </p:par>
+                            </p:childTnLst>
+                          </p:cTn>
+                        </p:par>
+                      </p:childTnLst>
+                    </p:cTn>
+                  </p:par>
+                </p:childTnLst>
+              </p:cTn>
+              <p:prevCondLst>
+                <p:cond evt="onPrev" delay="0">
+                  <p:tgtEl>
+                    <p:sldTgt/>
+                  </p:tgtEl>
+                </p:cond>
+              </p:prevCondLst>
+              <p:nextCondLst>
+                <p:cond evt="onNext" delay="0">
+                  <p:tgtEl>
+                    <p:sldTgt/>
+                  </p:tgtEl>
+                </p:cond>
+              </p:nextCondLst>
+            </p:seq>
+          </p:childTnLst>
+        </p:cTn>
+      </p:par>
+    </p:tnLst>
+  </p:timing>
+</p:sld>
+</file>
+
+<file path=ppt/slides/slide47.xml><?xml version="1.0" encoding="utf-8"?>
+<p:sld xmlns:a="http://schemas.openxmlformats.org/drawingml/2006/main" xmlns:r="http://schemas.openxmlformats.org/officeDocument/2006/relationships" xmlns:p="http://schemas.openxmlformats.org/presentationml/2006/main">
+  <p:cSld>
+    <p:spTree>
+      <p:nvGrpSpPr>
+        <p:cNvPr id="1" name=""/>
+        <p:cNvGrpSpPr/>
+        <p:nvPr/>
+      </p:nvGrpSpPr>
+      <p:grpSpPr>
+        <a:xfrm>
+          <a:off x="0" y="0"/>
+          <a:ext cx="0" cy="0"/>
+          <a:chOff x="0" y="0"/>
+          <a:chExt cx="0" cy="0"/>
+        </a:xfrm>
+      </p:grpSpPr>
+      <p:sp>
+        <p:nvSpPr>
+          <p:cNvPr id="2" name="Title 1"/>
+          <p:cNvSpPr>
+            <a:spLocks noGrp="1"/>
+          </p:cNvSpPr>
+          <p:nvPr>
+            <p:ph type="title"/>
+          </p:nvPr>
+        </p:nvSpPr>
+        <p:spPr>
+          <a:xfrm>
+            <a:off x="396875" y="439693"/>
+            <a:ext cx="8101013" cy="703307"/>
+          </a:xfrm>
+        </p:spPr>
+        <p:txBody>
+          <a:bodyPr/>
+          <a:lstStyle/>
+          <a:p>
+            <a:r>
+              <a:rPr lang="zh-CN" altLang="en-US" b="1" dirty="0" smtClean="0">
+                <a:latin typeface="华文楷体" pitchFamily="2" charset="-122"/>
+                <a:ea typeface="华文楷体" pitchFamily="2" charset="-122"/>
+              </a:rPr>
+              <a:t>常见算法思想</a:t>
+            </a:r>
+            <a:endParaRPr lang="zh-TW" altLang="en-US" b="1" dirty="0">
+              <a:latin typeface="华文楷体" pitchFamily="2" charset="-122"/>
+              <a:ea typeface="华文楷体" pitchFamily="2" charset="-122"/>
+            </a:endParaRPr>
+          </a:p>
+        </p:txBody>
+      </p:sp>
+      <p:sp>
+        <p:nvSpPr>
+          <p:cNvPr id="4" name="Date Placeholder 3"/>
+          <p:cNvSpPr>
+            <a:spLocks noGrp="1"/>
+          </p:cNvSpPr>
+          <p:nvPr>
+            <p:ph type="dt" sz="quarter" idx="10"/>
+          </p:nvPr>
+        </p:nvSpPr>
+        <p:spPr/>
+        <p:txBody>
+          <a:bodyPr/>
+          <a:lstStyle/>
+          <a:p>
+            <a:pPr>
+              <a:defRPr/>
+            </a:pPr>
+            <a:r>
+              <a:rPr lang="en-US" altLang="zh-TW" dirty="0" smtClean="0">
+                <a:ea typeface="新細明體" charset="-120"/>
+              </a:rPr>
+              <a:t>04/25/2016</a:t>
+            </a:r>
+            <a:endParaRPr lang="en-US" altLang="zh-TW" dirty="0">
+              <a:ea typeface="新細明體" charset="-120"/>
+            </a:endParaRPr>
+          </a:p>
+          <a:p>
+            <a:pPr>
+              <a:defRPr/>
+            </a:pPr>
+            <a:endParaRPr lang="en-US" dirty="0"/>
+          </a:p>
+        </p:txBody>
+      </p:sp>
+      <p:sp>
+        <p:nvSpPr>
+          <p:cNvPr id="5" name="TextBox 4"/>
+          <p:cNvSpPr txBox="1"/>
+          <p:nvPr/>
+        </p:nvSpPr>
+        <p:spPr>
+          <a:xfrm>
+            <a:off x="608012" y="1252137"/>
+            <a:ext cx="7686261" cy="4293483"/>
+          </a:xfrm>
+          <a:prstGeom prst="rect">
+            <a:avLst/>
+          </a:prstGeom>
+          <a:noFill/>
+        </p:spPr>
+        <p:txBody>
+          <a:bodyPr wrap="square" rtlCol="0">
+            <a:spAutoFit/>
+          </a:bodyPr>
+          <a:lstStyle>
+            <a:defPPr>
+              <a:defRPr lang="en-US"/>
+            </a:defPPr>
+            <a:lvl1pPr>
+              <a:defRPr sz="2800">
+                <a:latin typeface="Adobe Garamond Pro Bold" pitchFamily="18" charset="0"/>
+                <a:ea typeface="华文楷体" pitchFamily="2" charset="-122"/>
+              </a:defRPr>
+            </a:lvl1pPr>
+          </a:lstStyle>
+          <a:p>
+            <a:r>
+              <a:rPr lang="en-US" altLang="zh-CN" sz="1050">
+                <a:solidFill>
+                  <a:prstClr val="black"/>
+                </a:solidFill>
+                <a:latin typeface="Lucida Console" panose="020B0609040504020204" pitchFamily="49" charset="0"/>
+              </a:rPr>
+              <a:t>$ git diff code.java</a:t>
+            </a:r>
+          </a:p>
+          <a:p>
+            <a:r>
+              <a:rPr lang="en-US" altLang="zh-CN" sz="1050">
+                <a:solidFill>
+                  <a:prstClr val="black"/>
+                </a:solidFill>
+                <a:latin typeface="Lucida Console" panose="020B0609040504020204" pitchFamily="49" charset="0"/>
+              </a:rPr>
+              <a:t>diff --git a/code.java b/code.java</a:t>
+            </a:r>
+          </a:p>
+          <a:p>
+            <a:r>
+              <a:rPr lang="en-US" altLang="zh-CN" sz="1050">
+                <a:solidFill>
+                  <a:prstClr val="black"/>
+                </a:solidFill>
+                <a:latin typeface="Lucida Console" panose="020B0609040504020204" pitchFamily="49" charset="0"/>
+              </a:rPr>
+              <a:t>index 0edee30..30548ae 100644</a:t>
+            </a:r>
+          </a:p>
+          <a:p>
+            <a:r>
+              <a:rPr lang="en-US" altLang="zh-CN" sz="1050">
+                <a:solidFill>
+                  <a:prstClr val="black"/>
+                </a:solidFill>
+                <a:latin typeface="Lucida Console" panose="020B0609040504020204" pitchFamily="49" charset="0"/>
+              </a:rPr>
+              <a:t>--- a/code.java</a:t>
+            </a:r>
+          </a:p>
+          <a:p>
+            <a:r>
+              <a:rPr lang="en-US" altLang="zh-CN" sz="1050">
+                <a:solidFill>
+                  <a:prstClr val="black"/>
+                </a:solidFill>
+                <a:latin typeface="Lucida Console" panose="020B0609040504020204" pitchFamily="49" charset="0"/>
+              </a:rPr>
+              <a:t>+++ b/code.java</a:t>
+            </a:r>
+          </a:p>
+          <a:p>
+            <a:r>
+              <a:rPr lang="en-US" altLang="zh-CN" sz="1050" b="0">
+                <a:solidFill>
+                  <a:srgbClr val="00BFBF"/>
+                </a:solidFill>
+                <a:latin typeface="Lucida Console" panose="020B0609040504020204" pitchFamily="49" charset="0"/>
+              </a:rPr>
+              <a:t>@@ -1,16 +1,17 @@</a:t>
+            </a:r>
+          </a:p>
+          <a:p>
+            <a:r>
+              <a:rPr lang="en-US" altLang="zh-CN" sz="1050" b="0">
+                <a:solidFill>
+                  <a:prstClr val="black"/>
+                </a:solidFill>
+                <a:latin typeface="Lucida Console" panose="020B0609040504020204" pitchFamily="49" charset="0"/>
+              </a:rPr>
+              <a:t> private boolean find(TreeNode treeNode, int element) {</a:t>
+            </a:r>
+          </a:p>
+          <a:p>
+            <a:r>
+              <a:rPr lang="en-US" altLang="zh-CN" sz="1050" b="0">
+                <a:solidFill>
+                  <a:srgbClr val="00BF00"/>
+                </a:solidFill>
+                <a:latin typeface="Lucida Console" panose="020B0609040504020204" pitchFamily="49" charset="0"/>
+              </a:rPr>
+              <a:t>+</a:t>
+            </a:r>
+            <a:r>
+              <a:rPr lang="en-US" altLang="zh-CN" sz="1050" b="0">
+                <a:solidFill>
+                  <a:prstClr val="black"/>
+                </a:solidFill>
+                <a:latin typeface="Lucida Console" panose="020B0609040504020204" pitchFamily="49" charset="0"/>
+              </a:rPr>
+              <a:t>       </a:t>
+            </a:r>
+            <a:r>
+              <a:rPr lang="en-US" altLang="zh-CN" sz="1050" b="0">
+                <a:solidFill>
+                  <a:srgbClr val="00BF00"/>
+                </a:solidFill>
+                <a:latin typeface="Lucida Console" panose="020B0609040504020204" pitchFamily="49" charset="0"/>
+              </a:rPr>
+              <a:t>// judge</a:t>
+            </a:r>
+          </a:p>
+          <a:p>
+            <a:r>
+              <a:rPr lang="en-US" altLang="zh-CN" sz="1050" b="0">
+                <a:solidFill>
+                  <a:prstClr val="black"/>
+                </a:solidFill>
+                <a:latin typeface="Lucida Console" panose="020B0609040504020204" pitchFamily="49" charset="0"/>
+              </a:rPr>
+              <a:t>        if (treeNode == null)</a:t>
+            </a:r>
+          </a:p>
+          <a:p>
+            <a:r>
+              <a:rPr lang="en-US" altLang="zh-CN" sz="1050" b="0">
+                <a:solidFill>
+                  <a:prstClr val="black"/>
+                </a:solidFill>
+                <a:latin typeface="Lucida Console" panose="020B0609040504020204" pitchFamily="49" charset="0"/>
+              </a:rPr>
+              <a:t>                return false;</a:t>
+            </a:r>
+          </a:p>
+          <a:p>
+            <a:r>
+              <a:rPr lang="en-US" altLang="zh-CN" sz="1050" b="0">
+                <a:solidFill>
+                  <a:prstClr val="black"/>
+                </a:solidFill>
+                <a:latin typeface="Lucida Console" panose="020B0609040504020204" pitchFamily="49" charset="0"/>
+              </a:rPr>
+              <a:t>        if (element == treeNode.getData())</a:t>
+            </a:r>
+          </a:p>
+          <a:p>
+            <a:r>
+              <a:rPr lang="en-US" altLang="zh-CN" sz="1050" b="0">
+                <a:solidFill>
+                  <a:prstClr val="black"/>
+                </a:solidFill>
+                <a:latin typeface="Lucida Console" panose="020B0609040504020204" pitchFamily="49" charset="0"/>
+              </a:rPr>
+              <a:t>                return true;</a:t>
+            </a:r>
+          </a:p>
+          <a:p>
+            <a:r>
+              <a:rPr lang="en-US" altLang="zh-CN" sz="1050" b="0">
+                <a:solidFill>
+                  <a:prstClr val="black"/>
+                </a:solidFill>
+                <a:latin typeface="Lucida Console" panose="020B0609040504020204" pitchFamily="49" charset="0"/>
+              </a:rPr>
+              <a:t>        if (element &lt; treeNode.getData()) {</a:t>
+            </a:r>
+          </a:p>
+          <a:p>
+            <a:r>
+              <a:rPr lang="en-US" altLang="zh-CN" sz="1050" b="0">
+                <a:solidFill>
+                  <a:srgbClr val="BF0000"/>
+                </a:solidFill>
+                <a:latin typeface="Lucida Console" panose="020B0609040504020204" pitchFamily="49" charset="0"/>
+              </a:rPr>
+              <a:t>-               return find(treeNode.getLeftChild(), element);</a:t>
+            </a:r>
+          </a:p>
+          <a:p>
+            <a:r>
+              <a:rPr lang="en-US" altLang="zh-CN" sz="1050" b="0">
+                <a:solidFill>
+                  <a:srgbClr val="00BF00"/>
+                </a:solidFill>
+                <a:latin typeface="Lucida Console" panose="020B0609040504020204" pitchFamily="49" charset="0"/>
+              </a:rPr>
+              <a:t>+</a:t>
+            </a:r>
+            <a:r>
+              <a:rPr lang="en-US" altLang="zh-CN" sz="1050" b="0">
+                <a:solidFill>
+                  <a:prstClr val="black"/>
+                </a:solidFill>
+                <a:latin typeface="Lucida Console" panose="020B0609040504020204" pitchFamily="49" charset="0"/>
+              </a:rPr>
+              <a:t>               </a:t>
+            </a:r>
+            <a:r>
+              <a:rPr lang="en-US" altLang="zh-CN" sz="1050" b="0">
+                <a:solidFill>
+                  <a:srgbClr val="00BF00"/>
+                </a:solidFill>
+                <a:latin typeface="Lucida Console" panose="020B0609040504020204" pitchFamily="49" charset="0"/>
+              </a:rPr>
+              <a:t>return find(treeNode.getLeftChild(), element); /* find left child */</a:t>
+            </a:r>
+          </a:p>
+          <a:p>
+            <a:r>
+              <a:rPr lang="en-US" altLang="zh-CN" sz="1050" b="0">
+                <a:solidFill>
+                  <a:prstClr val="black"/>
+                </a:solidFill>
+                <a:latin typeface="Lucida Console" panose="020B0609040504020204" pitchFamily="49" charset="0"/>
+              </a:rPr>
+              <a:t>        } else {</a:t>
+            </a:r>
+          </a:p>
+          <a:p>
+            <a:r>
+              <a:rPr lang="en-US" altLang="zh-CN" sz="1050" b="0">
+                <a:solidFill>
+                  <a:prstClr val="black"/>
+                </a:solidFill>
+                <a:latin typeface="Lucida Console" panose="020B0609040504020204" pitchFamily="49" charset="0"/>
+              </a:rPr>
+              <a:t>                return find(treeNode.getRightChild(), element);</a:t>
+            </a:r>
+          </a:p>
+          <a:p>
+            <a:r>
+              <a:rPr lang="zh-CN" altLang="en-US" sz="1050" b="0">
+                <a:solidFill>
+                  <a:prstClr val="black"/>
+                </a:solidFill>
+                <a:latin typeface="Lucida Console" panose="020B0609040504020204" pitchFamily="49" charset="0"/>
+              </a:rPr>
+              <a:t>        </a:t>
+            </a:r>
+            <a:r>
+              <a:rPr lang="en-US" altLang="zh-CN" sz="1050" b="0">
+                <a:solidFill>
+                  <a:prstClr val="black"/>
+                </a:solidFill>
+                <a:latin typeface="Lucida Console" panose="020B0609040504020204" pitchFamily="49" charset="0"/>
+              </a:rPr>
+              <a:t>}</a:t>
+            </a:r>
+          </a:p>
+          <a:p>
+            <a:r>
+              <a:rPr lang="zh-CN" altLang="en-US" sz="1050" b="0">
+                <a:solidFill>
+                  <a:prstClr val="black"/>
+                </a:solidFill>
+                <a:latin typeface="Lucida Console" panose="020B0609040504020204" pitchFamily="49" charset="0"/>
+              </a:rPr>
+              <a:t> </a:t>
+            </a:r>
+            <a:r>
+              <a:rPr lang="en-US" altLang="zh-CN" sz="1050" b="0">
+                <a:solidFill>
+                  <a:prstClr val="black"/>
+                </a:solidFill>
+                <a:latin typeface="Lucida Console" panose="020B0609040504020204" pitchFamily="49" charset="0"/>
+              </a:rPr>
+              <a:t>}</a:t>
+            </a:r>
+          </a:p>
+          <a:p>
+            <a:r>
+              <a:rPr lang="en-US" altLang="zh-CN" sz="1050" b="0">
+                <a:solidFill>
+                  <a:srgbClr val="00BF00"/>
+                </a:solidFill>
+                <a:latin typeface="Lucida Console" panose="020B0609040504020204" pitchFamily="49" charset="0"/>
+              </a:rPr>
+              <a:t>+// This is find function</a:t>
+            </a:r>
+          </a:p>
+          <a:p>
+            <a:r>
+              <a:rPr lang="en-US" altLang="zh-CN" sz="1050" b="0">
+                <a:solidFill>
+                  <a:prstClr val="black"/>
+                </a:solidFill>
+                <a:latin typeface="Lucida Console" panose="020B0609040504020204" pitchFamily="49" charset="0"/>
+              </a:rPr>
+              <a:t> public boolean find(element) {</a:t>
+            </a:r>
+          </a:p>
+          <a:p>
+            <a:r>
+              <a:rPr lang="en-US" altLang="zh-CN" sz="1050" b="0">
+                <a:solidFill>
+                  <a:prstClr val="black"/>
+                </a:solidFill>
+                <a:latin typeface="Lucida Console" panose="020B0609040504020204" pitchFamily="49" charset="0"/>
+              </a:rPr>
+              <a:t>        find(rootNode, element);</a:t>
+            </a:r>
+          </a:p>
+          <a:p>
+            <a:r>
+              <a:rPr lang="zh-CN" altLang="en-US" sz="1050" b="0">
+                <a:solidFill>
+                  <a:prstClr val="black"/>
+                </a:solidFill>
+                <a:latin typeface="Lucida Console" panose="020B0609040504020204" pitchFamily="49" charset="0"/>
+              </a:rPr>
+              <a:t> </a:t>
+            </a:r>
+            <a:r>
+              <a:rPr lang="en-US" altLang="zh-CN" sz="1050" b="0">
+                <a:solidFill>
+                  <a:prstClr val="black"/>
+                </a:solidFill>
+                <a:latin typeface="Lucida Console" panose="020B0609040504020204" pitchFamily="49" charset="0"/>
+              </a:rPr>
+              <a:t>}</a:t>
+            </a:r>
+          </a:p>
+          <a:p>
+            <a:r>
+              <a:rPr lang="en-US" altLang="zh-CN" sz="1050" b="0">
+                <a:solidFill>
+                  <a:srgbClr val="BF0000"/>
+                </a:solidFill>
+                <a:latin typeface="Lucida Console" panose="020B0609040504020204" pitchFamily="49" charset="0"/>
+              </a:rPr>
+              <a:t>-// the number of tree nodes is n</a:t>
+            </a:r>
+          </a:p>
+          <a:p>
+            <a:r>
+              <a:rPr lang="en-US" altLang="zh-CN" sz="1050" b="0">
+                <a:solidFill>
+                  <a:prstClr val="black"/>
+                </a:solidFill>
+                <a:latin typeface="Lucida Console" panose="020B0609040504020204" pitchFamily="49" charset="0"/>
+              </a:rPr>
+              <a:t> // asymptotic time complexity: O(log(n))</a:t>
+            </a:r>
+          </a:p>
+          <a:p>
+            <a:r>
+              <a:rPr lang="en-US" altLang="zh-CN" sz="1050" b="0">
+                <a:solidFill>
+                  <a:prstClr val="black"/>
+                </a:solidFill>
+                <a:latin typeface="Lucida Console" panose="020B0609040504020204" pitchFamily="49" charset="0"/>
+              </a:rPr>
+              <a:t>\ No newline at end of file</a:t>
+            </a:r>
+          </a:p>
+        </p:txBody>
+      </p:sp>
+    </p:spTree>
+    <p:extLst>
+      <p:ext uri="{BB962C8B-B14F-4D97-AF65-F5344CB8AC3E}">
+        <p14:creationId xmlns:p14="http://schemas.microsoft.com/office/powerpoint/2010/main" val="1887497341"/>
+      </p:ext>
+    </p:extLst>
+  </p:cSld>
+  <p:clrMapOvr>
+    <a:masterClrMapping/>
+  </p:clrMapOvr>
+  <p:transition>
+    <p:fade thruBlk="1"/>
+  </p:transition>
+  <p:timing>
+    <p:tnLst>
+      <p:par>
+        <p:cTn id="1" dur="indefinite" restart="never" nodeType="tmRoot"/>
+      </p:par>
+    </p:tnLst>
+  </p:timing>
+</p:sld>
+</file>
+
+<file path=ppt/slides/slide48.xml><?xml version="1.0" encoding="utf-8"?>
+<p:sld xmlns:a="http://schemas.openxmlformats.org/drawingml/2006/main" xmlns:r="http://schemas.openxmlformats.org/officeDocument/2006/relationships" xmlns:p="http://schemas.openxmlformats.org/presentationml/2006/main">
+  <p:cSld>
+    <p:spTree>
+      <p:nvGrpSpPr>
+        <p:cNvPr id="1" name=""/>
+        <p:cNvGrpSpPr/>
+        <p:nvPr/>
+      </p:nvGrpSpPr>
+      <p:grpSpPr>
+        <a:xfrm>
+          <a:off x="0" y="0"/>
+          <a:ext cx="0" cy="0"/>
+          <a:chOff x="0" y="0"/>
+          <a:chExt cx="0" cy="0"/>
+        </a:xfrm>
+      </p:grpSpPr>
+      <p:sp>
+        <p:nvSpPr>
+          <p:cNvPr id="2" name="Title 1"/>
+          <p:cNvSpPr>
+            <a:spLocks noGrp="1"/>
+          </p:cNvSpPr>
+          <p:nvPr>
+            <p:ph type="title"/>
+          </p:nvPr>
+        </p:nvSpPr>
+        <p:spPr>
+          <a:xfrm>
+            <a:off x="396875" y="439693"/>
+            <a:ext cx="8101013" cy="703307"/>
+          </a:xfrm>
+        </p:spPr>
+        <p:txBody>
+          <a:bodyPr/>
+          <a:lstStyle/>
+          <a:p>
+            <a:r>
+              <a:rPr lang="zh-CN" altLang="en-US" b="1" dirty="0" smtClean="0">
+                <a:latin typeface="华文楷体" pitchFamily="2" charset="-122"/>
+                <a:ea typeface="华文楷体" pitchFamily="2" charset="-122"/>
+              </a:rPr>
+              <a:t>常见算法思想</a:t>
+            </a:r>
+            <a:endParaRPr lang="zh-TW" altLang="en-US" b="1" dirty="0">
+              <a:latin typeface="华文楷体" pitchFamily="2" charset="-122"/>
+              <a:ea typeface="华文楷体" pitchFamily="2" charset="-122"/>
+            </a:endParaRPr>
+          </a:p>
+        </p:txBody>
+      </p:sp>
+      <p:sp>
+        <p:nvSpPr>
+          <p:cNvPr id="4" name="Date Placeholder 3"/>
+          <p:cNvSpPr>
+            <a:spLocks noGrp="1"/>
+          </p:cNvSpPr>
+          <p:nvPr>
+            <p:ph type="dt" sz="quarter" idx="10"/>
+          </p:nvPr>
+        </p:nvSpPr>
+        <p:spPr/>
+        <p:txBody>
+          <a:bodyPr/>
+          <a:lstStyle/>
+          <a:p>
+            <a:pPr>
+              <a:defRPr/>
+            </a:pPr>
+            <a:r>
+              <a:rPr lang="en-US" altLang="zh-TW" dirty="0" smtClean="0">
+                <a:ea typeface="新細明體" charset="-120"/>
+              </a:rPr>
+              <a:t>04/25/2016</a:t>
+            </a:r>
+            <a:endParaRPr lang="en-US" altLang="zh-TW" dirty="0">
+              <a:ea typeface="新細明體" charset="-120"/>
+            </a:endParaRPr>
+          </a:p>
+          <a:p>
+            <a:pPr>
+              <a:defRPr/>
+            </a:pPr>
+            <a:endParaRPr lang="en-US" dirty="0"/>
+          </a:p>
+        </p:txBody>
+      </p:sp>
+      <p:sp>
+        <p:nvSpPr>
+          <p:cNvPr id="6" name="TextBox 5"/>
+          <p:cNvSpPr txBox="1"/>
+          <p:nvPr/>
+        </p:nvSpPr>
+        <p:spPr>
+          <a:xfrm>
+            <a:off x="622848" y="1749287"/>
+            <a:ext cx="7686261" cy="1815882"/>
+          </a:xfrm>
+          <a:prstGeom prst="rect">
+            <a:avLst/>
+          </a:prstGeom>
+          <a:noFill/>
+        </p:spPr>
+        <p:txBody>
+          <a:bodyPr wrap="square" rtlCol="0">
+            <a:spAutoFit/>
+          </a:bodyPr>
+          <a:lstStyle>
+            <a:defPPr>
+              <a:defRPr lang="en-US"/>
+            </a:defPPr>
+            <a:lvl1pPr>
+              <a:defRPr sz="2800">
+                <a:latin typeface="Adobe Garamond Pro Bold" pitchFamily="18" charset="0"/>
+                <a:ea typeface="华文楷体" pitchFamily="2" charset="-122"/>
+              </a:defRPr>
+            </a:lvl1pPr>
+          </a:lstStyle>
+          <a:p>
+            <a:r>
+              <a:rPr lang="zh-CN" altLang="en-US" dirty="0" smtClean="0"/>
+              <a:t>我们将每一行看成字符串的一个元素，那么，求两段代码最大相同的行数，即成为一个</a:t>
+            </a:r>
+            <a:r>
+              <a:rPr lang="en-US" altLang="zh-CN" dirty="0" smtClean="0"/>
+              <a:t>LCS</a:t>
+            </a:r>
+            <a:r>
+              <a:rPr lang="zh-CN" altLang="en-US" dirty="0" smtClean="0"/>
+              <a:t>问题。</a:t>
+            </a:r>
+            <a:endParaRPr lang="en-US" altLang="zh-CN" dirty="0" smtClean="0"/>
+          </a:p>
+          <a:p>
+            <a:endParaRPr lang="en-US" altLang="zh-CN" dirty="0"/>
+          </a:p>
+          <a:p>
+            <a:r>
+              <a:rPr lang="zh-CN" altLang="en-US" dirty="0" smtClean="0"/>
+              <a:t>我利用</a:t>
+            </a:r>
+            <a:r>
+              <a:rPr lang="en-US" altLang="zh-CN" dirty="0" smtClean="0"/>
+              <a:t>java</a:t>
+            </a:r>
+            <a:r>
+              <a:rPr lang="zh-CN" altLang="en-US" dirty="0" smtClean="0"/>
+              <a:t>自己实现了一遍这个过程。</a:t>
+            </a:r>
+            <a:endParaRPr lang="en-US" altLang="zh-CN" dirty="0"/>
+          </a:p>
+        </p:txBody>
+      </p:sp>
+      <p:pic>
+        <p:nvPicPr>
+          <p:cNvPr id="3" name="Picture 2"/>
+          <p:cNvPicPr>
+            <a:picLocks noChangeAspect="1"/>
+          </p:cNvPicPr>
+          <p:nvPr/>
+        </p:nvPicPr>
+        <p:blipFill>
+          <a:blip r:embed="rId2"/>
+          <a:stretch>
+            <a:fillRect/>
+          </a:stretch>
+        </p:blipFill>
+        <p:spPr>
+          <a:xfrm>
+            <a:off x="461928" y="1348287"/>
+            <a:ext cx="7580952" cy="4285714"/>
+          </a:xfrm>
+          <a:prstGeom prst="rect">
+            <a:avLst/>
+          </a:prstGeom>
+        </p:spPr>
+      </p:pic>
+      <p:pic>
+        <p:nvPicPr>
+          <p:cNvPr id="7" name="Picture 6"/>
+          <p:cNvPicPr>
+            <a:picLocks noChangeAspect="1"/>
+          </p:cNvPicPr>
+          <p:nvPr/>
+        </p:nvPicPr>
+        <p:blipFill>
+          <a:blip r:embed="rId3"/>
+          <a:stretch>
+            <a:fillRect/>
+          </a:stretch>
+        </p:blipFill>
+        <p:spPr>
+          <a:xfrm>
+            <a:off x="1708846" y="527830"/>
+            <a:ext cx="7200000" cy="6238095"/>
+          </a:xfrm>
+          <a:prstGeom prst="rect">
+            <a:avLst/>
+          </a:prstGeom>
+        </p:spPr>
+      </p:pic>
+    </p:spTree>
+    <p:extLst>
+      <p:ext uri="{BB962C8B-B14F-4D97-AF65-F5344CB8AC3E}">
+        <p14:creationId xmlns:p14="http://schemas.microsoft.com/office/powerpoint/2010/main" val="77801921"/>
+      </p:ext>
+    </p:extLst>
+  </p:cSld>
+  <p:clrMapOvr>
+    <a:masterClrMapping/>
+  </p:clrMapOvr>
+  <p:transition>
+    <p:fade thruBlk="1"/>
+  </p:transition>
+  <p:timing>
+    <p:tnLst>
+      <p:par>
+        <p:cTn id="1" dur="indefinite" restart="never" nodeType="tmRoot">
+          <p:childTnLst>
+            <p:seq concurrent="1" nextAc="seek">
+              <p:cTn id="2" dur="indefinite" nodeType="mainSeq">
+                <p:childTnLst>
+                  <p:par>
+                    <p:cTn id="3" fill="hold">
+                      <p:stCondLst>
+                        <p:cond delay="indefinite"/>
+                      </p:stCondLst>
+                      <p:childTnLst>
+                        <p:par>
+                          <p:cTn id="4" fill="hold">
+                            <p:stCondLst>
+                              <p:cond delay="0"/>
+                            </p:stCondLst>
+                            <p:childTnLst>
+                              <p:par>
+                                <p:cTn id="5" presetID="10" presetClass="entr" presetSubtype="0" fill="hold" nodeType="clickEffect">
+                                  <p:stCondLst>
+                                    <p:cond delay="0"/>
+                                  </p:stCondLst>
+                                  <p:childTnLst>
+                                    <p:set>
+                                      <p:cBhvr>
+                                        <p:cTn id="6" dur="1" fill="hold">
+                                          <p:stCondLst>
+                                            <p:cond delay="0"/>
+                                          </p:stCondLst>
+                                        </p:cTn>
+                                        <p:tgtEl>
+                                          <p:spTgt spid="3"/>
+                                        </p:tgtEl>
+                                        <p:attrNameLst>
+                                          <p:attrName>style.visibility</p:attrName>
+                                        </p:attrNameLst>
+                                      </p:cBhvr>
+                                      <p:to>
+                                        <p:strVal val="visible"/>
+                                      </p:to>
+                                    </p:set>
+                                    <p:animEffect transition="in" filter="fade">
+                                      <p:cBhvr>
+                                        <p:cTn id="7" dur="500"/>
+                                        <p:tgtEl>
+                                          <p:spTgt spid="3"/>
+                                        </p:tgtEl>
+                                      </p:cBhvr>
+                                    </p:animEffect>
+                                  </p:childTnLst>
+                                </p:cTn>
+                              </p:par>
+                            </p:childTnLst>
+                          </p:cTn>
+                        </p:par>
+                      </p:childTnLst>
+                    </p:cTn>
+                  </p:par>
+                  <p:par>
+                    <p:cTn id="8" fill="hold">
+                      <p:stCondLst>
+                        <p:cond delay="indefinite"/>
+                      </p:stCondLst>
+                      <p:childTnLst>
+                        <p:par>
+                          <p:cTn id="9" fill="hold">
+                            <p:stCondLst>
+                              <p:cond delay="0"/>
+                            </p:stCondLst>
+                            <p:childTnLst>
+                              <p:par>
+                                <p:cTn id="10" presetID="10" presetClass="entr" presetSubtype="0" fill="hold" nodeType="clickEffect">
+                                  <p:stCondLst>
+                                    <p:cond delay="0"/>
+                                  </p:stCondLst>
+                                  <p:childTnLst>
+                                    <p:set>
+                                      <p:cBhvr>
+                                        <p:cTn id="11" dur="1" fill="hold">
+                                          <p:stCondLst>
+                                            <p:cond delay="0"/>
+                                          </p:stCondLst>
+                                        </p:cTn>
+                                        <p:tgtEl>
+                                          <p:spTgt spid="7"/>
+                                        </p:tgtEl>
+                                        <p:attrNameLst>
+                                          <p:attrName>style.visibility</p:attrName>
+                                        </p:attrNameLst>
+                                      </p:cBhvr>
+                                      <p:to>
+                                        <p:strVal val="visible"/>
+                                      </p:to>
+                                    </p:set>
+                                    <p:animEffect transition="in" filter="fade">
+                                      <p:cBhvr>
+                                        <p:cTn id="12" dur="500"/>
+                                        <p:tgtEl>
+                                          <p:spTgt spid="7"/>
+                                        </p:tgtEl>
+                                      </p:cBhvr>
+                                    </p:animEffect>
+                                  </p:childTnLst>
+                                </p:cTn>
+                              </p:par>
+                            </p:childTnLst>
+                          </p:cTn>
+                        </p:par>
+                      </p:childTnLst>
+                    </p:cTn>
+                  </p:par>
+                </p:childTnLst>
+              </p:cTn>
+              <p:prevCondLst>
+                <p:cond evt="onPrev" delay="0">
+                  <p:tgtEl>
+                    <p:sldTgt/>
+                  </p:tgtEl>
+                </p:cond>
+              </p:prevCondLst>
+              <p:nextCondLst>
+                <p:cond evt="onNext" delay="0">
+                  <p:tgtEl>
+                    <p:sldTgt/>
+                  </p:tgtEl>
+                </p:cond>
+              </p:nextCondLst>
+            </p:seq>
+          </p:childTnLst>
+        </p:cTn>
+      </p:par>
+    </p:tnLst>
+  </p:timing>
+</p:sld>
+</file>
+
+<file path=ppt/slides/slide49.xml><?xml version="1.0" encoding="utf-8"?>
+<p:sld xmlns:a="http://schemas.openxmlformats.org/drawingml/2006/main" xmlns:r="http://schemas.openxmlformats.org/officeDocument/2006/relationships" xmlns:p="http://schemas.openxmlformats.org/presentationml/2006/main">
+  <p:cSld>
+    <p:spTree>
+      <p:nvGrpSpPr>
+        <p:cNvPr id="1" name=""/>
+        <p:cNvGrpSpPr/>
+        <p:nvPr/>
+      </p:nvGrpSpPr>
+      <p:grpSpPr>
+        <a:xfrm>
+          <a:off x="0" y="0"/>
+          <a:ext cx="0" cy="0"/>
+          <a:chOff x="0" y="0"/>
+          <a:chExt cx="0" cy="0"/>
+        </a:xfrm>
+      </p:grpSpPr>
+      <p:sp>
+        <p:nvSpPr>
+          <p:cNvPr id="2" name="Title 1"/>
+          <p:cNvSpPr>
+            <a:spLocks noGrp="1"/>
+          </p:cNvSpPr>
+          <p:nvPr>
+            <p:ph type="title"/>
+          </p:nvPr>
+        </p:nvSpPr>
+        <p:spPr>
+          <a:xfrm>
+            <a:off x="396875" y="439693"/>
+            <a:ext cx="8101013" cy="703307"/>
+          </a:xfrm>
+        </p:spPr>
+        <p:txBody>
+          <a:bodyPr/>
+          <a:lstStyle/>
+          <a:p>
+            <a:r>
+              <a:rPr lang="zh-CN" altLang="en-US" b="1" dirty="0" smtClean="0">
+                <a:latin typeface="华文楷体" pitchFamily="2" charset="-122"/>
+                <a:ea typeface="华文楷体" pitchFamily="2" charset="-122"/>
+              </a:rPr>
+              <a:t>常见算法思想</a:t>
+            </a:r>
+            <a:endParaRPr lang="zh-TW" altLang="en-US" b="1" dirty="0">
+              <a:latin typeface="华文楷体" pitchFamily="2" charset="-122"/>
+              <a:ea typeface="华文楷体" pitchFamily="2" charset="-122"/>
+            </a:endParaRPr>
+          </a:p>
+        </p:txBody>
+      </p:sp>
+      <p:sp>
+        <p:nvSpPr>
+          <p:cNvPr id="4" name="Date Placeholder 3"/>
+          <p:cNvSpPr>
+            <a:spLocks noGrp="1"/>
+          </p:cNvSpPr>
+          <p:nvPr>
+            <p:ph type="dt" sz="quarter" idx="10"/>
+          </p:nvPr>
+        </p:nvSpPr>
+        <p:spPr/>
+        <p:txBody>
+          <a:bodyPr/>
+          <a:lstStyle/>
+          <a:p>
+            <a:pPr>
+              <a:defRPr/>
+            </a:pPr>
+            <a:r>
+              <a:rPr lang="en-US" altLang="zh-TW" dirty="0" smtClean="0">
+                <a:ea typeface="新細明體" charset="-120"/>
+              </a:rPr>
+              <a:t>04/25/2016</a:t>
+            </a:r>
+            <a:endParaRPr lang="en-US" altLang="zh-TW" dirty="0">
+              <a:ea typeface="新細明體" charset="-120"/>
+            </a:endParaRPr>
+          </a:p>
+          <a:p>
+            <a:pPr>
+              <a:defRPr/>
+            </a:pPr>
+            <a:endParaRPr lang="en-US" dirty="0"/>
+          </a:p>
+        </p:txBody>
+      </p:sp>
+      <p:sp>
+        <p:nvSpPr>
+          <p:cNvPr id="5" name="TextBox 4"/>
+          <p:cNvSpPr txBox="1"/>
+          <p:nvPr/>
+        </p:nvSpPr>
+        <p:spPr>
+          <a:xfrm>
+            <a:off x="622848" y="1749287"/>
+            <a:ext cx="7686261" cy="3539430"/>
+          </a:xfrm>
+          <a:prstGeom prst="rect">
+            <a:avLst/>
+          </a:prstGeom>
+          <a:noFill/>
+        </p:spPr>
+        <p:txBody>
+          <a:bodyPr wrap="square" rtlCol="0">
+            <a:spAutoFit/>
+          </a:bodyPr>
+          <a:lstStyle>
+            <a:defPPr>
+              <a:defRPr lang="en-US"/>
+            </a:defPPr>
+            <a:lvl1pPr>
+              <a:defRPr sz="2800">
+                <a:latin typeface="Adobe Garamond Pro Bold" pitchFamily="18" charset="0"/>
+                <a:ea typeface="华文楷体" pitchFamily="2" charset="-122"/>
+              </a:defRPr>
+            </a:lvl1pPr>
+          </a:lstStyle>
+          <a:p>
+            <a:r>
+              <a:rPr lang="zh-CN" altLang="en-US" dirty="0" smtClean="0"/>
+              <a:t>动</a:t>
+            </a:r>
+            <a:r>
+              <a:rPr lang="zh-CN" altLang="en-US" dirty="0" smtClean="0"/>
+              <a:t>态规</a:t>
+            </a:r>
+            <a:r>
+              <a:rPr lang="zh-CN" altLang="en-US" dirty="0" smtClean="0"/>
+              <a:t>划第二个经典例子：迪杰斯特拉算法</a:t>
+            </a:r>
+            <a:endParaRPr lang="en-US" altLang="zh-CN" dirty="0" smtClean="0"/>
+          </a:p>
+          <a:p>
+            <a:endParaRPr lang="en-US" altLang="zh-CN" dirty="0" smtClean="0"/>
+          </a:p>
+          <a:p>
+            <a:r>
+              <a:rPr lang="zh-CN" altLang="en-US" dirty="0" smtClean="0"/>
+              <a:t>迪杰斯特拉算法用于计算图中两点的最短路径，在路由选择中起到了重要的作用。</a:t>
+            </a:r>
+            <a:endParaRPr lang="en-US" altLang="zh-CN" dirty="0" smtClean="0"/>
+          </a:p>
+          <a:p>
+            <a:endParaRPr lang="en-US" altLang="zh-CN" dirty="0"/>
+          </a:p>
+          <a:p>
+            <a:r>
+              <a:rPr lang="zh-CN" altLang="en-US" dirty="0" smtClean="0"/>
+              <a:t>迪杰斯特拉算法固定了起点，计算该点到每一个其他点的最短距离。具体的方法是加入节点、修正长度。</a:t>
+            </a:r>
+            <a:endParaRPr lang="en-US" altLang="zh-CN" dirty="0"/>
+          </a:p>
+        </p:txBody>
+      </p:sp>
+    </p:spTree>
+    <p:extLst>
+      <p:ext uri="{BB962C8B-B14F-4D97-AF65-F5344CB8AC3E}">
+        <p14:creationId xmlns:p14="http://schemas.microsoft.com/office/powerpoint/2010/main" val="962766705"/>
       </p:ext>
     </p:extLst>
   </p:cSld>
@@ -41136,6 +42389,649 @@
     <p:extLst>
       <p:ext uri="{BB962C8B-B14F-4D97-AF65-F5344CB8AC3E}">
         <p14:creationId xmlns:p14="http://schemas.microsoft.com/office/powerpoint/2010/main" val="3443952443"/>
+      </p:ext>
+    </p:extLst>
+  </p:cSld>
+  <p:clrMapOvr>
+    <a:masterClrMapping/>
+  </p:clrMapOvr>
+  <p:transition>
+    <p:fade thruBlk="1"/>
+  </p:transition>
+  <p:timing>
+    <p:tnLst>
+      <p:par>
+        <p:cTn id="1" dur="indefinite" restart="never" nodeType="tmRoot"/>
+      </p:par>
+    </p:tnLst>
+  </p:timing>
+</p:sld>
+</file>
+
+<file path=ppt/slides/slide50.xml><?xml version="1.0" encoding="utf-8"?>
+<p:sld xmlns:a="http://schemas.openxmlformats.org/drawingml/2006/main" xmlns:r="http://schemas.openxmlformats.org/officeDocument/2006/relationships" xmlns:p="http://schemas.openxmlformats.org/presentationml/2006/main">
+  <p:cSld>
+    <p:spTree>
+      <p:nvGrpSpPr>
+        <p:cNvPr id="1" name=""/>
+        <p:cNvGrpSpPr/>
+        <p:nvPr/>
+      </p:nvGrpSpPr>
+      <p:grpSpPr>
+        <a:xfrm>
+          <a:off x="0" y="0"/>
+          <a:ext cx="0" cy="0"/>
+          <a:chOff x="0" y="0"/>
+          <a:chExt cx="0" cy="0"/>
+        </a:xfrm>
+      </p:grpSpPr>
+      <p:sp>
+        <p:nvSpPr>
+          <p:cNvPr id="2" name="Title 1"/>
+          <p:cNvSpPr>
+            <a:spLocks noGrp="1"/>
+          </p:cNvSpPr>
+          <p:nvPr>
+            <p:ph type="title"/>
+          </p:nvPr>
+        </p:nvSpPr>
+        <p:spPr>
+          <a:xfrm>
+            <a:off x="396875" y="439693"/>
+            <a:ext cx="8101013" cy="703307"/>
+          </a:xfrm>
+        </p:spPr>
+        <p:txBody>
+          <a:bodyPr/>
+          <a:lstStyle/>
+          <a:p>
+            <a:r>
+              <a:rPr lang="zh-CN" altLang="en-US" b="1" dirty="0" smtClean="0">
+                <a:latin typeface="华文楷体" pitchFamily="2" charset="-122"/>
+                <a:ea typeface="华文楷体" pitchFamily="2" charset="-122"/>
+              </a:rPr>
+              <a:t>常见算法思想</a:t>
+            </a:r>
+            <a:endParaRPr lang="zh-TW" altLang="en-US" b="1" dirty="0">
+              <a:latin typeface="华文楷体" pitchFamily="2" charset="-122"/>
+              <a:ea typeface="华文楷体" pitchFamily="2" charset="-122"/>
+            </a:endParaRPr>
+          </a:p>
+        </p:txBody>
+      </p:sp>
+      <p:sp>
+        <p:nvSpPr>
+          <p:cNvPr id="4" name="Date Placeholder 3"/>
+          <p:cNvSpPr>
+            <a:spLocks noGrp="1"/>
+          </p:cNvSpPr>
+          <p:nvPr>
+            <p:ph type="dt" sz="quarter" idx="10"/>
+          </p:nvPr>
+        </p:nvSpPr>
+        <p:spPr/>
+        <p:txBody>
+          <a:bodyPr/>
+          <a:lstStyle/>
+          <a:p>
+            <a:pPr>
+              <a:defRPr/>
+            </a:pPr>
+            <a:r>
+              <a:rPr lang="en-US" altLang="zh-TW" dirty="0" smtClean="0">
+                <a:ea typeface="新細明體" charset="-120"/>
+              </a:rPr>
+              <a:t>04/25/2016</a:t>
+            </a:r>
+            <a:endParaRPr lang="en-US" altLang="zh-TW" dirty="0">
+              <a:ea typeface="新細明體" charset="-120"/>
+            </a:endParaRPr>
+          </a:p>
+          <a:p>
+            <a:pPr>
+              <a:defRPr/>
+            </a:pPr>
+            <a:endParaRPr lang="en-US" dirty="0"/>
+          </a:p>
+        </p:txBody>
+      </p:sp>
+      <p:sp>
+        <p:nvSpPr>
+          <p:cNvPr id="5" name="TextBox 4"/>
+          <p:cNvSpPr txBox="1"/>
+          <p:nvPr/>
+        </p:nvSpPr>
+        <p:spPr>
+          <a:xfrm>
+            <a:off x="941601" y="2752465"/>
+            <a:ext cx="7686261" cy="2585323"/>
+          </a:xfrm>
+          <a:prstGeom prst="rect">
+            <a:avLst/>
+          </a:prstGeom>
+          <a:noFill/>
+        </p:spPr>
+        <p:txBody>
+          <a:bodyPr wrap="square" rtlCol="0">
+            <a:spAutoFit/>
+          </a:bodyPr>
+          <a:lstStyle>
+            <a:defPPr>
+              <a:defRPr lang="en-US"/>
+            </a:defPPr>
+            <a:lvl1pPr>
+              <a:defRPr sz="2800">
+                <a:latin typeface="Adobe Garamond Pro Bold" pitchFamily="18" charset="0"/>
+                <a:ea typeface="华文楷体" pitchFamily="2" charset="-122"/>
+              </a:defRPr>
+            </a:lvl1pPr>
+          </a:lstStyle>
+          <a:p>
+            <a:r>
+              <a:rPr lang="zh-CN" altLang="en-US" sz="1800" dirty="0" smtClean="0"/>
+              <a:t>计算</a:t>
+            </a:r>
+            <a:r>
+              <a:rPr lang="en-US" altLang="zh-CN" sz="1800" dirty="0" smtClean="0"/>
+              <a:t>A</a:t>
+            </a:r>
+            <a:r>
+              <a:rPr lang="zh-CN" altLang="en-US" sz="1800" dirty="0" smtClean="0"/>
+              <a:t>到其他点的最短距离：</a:t>
+            </a:r>
+            <a:endParaRPr lang="en-US" altLang="zh-CN" sz="1800" dirty="0" smtClean="0"/>
+          </a:p>
+          <a:p>
+            <a:endParaRPr lang="en-US" altLang="zh-CN" sz="1800" dirty="0"/>
+          </a:p>
+          <a:p>
+            <a:r>
+              <a:rPr lang="en-US" altLang="zh-CN" sz="1800" dirty="0" smtClean="0"/>
+              <a:t>1. </a:t>
+            </a:r>
+            <a:r>
+              <a:rPr lang="zh-CN" altLang="en-US" sz="1800" dirty="0" smtClean="0"/>
+              <a:t>加入</a:t>
+            </a:r>
+            <a:r>
+              <a:rPr lang="en-US" altLang="zh-CN" sz="1800" dirty="0" smtClean="0"/>
+              <a:t>B</a:t>
+            </a:r>
+            <a:r>
+              <a:rPr lang="zh-CN" altLang="en-US" sz="1800" dirty="0" smtClean="0"/>
+              <a:t>点，</a:t>
+            </a:r>
+            <a:r>
+              <a:rPr lang="en-US" altLang="zh-CN" sz="1800" dirty="0" smtClean="0"/>
+              <a:t>A</a:t>
+            </a:r>
+            <a:r>
+              <a:rPr lang="zh-CN" altLang="en-US" sz="1800" dirty="0" smtClean="0"/>
+              <a:t>到</a:t>
+            </a:r>
+            <a:r>
+              <a:rPr lang="en-US" altLang="zh-CN" sz="1800" dirty="0" smtClean="0"/>
+              <a:t>B</a:t>
+            </a:r>
+            <a:r>
+              <a:rPr lang="zh-CN" altLang="en-US" sz="1800" dirty="0" smtClean="0"/>
+              <a:t>的最短距离为</a:t>
+            </a:r>
+            <a:r>
+              <a:rPr lang="en-US" altLang="zh-CN" sz="1800" dirty="0" smtClean="0"/>
+              <a:t>6</a:t>
+            </a:r>
+          </a:p>
+          <a:p>
+            <a:r>
+              <a:rPr lang="en-US" altLang="zh-CN" sz="1800" dirty="0" smtClean="0"/>
+              <a:t>2. </a:t>
+            </a:r>
+            <a:r>
+              <a:rPr lang="zh-CN" altLang="en-US" sz="1800" dirty="0" smtClean="0"/>
+              <a:t>加入</a:t>
+            </a:r>
+            <a:r>
+              <a:rPr lang="en-US" altLang="zh-CN" sz="1800" dirty="0" smtClean="0"/>
+              <a:t>C</a:t>
+            </a:r>
+            <a:r>
+              <a:rPr lang="zh-CN" altLang="en-US" sz="1800" dirty="0" smtClean="0"/>
+              <a:t>点，</a:t>
+            </a:r>
+            <a:r>
+              <a:rPr lang="en-US" altLang="zh-CN" sz="1800" dirty="0" smtClean="0"/>
+              <a:t>A</a:t>
+            </a:r>
+            <a:r>
+              <a:rPr lang="zh-CN" altLang="en-US" sz="1800" dirty="0" smtClean="0"/>
+              <a:t>到</a:t>
+            </a:r>
+            <a:r>
+              <a:rPr lang="en-US" altLang="zh-CN" sz="1800" dirty="0" smtClean="0"/>
+              <a:t>C</a:t>
+            </a:r>
+            <a:r>
+              <a:rPr lang="zh-CN" altLang="en-US" sz="1800" dirty="0" smtClean="0"/>
+              <a:t>的最短距离为</a:t>
+            </a:r>
+            <a:r>
+              <a:rPr lang="en-US" altLang="zh-CN" sz="1800" dirty="0" smtClean="0"/>
+              <a:t>3</a:t>
+            </a:r>
+            <a:r>
+              <a:rPr lang="zh-CN" altLang="en-US" sz="1800" dirty="0" smtClean="0"/>
+              <a:t>，到</a:t>
+            </a:r>
+            <a:r>
+              <a:rPr lang="en-US" altLang="zh-CN" sz="1800" dirty="0" smtClean="0"/>
+              <a:t>B</a:t>
+            </a:r>
+            <a:r>
+              <a:rPr lang="zh-CN" altLang="en-US" sz="1800" dirty="0" smtClean="0"/>
+              <a:t>的最短距离修正为</a:t>
+            </a:r>
+            <a:r>
+              <a:rPr lang="en-US" altLang="zh-CN" sz="1800" dirty="0" smtClean="0"/>
+              <a:t>5</a:t>
+            </a:r>
+            <a:r>
+              <a:rPr lang="zh-CN" altLang="en-US" sz="1800" dirty="0" smtClean="0"/>
+              <a:t>；</a:t>
+            </a:r>
+            <a:endParaRPr lang="en-US" altLang="zh-CN" sz="1800" dirty="0" smtClean="0"/>
+          </a:p>
+          <a:p>
+            <a:r>
+              <a:rPr lang="en-US" altLang="zh-CN" sz="1800" dirty="0" smtClean="0"/>
+              <a:t>3. </a:t>
+            </a:r>
+            <a:r>
+              <a:rPr lang="zh-CN" altLang="en-US" sz="1800" dirty="0" smtClean="0"/>
+              <a:t>加入</a:t>
+            </a:r>
+            <a:r>
+              <a:rPr lang="en-US" altLang="zh-CN" sz="1800" dirty="0" smtClean="0"/>
+              <a:t>D</a:t>
+            </a:r>
+            <a:r>
+              <a:rPr lang="zh-CN" altLang="en-US" sz="1800" dirty="0" smtClean="0"/>
+              <a:t>点，</a:t>
+            </a:r>
+            <a:r>
+              <a:rPr lang="en-US" altLang="zh-CN" sz="1800" dirty="0" smtClean="0"/>
+              <a:t>A</a:t>
+            </a:r>
+            <a:r>
+              <a:rPr lang="zh-CN" altLang="en-US" sz="1800" dirty="0" smtClean="0"/>
+              <a:t>到</a:t>
+            </a:r>
+            <a:r>
+              <a:rPr lang="en-US" altLang="zh-CN" sz="1800" dirty="0" smtClean="0"/>
+              <a:t>D</a:t>
+            </a:r>
+            <a:r>
+              <a:rPr lang="zh-CN" altLang="en-US" sz="1800" dirty="0" smtClean="0"/>
+              <a:t>的最短距离为</a:t>
+            </a:r>
+            <a:r>
+              <a:rPr lang="en-US" altLang="zh-CN" sz="1800" dirty="0" smtClean="0"/>
+              <a:t>min{ABD, ACD}=min{10,6}=6</a:t>
+            </a:r>
+          </a:p>
+          <a:p>
+            <a:r>
+              <a:rPr lang="en-US" altLang="zh-CN" sz="1800" dirty="0" smtClean="0"/>
+              <a:t>4. </a:t>
+            </a:r>
+            <a:r>
+              <a:rPr lang="zh-CN" altLang="en-US" sz="1800" dirty="0" smtClean="0"/>
+              <a:t>加入</a:t>
+            </a:r>
+            <a:r>
+              <a:rPr lang="en-US" altLang="zh-CN" sz="1800" dirty="0" smtClean="0"/>
+              <a:t>E</a:t>
+            </a:r>
+            <a:r>
+              <a:rPr lang="zh-CN" altLang="en-US" sz="1800" dirty="0" smtClean="0"/>
+              <a:t>点，</a:t>
+            </a:r>
+            <a:r>
+              <a:rPr lang="en-US" altLang="zh-CN" sz="1800" dirty="0" smtClean="0"/>
+              <a:t>A</a:t>
+            </a:r>
+            <a:r>
+              <a:rPr lang="zh-CN" altLang="en-US" sz="1800" dirty="0" smtClean="0"/>
+              <a:t>到</a:t>
+            </a:r>
+            <a:r>
+              <a:rPr lang="en-US" altLang="zh-CN" sz="1800" dirty="0" smtClean="0"/>
+              <a:t>E</a:t>
+            </a:r>
+            <a:r>
+              <a:rPr lang="zh-CN" altLang="en-US" sz="1800" dirty="0" smtClean="0"/>
+              <a:t>的最短距离为</a:t>
+            </a:r>
+            <a:r>
+              <a:rPr lang="en-US" altLang="zh-CN" sz="1800" dirty="0" smtClean="0"/>
+              <a:t>min{ADE, ACE}=min{8,7}=7</a:t>
+            </a:r>
+          </a:p>
+          <a:p>
+            <a:r>
+              <a:rPr lang="en-US" altLang="zh-CN" sz="1800" dirty="0" smtClean="0"/>
+              <a:t>5. </a:t>
+            </a:r>
+            <a:r>
+              <a:rPr lang="zh-CN" altLang="en-US" sz="1800" dirty="0" smtClean="0"/>
+              <a:t>加入</a:t>
+            </a:r>
+            <a:r>
+              <a:rPr lang="en-US" altLang="zh-CN" sz="1800" dirty="0" smtClean="0"/>
+              <a:t>F</a:t>
+            </a:r>
+            <a:r>
+              <a:rPr lang="zh-CN" altLang="en-US" sz="1800" dirty="0" smtClean="0"/>
+              <a:t>点，</a:t>
+            </a:r>
+            <a:r>
+              <a:rPr lang="en-US" altLang="zh-CN" sz="1800" dirty="0" smtClean="0"/>
+              <a:t>A</a:t>
+            </a:r>
+            <a:r>
+              <a:rPr lang="zh-CN" altLang="en-US" sz="1800" dirty="0" smtClean="0"/>
+              <a:t>到</a:t>
+            </a:r>
+            <a:r>
+              <a:rPr lang="en-US" altLang="zh-CN" sz="1800" dirty="0" smtClean="0"/>
+              <a:t>F</a:t>
+            </a:r>
+            <a:r>
+              <a:rPr lang="zh-CN" altLang="en-US" sz="1800" dirty="0" smtClean="0"/>
+              <a:t>的最短距离为</a:t>
+            </a:r>
+            <a:r>
+              <a:rPr lang="en-US" altLang="zh-CN" sz="1800" dirty="0" smtClean="0"/>
+              <a:t>min{ADF, AEF}=min{9,12}=9</a:t>
+            </a:r>
+          </a:p>
+          <a:p>
+            <a:endParaRPr lang="en-US" altLang="zh-CN" sz="1800" dirty="0"/>
+          </a:p>
+          <a:p>
+            <a:r>
+              <a:rPr lang="zh-CN" altLang="en-US" sz="1800" dirty="0" smtClean="0"/>
+              <a:t>所以最终</a:t>
+            </a:r>
+            <a:r>
+              <a:rPr lang="en-US" altLang="zh-CN" sz="1800" dirty="0" smtClean="0"/>
+              <a:t>A</a:t>
+            </a:r>
+            <a:r>
+              <a:rPr lang="zh-CN" altLang="en-US" sz="1800" dirty="0" smtClean="0"/>
+              <a:t>到</a:t>
+            </a:r>
+            <a:r>
+              <a:rPr lang="en-US" altLang="zh-CN" sz="1800" dirty="0" smtClean="0"/>
+              <a:t>F</a:t>
+            </a:r>
+            <a:r>
+              <a:rPr lang="zh-CN" altLang="en-US" sz="1800" dirty="0" smtClean="0"/>
+              <a:t>的最短距离为</a:t>
+            </a:r>
+            <a:r>
+              <a:rPr lang="en-US" altLang="zh-CN" sz="1800" dirty="0" smtClean="0"/>
+              <a:t>9</a:t>
+            </a:r>
+            <a:r>
+              <a:rPr lang="zh-CN" altLang="en-US" sz="1800" dirty="0" smtClean="0"/>
+              <a:t>，路径是</a:t>
+            </a:r>
+            <a:r>
+              <a:rPr lang="en-US" altLang="zh-CN" sz="1800" dirty="0" smtClean="0"/>
+              <a:t>ACDF</a:t>
+            </a:r>
+            <a:endParaRPr lang="en-US" altLang="zh-CN" sz="1800" dirty="0"/>
+          </a:p>
+        </p:txBody>
+      </p:sp>
+      <p:pic>
+        <p:nvPicPr>
+          <p:cNvPr id="3" name="Picture 2"/>
+          <p:cNvPicPr>
+            <a:picLocks noChangeAspect="1"/>
+          </p:cNvPicPr>
+          <p:nvPr/>
+        </p:nvPicPr>
+        <p:blipFill>
+          <a:blip r:embed="rId2"/>
+          <a:stretch>
+            <a:fillRect/>
+          </a:stretch>
+        </p:blipFill>
+        <p:spPr>
+          <a:xfrm>
+            <a:off x="2375327" y="987755"/>
+            <a:ext cx="3647619" cy="1828571"/>
+          </a:xfrm>
+          <a:prstGeom prst="rect">
+            <a:avLst/>
+          </a:prstGeom>
+        </p:spPr>
+      </p:pic>
+    </p:spTree>
+    <p:extLst>
+      <p:ext uri="{BB962C8B-B14F-4D97-AF65-F5344CB8AC3E}">
+        <p14:creationId xmlns:p14="http://schemas.microsoft.com/office/powerpoint/2010/main" val="2588537074"/>
+      </p:ext>
+    </p:extLst>
+  </p:cSld>
+  <p:clrMapOvr>
+    <a:masterClrMapping/>
+  </p:clrMapOvr>
+  <p:transition>
+    <p:fade thruBlk="1"/>
+  </p:transition>
+  <p:timing>
+    <p:tnLst>
+      <p:par>
+        <p:cTn id="1" dur="indefinite" restart="never" nodeType="tmRoot"/>
+      </p:par>
+    </p:tnLst>
+  </p:timing>
+</p:sld>
+</file>
+
+<file path=ppt/slides/slide51.xml><?xml version="1.0" encoding="utf-8"?>
+<p:sld xmlns:a="http://schemas.openxmlformats.org/drawingml/2006/main" xmlns:r="http://schemas.openxmlformats.org/officeDocument/2006/relationships" xmlns:p="http://schemas.openxmlformats.org/presentationml/2006/main">
+  <p:cSld>
+    <p:spTree>
+      <p:nvGrpSpPr>
+        <p:cNvPr id="1" name=""/>
+        <p:cNvGrpSpPr/>
+        <p:nvPr/>
+      </p:nvGrpSpPr>
+      <p:grpSpPr>
+        <a:xfrm>
+          <a:off x="0" y="0"/>
+          <a:ext cx="0" cy="0"/>
+          <a:chOff x="0" y="0"/>
+          <a:chExt cx="0" cy="0"/>
+        </a:xfrm>
+      </p:grpSpPr>
+      <p:sp>
+        <p:nvSpPr>
+          <p:cNvPr id="2" name="Title 1"/>
+          <p:cNvSpPr>
+            <a:spLocks noGrp="1"/>
+          </p:cNvSpPr>
+          <p:nvPr>
+            <p:ph type="title"/>
+          </p:nvPr>
+        </p:nvSpPr>
+        <p:spPr>
+          <a:xfrm>
+            <a:off x="396875" y="439693"/>
+            <a:ext cx="8101013" cy="703307"/>
+          </a:xfrm>
+        </p:spPr>
+        <p:txBody>
+          <a:bodyPr/>
+          <a:lstStyle/>
+          <a:p>
+            <a:r>
+              <a:rPr lang="zh-CN" altLang="en-US" b="1" dirty="0" smtClean="0">
+                <a:latin typeface="华文楷体" pitchFamily="2" charset="-122"/>
+                <a:ea typeface="华文楷体" pitchFamily="2" charset="-122"/>
+              </a:rPr>
+              <a:t>常见算法思想</a:t>
+            </a:r>
+            <a:endParaRPr lang="zh-TW" altLang="en-US" b="1" dirty="0">
+              <a:latin typeface="华文楷体" pitchFamily="2" charset="-122"/>
+              <a:ea typeface="华文楷体" pitchFamily="2" charset="-122"/>
+            </a:endParaRPr>
+          </a:p>
+        </p:txBody>
+      </p:sp>
+      <p:sp>
+        <p:nvSpPr>
+          <p:cNvPr id="4" name="Date Placeholder 3"/>
+          <p:cNvSpPr>
+            <a:spLocks noGrp="1"/>
+          </p:cNvSpPr>
+          <p:nvPr>
+            <p:ph type="dt" sz="quarter" idx="10"/>
+          </p:nvPr>
+        </p:nvSpPr>
+        <p:spPr/>
+        <p:txBody>
+          <a:bodyPr/>
+          <a:lstStyle/>
+          <a:p>
+            <a:pPr>
+              <a:defRPr/>
+            </a:pPr>
+            <a:r>
+              <a:rPr lang="en-US" altLang="zh-TW" dirty="0" smtClean="0">
+                <a:ea typeface="新細明體" charset="-120"/>
+              </a:rPr>
+              <a:t>04/25/2016</a:t>
+            </a:r>
+            <a:endParaRPr lang="en-US" altLang="zh-TW" dirty="0">
+              <a:ea typeface="新細明體" charset="-120"/>
+            </a:endParaRPr>
+          </a:p>
+          <a:p>
+            <a:pPr>
+              <a:defRPr/>
+            </a:pPr>
+            <a:endParaRPr lang="en-US" dirty="0"/>
+          </a:p>
+        </p:txBody>
+      </p:sp>
+      <p:sp>
+        <p:nvSpPr>
+          <p:cNvPr id="5" name="TextBox 4"/>
+          <p:cNvSpPr txBox="1"/>
+          <p:nvPr/>
+        </p:nvSpPr>
+        <p:spPr>
+          <a:xfrm>
+            <a:off x="1741825" y="1675660"/>
+            <a:ext cx="5759807" cy="3108543"/>
+          </a:xfrm>
+          <a:prstGeom prst="rect">
+            <a:avLst/>
+          </a:prstGeom>
+          <a:noFill/>
+        </p:spPr>
+        <p:txBody>
+          <a:bodyPr wrap="square" rtlCol="0">
+            <a:spAutoFit/>
+          </a:bodyPr>
+          <a:lstStyle>
+            <a:defPPr>
+              <a:defRPr lang="en-US"/>
+            </a:defPPr>
+            <a:lvl1pPr>
+              <a:defRPr sz="2800">
+                <a:latin typeface="Adobe Garamond Pro Bold" pitchFamily="18" charset="0"/>
+                <a:ea typeface="华文楷体" pitchFamily="2" charset="-122"/>
+              </a:defRPr>
+            </a:lvl1pPr>
+          </a:lstStyle>
+          <a:p>
+            <a:r>
+              <a:rPr lang="zh-CN" altLang="en-US" dirty="0" smtClean="0"/>
+              <a:t>总结：常见算法思想：</a:t>
+            </a:r>
+            <a:endParaRPr lang="en-US" altLang="zh-CN" dirty="0" smtClean="0"/>
+          </a:p>
+          <a:p>
+            <a:endParaRPr lang="en-US" altLang="zh-CN" dirty="0"/>
+          </a:p>
+          <a:p>
+            <a:pPr marL="342900" indent="-342900">
+              <a:buAutoNum type="arabicPeriod"/>
+            </a:pPr>
+            <a:r>
+              <a:rPr lang="zh-CN" altLang="en-US" dirty="0" smtClean="0"/>
+              <a:t>贪心算法</a:t>
+            </a:r>
+            <a:endParaRPr lang="en-US" altLang="zh-CN" dirty="0" smtClean="0"/>
+          </a:p>
+          <a:p>
+            <a:pPr marL="342900" indent="-342900">
+              <a:buAutoNum type="arabicPeriod"/>
+            </a:pPr>
+            <a:r>
+              <a:rPr lang="zh-CN" altLang="en-US" dirty="0" smtClean="0"/>
+              <a:t>分治（快速排序、快速指数法）</a:t>
+            </a:r>
+            <a:endParaRPr lang="en-US" altLang="zh-CN" dirty="0" smtClean="0"/>
+          </a:p>
+          <a:p>
+            <a:pPr marL="342900" indent="-342900">
+              <a:buAutoNum type="arabicPeriod"/>
+            </a:pPr>
+            <a:r>
+              <a:rPr lang="zh-CN" altLang="en-US" dirty="0" smtClean="0"/>
+              <a:t>动态规划（</a:t>
+            </a:r>
+            <a:r>
+              <a:rPr lang="en-US" altLang="zh-CN" dirty="0" smtClean="0"/>
+              <a:t>LCS</a:t>
+            </a:r>
+            <a:r>
+              <a:rPr lang="zh-CN" altLang="en-US" dirty="0" smtClean="0"/>
+              <a:t>、</a:t>
+            </a:r>
+            <a:r>
+              <a:rPr lang="en-US" altLang="zh-CN" dirty="0" err="1" smtClean="0"/>
+              <a:t>D</a:t>
+            </a:r>
+            <a:r>
+              <a:rPr lang="en-US" altLang="zh-CN" dirty="0" err="1" smtClean="0"/>
+              <a:t>ijkstra</a:t>
+            </a:r>
+            <a:r>
+              <a:rPr lang="zh-CN" altLang="en-US" dirty="0" smtClean="0"/>
+              <a:t>）</a:t>
+            </a:r>
+            <a:endParaRPr lang="en-US" altLang="zh-CN" dirty="0" smtClean="0"/>
+          </a:p>
+          <a:p>
+            <a:endParaRPr lang="en-US" altLang="zh-CN" dirty="0"/>
+          </a:p>
+          <a:p>
+            <a:endParaRPr lang="en-US" altLang="zh-CN" dirty="0"/>
+          </a:p>
+        </p:txBody>
+      </p:sp>
+    </p:spTree>
+    <p:extLst>
+      <p:ext uri="{BB962C8B-B14F-4D97-AF65-F5344CB8AC3E}">
+        <p14:creationId xmlns:p14="http://schemas.microsoft.com/office/powerpoint/2010/main" val="542503625"/>
       </p:ext>
     </p:extLst>
   </p:cSld>
@@ -43470,6 +45366,21 @@
 </file>
 
 <file path=customXml/item1.xml><?xml version="1.0" encoding="utf-8"?>
+<?mso-contentType ?>
+<FormTemplates xmlns="http://schemas.microsoft.com/sharepoint/v3/contenttype/forms">
+  <Display>DocumentLibraryForm</Display>
+  <Edit>DocumentLibraryForm</Edit>
+  <New>DocumentLibraryForm</New>
+</FormTemplates>
+</file>
+
+<file path=customXml/item2.xml><?xml version="1.0" encoding="utf-8"?>
+<p:properties xmlns:p="http://schemas.microsoft.com/office/2006/metadata/properties" xmlns:xsi="http://www.w3.org/2001/XMLSchema-instance" xmlns:pc="http://schemas.microsoft.com/office/infopath/2007/PartnerControls">
+  <documentManagement/>
+</p:properties>
+</file>
+
+<file path=customXml/item3.xml><?xml version="1.0" encoding="utf-8"?>
 <ct:contentTypeSchema xmlns:ct="http://schemas.microsoft.com/office/2006/metadata/contentType" xmlns:ma="http://schemas.microsoft.com/office/2006/metadata/properties/metaAttributes" ct:_="" ma:_="" ma:contentTypeName="Document" ma:contentTypeID="0x010100236A1409D70A004289B1A306A506FE0F" ma:contentTypeVersion="0" ma:contentTypeDescription="Create a new document." ma:contentTypeScope="" ma:versionID="44b6095126b1c04117fd76932e6f6d9e">
   <xsd:schema xmlns:xsd="http://www.w3.org/2001/XMLSchema" xmlns:xs="http://www.w3.org/2001/XMLSchema" xmlns:p="http://schemas.microsoft.com/office/2006/metadata/properties" targetNamespace="http://schemas.microsoft.com/office/2006/metadata/properties" ma:root="true" ma:fieldsID="c64490b4aec6201516c3a874156f37b2">
     <xsd:element name="properties">
@@ -43583,22 +45494,30 @@
 </ct:contentTypeSchema>
 </file>
 
-<file path=customXml/item2.xml><?xml version="1.0" encoding="utf-8"?>
-<?mso-contentType ?>
-<FormTemplates xmlns="http://schemas.microsoft.com/sharepoint/v3/contenttype/forms">
-  <Display>DocumentLibraryForm</Display>
-  <Edit>DocumentLibraryForm</Edit>
-  <New>DocumentLibraryForm</New>
-</FormTemplates>
+<file path=customXml/itemProps1.xml><?xml version="1.0" encoding="utf-8"?>
+<ds:datastoreItem xmlns:ds="http://schemas.openxmlformats.org/officeDocument/2006/customXml" ds:itemID="{B1238A3D-0C9C-45D5-A323-9473BCA055B8}">
+  <ds:schemaRefs>
+    <ds:schemaRef ds:uri="http://schemas.microsoft.com/sharepoint/v3/contenttype/forms"/>
+  </ds:schemaRefs>
+</ds:datastoreItem>
 </file>
 
-<file path=customXml/item3.xml><?xml version="1.0" encoding="utf-8"?>
-<p:properties xmlns:p="http://schemas.microsoft.com/office/2006/metadata/properties" xmlns:xsi="http://www.w3.org/2001/XMLSchema-instance" xmlns:pc="http://schemas.microsoft.com/office/infopath/2007/PartnerControls">
-  <documentManagement/>
-</p:properties>
+<file path=customXml/itemProps2.xml><?xml version="1.0" encoding="utf-8"?>
+<ds:datastoreItem xmlns:ds="http://schemas.openxmlformats.org/officeDocument/2006/customXml" ds:itemID="{9FC4B2BE-E23F-4A12-A9DC-64F9DB2716B3}">
+  <ds:schemaRefs>
+    <ds:schemaRef ds:uri="http://schemas.microsoft.com/office/2006/documentManagement/types"/>
+    <ds:schemaRef ds:uri="http://schemas.openxmlformats.org/package/2006/metadata/core-properties"/>
+    <ds:schemaRef ds:uri="http://www.w3.org/XML/1998/namespace"/>
+    <ds:schemaRef ds:uri="http://purl.org/dc/elements/1.1/"/>
+    <ds:schemaRef ds:uri="http://purl.org/dc/dcmitype/"/>
+    <ds:schemaRef ds:uri="http://purl.org/dc/terms/"/>
+    <ds:schemaRef ds:uri="http://schemas.microsoft.com/office/infopath/2007/PartnerControls"/>
+    <ds:schemaRef ds:uri="http://schemas.microsoft.com/office/2006/metadata/properties"/>
+  </ds:schemaRefs>
+</ds:datastoreItem>
 </file>
 
-<file path=customXml/itemProps1.xml><?xml version="1.0" encoding="utf-8"?>
+<file path=customXml/itemProps3.xml><?xml version="1.0" encoding="utf-8"?>
 <ds:datastoreItem xmlns:ds="http://schemas.openxmlformats.org/officeDocument/2006/customXml" ds:itemID="{B2441312-3F36-47C5-9306-1628FB80F79F}">
   <ds:schemaRefs>
     <ds:schemaRef ds:uri="http://schemas.microsoft.com/office/2006/metadata/contentType"/>
@@ -43612,27 +45531,4 @@
     <ds:schemaRef ds:uri="http://schemas.microsoft.com/office/infopath/2007/PartnerControls"/>
   </ds:schemaRefs>
 </ds:datastoreItem>
-</file>
-
-<file path=customXml/itemProps2.xml><?xml version="1.0" encoding="utf-8"?>
-<ds:datastoreItem xmlns:ds="http://schemas.openxmlformats.org/officeDocument/2006/customXml" ds:itemID="{B1238A3D-0C9C-45D5-A323-9473BCA055B8}">
-  <ds:schemaRefs>
-    <ds:schemaRef ds:uri="http://schemas.microsoft.com/sharepoint/v3/contenttype/forms"/>
-  </ds:schemaRefs>
-</ds:datastoreItem>
-</file>
-
-<file path=customXml/itemProps3.xml><?xml version="1.0" encoding="utf-8"?>
-<ds:datastoreItem xmlns:ds="http://schemas.openxmlformats.org/officeDocument/2006/customXml" ds:itemID="{9FC4B2BE-E23F-4A12-A9DC-64F9DB2716B3}">
-  <ds:schemaRefs>
-    <ds:schemaRef ds:uri="http://schemas.microsoft.com/office/2006/documentManagement/types"/>
-    <ds:schemaRef ds:uri="http://schemas.openxmlformats.org/package/2006/metadata/core-properties"/>
-    <ds:schemaRef ds:uri="http://www.w3.org/XML/1998/namespace"/>
-    <ds:schemaRef ds:uri="http://purl.org/dc/elements/1.1/"/>
-    <ds:schemaRef ds:uri="http://purl.org/dc/dcmitype/"/>
-    <ds:schemaRef ds:uri="http://purl.org/dc/terms/"/>
-    <ds:schemaRef ds:uri="http://schemas.microsoft.com/office/infopath/2007/PartnerControls"/>
-    <ds:schemaRef ds:uri="http://schemas.microsoft.com/office/2006/metadata/properties"/>
-  </ds:schemaRefs>
-</ds:datastoreItem>
 </file>
--- a/trendmicro template.pptx
+++ b/trendmicro template.pptx
@@ -16669,7 +16669,7 @@
               <a:pPr>
                 <a:defRPr/>
               </a:pPr>
-              <a:t>8/9/2016</a:t>
+              <a:t>8/10/2016</a:t>
             </a:fld>
             <a:endParaRPr lang="en-US" dirty="0"/>
           </a:p>
@@ -16915,7 +16915,7 @@
               <a:pPr>
                 <a:defRPr/>
               </a:pPr>
-              <a:t>8/9/2016</a:t>
+              <a:t>8/10/2016</a:t>
             </a:fld>
             <a:endParaRPr lang="en-US" dirty="0"/>
           </a:p>
@@ -17385,7 +17385,7 @@
             <a:fld id="{5C8FD179-FCC0-409B-BF0B-B98312203495}" type="datetime1">
               <a:rPr lang="en-US" altLang="zh-TW"/>
               <a:pPr/>
-              <a:t>8/9/2016</a:t>
+              <a:t>8/10/2016</a:t>
             </a:fld>
             <a:endParaRPr lang="en-US" altLang="zh-TW" dirty="0"/>
           </a:p>
@@ -17560,7 +17560,7 @@
               <a:pPr>
                 <a:defRPr/>
               </a:pPr>
-              <a:t>8/9/2016</a:t>
+              <a:t>8/10/2016</a:t>
             </a:fld>
             <a:endParaRPr lang="en-US" dirty="0"/>
           </a:p>
@@ -17780,7 +17780,7 @@
               <a:pPr>
                 <a:defRPr/>
               </a:pPr>
-              <a:t>8/9/2016</a:t>
+              <a:t>8/10/2016</a:t>
             </a:fld>
             <a:endParaRPr lang="en-US" dirty="0"/>
           </a:p>
@@ -18014,7 +18014,7 @@
               <a:pPr>
                 <a:defRPr/>
               </a:pPr>
-              <a:t>8/9/2016</a:t>
+              <a:t>8/10/2016</a:t>
             </a:fld>
             <a:endParaRPr lang="en-US" dirty="0"/>
           </a:p>
@@ -18272,7 +18272,7 @@
               <a:pPr>
                 <a:defRPr/>
               </a:pPr>
-              <a:t>8/9/2016</a:t>
+              <a:t>8/10/2016</a:t>
             </a:fld>
             <a:endParaRPr lang="en-US" dirty="0"/>
           </a:p>
@@ -18595,7 +18595,7 @@
               <a:pPr>
                 <a:defRPr/>
               </a:pPr>
-              <a:t>8/9/2016</a:t>
+              <a:t>8/10/2016</a:t>
             </a:fld>
             <a:endParaRPr lang="en-US" dirty="0"/>
           </a:p>
@@ -18825,7 +18825,7 @@
               <a:pPr>
                 <a:defRPr/>
               </a:pPr>
-              <a:t>8/9/2016</a:t>
+              <a:t>8/10/2016</a:t>
             </a:fld>
             <a:endParaRPr lang="en-US" dirty="0"/>
           </a:p>
@@ -19158,7 +19158,7 @@
               <a:pPr>
                 <a:defRPr/>
               </a:pPr>
-              <a:t>8/9/2016</a:t>
+              <a:t>8/10/2016</a:t>
             </a:fld>
             <a:endParaRPr lang="en-US" dirty="0"/>
           </a:p>
@@ -19304,7 +19304,7 @@
               <a:pPr>
                 <a:defRPr/>
               </a:pPr>
-              <a:t>8/9/2016</a:t>
+              <a:t>8/10/2016</a:t>
             </a:fld>
             <a:endParaRPr lang="en-US" dirty="0"/>
           </a:p>
@@ -19427,7 +19427,7 @@
               <a:pPr>
                 <a:defRPr/>
               </a:pPr>
-              <a:t>8/9/2016</a:t>
+              <a:t>8/10/2016</a:t>
             </a:fld>
             <a:endParaRPr lang="en-US" dirty="0"/>
           </a:p>
@@ -19715,7 +19715,7 @@
               <a:pPr>
                 <a:defRPr/>
               </a:pPr>
-              <a:t>8/9/2016</a:t>
+              <a:t>8/10/2016</a:t>
             </a:fld>
             <a:endParaRPr lang="en-US" dirty="0"/>
           </a:p>
@@ -33066,11 +33066,7 @@
             </a:r>
             <a:r>
               <a:rPr lang="zh-CN" altLang="en-US" dirty="0" smtClean="0"/>
-              <a:t>采用的何种排序算法</a:t>
-            </a:r>
-            <a:r>
-              <a:rPr lang="zh-CN" altLang="en-US" dirty="0" smtClean="0"/>
-              <a:t>？</a:t>
+              <a:t>采用的何种排序算法？</a:t>
             </a:r>
             <a:endParaRPr lang="en-US" altLang="zh-CN" dirty="0" smtClean="0"/>
           </a:p>
@@ -33107,7 +33103,19 @@
             </a:pPr>
             <a:r>
               <a:rPr lang="zh-CN" altLang="en-US" dirty="0" smtClean="0"/>
-              <a:t>如果数组基本无须，采用</a:t>
+              <a:t>如果数组基</a:t>
+            </a:r>
+            <a:r>
+              <a:rPr lang="zh-CN" altLang="en-US" smtClean="0"/>
+              <a:t>本</a:t>
+            </a:r>
+            <a:r>
+              <a:rPr lang="zh-CN" altLang="en-US" smtClean="0"/>
+              <a:t>无序，</a:t>
+            </a:r>
+            <a:r>
+              <a:rPr lang="zh-CN" altLang="en-US" dirty="0" smtClean="0"/>
+              <a:t>采用</a:t>
             </a:r>
             <a:r>
               <a:rPr lang="en-US" altLang="zh-CN" dirty="0" err="1" smtClean="0"/>
@@ -33128,12 +33136,8 @@
           </a:p>
           <a:p>
             <a:r>
-              <a:rPr lang="zh-CN" altLang="en-US" smtClean="0"/>
-              <a:t>由于稳定性的需求，一</a:t>
-            </a:r>
-            <a:r>
               <a:rPr lang="zh-CN" altLang="en-US" dirty="0" smtClean="0"/>
-              <a:t>般采取合并排序</a:t>
+              <a:t>由于稳定性的需求，一般采取合并排序</a:t>
             </a:r>
             <a:endParaRPr lang="en-US" altLang="zh-CN" dirty="0"/>
           </a:p>
@@ -41627,15 +41631,7 @@
           <a:p>
             <a:r>
               <a:rPr lang="zh-CN" altLang="en-US" dirty="0" smtClean="0"/>
-              <a:t>动</a:t>
-            </a:r>
-            <a:r>
-              <a:rPr lang="zh-CN" altLang="en-US" dirty="0" smtClean="0"/>
-              <a:t>态规</a:t>
-            </a:r>
-            <a:r>
-              <a:rPr lang="zh-CN" altLang="en-US" dirty="0" smtClean="0"/>
-              <a:t>划第二个经典例子：迪杰斯特拉算法</a:t>
+              <a:t>动态规划第二个经典例子：迪杰斯特拉算法</a:t>
             </a:r>
             <a:endParaRPr lang="en-US" altLang="zh-CN" dirty="0" smtClean="0"/>
           </a:p>
@@ -43008,11 +43004,7 @@
             </a:r>
             <a:r>
               <a:rPr lang="en-US" altLang="zh-CN" dirty="0" err="1" smtClean="0"/>
-              <a:t>D</a:t>
-            </a:r>
-            <a:r>
-              <a:rPr lang="en-US" altLang="zh-CN" dirty="0" err="1" smtClean="0"/>
-              <a:t>ijkstra</a:t>
+              <a:t>Dijkstra</a:t>
             </a:r>
             <a:r>
               <a:rPr lang="zh-CN" altLang="en-US" dirty="0" smtClean="0"/>
@@ -45366,21 +45358,12 @@
 </file>
 
 <file path=customXml/item1.xml><?xml version="1.0" encoding="utf-8"?>
-<?mso-contentType ?>
-<FormTemplates xmlns="http://schemas.microsoft.com/sharepoint/v3/contenttype/forms">
-  <Display>DocumentLibraryForm</Display>
-  <Edit>DocumentLibraryForm</Edit>
-  <New>DocumentLibraryForm</New>
-</FormTemplates>
-</file>
-
-<file path=customXml/item2.xml><?xml version="1.0" encoding="utf-8"?>
 <p:properties xmlns:p="http://schemas.microsoft.com/office/2006/metadata/properties" xmlns:xsi="http://www.w3.org/2001/XMLSchema-instance" xmlns:pc="http://schemas.microsoft.com/office/infopath/2007/PartnerControls">
   <documentManagement/>
 </p:properties>
 </file>
 
-<file path=customXml/item3.xml><?xml version="1.0" encoding="utf-8"?>
+<file path=customXml/item2.xml><?xml version="1.0" encoding="utf-8"?>
 <ct:contentTypeSchema xmlns:ct="http://schemas.microsoft.com/office/2006/metadata/contentType" xmlns:ma="http://schemas.microsoft.com/office/2006/metadata/properties/metaAttributes" ct:_="" ma:_="" ma:contentTypeName="Document" ma:contentTypeID="0x010100236A1409D70A004289B1A306A506FE0F" ma:contentTypeVersion="0" ma:contentTypeDescription="Create a new document." ma:contentTypeScope="" ma:versionID="44b6095126b1c04117fd76932e6f6d9e">
   <xsd:schema xmlns:xsd="http://www.w3.org/2001/XMLSchema" xmlns:xs="http://www.w3.org/2001/XMLSchema" xmlns:p="http://schemas.microsoft.com/office/2006/metadata/properties" targetNamespace="http://schemas.microsoft.com/office/2006/metadata/properties" ma:root="true" ma:fieldsID="c64490b4aec6201516c3a874156f37b2">
     <xsd:element name="properties">
@@ -45494,15 +45477,16 @@
 </ct:contentTypeSchema>
 </file>
 
-<file path=customXml/itemProps1.xml><?xml version="1.0" encoding="utf-8"?>
-<ds:datastoreItem xmlns:ds="http://schemas.openxmlformats.org/officeDocument/2006/customXml" ds:itemID="{B1238A3D-0C9C-45D5-A323-9473BCA055B8}">
-  <ds:schemaRefs>
-    <ds:schemaRef ds:uri="http://schemas.microsoft.com/sharepoint/v3/contenttype/forms"/>
-  </ds:schemaRefs>
-</ds:datastoreItem>
+<file path=customXml/item3.xml><?xml version="1.0" encoding="utf-8"?>
+<?mso-contentType ?>
+<FormTemplates xmlns="http://schemas.microsoft.com/sharepoint/v3/contenttype/forms">
+  <Display>DocumentLibraryForm</Display>
+  <Edit>DocumentLibraryForm</Edit>
+  <New>DocumentLibraryForm</New>
+</FormTemplates>
 </file>
 
-<file path=customXml/itemProps2.xml><?xml version="1.0" encoding="utf-8"?>
+<file path=customXml/itemProps1.xml><?xml version="1.0" encoding="utf-8"?>
 <ds:datastoreItem xmlns:ds="http://schemas.openxmlformats.org/officeDocument/2006/customXml" ds:itemID="{9FC4B2BE-E23F-4A12-A9DC-64F9DB2716B3}">
   <ds:schemaRefs>
     <ds:schemaRef ds:uri="http://schemas.microsoft.com/office/2006/documentManagement/types"/>
@@ -45517,7 +45501,7 @@
 </ds:datastoreItem>
 </file>
 
-<file path=customXml/itemProps3.xml><?xml version="1.0" encoding="utf-8"?>
+<file path=customXml/itemProps2.xml><?xml version="1.0" encoding="utf-8"?>
 <ds:datastoreItem xmlns:ds="http://schemas.openxmlformats.org/officeDocument/2006/customXml" ds:itemID="{B2441312-3F36-47C5-9306-1628FB80F79F}">
   <ds:schemaRefs>
     <ds:schemaRef ds:uri="http://schemas.microsoft.com/office/2006/metadata/contentType"/>
@@ -45531,4 +45515,12 @@
     <ds:schemaRef ds:uri="http://schemas.microsoft.com/office/infopath/2007/PartnerControls"/>
   </ds:schemaRefs>
 </ds:datastoreItem>
+</file>
+
+<file path=customXml/itemProps3.xml><?xml version="1.0" encoding="utf-8"?>
+<ds:datastoreItem xmlns:ds="http://schemas.openxmlformats.org/officeDocument/2006/customXml" ds:itemID="{B1238A3D-0C9C-45D5-A323-9473BCA055B8}">
+  <ds:schemaRefs>
+    <ds:schemaRef ds:uri="http://schemas.microsoft.com/sharepoint/v3/contenttype/forms"/>
+  </ds:schemaRefs>
+</ds:datastoreItem>
 </file>
--- a/trendmicro template.pptx
+++ b/trendmicro template.pptx
@@ -16669,7 +16669,7 @@
               <a:pPr>
                 <a:defRPr/>
               </a:pPr>
-              <a:t>8/10/2016</a:t>
+              <a:t>8/24/2016</a:t>
             </a:fld>
             <a:endParaRPr lang="en-US" dirty="0"/>
           </a:p>
@@ -16915,7 +16915,7 @@
               <a:pPr>
                 <a:defRPr/>
               </a:pPr>
-              <a:t>8/10/2016</a:t>
+              <a:t>8/24/2016</a:t>
             </a:fld>
             <a:endParaRPr lang="en-US" dirty="0"/>
           </a:p>
@@ -17385,7 +17385,7 @@
             <a:fld id="{5C8FD179-FCC0-409B-BF0B-B98312203495}" type="datetime1">
               <a:rPr lang="en-US" altLang="zh-TW"/>
               <a:pPr/>
-              <a:t>8/10/2016</a:t>
+              <a:t>8/24/2016</a:t>
             </a:fld>
             <a:endParaRPr lang="en-US" altLang="zh-TW" dirty="0"/>
           </a:p>
@@ -17560,7 +17560,7 @@
               <a:pPr>
                 <a:defRPr/>
               </a:pPr>
-              <a:t>8/10/2016</a:t>
+              <a:t>8/24/2016</a:t>
             </a:fld>
             <a:endParaRPr lang="en-US" dirty="0"/>
           </a:p>
@@ -17780,7 +17780,7 @@
               <a:pPr>
                 <a:defRPr/>
               </a:pPr>
-              <a:t>8/10/2016</a:t>
+              <a:t>8/24/2016</a:t>
             </a:fld>
             <a:endParaRPr lang="en-US" dirty="0"/>
           </a:p>
@@ -18014,7 +18014,7 @@
               <a:pPr>
                 <a:defRPr/>
               </a:pPr>
-              <a:t>8/10/2016</a:t>
+              <a:t>8/24/2016</a:t>
             </a:fld>
             <a:endParaRPr lang="en-US" dirty="0"/>
           </a:p>
@@ -18272,7 +18272,7 @@
               <a:pPr>
                 <a:defRPr/>
               </a:pPr>
-              <a:t>8/10/2016</a:t>
+              <a:t>8/24/2016</a:t>
             </a:fld>
             <a:endParaRPr lang="en-US" dirty="0"/>
           </a:p>
@@ -18595,7 +18595,7 @@
               <a:pPr>
                 <a:defRPr/>
               </a:pPr>
-              <a:t>8/10/2016</a:t>
+              <a:t>8/24/2016</a:t>
             </a:fld>
             <a:endParaRPr lang="en-US" dirty="0"/>
           </a:p>
@@ -18825,7 +18825,7 @@
               <a:pPr>
                 <a:defRPr/>
               </a:pPr>
-              <a:t>8/10/2016</a:t>
+              <a:t>8/24/2016</a:t>
             </a:fld>
             <a:endParaRPr lang="en-US" dirty="0"/>
           </a:p>
@@ -19158,7 +19158,7 @@
               <a:pPr>
                 <a:defRPr/>
               </a:pPr>
-              <a:t>8/10/2016</a:t>
+              <a:t>8/24/2016</a:t>
             </a:fld>
             <a:endParaRPr lang="en-US" dirty="0"/>
           </a:p>
@@ -19304,7 +19304,7 @@
               <a:pPr>
                 <a:defRPr/>
               </a:pPr>
-              <a:t>8/10/2016</a:t>
+              <a:t>8/24/2016</a:t>
             </a:fld>
             <a:endParaRPr lang="en-US" dirty="0"/>
           </a:p>
@@ -19427,7 +19427,7 @@
               <a:pPr>
                 <a:defRPr/>
               </a:pPr>
-              <a:t>8/10/2016</a:t>
+              <a:t>8/24/2016</a:t>
             </a:fld>
             <a:endParaRPr lang="en-US" dirty="0"/>
           </a:p>
@@ -19715,7 +19715,7 @@
               <a:pPr>
                 <a:defRPr/>
               </a:pPr>
-              <a:t>8/10/2016</a:t>
+              <a:t>8/24/2016</a:t>
             </a:fld>
             <a:endParaRPr lang="en-US" dirty="0"/>
           </a:p>
@@ -33107,11 +33107,7 @@
             </a:r>
             <a:r>
               <a:rPr lang="zh-CN" altLang="en-US" smtClean="0"/>
-              <a:t>本</a:t>
-            </a:r>
-            <a:r>
-              <a:rPr lang="zh-CN" altLang="en-US" smtClean="0"/>
-              <a:t>无序，</a:t>
+              <a:t>本无序，</a:t>
             </a:r>
             <a:r>
               <a:rPr lang="zh-CN" altLang="en-US" dirty="0" smtClean="0"/>
@@ -37523,24 +37519,24 @@
               <a:t>。根据递归树状图，</a:t>
             </a:r>
             <a:r>
-              <a:rPr lang="en-US" altLang="zh-CN" dirty="0" err="1" smtClean="0"/>
+              <a:rPr lang="en-US" altLang="zh-CN" dirty="0" err="1"/>
               <a:t>lcs</a:t>
             </a:r>
             <a:r>
-              <a:rPr lang="en-US" altLang="zh-CN" dirty="0" smtClean="0"/>
-              <a:t>(1,1</a:t>
+              <a:rPr lang="en-US" altLang="zh-CN" dirty="0"/>
+              <a:t>(1,1 )</a:t>
             </a:r>
             <a:r>
               <a:rPr lang="zh-CN" altLang="en-US" dirty="0" smtClean="0"/>
-              <a:t>被计算了两次</a:t>
-            </a:r>
-            <a:r>
-              <a:rPr lang="en-US" altLang="zh-CN" dirty="0" smtClean="0"/>
-              <a:t>)</a:t>
+              <a:t>被</a:t>
             </a:r>
             <a:r>
               <a:rPr lang="zh-CN" altLang="en-US" dirty="0" smtClean="0"/>
-              <a:t>。</a:t>
+              <a:t>计算了两</a:t>
+            </a:r>
+            <a:r>
+              <a:rPr lang="zh-CN" altLang="en-US" dirty="0" smtClean="0"/>
+              <a:t>次。</a:t>
             </a:r>
             <a:endParaRPr lang="en-US" altLang="zh-CN" dirty="0" smtClean="0"/>
           </a:p>
@@ -45358,12 +45354,6 @@
 </file>
 
 <file path=customXml/item1.xml><?xml version="1.0" encoding="utf-8"?>
-<p:properties xmlns:p="http://schemas.microsoft.com/office/2006/metadata/properties" xmlns:xsi="http://www.w3.org/2001/XMLSchema-instance" xmlns:pc="http://schemas.microsoft.com/office/infopath/2007/PartnerControls">
-  <documentManagement/>
-</p:properties>
-</file>
-
-<file path=customXml/item2.xml><?xml version="1.0" encoding="utf-8"?>
 <ct:contentTypeSchema xmlns:ct="http://schemas.microsoft.com/office/2006/metadata/contentType" xmlns:ma="http://schemas.microsoft.com/office/2006/metadata/properties/metaAttributes" ct:_="" ma:_="" ma:contentTypeName="Document" ma:contentTypeID="0x010100236A1409D70A004289B1A306A506FE0F" ma:contentTypeVersion="0" ma:contentTypeDescription="Create a new document." ma:contentTypeScope="" ma:versionID="44b6095126b1c04117fd76932e6f6d9e">
   <xsd:schema xmlns:xsd="http://www.w3.org/2001/XMLSchema" xmlns:xs="http://www.w3.org/2001/XMLSchema" xmlns:p="http://schemas.microsoft.com/office/2006/metadata/properties" targetNamespace="http://schemas.microsoft.com/office/2006/metadata/properties" ma:root="true" ma:fieldsID="c64490b4aec6201516c3a874156f37b2">
     <xsd:element name="properties">
@@ -45477,7 +45467,7 @@
 </ct:contentTypeSchema>
 </file>
 
-<file path=customXml/item3.xml><?xml version="1.0" encoding="utf-8"?>
+<file path=customXml/item2.xml><?xml version="1.0" encoding="utf-8"?>
 <?mso-contentType ?>
 <FormTemplates xmlns="http://schemas.microsoft.com/sharepoint/v3/contenttype/forms">
   <Display>DocumentLibraryForm</Display>
@@ -45486,22 +45476,13 @@
 </FormTemplates>
 </file>
 
-<file path=customXml/itemProps1.xml><?xml version="1.0" encoding="utf-8"?>
-<ds:datastoreItem xmlns:ds="http://schemas.openxmlformats.org/officeDocument/2006/customXml" ds:itemID="{9FC4B2BE-E23F-4A12-A9DC-64F9DB2716B3}">
-  <ds:schemaRefs>
-    <ds:schemaRef ds:uri="http://schemas.microsoft.com/office/2006/documentManagement/types"/>
-    <ds:schemaRef ds:uri="http://schemas.openxmlformats.org/package/2006/metadata/core-properties"/>
-    <ds:schemaRef ds:uri="http://www.w3.org/XML/1998/namespace"/>
-    <ds:schemaRef ds:uri="http://purl.org/dc/elements/1.1/"/>
-    <ds:schemaRef ds:uri="http://purl.org/dc/dcmitype/"/>
-    <ds:schemaRef ds:uri="http://purl.org/dc/terms/"/>
-    <ds:schemaRef ds:uri="http://schemas.microsoft.com/office/infopath/2007/PartnerControls"/>
-    <ds:schemaRef ds:uri="http://schemas.microsoft.com/office/2006/metadata/properties"/>
-  </ds:schemaRefs>
-</ds:datastoreItem>
+<file path=customXml/item3.xml><?xml version="1.0" encoding="utf-8"?>
+<p:properties xmlns:p="http://schemas.microsoft.com/office/2006/metadata/properties" xmlns:xsi="http://www.w3.org/2001/XMLSchema-instance" xmlns:pc="http://schemas.microsoft.com/office/infopath/2007/PartnerControls">
+  <documentManagement/>
+</p:properties>
 </file>
 
-<file path=customXml/itemProps2.xml><?xml version="1.0" encoding="utf-8"?>
+<file path=customXml/itemProps1.xml><?xml version="1.0" encoding="utf-8"?>
 <ds:datastoreItem xmlns:ds="http://schemas.openxmlformats.org/officeDocument/2006/customXml" ds:itemID="{B2441312-3F36-47C5-9306-1628FB80F79F}">
   <ds:schemaRefs>
     <ds:schemaRef ds:uri="http://schemas.microsoft.com/office/2006/metadata/contentType"/>
@@ -45517,10 +45498,25 @@
 </ds:datastoreItem>
 </file>
 
-<file path=customXml/itemProps3.xml><?xml version="1.0" encoding="utf-8"?>
+<file path=customXml/itemProps2.xml><?xml version="1.0" encoding="utf-8"?>
 <ds:datastoreItem xmlns:ds="http://schemas.openxmlformats.org/officeDocument/2006/customXml" ds:itemID="{B1238A3D-0C9C-45D5-A323-9473BCA055B8}">
   <ds:schemaRefs>
     <ds:schemaRef ds:uri="http://schemas.microsoft.com/sharepoint/v3/contenttype/forms"/>
   </ds:schemaRefs>
 </ds:datastoreItem>
+</file>
+
+<file path=customXml/itemProps3.xml><?xml version="1.0" encoding="utf-8"?>
+<ds:datastoreItem xmlns:ds="http://schemas.openxmlformats.org/officeDocument/2006/customXml" ds:itemID="{9FC4B2BE-E23F-4A12-A9DC-64F9DB2716B3}">
+  <ds:schemaRefs>
+    <ds:schemaRef ds:uri="http://schemas.microsoft.com/office/2006/documentManagement/types"/>
+    <ds:schemaRef ds:uri="http://schemas.openxmlformats.org/package/2006/metadata/core-properties"/>
+    <ds:schemaRef ds:uri="http://www.w3.org/XML/1998/namespace"/>
+    <ds:schemaRef ds:uri="http://purl.org/dc/elements/1.1/"/>
+    <ds:schemaRef ds:uri="http://purl.org/dc/dcmitype/"/>
+    <ds:schemaRef ds:uri="http://purl.org/dc/terms/"/>
+    <ds:schemaRef ds:uri="http://schemas.microsoft.com/office/infopath/2007/PartnerControls"/>
+    <ds:schemaRef ds:uri="http://schemas.microsoft.com/office/2006/metadata/properties"/>
+  </ds:schemaRefs>
+</ds:datastoreItem>
 </file>